--- a/Sesión_1/Señales Discretas - Digitales.pptx
+++ b/Sesión_1/Señales Discretas - Digitales.pptx
@@ -193,2056 +193,13 @@
 <file path=ppt/revisionInfo.xml><?xml version="1.0" encoding="utf-8"?>
 <p1510:revInfo xmlns:a="http://schemas.openxmlformats.org/drawingml/2006/main" xmlns:r="http://schemas.openxmlformats.org/officeDocument/2006/relationships" xmlns:p1510="http://schemas.microsoft.com/office/powerpoint/2015/10/main">
   <p1510:revLst>
-    <p1510:client id="{79E2326A-9E69-5CD7-B0AD-FF7E3749324A}" v="2" dt="2024-08-27T06:34:19.748"/>
+    <p1510:client id="{B0D2AAE1-3849-4962-BFD2-3A39DBE37F15}" v="3" dt="2025-01-04T23:14:42.796"/>
   </p1510:revLst>
 </p1510:revInfo>
 </file>
 
 <file path=ppt/changesInfos/changesInfo1.xml><?xml version="1.0" encoding="utf-8"?>
 <pc:chgInfo xmlns:a="http://schemas.openxmlformats.org/drawingml/2006/main" xmlns:r="http://schemas.openxmlformats.org/officeDocument/2006/relationships" xmlns:ac="http://schemas.microsoft.com/office/drawing/2013/main/command" xmlns:pc="http://schemas.microsoft.com/office/powerpoint/2013/main/command">
-  <pc:docChgLst>
-    <pc:chgData name="DIEGO ALEJANDRO RODRIGUEZ GOMEZ" userId="S::darodriguezgo@itc.edu.co::1e2337d8-8fab-437d-a653-fa453b036901" providerId="AD" clId="Web-{993BD59B-2D03-410D-C6B1-0390CAD0885F}"/>
-    <pc:docChg chg="sldOrd">
-      <pc:chgData name="DIEGO ALEJANDRO RODRIGUEZ GOMEZ" userId="S::darodriguezgo@itc.edu.co::1e2337d8-8fab-437d-a653-fa453b036901" providerId="AD" clId="Web-{993BD59B-2D03-410D-C6B1-0390CAD0885F}" dt="2024-08-21T00:00:14.919" v="0"/>
-      <pc:docMkLst>
-        <pc:docMk/>
-      </pc:docMkLst>
-      <pc:sldChg chg="ord">
-        <pc:chgData name="DIEGO ALEJANDRO RODRIGUEZ GOMEZ" userId="S::darodriguezgo@itc.edu.co::1e2337d8-8fab-437d-a653-fa453b036901" providerId="AD" clId="Web-{993BD59B-2D03-410D-C6B1-0390CAD0885F}" dt="2024-08-21T00:00:14.919" v="0"/>
-        <pc:sldMkLst>
-          <pc:docMk/>
-          <pc:sldMk cId="2587530529" sldId="277"/>
-        </pc:sldMkLst>
-      </pc:sldChg>
-    </pc:docChg>
-  </pc:docChgLst>
-  <pc:docChgLst>
-    <pc:chgData name="JHEYSON FABIAN VILLAVISAN BUITRAGO" userId="e5ced5c2-d787-455d-b115-4f08a699b8c8" providerId="ADAL" clId="{8E25494D-6FE9-4492-95C5-0A818C1AD0D5}"/>
-    <pc:docChg chg="undo custSel addSld delSld modSld sldOrd modSection">
-      <pc:chgData name="JHEYSON FABIAN VILLAVISAN BUITRAGO" userId="e5ced5c2-d787-455d-b115-4f08a699b8c8" providerId="ADAL" clId="{8E25494D-6FE9-4492-95C5-0A818C1AD0D5}" dt="2024-08-21T02:01:53.222" v="826" actId="1076"/>
-      <pc:docMkLst>
-        <pc:docMk/>
-      </pc:docMkLst>
-      <pc:sldChg chg="addSp delSp modSp mod modNotesTx">
-        <pc:chgData name="JHEYSON FABIAN VILLAVISAN BUITRAGO" userId="e5ced5c2-d787-455d-b115-4f08a699b8c8" providerId="ADAL" clId="{8E25494D-6FE9-4492-95C5-0A818C1AD0D5}" dt="2024-08-21T00:09:20.265" v="752" actId="478"/>
-        <pc:sldMkLst>
-          <pc:docMk/>
-          <pc:sldMk cId="34520361" sldId="275"/>
-        </pc:sldMkLst>
-        <pc:spChg chg="add del mod">
-          <ac:chgData name="JHEYSON FABIAN VILLAVISAN BUITRAGO" userId="e5ced5c2-d787-455d-b115-4f08a699b8c8" providerId="ADAL" clId="{8E25494D-6FE9-4492-95C5-0A818C1AD0D5}" dt="2024-08-21T00:09:20.265" v="752" actId="478"/>
-          <ac:spMkLst>
-            <pc:docMk/>
-            <pc:sldMk cId="34520361" sldId="275"/>
-            <ac:spMk id="8" creationId="{91D4DE83-D247-0D4E-13D8-C5351774B8CB}"/>
-          </ac:spMkLst>
-        </pc:spChg>
-        <pc:picChg chg="add mod">
-          <ac:chgData name="JHEYSON FABIAN VILLAVISAN BUITRAGO" userId="e5ced5c2-d787-455d-b115-4f08a699b8c8" providerId="ADAL" clId="{8E25494D-6FE9-4492-95C5-0A818C1AD0D5}" dt="2024-08-20T23:46:39.079" v="622" actId="1076"/>
-          <ac:picMkLst>
-            <pc:docMk/>
-            <pc:sldMk cId="34520361" sldId="275"/>
-            <ac:picMk id="4" creationId="{9418D3E6-A201-784F-C03B-4E5340AF2190}"/>
-          </ac:picMkLst>
-        </pc:picChg>
-        <pc:picChg chg="add mod">
-          <ac:chgData name="JHEYSON FABIAN VILLAVISAN BUITRAGO" userId="e5ced5c2-d787-455d-b115-4f08a699b8c8" providerId="ADAL" clId="{8E25494D-6FE9-4492-95C5-0A818C1AD0D5}" dt="2024-08-20T23:46:38.108" v="621" actId="1076"/>
-          <ac:picMkLst>
-            <pc:docMk/>
-            <pc:sldMk cId="34520361" sldId="275"/>
-            <ac:picMk id="7" creationId="{0D8EDE3D-0AEB-C6FD-71ED-BE233F884870}"/>
-          </ac:picMkLst>
-        </pc:picChg>
-        <pc:picChg chg="del">
-          <ac:chgData name="JHEYSON FABIAN VILLAVISAN BUITRAGO" userId="e5ced5c2-d787-455d-b115-4f08a699b8c8" providerId="ADAL" clId="{8E25494D-6FE9-4492-95C5-0A818C1AD0D5}" dt="2024-08-20T21:33:52.257" v="27" actId="478"/>
-          <ac:picMkLst>
-            <pc:docMk/>
-            <pc:sldMk cId="34520361" sldId="275"/>
-            <ac:picMk id="15" creationId="{87838337-E671-3C6E-8B29-CCC8D96AD877}"/>
-          </ac:picMkLst>
-        </pc:picChg>
-        <pc:picChg chg="del">
-          <ac:chgData name="JHEYSON FABIAN VILLAVISAN BUITRAGO" userId="e5ced5c2-d787-455d-b115-4f08a699b8c8" providerId="ADAL" clId="{8E25494D-6FE9-4492-95C5-0A818C1AD0D5}" dt="2024-08-20T21:33:47.599" v="23" actId="478"/>
-          <ac:picMkLst>
-            <pc:docMk/>
-            <pc:sldMk cId="34520361" sldId="275"/>
-            <ac:picMk id="19" creationId="{00216E3F-6A81-B589-FB34-CD5B00474CFC}"/>
-          </ac:picMkLst>
-        </pc:picChg>
-      </pc:sldChg>
-      <pc:sldChg chg="addSp delSp modSp mod modNotes modNotesTx">
-        <pc:chgData name="JHEYSON FABIAN VILLAVISAN BUITRAGO" userId="e5ced5c2-d787-455d-b115-4f08a699b8c8" providerId="ADAL" clId="{8E25494D-6FE9-4492-95C5-0A818C1AD0D5}" dt="2024-08-21T00:12:30.637" v="753" actId="14100"/>
-        <pc:sldMkLst>
-          <pc:docMk/>
-          <pc:sldMk cId="2587530529" sldId="277"/>
-        </pc:sldMkLst>
-        <pc:picChg chg="add mod">
-          <ac:chgData name="JHEYSON FABIAN VILLAVISAN BUITRAGO" userId="e5ced5c2-d787-455d-b115-4f08a699b8c8" providerId="ADAL" clId="{8E25494D-6FE9-4492-95C5-0A818C1AD0D5}" dt="2024-08-20T21:37:11.890" v="37" actId="1076"/>
-          <ac:picMkLst>
-            <pc:docMk/>
-            <pc:sldMk cId="2587530529" sldId="277"/>
-            <ac:picMk id="3" creationId="{0E423D7D-ED47-174C-29C9-00D4328D40B3}"/>
-          </ac:picMkLst>
-        </pc:picChg>
-        <pc:picChg chg="del">
-          <ac:chgData name="JHEYSON FABIAN VILLAVISAN BUITRAGO" userId="e5ced5c2-d787-455d-b115-4f08a699b8c8" providerId="ADAL" clId="{8E25494D-6FE9-4492-95C5-0A818C1AD0D5}" dt="2024-08-20T21:37:03.388" v="35" actId="478"/>
-          <ac:picMkLst>
-            <pc:docMk/>
-            <pc:sldMk cId="2587530529" sldId="277"/>
-            <ac:picMk id="4" creationId="{CF428180-C5CC-E01B-CDE1-66FB56171E1D}"/>
-          </ac:picMkLst>
-        </pc:picChg>
-        <pc:picChg chg="add mod">
-          <ac:chgData name="JHEYSON FABIAN VILLAVISAN BUITRAGO" userId="e5ced5c2-d787-455d-b115-4f08a699b8c8" providerId="ADAL" clId="{8E25494D-6FE9-4492-95C5-0A818C1AD0D5}" dt="2024-08-21T00:12:30.637" v="753" actId="14100"/>
-          <ac:picMkLst>
-            <pc:docMk/>
-            <pc:sldMk cId="2587530529" sldId="277"/>
-            <ac:picMk id="7" creationId="{7B888150-3D13-F724-3936-F6D7FB619E22}"/>
-          </ac:picMkLst>
-        </pc:picChg>
-        <pc:picChg chg="del">
-          <ac:chgData name="JHEYSON FABIAN VILLAVISAN BUITRAGO" userId="e5ced5c2-d787-455d-b115-4f08a699b8c8" providerId="ADAL" clId="{8E25494D-6FE9-4492-95C5-0A818C1AD0D5}" dt="2024-08-20T21:37:02.987" v="34" actId="478"/>
-          <ac:picMkLst>
-            <pc:docMk/>
-            <pc:sldMk cId="2587530529" sldId="277"/>
-            <ac:picMk id="19" creationId="{00216E3F-6A81-B589-FB34-CD5B00474CFC}"/>
-          </ac:picMkLst>
-        </pc:picChg>
-      </pc:sldChg>
-      <pc:sldChg chg="ord">
-        <pc:chgData name="JHEYSON FABIAN VILLAVISAN BUITRAGO" userId="e5ced5c2-d787-455d-b115-4f08a699b8c8" providerId="ADAL" clId="{8E25494D-6FE9-4492-95C5-0A818C1AD0D5}" dt="2024-08-20T21:50:10.823" v="215"/>
-        <pc:sldMkLst>
-          <pc:docMk/>
-          <pc:sldMk cId="929824070" sldId="279"/>
-        </pc:sldMkLst>
-      </pc:sldChg>
-      <pc:sldChg chg="modSp mod">
-        <pc:chgData name="JHEYSON FABIAN VILLAVISAN BUITRAGO" userId="e5ced5c2-d787-455d-b115-4f08a699b8c8" providerId="ADAL" clId="{8E25494D-6FE9-4492-95C5-0A818C1AD0D5}" dt="2024-08-21T02:01:53.222" v="826" actId="1076"/>
-        <pc:sldMkLst>
-          <pc:docMk/>
-          <pc:sldMk cId="1406170200" sldId="281"/>
-        </pc:sldMkLst>
-        <pc:spChg chg="mod">
-          <ac:chgData name="JHEYSON FABIAN VILLAVISAN BUITRAGO" userId="e5ced5c2-d787-455d-b115-4f08a699b8c8" providerId="ADAL" clId="{8E25494D-6FE9-4492-95C5-0A818C1AD0D5}" dt="2024-08-20T21:38:56.670" v="56" actId="20577"/>
-          <ac:spMkLst>
-            <pc:docMk/>
-            <pc:sldMk cId="1406170200" sldId="281"/>
-            <ac:spMk id="2" creationId="{FB1B6180-BCA0-4F51-9F68-9E5BAB8A4FDC}"/>
-          </ac:spMkLst>
-        </pc:spChg>
-        <pc:spChg chg="mod">
-          <ac:chgData name="JHEYSON FABIAN VILLAVISAN BUITRAGO" userId="e5ced5c2-d787-455d-b115-4f08a699b8c8" providerId="ADAL" clId="{8E25494D-6FE9-4492-95C5-0A818C1AD0D5}" dt="2024-08-21T02:01:53.222" v="826" actId="1076"/>
-          <ac:spMkLst>
-            <pc:docMk/>
-            <pc:sldMk cId="1406170200" sldId="281"/>
-            <ac:spMk id="4" creationId="{A9A4A0C2-930C-0E2E-41F8-622F2BEB0F2A}"/>
-          </ac:spMkLst>
-        </pc:spChg>
-        <pc:spChg chg="mod">
-          <ac:chgData name="JHEYSON FABIAN VILLAVISAN BUITRAGO" userId="e5ced5c2-d787-455d-b115-4f08a699b8c8" providerId="ADAL" clId="{8E25494D-6FE9-4492-95C5-0A818C1AD0D5}" dt="2024-08-20T23:14:15.360" v="609" actId="20577"/>
-          <ac:spMkLst>
-            <pc:docMk/>
-            <pc:sldMk cId="1406170200" sldId="281"/>
-            <ac:spMk id="10" creationId="{AF4E183E-A171-4923-A99E-D149888CEC37}"/>
-          </ac:spMkLst>
-        </pc:spChg>
-      </pc:sldChg>
-      <pc:sldChg chg="modSp del mod">
-        <pc:chgData name="JHEYSON FABIAN VILLAVISAN BUITRAGO" userId="e5ced5c2-d787-455d-b115-4f08a699b8c8" providerId="ADAL" clId="{8E25494D-6FE9-4492-95C5-0A818C1AD0D5}" dt="2024-08-21T01:04:48.393" v="823" actId="47"/>
-        <pc:sldMkLst>
-          <pc:docMk/>
-          <pc:sldMk cId="3069458274" sldId="282"/>
-        </pc:sldMkLst>
-        <pc:spChg chg="mod">
-          <ac:chgData name="JHEYSON FABIAN VILLAVISAN BUITRAGO" userId="e5ced5c2-d787-455d-b115-4f08a699b8c8" providerId="ADAL" clId="{8E25494D-6FE9-4492-95C5-0A818C1AD0D5}" dt="2024-08-20T23:14:28.307" v="619" actId="20577"/>
-          <ac:spMkLst>
-            <pc:docMk/>
-            <pc:sldMk cId="3069458274" sldId="282"/>
-            <ac:spMk id="10" creationId="{AF4E183E-A171-4923-A99E-D149888CEC37}"/>
-          </ac:spMkLst>
-        </pc:spChg>
-      </pc:sldChg>
-      <pc:sldChg chg="modSp mod">
-        <pc:chgData name="JHEYSON FABIAN VILLAVISAN BUITRAGO" userId="e5ced5c2-d787-455d-b115-4f08a699b8c8" providerId="ADAL" clId="{8E25494D-6FE9-4492-95C5-0A818C1AD0D5}" dt="2024-08-20T23:14:20.190" v="613" actId="20577"/>
-        <pc:sldMkLst>
-          <pc:docMk/>
-          <pc:sldMk cId="1800295832" sldId="283"/>
-        </pc:sldMkLst>
-        <pc:spChg chg="mod">
-          <ac:chgData name="JHEYSON FABIAN VILLAVISAN BUITRAGO" userId="e5ced5c2-d787-455d-b115-4f08a699b8c8" providerId="ADAL" clId="{8E25494D-6FE9-4492-95C5-0A818C1AD0D5}" dt="2024-08-20T23:14:20.190" v="613" actId="20577"/>
-          <ac:spMkLst>
-            <pc:docMk/>
-            <pc:sldMk cId="1800295832" sldId="283"/>
-            <ac:spMk id="10" creationId="{AF4E183E-A171-4923-A99E-D149888CEC37}"/>
-          </ac:spMkLst>
-        </pc:spChg>
-      </pc:sldChg>
-      <pc:sldChg chg="modSp mod">
-        <pc:chgData name="JHEYSON FABIAN VILLAVISAN BUITRAGO" userId="e5ced5c2-d787-455d-b115-4f08a699b8c8" providerId="ADAL" clId="{8E25494D-6FE9-4492-95C5-0A818C1AD0D5}" dt="2024-08-20T23:14:22.754" v="615" actId="20577"/>
-        <pc:sldMkLst>
-          <pc:docMk/>
-          <pc:sldMk cId="3861690608" sldId="284"/>
-        </pc:sldMkLst>
-        <pc:spChg chg="mod">
-          <ac:chgData name="JHEYSON FABIAN VILLAVISAN BUITRAGO" userId="e5ced5c2-d787-455d-b115-4f08a699b8c8" providerId="ADAL" clId="{8E25494D-6FE9-4492-95C5-0A818C1AD0D5}" dt="2024-08-20T23:14:22.754" v="615" actId="20577"/>
-          <ac:spMkLst>
-            <pc:docMk/>
-            <pc:sldMk cId="3861690608" sldId="284"/>
-            <ac:spMk id="10" creationId="{AF4E183E-A171-4923-A99E-D149888CEC37}"/>
-          </ac:spMkLst>
-        </pc:spChg>
-      </pc:sldChg>
-      <pc:sldChg chg="modSp mod">
-        <pc:chgData name="JHEYSON FABIAN VILLAVISAN BUITRAGO" userId="e5ced5c2-d787-455d-b115-4f08a699b8c8" providerId="ADAL" clId="{8E25494D-6FE9-4492-95C5-0A818C1AD0D5}" dt="2024-08-20T23:14:17.783" v="611" actId="20577"/>
-        <pc:sldMkLst>
-          <pc:docMk/>
-          <pc:sldMk cId="197386410" sldId="285"/>
-        </pc:sldMkLst>
-        <pc:spChg chg="mod">
-          <ac:chgData name="JHEYSON FABIAN VILLAVISAN BUITRAGO" userId="e5ced5c2-d787-455d-b115-4f08a699b8c8" providerId="ADAL" clId="{8E25494D-6FE9-4492-95C5-0A818C1AD0D5}" dt="2024-08-20T23:14:17.783" v="611" actId="20577"/>
-          <ac:spMkLst>
-            <pc:docMk/>
-            <pc:sldMk cId="197386410" sldId="285"/>
-            <ac:spMk id="10" creationId="{AF4E183E-A171-4923-A99E-D149888CEC37}"/>
-          </ac:spMkLst>
-        </pc:spChg>
-      </pc:sldChg>
-      <pc:sldChg chg="modSp mod">
-        <pc:chgData name="JHEYSON FABIAN VILLAVISAN BUITRAGO" userId="e5ced5c2-d787-455d-b115-4f08a699b8c8" providerId="ADAL" clId="{8E25494D-6FE9-4492-95C5-0A818C1AD0D5}" dt="2024-08-21T01:04:53.928" v="825" actId="20577"/>
-        <pc:sldMkLst>
-          <pc:docMk/>
-          <pc:sldMk cId="2009991203" sldId="286"/>
-        </pc:sldMkLst>
-        <pc:spChg chg="mod">
-          <ac:chgData name="JHEYSON FABIAN VILLAVISAN BUITRAGO" userId="e5ced5c2-d787-455d-b115-4f08a699b8c8" providerId="ADAL" clId="{8E25494D-6FE9-4492-95C5-0A818C1AD0D5}" dt="2024-08-20T23:14:05.327" v="607" actId="20577"/>
-          <ac:spMkLst>
-            <pc:docMk/>
-            <pc:sldMk cId="2009991203" sldId="286"/>
-            <ac:spMk id="4" creationId="{A9A4A0C2-930C-0E2E-41F8-622F2BEB0F2A}"/>
-          </ac:spMkLst>
-        </pc:spChg>
-        <pc:spChg chg="mod">
-          <ac:chgData name="JHEYSON FABIAN VILLAVISAN BUITRAGO" userId="e5ced5c2-d787-455d-b115-4f08a699b8c8" providerId="ADAL" clId="{8E25494D-6FE9-4492-95C5-0A818C1AD0D5}" dt="2024-08-21T01:04:53.928" v="825" actId="20577"/>
-          <ac:spMkLst>
-            <pc:docMk/>
-            <pc:sldMk cId="2009991203" sldId="286"/>
-            <ac:spMk id="10" creationId="{AF4E183E-A171-4923-A99E-D149888CEC37}"/>
-          </ac:spMkLst>
-        </pc:spChg>
-      </pc:sldChg>
-      <pc:sldChg chg="modSp mod">
-        <pc:chgData name="JHEYSON FABIAN VILLAVISAN BUITRAGO" userId="e5ced5c2-d787-455d-b115-4f08a699b8c8" providerId="ADAL" clId="{8E25494D-6FE9-4492-95C5-0A818C1AD0D5}" dt="2024-08-20T23:14:24.889" v="617" actId="20577"/>
-        <pc:sldMkLst>
-          <pc:docMk/>
-          <pc:sldMk cId="1989227391" sldId="287"/>
-        </pc:sldMkLst>
-        <pc:spChg chg="mod">
-          <ac:chgData name="JHEYSON FABIAN VILLAVISAN BUITRAGO" userId="e5ced5c2-d787-455d-b115-4f08a699b8c8" providerId="ADAL" clId="{8E25494D-6FE9-4492-95C5-0A818C1AD0D5}" dt="2024-08-20T23:14:24.889" v="617" actId="20577"/>
-          <ac:spMkLst>
-            <pc:docMk/>
-            <pc:sldMk cId="1989227391" sldId="287"/>
-            <ac:spMk id="10" creationId="{AF4E183E-A171-4923-A99E-D149888CEC37}"/>
-          </ac:spMkLst>
-        </pc:spChg>
-      </pc:sldChg>
-      <pc:sldChg chg="addSp delSp modSp mod">
-        <pc:chgData name="JHEYSON FABIAN VILLAVISAN BUITRAGO" userId="e5ced5c2-d787-455d-b115-4f08a699b8c8" providerId="ADAL" clId="{8E25494D-6FE9-4492-95C5-0A818C1AD0D5}" dt="2024-08-20T21:28:21.838" v="22" actId="1076"/>
-        <pc:sldMkLst>
-          <pc:docMk/>
-          <pc:sldMk cId="2965408220" sldId="288"/>
-        </pc:sldMkLst>
-        <pc:spChg chg="del">
-          <ac:chgData name="JHEYSON FABIAN VILLAVISAN BUITRAGO" userId="e5ced5c2-d787-455d-b115-4f08a699b8c8" providerId="ADAL" clId="{8E25494D-6FE9-4492-95C5-0A818C1AD0D5}" dt="2024-08-20T21:28:02.483" v="18" actId="478"/>
-          <ac:spMkLst>
-            <pc:docMk/>
-            <pc:sldMk cId="2965408220" sldId="288"/>
-            <ac:spMk id="3" creationId="{FC88F630-6ADB-4FC8-9841-93248EA64007}"/>
-          </ac:spMkLst>
-        </pc:spChg>
-        <pc:spChg chg="mod">
-          <ac:chgData name="JHEYSON FABIAN VILLAVISAN BUITRAGO" userId="e5ced5c2-d787-455d-b115-4f08a699b8c8" providerId="ADAL" clId="{8E25494D-6FE9-4492-95C5-0A818C1AD0D5}" dt="2024-08-20T21:28:21.838" v="22" actId="1076"/>
-          <ac:spMkLst>
-            <pc:docMk/>
-            <pc:sldMk cId="2965408220" sldId="288"/>
-            <ac:spMk id="8" creationId="{5932E3F1-24A7-A01F-0773-6237BD556E80}"/>
-          </ac:spMkLst>
-        </pc:spChg>
-        <pc:graphicFrameChg chg="del">
-          <ac:chgData name="JHEYSON FABIAN VILLAVISAN BUITRAGO" userId="e5ced5c2-d787-455d-b115-4f08a699b8c8" providerId="ADAL" clId="{8E25494D-6FE9-4492-95C5-0A818C1AD0D5}" dt="2024-08-20T21:26:31.538" v="0" actId="478"/>
-          <ac:graphicFrameMkLst>
-            <pc:docMk/>
-            <pc:sldMk cId="2965408220" sldId="288"/>
-            <ac:graphicFrameMk id="2" creationId="{BFAD80C6-663E-42AD-A6EE-0E699E7C415E}"/>
-          </ac:graphicFrameMkLst>
-        </pc:graphicFrameChg>
-        <pc:graphicFrameChg chg="add mod modGraphic">
-          <ac:chgData name="JHEYSON FABIAN VILLAVISAN BUITRAGO" userId="e5ced5c2-d787-455d-b115-4f08a699b8c8" providerId="ADAL" clId="{8E25494D-6FE9-4492-95C5-0A818C1AD0D5}" dt="2024-08-20T21:28:07.948" v="19" actId="1076"/>
-          <ac:graphicFrameMkLst>
-            <pc:docMk/>
-            <pc:sldMk cId="2965408220" sldId="288"/>
-            <ac:graphicFrameMk id="6" creationId="{EAFA30B9-B74F-C807-F5CF-91ADE1B5A28F}"/>
-          </ac:graphicFrameMkLst>
-        </pc:graphicFrameChg>
-      </pc:sldChg>
-      <pc:sldChg chg="delSp modSp add mod modNotesTx">
-        <pc:chgData name="JHEYSON FABIAN VILLAVISAN BUITRAGO" userId="e5ced5c2-d787-455d-b115-4f08a699b8c8" providerId="ADAL" clId="{8E25494D-6FE9-4492-95C5-0A818C1AD0D5}" dt="2024-08-20T21:57:54.971" v="268" actId="20577"/>
-        <pc:sldMkLst>
-          <pc:docMk/>
-          <pc:sldMk cId="1667910722" sldId="289"/>
-        </pc:sldMkLst>
-        <pc:spChg chg="mod">
-          <ac:chgData name="JHEYSON FABIAN VILLAVISAN BUITRAGO" userId="e5ced5c2-d787-455d-b115-4f08a699b8c8" providerId="ADAL" clId="{8E25494D-6FE9-4492-95C5-0A818C1AD0D5}" dt="2024-08-20T21:46:16.889" v="136" actId="20577"/>
-          <ac:spMkLst>
-            <pc:docMk/>
-            <pc:sldMk cId="1667910722" sldId="289"/>
-            <ac:spMk id="2" creationId="{FB1B6180-BCA0-4F51-9F68-9E5BAB8A4FDC}"/>
-          </ac:spMkLst>
-        </pc:spChg>
-        <pc:spChg chg="del">
-          <ac:chgData name="JHEYSON FABIAN VILLAVISAN BUITRAGO" userId="e5ced5c2-d787-455d-b115-4f08a699b8c8" providerId="ADAL" clId="{8E25494D-6FE9-4492-95C5-0A818C1AD0D5}" dt="2024-08-20T21:45:19.688" v="132" actId="478"/>
-          <ac:spMkLst>
-            <pc:docMk/>
-            <pc:sldMk cId="1667910722" sldId="289"/>
-            <ac:spMk id="3" creationId="{D7A672F5-7168-A058-640B-C64276D595B9}"/>
-          </ac:spMkLst>
-        </pc:spChg>
-        <pc:spChg chg="mod">
-          <ac:chgData name="JHEYSON FABIAN VILLAVISAN BUITRAGO" userId="e5ced5c2-d787-455d-b115-4f08a699b8c8" providerId="ADAL" clId="{8E25494D-6FE9-4492-95C5-0A818C1AD0D5}" dt="2024-08-20T21:57:54.971" v="268" actId="20577"/>
-          <ac:spMkLst>
-            <pc:docMk/>
-            <pc:sldMk cId="1667910722" sldId="289"/>
-            <ac:spMk id="10" creationId="{AF4E183E-A171-4923-A99E-D149888CEC37}"/>
-          </ac:spMkLst>
-        </pc:spChg>
-      </pc:sldChg>
-      <pc:sldChg chg="addSp delSp modSp add mod modNotesTx">
-        <pc:chgData name="JHEYSON FABIAN VILLAVISAN BUITRAGO" userId="e5ced5c2-d787-455d-b115-4f08a699b8c8" providerId="ADAL" clId="{8E25494D-6FE9-4492-95C5-0A818C1AD0D5}" dt="2024-08-21T00:16:51.054" v="754" actId="1076"/>
-        <pc:sldMkLst>
-          <pc:docMk/>
-          <pc:sldMk cId="168874632" sldId="290"/>
-        </pc:sldMkLst>
-        <pc:spChg chg="mod">
-          <ac:chgData name="JHEYSON FABIAN VILLAVISAN BUITRAGO" userId="e5ced5c2-d787-455d-b115-4f08a699b8c8" providerId="ADAL" clId="{8E25494D-6FE9-4492-95C5-0A818C1AD0D5}" dt="2024-08-20T21:48:58.047" v="208" actId="1076"/>
-          <ac:spMkLst>
-            <pc:docMk/>
-            <pc:sldMk cId="168874632" sldId="290"/>
-            <ac:spMk id="2" creationId="{FB1B6180-BCA0-4F51-9F68-9E5BAB8A4FDC}"/>
-          </ac:spMkLst>
-        </pc:spChg>
-        <pc:spChg chg="mod">
-          <ac:chgData name="JHEYSON FABIAN VILLAVISAN BUITRAGO" userId="e5ced5c2-d787-455d-b115-4f08a699b8c8" providerId="ADAL" clId="{8E25494D-6FE9-4492-95C5-0A818C1AD0D5}" dt="2024-08-20T21:48:59.412" v="209" actId="1076"/>
-          <ac:spMkLst>
-            <pc:docMk/>
-            <pc:sldMk cId="168874632" sldId="290"/>
-            <ac:spMk id="3" creationId="{D7A672F5-7168-A058-640B-C64276D595B9}"/>
-          </ac:spMkLst>
-        </pc:spChg>
-        <pc:spChg chg="add">
-          <ac:chgData name="JHEYSON FABIAN VILLAVISAN BUITRAGO" userId="e5ced5c2-d787-455d-b115-4f08a699b8c8" providerId="ADAL" clId="{8E25494D-6FE9-4492-95C5-0A818C1AD0D5}" dt="2024-08-20T21:48:17.123" v="159"/>
-          <ac:spMkLst>
-            <pc:docMk/>
-            <pc:sldMk cId="168874632" sldId="290"/>
-            <ac:spMk id="6" creationId="{5974CBCC-633F-3CB3-2944-0B9E8A5A0828}"/>
-          </ac:spMkLst>
-        </pc:spChg>
-        <pc:spChg chg="add mod">
-          <ac:chgData name="JHEYSON FABIAN VILLAVISAN BUITRAGO" userId="e5ced5c2-d787-455d-b115-4f08a699b8c8" providerId="ADAL" clId="{8E25494D-6FE9-4492-95C5-0A818C1AD0D5}" dt="2024-08-20T22:05:44.863" v="518" actId="1076"/>
-          <ac:spMkLst>
-            <pc:docMk/>
-            <pc:sldMk cId="168874632" sldId="290"/>
-            <ac:spMk id="7" creationId="{06C3047C-7A30-A53A-ABA8-77BB11C5C341}"/>
-          </ac:spMkLst>
-        </pc:spChg>
-        <pc:spChg chg="add">
-          <ac:chgData name="JHEYSON FABIAN VILLAVISAN BUITRAGO" userId="e5ced5c2-d787-455d-b115-4f08a699b8c8" providerId="ADAL" clId="{8E25494D-6FE9-4492-95C5-0A818C1AD0D5}" dt="2024-08-20T21:48:22.990" v="161"/>
-          <ac:spMkLst>
-            <pc:docMk/>
-            <pc:sldMk cId="168874632" sldId="290"/>
-            <ac:spMk id="8" creationId="{B93A806C-AA08-96C7-E643-071456494CF4}"/>
-          </ac:spMkLst>
-        </pc:spChg>
-        <pc:spChg chg="add">
-          <ac:chgData name="JHEYSON FABIAN VILLAVISAN BUITRAGO" userId="e5ced5c2-d787-455d-b115-4f08a699b8c8" providerId="ADAL" clId="{8E25494D-6FE9-4492-95C5-0A818C1AD0D5}" dt="2024-08-20T21:48:24.793" v="162"/>
-          <ac:spMkLst>
-            <pc:docMk/>
-            <pc:sldMk cId="168874632" sldId="290"/>
-            <ac:spMk id="9" creationId="{76217E0D-3181-EBEE-4420-D2B3D5D8962E}"/>
-          </ac:spMkLst>
-        </pc:spChg>
-        <pc:spChg chg="mod">
-          <ac:chgData name="JHEYSON FABIAN VILLAVISAN BUITRAGO" userId="e5ced5c2-d787-455d-b115-4f08a699b8c8" providerId="ADAL" clId="{8E25494D-6FE9-4492-95C5-0A818C1AD0D5}" dt="2024-08-20T21:57:51.987" v="266" actId="20577"/>
-          <ac:spMkLst>
-            <pc:docMk/>
-            <pc:sldMk cId="168874632" sldId="290"/>
-            <ac:spMk id="10" creationId="{AF4E183E-A171-4923-A99E-D149888CEC37}"/>
-          </ac:spMkLst>
-        </pc:spChg>
-        <pc:spChg chg="add">
-          <ac:chgData name="JHEYSON FABIAN VILLAVISAN BUITRAGO" userId="e5ced5c2-d787-455d-b115-4f08a699b8c8" providerId="ADAL" clId="{8E25494D-6FE9-4492-95C5-0A818C1AD0D5}" dt="2024-08-20T21:48:32.073" v="163"/>
-          <ac:spMkLst>
-            <pc:docMk/>
-            <pc:sldMk cId="168874632" sldId="290"/>
-            <ac:spMk id="11" creationId="{84CADE19-16D0-1994-C63A-38257BEC7B27}"/>
-          </ac:spMkLst>
-        </pc:spChg>
-        <pc:spChg chg="add del">
-          <ac:chgData name="JHEYSON FABIAN VILLAVISAN BUITRAGO" userId="e5ced5c2-d787-455d-b115-4f08a699b8c8" providerId="ADAL" clId="{8E25494D-6FE9-4492-95C5-0A818C1AD0D5}" dt="2024-08-20T21:51:28.544" v="227" actId="11529"/>
-          <ac:spMkLst>
-            <pc:docMk/>
-            <pc:sldMk cId="168874632" sldId="290"/>
-            <ac:spMk id="13" creationId="{7496A62F-9EF9-79E5-BE8D-6E834B002B86}"/>
-          </ac:spMkLst>
-        </pc:spChg>
-        <pc:spChg chg="add mod">
-          <ac:chgData name="JHEYSON FABIAN VILLAVISAN BUITRAGO" userId="e5ced5c2-d787-455d-b115-4f08a699b8c8" providerId="ADAL" clId="{8E25494D-6FE9-4492-95C5-0A818C1AD0D5}" dt="2024-08-20T21:55:43.929" v="248" actId="1076"/>
-          <ac:spMkLst>
-            <pc:docMk/>
-            <pc:sldMk cId="168874632" sldId="290"/>
-            <ac:spMk id="18" creationId="{A70B54EC-CBE6-3F19-B7D2-01B909CFC16B}"/>
-          </ac:spMkLst>
-        </pc:spChg>
-        <pc:spChg chg="add mod">
-          <ac:chgData name="JHEYSON FABIAN VILLAVISAN BUITRAGO" userId="e5ced5c2-d787-455d-b115-4f08a699b8c8" providerId="ADAL" clId="{8E25494D-6FE9-4492-95C5-0A818C1AD0D5}" dt="2024-08-20T21:55:54.083" v="252" actId="1076"/>
-          <ac:spMkLst>
-            <pc:docMk/>
-            <pc:sldMk cId="168874632" sldId="290"/>
-            <ac:spMk id="19" creationId="{FC1BB883-86DC-D51D-88DE-133B4130EF46}"/>
-          </ac:spMkLst>
-        </pc:spChg>
-        <pc:picChg chg="add mod">
-          <ac:chgData name="JHEYSON FABIAN VILLAVISAN BUITRAGO" userId="e5ced5c2-d787-455d-b115-4f08a699b8c8" providerId="ADAL" clId="{8E25494D-6FE9-4492-95C5-0A818C1AD0D5}" dt="2024-08-20T21:52:12.149" v="229" actId="1076"/>
-          <ac:picMkLst>
-            <pc:docMk/>
-            <pc:sldMk cId="168874632" sldId="290"/>
-            <ac:picMk id="4" creationId="{B2088F53-ECF1-5154-5791-7A45AB6BF1D7}"/>
-          </ac:picMkLst>
-        </pc:picChg>
-        <pc:picChg chg="add mod">
-          <ac:chgData name="JHEYSON FABIAN VILLAVISAN BUITRAGO" userId="e5ced5c2-d787-455d-b115-4f08a699b8c8" providerId="ADAL" clId="{8E25494D-6FE9-4492-95C5-0A818C1AD0D5}" dt="2024-08-21T00:16:51.054" v="754" actId="1076"/>
-          <ac:picMkLst>
-            <pc:docMk/>
-            <pc:sldMk cId="168874632" sldId="290"/>
-            <ac:picMk id="12" creationId="{6068E6DD-C058-7A58-3965-78FC094CF5F2}"/>
-          </ac:picMkLst>
-        </pc:picChg>
-        <pc:picChg chg="add del mod">
-          <ac:chgData name="JHEYSON FABIAN VILLAVISAN BUITRAGO" userId="e5ced5c2-d787-455d-b115-4f08a699b8c8" providerId="ADAL" clId="{8E25494D-6FE9-4492-95C5-0A818C1AD0D5}" dt="2024-08-20T21:55:52.201" v="251" actId="478"/>
-          <ac:picMkLst>
-            <pc:docMk/>
-            <pc:sldMk cId="168874632" sldId="290"/>
-            <ac:picMk id="16" creationId="{42C72D37-E014-5E7B-8C96-66B1AAEEC590}"/>
-          </ac:picMkLst>
-        </pc:picChg>
-        <pc:picChg chg="add mod">
-          <ac:chgData name="JHEYSON FABIAN VILLAVISAN BUITRAGO" userId="e5ced5c2-d787-455d-b115-4f08a699b8c8" providerId="ADAL" clId="{8E25494D-6FE9-4492-95C5-0A818C1AD0D5}" dt="2024-08-20T21:53:02.488" v="244" actId="1076"/>
-          <ac:picMkLst>
-            <pc:docMk/>
-            <pc:sldMk cId="168874632" sldId="290"/>
-            <ac:picMk id="17" creationId="{DAA3B135-6F34-86C8-CA27-79FA570D1911}"/>
-          </ac:picMkLst>
-        </pc:picChg>
-        <pc:picChg chg="add mod">
-          <ac:chgData name="JHEYSON FABIAN VILLAVISAN BUITRAGO" userId="e5ced5c2-d787-455d-b115-4f08a699b8c8" providerId="ADAL" clId="{8E25494D-6FE9-4492-95C5-0A818C1AD0D5}" dt="2024-08-20T22:05:49.061" v="520" actId="1076"/>
-          <ac:picMkLst>
-            <pc:docMk/>
-            <pc:sldMk cId="168874632" sldId="290"/>
-            <ac:picMk id="1030" creationId="{384D91D1-3BD2-92D3-3C04-9CEC9E2DAADF}"/>
-          </ac:picMkLst>
-        </pc:picChg>
-      </pc:sldChg>
-      <pc:sldChg chg="addSp modSp add mod">
-        <pc:chgData name="JHEYSON FABIAN VILLAVISAN BUITRAGO" userId="e5ced5c2-d787-455d-b115-4f08a699b8c8" providerId="ADAL" clId="{8E25494D-6FE9-4492-95C5-0A818C1AD0D5}" dt="2024-08-21T00:20:42.253" v="755" actId="20577"/>
-        <pc:sldMkLst>
-          <pc:docMk/>
-          <pc:sldMk cId="1271799798" sldId="291"/>
-        </pc:sldMkLst>
-        <pc:spChg chg="mod">
-          <ac:chgData name="JHEYSON FABIAN VILLAVISAN BUITRAGO" userId="e5ced5c2-d787-455d-b115-4f08a699b8c8" providerId="ADAL" clId="{8E25494D-6FE9-4492-95C5-0A818C1AD0D5}" dt="2024-08-20T21:56:24.594" v="254" actId="1076"/>
-          <ac:spMkLst>
-            <pc:docMk/>
-            <pc:sldMk cId="1271799798" sldId="291"/>
-            <ac:spMk id="2" creationId="{FB1B6180-BCA0-4F51-9F68-9E5BAB8A4FDC}"/>
-          </ac:spMkLst>
-        </pc:spChg>
-        <pc:spChg chg="add mod">
-          <ac:chgData name="JHEYSON FABIAN VILLAVISAN BUITRAGO" userId="e5ced5c2-d787-455d-b115-4f08a699b8c8" providerId="ADAL" clId="{8E25494D-6FE9-4492-95C5-0A818C1AD0D5}" dt="2024-08-21T00:20:42.253" v="755" actId="20577"/>
-          <ac:spMkLst>
-            <pc:docMk/>
-            <pc:sldMk cId="1271799798" sldId="291"/>
-            <ac:spMk id="3" creationId="{1C400096-C90E-4FAF-C080-1827DD7C09A7}"/>
-          </ac:spMkLst>
-        </pc:spChg>
-        <pc:spChg chg="add mod">
-          <ac:chgData name="JHEYSON FABIAN VILLAVISAN BUITRAGO" userId="e5ced5c2-d787-455d-b115-4f08a699b8c8" providerId="ADAL" clId="{8E25494D-6FE9-4492-95C5-0A818C1AD0D5}" dt="2024-08-20T22:03:49.337" v="391" actId="1582"/>
-          <ac:spMkLst>
-            <pc:docMk/>
-            <pc:sldMk cId="1271799798" sldId="291"/>
-            <ac:spMk id="7" creationId="{FB3A82A4-DEAE-3C59-41A8-3E285DEEFB43}"/>
-          </ac:spMkLst>
-        </pc:spChg>
-        <pc:spChg chg="add mod">
-          <ac:chgData name="JHEYSON FABIAN VILLAVISAN BUITRAGO" userId="e5ced5c2-d787-455d-b115-4f08a699b8c8" providerId="ADAL" clId="{8E25494D-6FE9-4492-95C5-0A818C1AD0D5}" dt="2024-08-20T22:04:06.819" v="396" actId="1076"/>
-          <ac:spMkLst>
-            <pc:docMk/>
-            <pc:sldMk cId="1271799798" sldId="291"/>
-            <ac:spMk id="8" creationId="{958709B4-75A2-D902-50D2-71D4434775EA}"/>
-          </ac:spMkLst>
-        </pc:spChg>
-        <pc:spChg chg="mod">
-          <ac:chgData name="JHEYSON FABIAN VILLAVISAN BUITRAGO" userId="e5ced5c2-d787-455d-b115-4f08a699b8c8" providerId="ADAL" clId="{8E25494D-6FE9-4492-95C5-0A818C1AD0D5}" dt="2024-08-20T21:57:57.101" v="270" actId="20577"/>
-          <ac:spMkLst>
-            <pc:docMk/>
-            <pc:sldMk cId="1271799798" sldId="291"/>
-            <ac:spMk id="10" creationId="{AF4E183E-A171-4923-A99E-D149888CEC37}"/>
-          </ac:spMkLst>
-        </pc:spChg>
-        <pc:picChg chg="add mod">
-          <ac:chgData name="JHEYSON FABIAN VILLAVISAN BUITRAGO" userId="e5ced5c2-d787-455d-b115-4f08a699b8c8" providerId="ADAL" clId="{8E25494D-6FE9-4492-95C5-0A818C1AD0D5}" dt="2024-08-20T22:03:30.285" v="388" actId="1076"/>
-          <ac:picMkLst>
-            <pc:docMk/>
-            <pc:sldMk cId="1271799798" sldId="291"/>
-            <ac:picMk id="4" creationId="{16BB33C7-82E8-21E4-82A1-775717B7792D}"/>
-          </ac:picMkLst>
-        </pc:picChg>
-        <pc:picChg chg="add mod">
-          <ac:chgData name="JHEYSON FABIAN VILLAVISAN BUITRAGO" userId="e5ced5c2-d787-455d-b115-4f08a699b8c8" providerId="ADAL" clId="{8E25494D-6FE9-4492-95C5-0A818C1AD0D5}" dt="2024-08-20T22:04:04.499" v="395" actId="1076"/>
-          <ac:picMkLst>
-            <pc:docMk/>
-            <pc:sldMk cId="1271799798" sldId="291"/>
-            <ac:picMk id="6" creationId="{45D48D63-0A51-FBBA-234E-190AB120E38C}"/>
-          </ac:picMkLst>
-        </pc:picChg>
-        <pc:cxnChg chg="add mod">
-          <ac:chgData name="JHEYSON FABIAN VILLAVISAN BUITRAGO" userId="e5ced5c2-d787-455d-b115-4f08a699b8c8" providerId="ADAL" clId="{8E25494D-6FE9-4492-95C5-0A818C1AD0D5}" dt="2024-08-20T22:04:14.489" v="398" actId="1582"/>
-          <ac:cxnSpMkLst>
-            <pc:docMk/>
-            <pc:sldMk cId="1271799798" sldId="291"/>
-            <ac:cxnSpMk id="11" creationId="{E023E0C9-C6A1-B66A-1112-42E3226A299E}"/>
-          </ac:cxnSpMkLst>
-        </pc:cxnChg>
-      </pc:sldChg>
-      <pc:sldChg chg="delSp modSp add mod">
-        <pc:chgData name="JHEYSON FABIAN VILLAVISAN BUITRAGO" userId="e5ced5c2-d787-455d-b115-4f08a699b8c8" providerId="ADAL" clId="{8E25494D-6FE9-4492-95C5-0A818C1AD0D5}" dt="2024-08-20T22:06:03.788" v="524" actId="20577"/>
-        <pc:sldMkLst>
-          <pc:docMk/>
-          <pc:sldMk cId="2520616285" sldId="292"/>
-        </pc:sldMkLst>
-        <pc:spChg chg="mod">
-          <ac:chgData name="JHEYSON FABIAN VILLAVISAN BUITRAGO" userId="e5ced5c2-d787-455d-b115-4f08a699b8c8" providerId="ADAL" clId="{8E25494D-6FE9-4492-95C5-0A818C1AD0D5}" dt="2024-08-20T21:59:26.571" v="311" actId="1076"/>
-          <ac:spMkLst>
-            <pc:docMk/>
-            <pc:sldMk cId="2520616285" sldId="292"/>
-            <ac:spMk id="2" creationId="{FB1B6180-BCA0-4F51-9F68-9E5BAB8A4FDC}"/>
-          </ac:spMkLst>
-        </pc:spChg>
-        <pc:spChg chg="del mod">
-          <ac:chgData name="JHEYSON FABIAN VILLAVISAN BUITRAGO" userId="e5ced5c2-d787-455d-b115-4f08a699b8c8" providerId="ADAL" clId="{8E25494D-6FE9-4492-95C5-0A818C1AD0D5}" dt="2024-08-20T21:59:24.563" v="310" actId="478"/>
-          <ac:spMkLst>
-            <pc:docMk/>
-            <pc:sldMk cId="2520616285" sldId="292"/>
-            <ac:spMk id="3" creationId="{1C400096-C90E-4FAF-C080-1827DD7C09A7}"/>
-          </ac:spMkLst>
-        </pc:spChg>
-        <pc:spChg chg="mod">
-          <ac:chgData name="JHEYSON FABIAN VILLAVISAN BUITRAGO" userId="e5ced5c2-d787-455d-b115-4f08a699b8c8" providerId="ADAL" clId="{8E25494D-6FE9-4492-95C5-0A818C1AD0D5}" dt="2024-08-20T22:06:03.788" v="524" actId="20577"/>
-          <ac:spMkLst>
-            <pc:docMk/>
-            <pc:sldMk cId="2520616285" sldId="292"/>
-            <ac:spMk id="10" creationId="{AF4E183E-A171-4923-A99E-D149888CEC37}"/>
-          </ac:spMkLst>
-        </pc:spChg>
-      </pc:sldChg>
-      <pc:sldChg chg="addSp delSp modSp add mod">
-        <pc:chgData name="JHEYSON FABIAN VILLAVISAN BUITRAGO" userId="e5ced5c2-d787-455d-b115-4f08a699b8c8" providerId="ADAL" clId="{8E25494D-6FE9-4492-95C5-0A818C1AD0D5}" dt="2024-08-20T22:06:06.217" v="526" actId="20577"/>
-        <pc:sldMkLst>
-          <pc:docMk/>
-          <pc:sldMk cId="3914863035" sldId="293"/>
-        </pc:sldMkLst>
-        <pc:spChg chg="mod">
-          <ac:chgData name="JHEYSON FABIAN VILLAVISAN BUITRAGO" userId="e5ced5c2-d787-455d-b115-4f08a699b8c8" providerId="ADAL" clId="{8E25494D-6FE9-4492-95C5-0A818C1AD0D5}" dt="2024-08-20T21:59:47.245" v="314" actId="1076"/>
-          <ac:spMkLst>
-            <pc:docMk/>
-            <pc:sldMk cId="3914863035" sldId="293"/>
-            <ac:spMk id="3" creationId="{1C400096-C90E-4FAF-C080-1827DD7C09A7}"/>
-          </ac:spMkLst>
-        </pc:spChg>
-        <pc:spChg chg="add">
-          <ac:chgData name="JHEYSON FABIAN VILLAVISAN BUITRAGO" userId="e5ced5c2-d787-455d-b115-4f08a699b8c8" providerId="ADAL" clId="{8E25494D-6FE9-4492-95C5-0A818C1AD0D5}" dt="2024-08-20T21:59:40.332" v="312"/>
-          <ac:spMkLst>
-            <pc:docMk/>
-            <pc:sldMk cId="3914863035" sldId="293"/>
-            <ac:spMk id="4" creationId="{288647F6-17F8-0AD9-C07D-435342577836}"/>
-          </ac:spMkLst>
-        </pc:spChg>
-        <pc:spChg chg="add del mod">
-          <ac:chgData name="JHEYSON FABIAN VILLAVISAN BUITRAGO" userId="e5ced5c2-d787-455d-b115-4f08a699b8c8" providerId="ADAL" clId="{8E25494D-6FE9-4492-95C5-0A818C1AD0D5}" dt="2024-08-20T22:00:42.742" v="383" actId="478"/>
-          <ac:spMkLst>
-            <pc:docMk/>
-            <pc:sldMk cId="3914863035" sldId="293"/>
-            <ac:spMk id="8" creationId="{A1099AA5-B384-CE80-05EE-7FCC354A1485}"/>
-          </ac:spMkLst>
-        </pc:spChg>
-        <pc:spChg chg="mod">
-          <ac:chgData name="JHEYSON FABIAN VILLAVISAN BUITRAGO" userId="e5ced5c2-d787-455d-b115-4f08a699b8c8" providerId="ADAL" clId="{8E25494D-6FE9-4492-95C5-0A818C1AD0D5}" dt="2024-08-20T22:06:06.217" v="526" actId="20577"/>
-          <ac:spMkLst>
-            <pc:docMk/>
-            <pc:sldMk cId="3914863035" sldId="293"/>
-            <ac:spMk id="10" creationId="{AF4E183E-A171-4923-A99E-D149888CEC37}"/>
-          </ac:spMkLst>
-        </pc:spChg>
-        <pc:picChg chg="add mod">
-          <ac:chgData name="JHEYSON FABIAN VILLAVISAN BUITRAGO" userId="e5ced5c2-d787-455d-b115-4f08a699b8c8" providerId="ADAL" clId="{8E25494D-6FE9-4492-95C5-0A818C1AD0D5}" dt="2024-08-20T21:59:59.222" v="316" actId="1076"/>
-          <ac:picMkLst>
-            <pc:docMk/>
-            <pc:sldMk cId="3914863035" sldId="293"/>
-            <ac:picMk id="7" creationId="{AE3F4CF1-B9AD-455C-E438-94B21D133755}"/>
-          </ac:picMkLst>
-        </pc:picChg>
-      </pc:sldChg>
-    </pc:docChg>
-  </pc:docChgLst>
-  <pc:docChgLst>
-    <pc:chgData name="Jheyson Fabian Villavisan Buitrago" userId="b9abc243-2adc-4788-8ef1-b07bec73deff" providerId="ADAL" clId="{33DDCE01-D5A0-4892-8419-FF73BDBED2B5}"/>
-    <pc:docChg chg="undo custSel addSld delSld modSld modMainMaster modSection">
-      <pc:chgData name="Jheyson Fabian Villavisan Buitrago" userId="b9abc243-2adc-4788-8ef1-b07bec73deff" providerId="ADAL" clId="{33DDCE01-D5A0-4892-8419-FF73BDBED2B5}" dt="2023-02-12T23:52:00.525" v="841" actId="47"/>
-      <pc:docMkLst>
-        <pc:docMk/>
-      </pc:docMkLst>
-      <pc:sldChg chg="addSp delSp modSp mod">
-        <pc:chgData name="Jheyson Fabian Villavisan Buitrago" userId="b9abc243-2adc-4788-8ef1-b07bec73deff" providerId="ADAL" clId="{33DDCE01-D5A0-4892-8419-FF73BDBED2B5}" dt="2023-02-12T23:49:29.616" v="833" actId="20577"/>
-        <pc:sldMkLst>
-          <pc:docMk/>
-          <pc:sldMk cId="0" sldId="256"/>
-        </pc:sldMkLst>
-        <pc:spChg chg="del mod">
-          <ac:chgData name="Jheyson Fabian Villavisan Buitrago" userId="b9abc243-2adc-4788-8ef1-b07bec73deff" providerId="ADAL" clId="{33DDCE01-D5A0-4892-8419-FF73BDBED2B5}" dt="2023-02-12T20:13:24.056" v="26" actId="478"/>
-          <ac:spMkLst>
-            <pc:docMk/>
-            <pc:sldMk cId="0" sldId="256"/>
-            <ac:spMk id="3" creationId="{764F810C-0CF9-490A-B763-785A91F347BA}"/>
-          </ac:spMkLst>
-        </pc:spChg>
-        <pc:spChg chg="mod">
-          <ac:chgData name="Jheyson Fabian Villavisan Buitrago" userId="b9abc243-2adc-4788-8ef1-b07bec73deff" providerId="ADAL" clId="{33DDCE01-D5A0-4892-8419-FF73BDBED2B5}" dt="2023-02-12T20:14:33.886" v="37" actId="1076"/>
-          <ac:spMkLst>
-            <pc:docMk/>
-            <pc:sldMk cId="0" sldId="256"/>
-            <ac:spMk id="7" creationId="{A236FBE4-061E-78EC-AF9D-34882DE16D7D}"/>
-          </ac:spMkLst>
-        </pc:spChg>
-        <pc:spChg chg="add del mod">
-          <ac:chgData name="Jheyson Fabian Villavisan Buitrago" userId="b9abc243-2adc-4788-8ef1-b07bec73deff" providerId="ADAL" clId="{33DDCE01-D5A0-4892-8419-FF73BDBED2B5}" dt="2023-02-12T20:12:58.721" v="8"/>
-          <ac:spMkLst>
-            <pc:docMk/>
-            <pc:sldMk cId="0" sldId="256"/>
-            <ac:spMk id="8" creationId="{36DF7B6C-9728-0473-58B1-8CC3F8648FE1}"/>
-          </ac:spMkLst>
-        </pc:spChg>
-        <pc:spChg chg="add del mod">
-          <ac:chgData name="Jheyson Fabian Villavisan Buitrago" userId="b9abc243-2adc-4788-8ef1-b07bec73deff" providerId="ADAL" clId="{33DDCE01-D5A0-4892-8419-FF73BDBED2B5}" dt="2023-02-12T20:13:07.101" v="12"/>
-          <ac:spMkLst>
-            <pc:docMk/>
-            <pc:sldMk cId="0" sldId="256"/>
-            <ac:spMk id="9" creationId="{035E5554-21D0-D50F-8D11-D7A0FE971C1E}"/>
-          </ac:spMkLst>
-        </pc:spChg>
-        <pc:spChg chg="add mod">
-          <ac:chgData name="Jheyson Fabian Villavisan Buitrago" userId="b9abc243-2adc-4788-8ef1-b07bec73deff" providerId="ADAL" clId="{33DDCE01-D5A0-4892-8419-FF73BDBED2B5}" dt="2023-02-12T20:13:43.748" v="30" actId="1076"/>
-          <ac:spMkLst>
-            <pc:docMk/>
-            <pc:sldMk cId="0" sldId="256"/>
-            <ac:spMk id="10" creationId="{0D52910C-C7FF-51AD-9B9D-1A390D5FFE1B}"/>
-          </ac:spMkLst>
-        </pc:spChg>
-        <pc:spChg chg="add del mod">
-          <ac:chgData name="Jheyson Fabian Villavisan Buitrago" userId="b9abc243-2adc-4788-8ef1-b07bec73deff" providerId="ADAL" clId="{33DDCE01-D5A0-4892-8419-FF73BDBED2B5}" dt="2023-02-12T20:13:34.325" v="28" actId="478"/>
-          <ac:spMkLst>
-            <pc:docMk/>
-            <pc:sldMk cId="0" sldId="256"/>
-            <ac:spMk id="12" creationId="{22668E27-BBB2-BE40-34B0-15233BB46B8E}"/>
-          </ac:spMkLst>
-        </pc:spChg>
-        <pc:spChg chg="mod">
-          <ac:chgData name="Jheyson Fabian Villavisan Buitrago" userId="b9abc243-2adc-4788-8ef1-b07bec73deff" providerId="ADAL" clId="{33DDCE01-D5A0-4892-8419-FF73BDBED2B5}" dt="2023-02-12T23:49:29.616" v="833" actId="20577"/>
-          <ac:spMkLst>
-            <pc:docMk/>
-            <pc:sldMk cId="0" sldId="256"/>
-            <ac:spMk id="5124" creationId="{75207037-66AB-408E-B44C-6489E27F4A1E}"/>
-          </ac:spMkLst>
-        </pc:spChg>
-        <pc:picChg chg="mod">
-          <ac:chgData name="Jheyson Fabian Villavisan Buitrago" userId="b9abc243-2adc-4788-8ef1-b07bec73deff" providerId="ADAL" clId="{33DDCE01-D5A0-4892-8419-FF73BDBED2B5}" dt="2023-02-12T20:14:33.886" v="37" actId="1076"/>
-          <ac:picMkLst>
-            <pc:docMk/>
-            <pc:sldMk cId="0" sldId="256"/>
-            <ac:picMk id="4" creationId="{5D8446A7-4203-D240-B0BD-B0BE244CFB1B}"/>
-          </ac:picMkLst>
-        </pc:picChg>
-        <pc:picChg chg="del mod">
-          <ac:chgData name="Jheyson Fabian Villavisan Buitrago" userId="b9abc243-2adc-4788-8ef1-b07bec73deff" providerId="ADAL" clId="{33DDCE01-D5A0-4892-8419-FF73BDBED2B5}" dt="2023-02-12T20:14:11.386" v="32" actId="478"/>
-          <ac:picMkLst>
-            <pc:docMk/>
-            <pc:sldMk cId="0" sldId="256"/>
-            <ac:picMk id="1026" creationId="{F325BC47-DB09-590B-263D-ECC0F5602618}"/>
-          </ac:picMkLst>
-        </pc:picChg>
-        <pc:picChg chg="add mod">
-          <ac:chgData name="Jheyson Fabian Villavisan Buitrago" userId="b9abc243-2adc-4788-8ef1-b07bec73deff" providerId="ADAL" clId="{33DDCE01-D5A0-4892-8419-FF73BDBED2B5}" dt="2023-02-12T20:14:17.008" v="34" actId="1076"/>
-          <ac:picMkLst>
-            <pc:docMk/>
-            <pc:sldMk cId="0" sldId="256"/>
-            <ac:picMk id="1028" creationId="{86BA1783-B2FE-6B6A-8793-A57527FC5C00}"/>
-          </ac:picMkLst>
-        </pc:picChg>
-      </pc:sldChg>
-      <pc:sldChg chg="addSp delSp modSp mod">
-        <pc:chgData name="Jheyson Fabian Villavisan Buitrago" userId="b9abc243-2adc-4788-8ef1-b07bec73deff" providerId="ADAL" clId="{33DDCE01-D5A0-4892-8419-FF73BDBED2B5}" dt="2023-02-12T21:28:06.624" v="776" actId="1076"/>
-        <pc:sldMkLst>
-          <pc:docMk/>
-          <pc:sldMk cId="0" sldId="261"/>
-        </pc:sldMkLst>
-        <pc:spChg chg="del mod">
-          <ac:chgData name="Jheyson Fabian Villavisan Buitrago" userId="b9abc243-2adc-4788-8ef1-b07bec73deff" providerId="ADAL" clId="{33DDCE01-D5A0-4892-8419-FF73BDBED2B5}" dt="2023-02-12T20:21:03.828" v="168" actId="478"/>
-          <ac:spMkLst>
-            <pc:docMk/>
-            <pc:sldMk cId="0" sldId="261"/>
-            <ac:spMk id="2" creationId="{0CC3E847-7CB2-A255-D95D-DD7DF09EE9E2}"/>
-          </ac:spMkLst>
-        </pc:spChg>
-        <pc:spChg chg="add mod">
-          <ac:chgData name="Jheyson Fabian Villavisan Buitrago" userId="b9abc243-2adc-4788-8ef1-b07bec73deff" providerId="ADAL" clId="{33DDCE01-D5A0-4892-8419-FF73BDBED2B5}" dt="2023-02-12T20:16:15.477" v="76"/>
-          <ac:spMkLst>
-            <pc:docMk/>
-            <pc:sldMk cId="0" sldId="261"/>
-            <ac:spMk id="3" creationId="{6BD985B6-878F-6FE8-E247-75230379CB4E}"/>
-          </ac:spMkLst>
-        </pc:spChg>
-        <pc:spChg chg="mod">
-          <ac:chgData name="Jheyson Fabian Villavisan Buitrago" userId="b9abc243-2adc-4788-8ef1-b07bec73deff" providerId="ADAL" clId="{33DDCE01-D5A0-4892-8419-FF73BDBED2B5}" dt="2023-02-12T21:25:54.719" v="725" actId="20577"/>
-          <ac:spMkLst>
-            <pc:docMk/>
-            <pc:sldMk cId="0" sldId="261"/>
-            <ac:spMk id="6" creationId="{97AA8CFD-3BCF-4D31-88D2-A24ABB62907A}"/>
-          </ac:spMkLst>
-        </pc:spChg>
-        <pc:spChg chg="del">
-          <ac:chgData name="Jheyson Fabian Villavisan Buitrago" userId="b9abc243-2adc-4788-8ef1-b07bec73deff" providerId="ADAL" clId="{33DDCE01-D5A0-4892-8419-FF73BDBED2B5}" dt="2023-02-12T20:16:15.115" v="75" actId="478"/>
-          <ac:spMkLst>
-            <pc:docMk/>
-            <pc:sldMk cId="0" sldId="261"/>
-            <ac:spMk id="9" creationId="{98104B24-5D42-9B3F-7575-315F5D724FD8}"/>
-          </ac:spMkLst>
-        </pc:spChg>
-        <pc:graphicFrameChg chg="mod">
-          <ac:chgData name="Jheyson Fabian Villavisan Buitrago" userId="b9abc243-2adc-4788-8ef1-b07bec73deff" providerId="ADAL" clId="{33DDCE01-D5A0-4892-8419-FF73BDBED2B5}" dt="2023-02-12T20:44:11.787" v="584" actId="20577"/>
-          <ac:graphicFrameMkLst>
-            <pc:docMk/>
-            <pc:sldMk cId="0" sldId="261"/>
-            <ac:graphicFrameMk id="7" creationId="{3B28400A-9287-40BA-9001-2E821D706B4D}"/>
-          </ac:graphicFrameMkLst>
-        </pc:graphicFrameChg>
-        <pc:picChg chg="add mod">
-          <ac:chgData name="Jheyson Fabian Villavisan Buitrago" userId="b9abc243-2adc-4788-8ef1-b07bec73deff" providerId="ADAL" clId="{33DDCE01-D5A0-4892-8419-FF73BDBED2B5}" dt="2023-02-12T20:16:15.477" v="76"/>
-          <ac:picMkLst>
-            <pc:docMk/>
-            <pc:sldMk cId="0" sldId="261"/>
-            <ac:picMk id="4" creationId="{29C2E2C0-06BA-0F23-8A2A-7330ADD0CB0C}"/>
-          </ac:picMkLst>
-        </pc:picChg>
-        <pc:picChg chg="add mod">
-          <ac:chgData name="Jheyson Fabian Villavisan Buitrago" userId="b9abc243-2adc-4788-8ef1-b07bec73deff" providerId="ADAL" clId="{33DDCE01-D5A0-4892-8419-FF73BDBED2B5}" dt="2023-02-12T20:21:58.408" v="178" actId="1076"/>
-          <ac:picMkLst>
-            <pc:docMk/>
-            <pc:sldMk cId="0" sldId="261"/>
-            <ac:picMk id="5" creationId="{58784173-3090-A823-F4B0-305CBB22A994}"/>
-          </ac:picMkLst>
-        </pc:picChg>
-        <pc:picChg chg="add mod">
-          <ac:chgData name="Jheyson Fabian Villavisan Buitrago" userId="b9abc243-2adc-4788-8ef1-b07bec73deff" providerId="ADAL" clId="{33DDCE01-D5A0-4892-8419-FF73BDBED2B5}" dt="2023-02-12T20:21:56.055" v="177" actId="1076"/>
-          <ac:picMkLst>
-            <pc:docMk/>
-            <pc:sldMk cId="0" sldId="261"/>
-            <ac:picMk id="8" creationId="{22E88210-B2F5-F922-21E3-6027CAEE32A3}"/>
-          </ac:picMkLst>
-        </pc:picChg>
-        <pc:picChg chg="add mod">
-          <ac:chgData name="Jheyson Fabian Villavisan Buitrago" userId="b9abc243-2adc-4788-8ef1-b07bec73deff" providerId="ADAL" clId="{33DDCE01-D5A0-4892-8419-FF73BDBED2B5}" dt="2023-02-12T21:28:06.624" v="776" actId="1076"/>
-          <ac:picMkLst>
-            <pc:docMk/>
-            <pc:sldMk cId="0" sldId="261"/>
-            <ac:picMk id="10" creationId="{3829B5FC-C28B-BE0C-B0E1-ACFABE30D968}"/>
-          </ac:picMkLst>
-        </pc:picChg>
-      </pc:sldChg>
-      <pc:sldChg chg="addSp delSp modSp del">
-        <pc:chgData name="Jheyson Fabian Villavisan Buitrago" userId="b9abc243-2adc-4788-8ef1-b07bec73deff" providerId="ADAL" clId="{33DDCE01-D5A0-4892-8419-FF73BDBED2B5}" dt="2023-02-12T21:25:48.745" v="723" actId="47"/>
-        <pc:sldMkLst>
-          <pc:docMk/>
-          <pc:sldMk cId="0" sldId="263"/>
-        </pc:sldMkLst>
-        <pc:spChg chg="mod">
-          <ac:chgData name="Jheyson Fabian Villavisan Buitrago" userId="b9abc243-2adc-4788-8ef1-b07bec73deff" providerId="ADAL" clId="{33DDCE01-D5A0-4892-8419-FF73BDBED2B5}" dt="2023-02-12T20:13:09.028" v="14"/>
-          <ac:spMkLst>
-            <pc:docMk/>
-            <pc:sldMk cId="0" sldId="263"/>
-            <ac:spMk id="2" creationId="{CBC3B0A6-C979-D20E-5AB7-69D10BBA91E5}"/>
-          </ac:spMkLst>
-        </pc:spChg>
-        <pc:spChg chg="add mod">
-          <ac:chgData name="Jheyson Fabian Villavisan Buitrago" userId="b9abc243-2adc-4788-8ef1-b07bec73deff" providerId="ADAL" clId="{33DDCE01-D5A0-4892-8419-FF73BDBED2B5}" dt="2023-02-12T20:16:19.315" v="78"/>
-          <ac:spMkLst>
-            <pc:docMk/>
-            <pc:sldMk cId="0" sldId="263"/>
-            <ac:spMk id="3" creationId="{129ECF0E-967F-6027-47A1-32331198D5AC}"/>
-          </ac:spMkLst>
-        </pc:spChg>
-        <pc:spChg chg="del">
-          <ac:chgData name="Jheyson Fabian Villavisan Buitrago" userId="b9abc243-2adc-4788-8ef1-b07bec73deff" providerId="ADAL" clId="{33DDCE01-D5A0-4892-8419-FF73BDBED2B5}" dt="2023-02-12T20:16:18.978" v="77" actId="478"/>
-          <ac:spMkLst>
-            <pc:docMk/>
-            <pc:sldMk cId="0" sldId="263"/>
-            <ac:spMk id="11" creationId="{F4D3AA4A-215D-6B55-EA81-E6C0FBB00444}"/>
-          </ac:spMkLst>
-        </pc:spChg>
-        <pc:picChg chg="add mod">
-          <ac:chgData name="Jheyson Fabian Villavisan Buitrago" userId="b9abc243-2adc-4788-8ef1-b07bec73deff" providerId="ADAL" clId="{33DDCE01-D5A0-4892-8419-FF73BDBED2B5}" dt="2023-02-12T20:16:19.315" v="78"/>
-          <ac:picMkLst>
-            <pc:docMk/>
-            <pc:sldMk cId="0" sldId="263"/>
-            <ac:picMk id="5" creationId="{577C0D1F-F600-3A13-D4B8-ADEC3B7A9CD6}"/>
-          </ac:picMkLst>
-        </pc:picChg>
-      </pc:sldChg>
-      <pc:sldChg chg="addSp delSp modSp mod">
-        <pc:chgData name="Jheyson Fabian Villavisan Buitrago" userId="b9abc243-2adc-4788-8ef1-b07bec73deff" providerId="ADAL" clId="{33DDCE01-D5A0-4892-8419-FF73BDBED2B5}" dt="2023-02-12T21:27:42.140" v="775" actId="20577"/>
-        <pc:sldMkLst>
-          <pc:docMk/>
-          <pc:sldMk cId="0" sldId="264"/>
-        </pc:sldMkLst>
-        <pc:spChg chg="add mod">
-          <ac:chgData name="Jheyson Fabian Villavisan Buitrago" userId="b9abc243-2adc-4788-8ef1-b07bec73deff" providerId="ADAL" clId="{33DDCE01-D5A0-4892-8419-FF73BDBED2B5}" dt="2023-02-12T20:16:23.114" v="80"/>
-          <ac:spMkLst>
-            <pc:docMk/>
-            <pc:sldMk cId="0" sldId="264"/>
-            <ac:spMk id="3" creationId="{F63358BA-EA3A-D303-C3E1-81F6FC6BB434}"/>
-          </ac:spMkLst>
-        </pc:spChg>
-        <pc:spChg chg="del mod">
-          <ac:chgData name="Jheyson Fabian Villavisan Buitrago" userId="b9abc243-2adc-4788-8ef1-b07bec73deff" providerId="ADAL" clId="{33DDCE01-D5A0-4892-8419-FF73BDBED2B5}" dt="2023-02-12T20:26:53.025" v="265" actId="478"/>
-          <ac:spMkLst>
-            <pc:docMk/>
-            <pc:sldMk cId="0" sldId="264"/>
-            <ac:spMk id="4" creationId="{F106910D-C2B8-F8CC-2181-E9F6951411B4}"/>
-          </ac:spMkLst>
-        </pc:spChg>
-        <pc:spChg chg="mod">
-          <ac:chgData name="Jheyson Fabian Villavisan Buitrago" userId="b9abc243-2adc-4788-8ef1-b07bec73deff" providerId="ADAL" clId="{33DDCE01-D5A0-4892-8419-FF73BDBED2B5}" dt="2023-02-12T20:36:01.125" v="344" actId="20577"/>
-          <ac:spMkLst>
-            <pc:docMk/>
-            <pc:sldMk cId="0" sldId="264"/>
-            <ac:spMk id="5" creationId="{60701A2C-E982-40EA-9283-15E5825703A1}"/>
-          </ac:spMkLst>
-        </pc:spChg>
-        <pc:spChg chg="mod">
-          <ac:chgData name="Jheyson Fabian Villavisan Buitrago" userId="b9abc243-2adc-4788-8ef1-b07bec73deff" providerId="ADAL" clId="{33DDCE01-D5A0-4892-8419-FF73BDBED2B5}" dt="2023-02-12T21:26:39.776" v="763" actId="20577"/>
-          <ac:spMkLst>
-            <pc:docMk/>
-            <pc:sldMk cId="0" sldId="264"/>
-            <ac:spMk id="9" creationId="{23A3D996-0567-4685-A0EB-B4B9355B6810}"/>
-          </ac:spMkLst>
-        </pc:spChg>
-        <pc:spChg chg="del">
-          <ac:chgData name="Jheyson Fabian Villavisan Buitrago" userId="b9abc243-2adc-4788-8ef1-b07bec73deff" providerId="ADAL" clId="{33DDCE01-D5A0-4892-8419-FF73BDBED2B5}" dt="2023-02-12T20:16:22.910" v="79" actId="478"/>
-          <ac:spMkLst>
-            <pc:docMk/>
-            <pc:sldMk cId="0" sldId="264"/>
-            <ac:spMk id="10" creationId="{39BA5921-9FE4-FDF6-44E8-862F5954E8E0}"/>
-          </ac:spMkLst>
-        </pc:spChg>
-        <pc:spChg chg="mod">
-          <ac:chgData name="Jheyson Fabian Villavisan Buitrago" userId="b9abc243-2adc-4788-8ef1-b07bec73deff" providerId="ADAL" clId="{33DDCE01-D5A0-4892-8419-FF73BDBED2B5}" dt="2023-02-12T21:25:59.425" v="727" actId="20577"/>
-          <ac:spMkLst>
-            <pc:docMk/>
-            <pc:sldMk cId="0" sldId="264"/>
-            <ac:spMk id="13314" creationId="{3D0D465E-F9D6-429E-92A7-0FF16ECD8A8E}"/>
-          </ac:spMkLst>
-        </pc:spChg>
-        <pc:graphicFrameChg chg="mod">
-          <ac:chgData name="Jheyson Fabian Villavisan Buitrago" userId="b9abc243-2adc-4788-8ef1-b07bec73deff" providerId="ADAL" clId="{33DDCE01-D5A0-4892-8419-FF73BDBED2B5}" dt="2023-02-12T21:27:42.140" v="775" actId="20577"/>
-          <ac:graphicFrameMkLst>
-            <pc:docMk/>
-            <pc:sldMk cId="0" sldId="264"/>
-            <ac:graphicFrameMk id="2" creationId="{4F251356-6039-463D-98A3-27BC7A6EC2E7}"/>
-          </ac:graphicFrameMkLst>
-        </pc:graphicFrameChg>
-        <pc:picChg chg="add mod">
-          <ac:chgData name="Jheyson Fabian Villavisan Buitrago" userId="b9abc243-2adc-4788-8ef1-b07bec73deff" providerId="ADAL" clId="{33DDCE01-D5A0-4892-8419-FF73BDBED2B5}" dt="2023-02-12T20:16:23.114" v="80"/>
-          <ac:picMkLst>
-            <pc:docMk/>
-            <pc:sldMk cId="0" sldId="264"/>
-            <ac:picMk id="6" creationId="{CDC9C00C-F6CF-3FF9-99A9-0C7E86DD0522}"/>
-          </ac:picMkLst>
-        </pc:picChg>
-      </pc:sldChg>
-      <pc:sldChg chg="addSp delSp modSp mod">
-        <pc:chgData name="Jheyson Fabian Villavisan Buitrago" userId="b9abc243-2adc-4788-8ef1-b07bec73deff" providerId="ADAL" clId="{33DDCE01-D5A0-4892-8419-FF73BDBED2B5}" dt="2023-02-12T21:29:26.929" v="780" actId="20577"/>
-        <pc:sldMkLst>
-          <pc:docMk/>
-          <pc:sldMk cId="0" sldId="265"/>
-        </pc:sldMkLst>
-        <pc:spChg chg="del mod">
-          <ac:chgData name="Jheyson Fabian Villavisan Buitrago" userId="b9abc243-2adc-4788-8ef1-b07bec73deff" providerId="ADAL" clId="{33DDCE01-D5A0-4892-8419-FF73BDBED2B5}" dt="2023-02-12T20:25:41.929" v="248" actId="478"/>
-          <ac:spMkLst>
-            <pc:docMk/>
-            <pc:sldMk cId="0" sldId="265"/>
-            <ac:spMk id="2" creationId="{696DC483-DA6A-D2FB-0F16-D2967F153773}"/>
-          </ac:spMkLst>
-        </pc:spChg>
-        <pc:spChg chg="add mod">
-          <ac:chgData name="Jheyson Fabian Villavisan Buitrago" userId="b9abc243-2adc-4788-8ef1-b07bec73deff" providerId="ADAL" clId="{33DDCE01-D5A0-4892-8419-FF73BDBED2B5}" dt="2023-02-12T20:16:27.407" v="82"/>
-          <ac:spMkLst>
-            <pc:docMk/>
-            <pc:sldMk cId="0" sldId="265"/>
-            <ac:spMk id="3" creationId="{1BA1B286-A421-1BC4-F6AB-D7918D4F8881}"/>
-          </ac:spMkLst>
-        </pc:spChg>
-        <pc:spChg chg="del">
-          <ac:chgData name="Jheyson Fabian Villavisan Buitrago" userId="b9abc243-2adc-4788-8ef1-b07bec73deff" providerId="ADAL" clId="{33DDCE01-D5A0-4892-8419-FF73BDBED2B5}" dt="2023-02-12T20:26:22.765" v="262" actId="478"/>
-          <ac:spMkLst>
-            <pc:docMk/>
-            <pc:sldMk cId="0" sldId="265"/>
-            <ac:spMk id="6" creationId="{E8BD1AFA-EB46-46AF-9A21-C6772AC723DA}"/>
-          </ac:spMkLst>
-        </pc:spChg>
-        <pc:spChg chg="del">
-          <ac:chgData name="Jheyson Fabian Villavisan Buitrago" userId="b9abc243-2adc-4788-8ef1-b07bec73deff" providerId="ADAL" clId="{33DDCE01-D5A0-4892-8419-FF73BDBED2B5}" dt="2023-02-12T20:16:27.160" v="81" actId="478"/>
-          <ac:spMkLst>
-            <pc:docMk/>
-            <pc:sldMk cId="0" sldId="265"/>
-            <ac:spMk id="10" creationId="{096BE91B-CC3A-7A46-5F3B-B7B3AB7E0013}"/>
-          </ac:spMkLst>
-        </pc:spChg>
-        <pc:spChg chg="mod">
-          <ac:chgData name="Jheyson Fabian Villavisan Buitrago" userId="b9abc243-2adc-4788-8ef1-b07bec73deff" providerId="ADAL" clId="{33DDCE01-D5A0-4892-8419-FF73BDBED2B5}" dt="2023-02-12T21:29:26.929" v="780" actId="20577"/>
-          <ac:spMkLst>
-            <pc:docMk/>
-            <pc:sldMk cId="0" sldId="265"/>
-            <ac:spMk id="15362" creationId="{9BC34425-A357-487C-8A17-FF92756F9F1C}"/>
-          </ac:spMkLst>
-        </pc:spChg>
-        <pc:spChg chg="mod">
-          <ac:chgData name="Jheyson Fabian Villavisan Buitrago" userId="b9abc243-2adc-4788-8ef1-b07bec73deff" providerId="ADAL" clId="{33DDCE01-D5A0-4892-8419-FF73BDBED2B5}" dt="2023-02-12T20:26:18.431" v="261" actId="20577"/>
-          <ac:spMkLst>
-            <pc:docMk/>
-            <pc:sldMk cId="0" sldId="265"/>
-            <ac:spMk id="15365" creationId="{C4B69D28-4FBD-40E4-8F16-AD35B0740DDD}"/>
-          </ac:spMkLst>
-        </pc:spChg>
-        <pc:picChg chg="add mod">
-          <ac:chgData name="Jheyson Fabian Villavisan Buitrago" userId="b9abc243-2adc-4788-8ef1-b07bec73deff" providerId="ADAL" clId="{33DDCE01-D5A0-4892-8419-FF73BDBED2B5}" dt="2023-02-12T20:16:27.407" v="82"/>
-          <ac:picMkLst>
-            <pc:docMk/>
-            <pc:sldMk cId="0" sldId="265"/>
-            <ac:picMk id="4" creationId="{0492F8D3-8695-1514-13E9-60C88618EEC7}"/>
-          </ac:picMkLst>
-        </pc:picChg>
-      </pc:sldChg>
-      <pc:sldChg chg="addSp delSp modSp mod">
-        <pc:chgData name="Jheyson Fabian Villavisan Buitrago" userId="b9abc243-2adc-4788-8ef1-b07bec73deff" providerId="ADAL" clId="{33DDCE01-D5A0-4892-8419-FF73BDBED2B5}" dt="2023-02-12T20:26:28.068" v="263" actId="478"/>
-        <pc:sldMkLst>
-          <pc:docMk/>
-          <pc:sldMk cId="0" sldId="266"/>
-        </pc:sldMkLst>
-        <pc:spChg chg="del mod">
-          <ac:chgData name="Jheyson Fabian Villavisan Buitrago" userId="b9abc243-2adc-4788-8ef1-b07bec73deff" providerId="ADAL" clId="{33DDCE01-D5A0-4892-8419-FF73BDBED2B5}" dt="2023-02-12T20:26:28.068" v="263" actId="478"/>
-          <ac:spMkLst>
-            <pc:docMk/>
-            <pc:sldMk cId="0" sldId="266"/>
-            <ac:spMk id="2" creationId="{695DD736-EB72-1BCA-2DB4-8B4EE63A3CBE}"/>
-          </ac:spMkLst>
-        </pc:spChg>
-        <pc:spChg chg="add mod">
-          <ac:chgData name="Jheyson Fabian Villavisan Buitrago" userId="b9abc243-2adc-4788-8ef1-b07bec73deff" providerId="ADAL" clId="{33DDCE01-D5A0-4892-8419-FF73BDBED2B5}" dt="2023-02-12T20:16:31.486" v="84"/>
-          <ac:spMkLst>
-            <pc:docMk/>
-            <pc:sldMk cId="0" sldId="266"/>
-            <ac:spMk id="3" creationId="{5C367B68-87A8-7909-5696-CA4B9A4374A2}"/>
-          </ac:spMkLst>
-        </pc:spChg>
-        <pc:spChg chg="mod">
-          <ac:chgData name="Jheyson Fabian Villavisan Buitrago" userId="b9abc243-2adc-4788-8ef1-b07bec73deff" providerId="ADAL" clId="{33DDCE01-D5A0-4892-8419-FF73BDBED2B5}" dt="2023-02-12T20:16:35.903" v="86" actId="20577"/>
-          <ac:spMkLst>
-            <pc:docMk/>
-            <pc:sldMk cId="0" sldId="266"/>
-            <ac:spMk id="9" creationId="{1DF9086F-7804-4245-BF66-46E11D73F05F}"/>
-          </ac:spMkLst>
-        </pc:spChg>
-        <pc:spChg chg="del">
-          <ac:chgData name="Jheyson Fabian Villavisan Buitrago" userId="b9abc243-2adc-4788-8ef1-b07bec73deff" providerId="ADAL" clId="{33DDCE01-D5A0-4892-8419-FF73BDBED2B5}" dt="2023-02-12T20:16:31.188" v="83" actId="478"/>
-          <ac:spMkLst>
-            <pc:docMk/>
-            <pc:sldMk cId="0" sldId="266"/>
-            <ac:spMk id="10" creationId="{6734CD7B-CE23-C8BA-50CE-7884EA342D53}"/>
-          </ac:spMkLst>
-        </pc:spChg>
-        <pc:picChg chg="add mod">
-          <ac:chgData name="Jheyson Fabian Villavisan Buitrago" userId="b9abc243-2adc-4788-8ef1-b07bec73deff" providerId="ADAL" clId="{33DDCE01-D5A0-4892-8419-FF73BDBED2B5}" dt="2023-02-12T20:16:31.486" v="84"/>
-          <ac:picMkLst>
-            <pc:docMk/>
-            <pc:sldMk cId="0" sldId="266"/>
-            <ac:picMk id="4" creationId="{D013CF89-E480-654D-19D7-5B9296DC04F9}"/>
-          </ac:picMkLst>
-        </pc:picChg>
-      </pc:sldChg>
-      <pc:sldChg chg="addSp delSp modSp mod">
-        <pc:chgData name="Jheyson Fabian Villavisan Buitrago" userId="b9abc243-2adc-4788-8ef1-b07bec73deff" providerId="ADAL" clId="{33DDCE01-D5A0-4892-8419-FF73BDBED2B5}" dt="2023-02-12T22:48:24.178" v="783"/>
-        <pc:sldMkLst>
-          <pc:docMk/>
-          <pc:sldMk cId="0" sldId="268"/>
-        </pc:sldMkLst>
-        <pc:spChg chg="del mod">
-          <ac:chgData name="Jheyson Fabian Villavisan Buitrago" userId="b9abc243-2adc-4788-8ef1-b07bec73deff" providerId="ADAL" clId="{33DDCE01-D5A0-4892-8419-FF73BDBED2B5}" dt="2023-02-12T20:17:21.467" v="97" actId="478"/>
-          <ac:spMkLst>
-            <pc:docMk/>
-            <pc:sldMk cId="0" sldId="268"/>
-            <ac:spMk id="2" creationId="{61402569-DC19-33C3-784F-93A08751A4D5}"/>
-          </ac:spMkLst>
-        </pc:spChg>
-        <pc:spChg chg="add mod">
-          <ac:chgData name="Jheyson Fabian Villavisan Buitrago" userId="b9abc243-2adc-4788-8ef1-b07bec73deff" providerId="ADAL" clId="{33DDCE01-D5A0-4892-8419-FF73BDBED2B5}" dt="2023-02-12T22:48:24.178" v="783"/>
-          <ac:spMkLst>
-            <pc:docMk/>
-            <pc:sldMk cId="0" sldId="268"/>
-            <ac:spMk id="3" creationId="{74CAC5D3-4493-9EB9-62C0-F4E0FA2FE9A6}"/>
-          </ac:spMkLst>
-        </pc:spChg>
-        <pc:spChg chg="del">
-          <ac:chgData name="Jheyson Fabian Villavisan Buitrago" userId="b9abc243-2adc-4788-8ef1-b07bec73deff" providerId="ADAL" clId="{33DDCE01-D5A0-4892-8419-FF73BDBED2B5}" dt="2023-02-12T22:48:16.757" v="781" actId="478"/>
-          <ac:spMkLst>
-            <pc:docMk/>
-            <pc:sldMk cId="0" sldId="268"/>
-            <ac:spMk id="7" creationId="{E80A6076-771F-43A7-7F16-5137C4205B4A}"/>
-          </ac:spMkLst>
-        </pc:spChg>
-        <pc:picChg chg="add mod">
-          <ac:chgData name="Jheyson Fabian Villavisan Buitrago" userId="b9abc243-2adc-4788-8ef1-b07bec73deff" providerId="ADAL" clId="{33DDCE01-D5A0-4892-8419-FF73BDBED2B5}" dt="2023-02-12T22:48:24.178" v="783"/>
-          <ac:picMkLst>
-            <pc:docMk/>
-            <pc:sldMk cId="0" sldId="268"/>
-            <ac:picMk id="4" creationId="{B96A6DCC-1ECE-413D-8BEA-DB41E6C6FC1A}"/>
-          </ac:picMkLst>
-        </pc:picChg>
-      </pc:sldChg>
-      <pc:sldChg chg="modSp del">
-        <pc:chgData name="Jheyson Fabian Villavisan Buitrago" userId="b9abc243-2adc-4788-8ef1-b07bec73deff" providerId="ADAL" clId="{33DDCE01-D5A0-4892-8419-FF73BDBED2B5}" dt="2023-02-12T20:16:51.698" v="89" actId="47"/>
-        <pc:sldMkLst>
-          <pc:docMk/>
-          <pc:sldMk cId="0" sldId="269"/>
-        </pc:sldMkLst>
-        <pc:spChg chg="mod">
-          <ac:chgData name="Jheyson Fabian Villavisan Buitrago" userId="b9abc243-2adc-4788-8ef1-b07bec73deff" providerId="ADAL" clId="{33DDCE01-D5A0-4892-8419-FF73BDBED2B5}" dt="2023-02-12T20:13:09.028" v="14"/>
-          <ac:spMkLst>
-            <pc:docMk/>
-            <pc:sldMk cId="0" sldId="269"/>
-            <ac:spMk id="4" creationId="{1328B69D-A3F3-E7CA-D104-5110CC46828E}"/>
-          </ac:spMkLst>
-        </pc:spChg>
-      </pc:sldChg>
-      <pc:sldChg chg="addSp delSp modSp mod">
-        <pc:chgData name="Jheyson Fabian Villavisan Buitrago" userId="b9abc243-2adc-4788-8ef1-b07bec73deff" providerId="ADAL" clId="{33DDCE01-D5A0-4892-8419-FF73BDBED2B5}" dt="2023-02-12T21:06:34.390" v="722" actId="1076"/>
-        <pc:sldMkLst>
-          <pc:docMk/>
-          <pc:sldMk cId="2505371292" sldId="270"/>
-        </pc:sldMkLst>
-        <pc:spChg chg="add mod">
-          <ac:chgData name="Jheyson Fabian Villavisan Buitrago" userId="b9abc243-2adc-4788-8ef1-b07bec73deff" providerId="ADAL" clId="{33DDCE01-D5A0-4892-8419-FF73BDBED2B5}" dt="2023-02-12T20:16:10.447" v="74"/>
-          <ac:spMkLst>
-            <pc:docMk/>
-            <pc:sldMk cId="2505371292" sldId="270"/>
-            <ac:spMk id="3" creationId="{A1607664-1D37-4A58-B5FD-5EA010C7ADF2}"/>
-          </ac:spMkLst>
-        </pc:spChg>
-        <pc:spChg chg="del mod">
-          <ac:chgData name="Jheyson Fabian Villavisan Buitrago" userId="b9abc243-2adc-4788-8ef1-b07bec73deff" providerId="ADAL" clId="{33DDCE01-D5A0-4892-8419-FF73BDBED2B5}" dt="2023-02-12T20:18:48.131" v="147"/>
-          <ac:spMkLst>
-            <pc:docMk/>
-            <pc:sldMk cId="2505371292" sldId="270"/>
-            <ac:spMk id="6" creationId="{60F4C260-2227-47C6-990B-7E4DD70B0CCA}"/>
-          </ac:spMkLst>
-        </pc:spChg>
-        <pc:spChg chg="mod">
-          <ac:chgData name="Jheyson Fabian Villavisan Buitrago" userId="b9abc243-2adc-4788-8ef1-b07bec73deff" providerId="ADAL" clId="{33DDCE01-D5A0-4892-8419-FF73BDBED2B5}" dt="2023-02-12T21:06:34.390" v="722" actId="1076"/>
-          <ac:spMkLst>
-            <pc:docMk/>
-            <pc:sldMk cId="2505371292" sldId="270"/>
-            <ac:spMk id="7" creationId="{EBDE2FDF-A2BB-4F17-99CB-0B213EF4BAA4}"/>
-          </ac:spMkLst>
-        </pc:spChg>
-        <pc:spChg chg="del">
-          <ac:chgData name="Jheyson Fabian Villavisan Buitrago" userId="b9abc243-2adc-4788-8ef1-b07bec73deff" providerId="ADAL" clId="{33DDCE01-D5A0-4892-8419-FF73BDBED2B5}" dt="2023-02-12T20:16:09.745" v="73" actId="478"/>
-          <ac:spMkLst>
-            <pc:docMk/>
-            <pc:sldMk cId="2505371292" sldId="270"/>
-            <ac:spMk id="10" creationId="{09531423-AE8F-1623-4AA9-7022974FC163}"/>
-          </ac:spMkLst>
-        </pc:spChg>
-        <pc:graphicFrameChg chg="mod modGraphic">
-          <ac:chgData name="Jheyson Fabian Villavisan Buitrago" userId="b9abc243-2adc-4788-8ef1-b07bec73deff" providerId="ADAL" clId="{33DDCE01-D5A0-4892-8419-FF73BDBED2B5}" dt="2023-02-12T21:06:29.693" v="721" actId="255"/>
-          <ac:graphicFrameMkLst>
-            <pc:docMk/>
-            <pc:sldMk cId="2505371292" sldId="270"/>
-            <ac:graphicFrameMk id="2" creationId="{BFAD80C6-663E-42AD-A6EE-0E699E7C415E}"/>
-          </ac:graphicFrameMkLst>
-        </pc:graphicFrameChg>
-        <pc:picChg chg="add mod">
-          <ac:chgData name="Jheyson Fabian Villavisan Buitrago" userId="b9abc243-2adc-4788-8ef1-b07bec73deff" providerId="ADAL" clId="{33DDCE01-D5A0-4892-8419-FF73BDBED2B5}" dt="2023-02-12T20:16:10.447" v="74"/>
-          <ac:picMkLst>
-            <pc:docMk/>
-            <pc:sldMk cId="2505371292" sldId="270"/>
-            <ac:picMk id="4" creationId="{F6C827CA-8E86-44AB-5043-B6D399FFB89D}"/>
-          </ac:picMkLst>
-        </pc:picChg>
-      </pc:sldChg>
-      <pc:sldChg chg="addSp delSp modSp mod">
-        <pc:chgData name="Jheyson Fabian Villavisan Buitrago" userId="b9abc243-2adc-4788-8ef1-b07bec73deff" providerId="ADAL" clId="{33DDCE01-D5A0-4892-8419-FF73BDBED2B5}" dt="2023-02-12T20:17:40.832" v="98" actId="113"/>
-        <pc:sldMkLst>
-          <pc:docMk/>
-          <pc:sldMk cId="3709177429" sldId="274"/>
-        </pc:sldMkLst>
-        <pc:spChg chg="add del">
-          <ac:chgData name="Jheyson Fabian Villavisan Buitrago" userId="b9abc243-2adc-4788-8ef1-b07bec73deff" providerId="ADAL" clId="{33DDCE01-D5A0-4892-8419-FF73BDBED2B5}" dt="2023-02-12T20:15:45.088" v="68" actId="478"/>
-          <ac:spMkLst>
-            <pc:docMk/>
-            <pc:sldMk cId="3709177429" sldId="274"/>
-            <ac:spMk id="2" creationId="{FB1B6180-BCA0-4F51-9F68-9E5BAB8A4FDC}"/>
-          </ac:spMkLst>
-        </pc:spChg>
-        <pc:spChg chg="mod">
-          <ac:chgData name="Jheyson Fabian Villavisan Buitrago" userId="b9abc243-2adc-4788-8ef1-b07bec73deff" providerId="ADAL" clId="{33DDCE01-D5A0-4892-8419-FF73BDBED2B5}" dt="2023-02-12T20:15:17.607" v="40" actId="20577"/>
-          <ac:spMkLst>
-            <pc:docMk/>
-            <pc:sldMk cId="3709177429" sldId="274"/>
-            <ac:spMk id="3" creationId="{4F1F9CC3-49B8-41A8-9878-3805D57595F8}"/>
-          </ac:spMkLst>
-        </pc:spChg>
-        <pc:spChg chg="mod">
-          <ac:chgData name="Jheyson Fabian Villavisan Buitrago" userId="b9abc243-2adc-4788-8ef1-b07bec73deff" providerId="ADAL" clId="{33DDCE01-D5A0-4892-8419-FF73BDBED2B5}" dt="2023-02-12T20:15:29.947" v="63" actId="20577"/>
-          <ac:spMkLst>
-            <pc:docMk/>
-            <pc:sldMk cId="3709177429" sldId="274"/>
-            <ac:spMk id="4" creationId="{2C7E43D4-8286-4BEE-907B-3A35AE701C90}"/>
-          </ac:spMkLst>
-        </pc:spChg>
-        <pc:spChg chg="add del mod">
-          <ac:chgData name="Jheyson Fabian Villavisan Buitrago" userId="b9abc243-2adc-4788-8ef1-b07bec73deff" providerId="ADAL" clId="{33DDCE01-D5A0-4892-8419-FF73BDBED2B5}" dt="2023-02-12T20:15:41.210" v="65" actId="478"/>
-          <ac:spMkLst>
-            <pc:docMk/>
-            <pc:sldMk cId="3709177429" sldId="274"/>
-            <ac:spMk id="5" creationId="{3FEF6D41-D660-C96C-7129-ADDD5B66484E}"/>
-          </ac:spMkLst>
-        </pc:spChg>
-        <pc:spChg chg="del">
-          <ac:chgData name="Jheyson Fabian Villavisan Buitrago" userId="b9abc243-2adc-4788-8ef1-b07bec73deff" providerId="ADAL" clId="{33DDCE01-D5A0-4892-8419-FF73BDBED2B5}" dt="2023-02-12T20:15:42.985" v="66" actId="478"/>
-          <ac:spMkLst>
-            <pc:docMk/>
-            <pc:sldMk cId="3709177429" sldId="274"/>
-            <ac:spMk id="7" creationId="{283FE187-84F7-4234-87D0-685041933163}"/>
-          </ac:spMkLst>
-        </pc:spChg>
-        <pc:spChg chg="mod">
-          <ac:chgData name="Jheyson Fabian Villavisan Buitrago" userId="b9abc243-2adc-4788-8ef1-b07bec73deff" providerId="ADAL" clId="{33DDCE01-D5A0-4892-8419-FF73BDBED2B5}" dt="2023-02-12T20:17:40.832" v="98" actId="113"/>
-          <ac:spMkLst>
-            <pc:docMk/>
-            <pc:sldMk cId="3709177429" sldId="274"/>
-            <ac:spMk id="10" creationId="{AF4E183E-A171-4923-A99E-D149888CEC37}"/>
-          </ac:spMkLst>
-        </pc:spChg>
-        <pc:spChg chg="add del mod">
-          <ac:chgData name="Jheyson Fabian Villavisan Buitrago" userId="b9abc243-2adc-4788-8ef1-b07bec73deff" providerId="ADAL" clId="{33DDCE01-D5A0-4892-8419-FF73BDBED2B5}" dt="2023-02-12T20:15:45.088" v="68" actId="478"/>
-          <ac:spMkLst>
-            <pc:docMk/>
-            <pc:sldMk cId="3709177429" sldId="274"/>
-            <ac:spMk id="12" creationId="{796A818C-D694-96AC-EBC3-D204ED1B7B35}"/>
-          </ac:spMkLst>
-        </pc:spChg>
-        <pc:spChg chg="add mod">
-          <ac:chgData name="Jheyson Fabian Villavisan Buitrago" userId="b9abc243-2adc-4788-8ef1-b07bec73deff" providerId="ADAL" clId="{33DDCE01-D5A0-4892-8419-FF73BDBED2B5}" dt="2023-02-12T20:15:47.537" v="70"/>
-          <ac:spMkLst>
-            <pc:docMk/>
-            <pc:sldMk cId="3709177429" sldId="274"/>
-            <ac:spMk id="13" creationId="{FF9F8020-A143-4061-0214-9BB2AE9D2550}"/>
-          </ac:spMkLst>
-        </pc:spChg>
-        <pc:picChg chg="add del mod">
-          <ac:chgData name="Jheyson Fabian Villavisan Buitrago" userId="b9abc243-2adc-4788-8ef1-b07bec73deff" providerId="ADAL" clId="{33DDCE01-D5A0-4892-8419-FF73BDBED2B5}" dt="2023-02-12T20:15:46.804" v="69" actId="478"/>
-          <ac:picMkLst>
-            <pc:docMk/>
-            <pc:sldMk cId="3709177429" sldId="274"/>
-            <ac:picMk id="8" creationId="{94FF9543-7FAC-7ABE-30A5-A558D7C3FE92}"/>
-          </ac:picMkLst>
-        </pc:picChg>
-        <pc:picChg chg="add mod">
-          <ac:chgData name="Jheyson Fabian Villavisan Buitrago" userId="b9abc243-2adc-4788-8ef1-b07bec73deff" providerId="ADAL" clId="{33DDCE01-D5A0-4892-8419-FF73BDBED2B5}" dt="2023-02-12T20:15:47.537" v="70"/>
-          <ac:picMkLst>
-            <pc:docMk/>
-            <pc:sldMk cId="3709177429" sldId="274"/>
-            <ac:picMk id="14" creationId="{EC83F540-C4A2-EE56-0418-B8CD7CA17275}"/>
-          </ac:picMkLst>
-        </pc:picChg>
-      </pc:sldChg>
-      <pc:sldChg chg="addSp delSp modSp mod">
-        <pc:chgData name="Jheyson Fabian Villavisan Buitrago" userId="b9abc243-2adc-4788-8ef1-b07bec73deff" providerId="ADAL" clId="{33DDCE01-D5A0-4892-8419-FF73BDBED2B5}" dt="2023-02-12T20:26:34.092" v="264" actId="478"/>
-        <pc:sldMkLst>
-          <pc:docMk/>
-          <pc:sldMk cId="2680639377" sldId="275"/>
-        </pc:sldMkLst>
-        <pc:spChg chg="del mod">
-          <ac:chgData name="Jheyson Fabian Villavisan Buitrago" userId="b9abc243-2adc-4788-8ef1-b07bec73deff" providerId="ADAL" clId="{33DDCE01-D5A0-4892-8419-FF73BDBED2B5}" dt="2023-02-12T20:26:34.092" v="264" actId="478"/>
-          <ac:spMkLst>
-            <pc:docMk/>
-            <pc:sldMk cId="2680639377" sldId="275"/>
-            <ac:spMk id="2" creationId="{DD91D687-6F5E-4720-2C79-C0D1D7DA94F8}"/>
-          </ac:spMkLst>
-        </pc:spChg>
-        <pc:spChg chg="add mod">
-          <ac:chgData name="Jheyson Fabian Villavisan Buitrago" userId="b9abc243-2adc-4788-8ef1-b07bec73deff" providerId="ADAL" clId="{33DDCE01-D5A0-4892-8419-FF73BDBED2B5}" dt="2023-02-12T20:16:40.643" v="88"/>
-          <ac:spMkLst>
-            <pc:docMk/>
-            <pc:sldMk cId="2680639377" sldId="275"/>
-            <ac:spMk id="3" creationId="{0EC7E215-99CA-9EE0-74CD-8C1E4F608272}"/>
-          </ac:spMkLst>
-        </pc:spChg>
-        <pc:spChg chg="mod">
-          <ac:chgData name="Jheyson Fabian Villavisan Buitrago" userId="b9abc243-2adc-4788-8ef1-b07bec73deff" providerId="ADAL" clId="{33DDCE01-D5A0-4892-8419-FF73BDBED2B5}" dt="2023-02-12T20:25:32.982" v="247" actId="20577"/>
-          <ac:spMkLst>
-            <pc:docMk/>
-            <pc:sldMk cId="2680639377" sldId="275"/>
-            <ac:spMk id="9" creationId="{1DF9086F-7804-4245-BF66-46E11D73F05F}"/>
-          </ac:spMkLst>
-        </pc:spChg>
-        <pc:spChg chg="del">
-          <ac:chgData name="Jheyson Fabian Villavisan Buitrago" userId="b9abc243-2adc-4788-8ef1-b07bec73deff" providerId="ADAL" clId="{33DDCE01-D5A0-4892-8419-FF73BDBED2B5}" dt="2023-02-12T20:16:40.400" v="87" actId="478"/>
-          <ac:spMkLst>
-            <pc:docMk/>
-            <pc:sldMk cId="2680639377" sldId="275"/>
-            <ac:spMk id="14" creationId="{234A7918-73C9-3AFB-A796-D58815853D5B}"/>
-          </ac:spMkLst>
-        </pc:spChg>
-        <pc:picChg chg="add mod">
-          <ac:chgData name="Jheyson Fabian Villavisan Buitrago" userId="b9abc243-2adc-4788-8ef1-b07bec73deff" providerId="ADAL" clId="{33DDCE01-D5A0-4892-8419-FF73BDBED2B5}" dt="2023-02-12T20:16:40.643" v="88"/>
-          <ac:picMkLst>
-            <pc:docMk/>
-            <pc:sldMk cId="2680639377" sldId="275"/>
-            <ac:picMk id="4" creationId="{89214FA2-B47E-E872-9EFA-9C590852C48C}"/>
-          </ac:picMkLst>
-        </pc:picChg>
-      </pc:sldChg>
-      <pc:sldChg chg="addSp delSp modSp del">
-        <pc:chgData name="Jheyson Fabian Villavisan Buitrago" userId="b9abc243-2adc-4788-8ef1-b07bec73deff" providerId="ADAL" clId="{33DDCE01-D5A0-4892-8419-FF73BDBED2B5}" dt="2023-02-12T23:52:00.525" v="841" actId="47"/>
-        <pc:sldMkLst>
-          <pc:docMk/>
-          <pc:sldMk cId="870139891" sldId="276"/>
-        </pc:sldMkLst>
-        <pc:spChg chg="mod">
-          <ac:chgData name="Jheyson Fabian Villavisan Buitrago" userId="b9abc243-2adc-4788-8ef1-b07bec73deff" providerId="ADAL" clId="{33DDCE01-D5A0-4892-8419-FF73BDBED2B5}" dt="2023-02-12T20:13:09.028" v="14"/>
-          <ac:spMkLst>
-            <pc:docMk/>
-            <pc:sldMk cId="870139891" sldId="276"/>
-            <ac:spMk id="2" creationId="{CC2468A2-54B0-E140-F39F-B455BC314EED}"/>
-          </ac:spMkLst>
-        </pc:spChg>
-        <pc:spChg chg="add mod">
-          <ac:chgData name="Jheyson Fabian Villavisan Buitrago" userId="b9abc243-2adc-4788-8ef1-b07bec73deff" providerId="ADAL" clId="{33DDCE01-D5A0-4892-8419-FF73BDBED2B5}" dt="2023-02-12T22:48:25.771" v="784"/>
-          <ac:spMkLst>
-            <pc:docMk/>
-            <pc:sldMk cId="870139891" sldId="276"/>
-            <ac:spMk id="3" creationId="{F6C81051-F36F-44B2-7F00-E23A4F1881AC}"/>
-          </ac:spMkLst>
-        </pc:spChg>
-        <pc:spChg chg="del">
-          <ac:chgData name="Jheyson Fabian Villavisan Buitrago" userId="b9abc243-2adc-4788-8ef1-b07bec73deff" providerId="ADAL" clId="{33DDCE01-D5A0-4892-8419-FF73BDBED2B5}" dt="2023-02-12T22:48:19.520" v="782" actId="478"/>
-          <ac:spMkLst>
-            <pc:docMk/>
-            <pc:sldMk cId="870139891" sldId="276"/>
-            <ac:spMk id="7" creationId="{0C05F0A6-68CC-C777-F73B-6442E8393140}"/>
-          </ac:spMkLst>
-        </pc:spChg>
-        <pc:picChg chg="add mod">
-          <ac:chgData name="Jheyson Fabian Villavisan Buitrago" userId="b9abc243-2adc-4788-8ef1-b07bec73deff" providerId="ADAL" clId="{33DDCE01-D5A0-4892-8419-FF73BDBED2B5}" dt="2023-02-12T22:48:25.771" v="784"/>
-          <ac:picMkLst>
-            <pc:docMk/>
-            <pc:sldMk cId="870139891" sldId="276"/>
-            <ac:picMk id="4" creationId="{8617A49E-D605-98D0-7D9C-A2874DBE6BDC}"/>
-          </ac:picMkLst>
-        </pc:picChg>
-      </pc:sldChg>
-      <pc:sldChg chg="addSp delSp modSp mod">
-        <pc:chgData name="Jheyson Fabian Villavisan Buitrago" userId="b9abc243-2adc-4788-8ef1-b07bec73deff" providerId="ADAL" clId="{33DDCE01-D5A0-4892-8419-FF73BDBED2B5}" dt="2023-02-12T23:50:02.034" v="840" actId="1076"/>
-        <pc:sldMkLst>
-          <pc:docMk/>
-          <pc:sldMk cId="1955606898" sldId="277"/>
-        </pc:sldMkLst>
-        <pc:spChg chg="del mod">
-          <ac:chgData name="Jheyson Fabian Villavisan Buitrago" userId="b9abc243-2adc-4788-8ef1-b07bec73deff" providerId="ADAL" clId="{33DDCE01-D5A0-4892-8419-FF73BDBED2B5}" dt="2023-02-12T20:17:05.173" v="90" actId="478"/>
-          <ac:spMkLst>
-            <pc:docMk/>
-            <pc:sldMk cId="1955606898" sldId="277"/>
-            <ac:spMk id="2" creationId="{0B9D87D8-5445-5741-E777-1D5DD45EC17F}"/>
-          </ac:spMkLst>
-        </pc:spChg>
-        <pc:spChg chg="add mod">
-          <ac:chgData name="Jheyson Fabian Villavisan Buitrago" userId="b9abc243-2adc-4788-8ef1-b07bec73deff" providerId="ADAL" clId="{33DDCE01-D5A0-4892-8419-FF73BDBED2B5}" dt="2023-02-12T20:17:08.924" v="94"/>
-          <ac:spMkLst>
-            <pc:docMk/>
-            <pc:sldMk cId="1955606898" sldId="277"/>
-            <ac:spMk id="3" creationId="{87013794-5883-C93A-DFFF-76F577E0C7DB}"/>
-          </ac:spMkLst>
-        </pc:spChg>
-        <pc:spChg chg="del mod">
-          <ac:chgData name="Jheyson Fabian Villavisan Buitrago" userId="b9abc243-2adc-4788-8ef1-b07bec73deff" providerId="ADAL" clId="{33DDCE01-D5A0-4892-8419-FF73BDBED2B5}" dt="2023-02-12T20:17:11.242" v="95" actId="478"/>
-          <ac:spMkLst>
-            <pc:docMk/>
-            <pc:sldMk cId="1955606898" sldId="277"/>
-            <ac:spMk id="4" creationId="{E5A1A4C4-A9D0-42FC-94D8-32091EFCB0F2}"/>
-          </ac:spMkLst>
-        </pc:spChg>
-        <pc:spChg chg="add">
-          <ac:chgData name="Jheyson Fabian Villavisan Buitrago" userId="b9abc243-2adc-4788-8ef1-b07bec73deff" providerId="ADAL" clId="{33DDCE01-D5A0-4892-8419-FF73BDBED2B5}" dt="2023-02-12T23:48:59.207" v="790"/>
-          <ac:spMkLst>
-            <pc:docMk/>
-            <pc:sldMk cId="1955606898" sldId="277"/>
-            <ac:spMk id="12" creationId="{B4336C17-6123-3859-97BF-FC6F99A43B32}"/>
-          </ac:spMkLst>
-        </pc:spChg>
-        <pc:spChg chg="del">
-          <ac:chgData name="Jheyson Fabian Villavisan Buitrago" userId="b9abc243-2adc-4788-8ef1-b07bec73deff" providerId="ADAL" clId="{33DDCE01-D5A0-4892-8419-FF73BDBED2B5}" dt="2023-02-12T20:17:08.087" v="93" actId="478"/>
-          <ac:spMkLst>
-            <pc:docMk/>
-            <pc:sldMk cId="1955606898" sldId="277"/>
-            <ac:spMk id="13" creationId="{5671BCF2-BB14-B2E9-03F5-D4DC5DECB738}"/>
-          </ac:spMkLst>
-        </pc:spChg>
-        <pc:spChg chg="add mod">
-          <ac:chgData name="Jheyson Fabian Villavisan Buitrago" userId="b9abc243-2adc-4788-8ef1-b07bec73deff" providerId="ADAL" clId="{33DDCE01-D5A0-4892-8419-FF73BDBED2B5}" dt="2023-02-12T23:49:59.895" v="839" actId="1076"/>
-          <ac:spMkLst>
-            <pc:docMk/>
-            <pc:sldMk cId="1955606898" sldId="277"/>
-            <ac:spMk id="14" creationId="{431C44E4-329E-7FEC-B9B3-CC9F71252532}"/>
-          </ac:spMkLst>
-        </pc:spChg>
-        <pc:spChg chg="mod">
-          <ac:chgData name="Jheyson Fabian Villavisan Buitrago" userId="b9abc243-2adc-4788-8ef1-b07bec73deff" providerId="ADAL" clId="{33DDCE01-D5A0-4892-8419-FF73BDBED2B5}" dt="2023-02-12T23:49:23.111" v="802" actId="20577"/>
-          <ac:spMkLst>
-            <pc:docMk/>
-            <pc:sldMk cId="1955606898" sldId="277"/>
-            <ac:spMk id="16" creationId="{F0D65330-7419-4333-9764-E4292B375DC3}"/>
-          </ac:spMkLst>
-        </pc:spChg>
-        <pc:spChg chg="mod">
-          <ac:chgData name="Jheyson Fabian Villavisan Buitrago" userId="b9abc243-2adc-4788-8ef1-b07bec73deff" providerId="ADAL" clId="{33DDCE01-D5A0-4892-8419-FF73BDBED2B5}" dt="2023-02-12T21:29:17.381" v="778" actId="20577"/>
-          <ac:spMkLst>
-            <pc:docMk/>
-            <pc:sldMk cId="1955606898" sldId="277"/>
-            <ac:spMk id="21506" creationId="{974AAA16-E8D7-47E1-ABBC-3CB9C4D3BD82}"/>
-          </ac:spMkLst>
-        </pc:spChg>
-        <pc:picChg chg="del">
-          <ac:chgData name="Jheyson Fabian Villavisan Buitrago" userId="b9abc243-2adc-4788-8ef1-b07bec73deff" providerId="ADAL" clId="{33DDCE01-D5A0-4892-8419-FF73BDBED2B5}" dt="2023-02-12T20:17:06.215" v="91" actId="478"/>
-          <ac:picMkLst>
-            <pc:docMk/>
-            <pc:sldMk cId="1955606898" sldId="277"/>
-            <ac:picMk id="5" creationId="{78773C00-077D-4420-A117-EDEBD04E979F}"/>
-          </ac:picMkLst>
-        </pc:picChg>
-        <pc:picChg chg="add mod">
-          <ac:chgData name="Jheyson Fabian Villavisan Buitrago" userId="b9abc243-2adc-4788-8ef1-b07bec73deff" providerId="ADAL" clId="{33DDCE01-D5A0-4892-8419-FF73BDBED2B5}" dt="2023-02-12T20:17:08.924" v="94"/>
-          <ac:picMkLst>
-            <pc:docMk/>
-            <pc:sldMk cId="1955606898" sldId="277"/>
-            <ac:picMk id="8" creationId="{210EE14A-117F-9A30-02AB-B3C873C8089F}"/>
-          </ac:picMkLst>
-        </pc:picChg>
-        <pc:picChg chg="add mod">
-          <ac:chgData name="Jheyson Fabian Villavisan Buitrago" userId="b9abc243-2adc-4788-8ef1-b07bec73deff" providerId="ADAL" clId="{33DDCE01-D5A0-4892-8419-FF73BDBED2B5}" dt="2023-02-12T23:50:02.034" v="840" actId="1076"/>
-          <ac:picMkLst>
-            <pc:docMk/>
-            <pc:sldMk cId="1955606898" sldId="277"/>
-            <ac:picMk id="11" creationId="{E8470154-AC7E-B448-6D58-E30DC77C6DF1}"/>
-          </ac:picMkLst>
-        </pc:picChg>
-        <pc:picChg chg="mod">
-          <ac:chgData name="Jheyson Fabian Villavisan Buitrago" userId="b9abc243-2adc-4788-8ef1-b07bec73deff" providerId="ADAL" clId="{33DDCE01-D5A0-4892-8419-FF73BDBED2B5}" dt="2023-02-12T23:48:52.061" v="788" actId="1076"/>
-          <ac:picMkLst>
-            <pc:docMk/>
-            <pc:sldMk cId="1955606898" sldId="277"/>
-            <ac:picMk id="2056" creationId="{075C7F64-CBA7-4977-AB8B-1D5229822556}"/>
-          </ac:picMkLst>
-        </pc:picChg>
-      </pc:sldChg>
-      <pc:sldChg chg="addSp delSp modSp">
-        <pc:chgData name="Jheyson Fabian Villavisan Buitrago" userId="b9abc243-2adc-4788-8ef1-b07bec73deff" providerId="ADAL" clId="{33DDCE01-D5A0-4892-8419-FF73BDBED2B5}" dt="2023-02-12T20:16:04.791" v="72"/>
-        <pc:sldMkLst>
-          <pc:docMk/>
-          <pc:sldMk cId="214171354" sldId="278"/>
-        </pc:sldMkLst>
-        <pc:spChg chg="add mod">
-          <ac:chgData name="Jheyson Fabian Villavisan Buitrago" userId="b9abc243-2adc-4788-8ef1-b07bec73deff" providerId="ADAL" clId="{33DDCE01-D5A0-4892-8419-FF73BDBED2B5}" dt="2023-02-12T20:16:04.791" v="72"/>
-          <ac:spMkLst>
-            <pc:docMk/>
-            <pc:sldMk cId="214171354" sldId="278"/>
-            <ac:spMk id="2" creationId="{0FC085BA-4809-6EFA-567A-979478BDC626}"/>
-          </ac:spMkLst>
-        </pc:spChg>
-        <pc:spChg chg="del">
-          <ac:chgData name="Jheyson Fabian Villavisan Buitrago" userId="b9abc243-2adc-4788-8ef1-b07bec73deff" providerId="ADAL" clId="{33DDCE01-D5A0-4892-8419-FF73BDBED2B5}" dt="2023-02-12T20:16:03.588" v="71" actId="478"/>
-          <ac:spMkLst>
-            <pc:docMk/>
-            <pc:sldMk cId="214171354" sldId="278"/>
-            <ac:spMk id="7" creationId="{A29B92A2-7673-44F8-29EC-39FDCCC6D6AE}"/>
-          </ac:spMkLst>
-        </pc:spChg>
-        <pc:picChg chg="add mod">
-          <ac:chgData name="Jheyson Fabian Villavisan Buitrago" userId="b9abc243-2adc-4788-8ef1-b07bec73deff" providerId="ADAL" clId="{33DDCE01-D5A0-4892-8419-FF73BDBED2B5}" dt="2023-02-12T20:16:04.791" v="72"/>
-          <ac:picMkLst>
-            <pc:docMk/>
-            <pc:sldMk cId="214171354" sldId="278"/>
-            <ac:picMk id="3" creationId="{678AE1EF-3677-EA6E-6782-9051B3C2D134}"/>
-          </ac:picMkLst>
-        </pc:picChg>
-      </pc:sldChg>
-      <pc:sldChg chg="new del">
-        <pc:chgData name="Jheyson Fabian Villavisan Buitrago" userId="b9abc243-2adc-4788-8ef1-b07bec73deff" providerId="ADAL" clId="{33DDCE01-D5A0-4892-8419-FF73BDBED2B5}" dt="2023-02-12T21:06:15.608" v="715" actId="680"/>
-        <pc:sldMkLst>
-          <pc:docMk/>
-          <pc:sldMk cId="3471673601" sldId="279"/>
-        </pc:sldMkLst>
-      </pc:sldChg>
-      <pc:sldMasterChg chg="addSp modSldLayout">
-        <pc:chgData name="Jheyson Fabian Villavisan Buitrago" userId="b9abc243-2adc-4788-8ef1-b07bec73deff" providerId="ADAL" clId="{33DDCE01-D5A0-4892-8419-FF73BDBED2B5}" dt="2023-02-12T20:12:44.943" v="6"/>
-        <pc:sldMasterMkLst>
-          <pc:docMk/>
-          <pc:sldMasterMk cId="87750959" sldId="2147483778"/>
-        </pc:sldMasterMkLst>
-        <pc:spChg chg="add">
-          <ac:chgData name="Jheyson Fabian Villavisan Buitrago" userId="b9abc243-2adc-4788-8ef1-b07bec73deff" providerId="ADAL" clId="{33DDCE01-D5A0-4892-8419-FF73BDBED2B5}" dt="2023-02-12T20:12:44.943" v="6"/>
-          <ac:spMkLst>
-            <pc:docMk/>
-            <pc:sldMasterMk cId="87750959" sldId="2147483778"/>
-            <ac:spMk id="7" creationId="{7B0CA632-E545-9F27-F48F-19EBC6FED7F0}"/>
-          </ac:spMkLst>
-        </pc:spChg>
-        <pc:sldLayoutChg chg="addSp">
-          <pc:chgData name="Jheyson Fabian Villavisan Buitrago" userId="b9abc243-2adc-4788-8ef1-b07bec73deff" providerId="ADAL" clId="{33DDCE01-D5A0-4892-8419-FF73BDBED2B5}" dt="2023-02-12T20:12:44.943" v="6"/>
-          <pc:sldLayoutMkLst>
-            <pc:docMk/>
-            <pc:sldMasterMk cId="87750959" sldId="2147483778"/>
-            <pc:sldLayoutMk cId="1675921050" sldId="2147483779"/>
-          </pc:sldLayoutMkLst>
-          <pc:spChg chg="add">
-            <ac:chgData name="Jheyson Fabian Villavisan Buitrago" userId="b9abc243-2adc-4788-8ef1-b07bec73deff" providerId="ADAL" clId="{33DDCE01-D5A0-4892-8419-FF73BDBED2B5}" dt="2023-02-12T20:12:44.943" v="6"/>
-            <ac:spMkLst>
-              <pc:docMk/>
-              <pc:sldMasterMk cId="87750959" sldId="2147483778"/>
-              <pc:sldLayoutMk cId="1675921050" sldId="2147483779"/>
-              <ac:spMk id="7" creationId="{4EDA08D5-F667-8787-0063-21E612015DD7}"/>
-            </ac:spMkLst>
-          </pc:spChg>
-        </pc:sldLayoutChg>
-      </pc:sldMasterChg>
-      <pc:sldMasterChg chg="addSp modSldLayout">
-        <pc:chgData name="Jheyson Fabian Villavisan Buitrago" userId="b9abc243-2adc-4788-8ef1-b07bec73deff" providerId="ADAL" clId="{33DDCE01-D5A0-4892-8419-FF73BDBED2B5}" dt="2023-02-12T20:06:35.969" v="0"/>
-        <pc:sldMasterMkLst>
-          <pc:docMk/>
-          <pc:sldMasterMk cId="3641214427" sldId="2147483778"/>
-        </pc:sldMasterMkLst>
-        <pc:spChg chg="add">
-          <ac:chgData name="Jheyson Fabian Villavisan Buitrago" userId="b9abc243-2adc-4788-8ef1-b07bec73deff" providerId="ADAL" clId="{33DDCE01-D5A0-4892-8419-FF73BDBED2B5}" dt="2023-02-12T20:06:35.969" v="0"/>
-          <ac:spMkLst>
-            <pc:docMk/>
-            <pc:sldMasterMk cId="3641214427" sldId="2147483778"/>
-            <ac:spMk id="7" creationId="{548E59C9-3A8C-2D5A-19FB-7C62F8AD38F4}"/>
-          </ac:spMkLst>
-        </pc:spChg>
-        <pc:sldLayoutChg chg="addSp">
-          <pc:chgData name="Jheyson Fabian Villavisan Buitrago" userId="b9abc243-2adc-4788-8ef1-b07bec73deff" providerId="ADAL" clId="{33DDCE01-D5A0-4892-8419-FF73BDBED2B5}" dt="2023-02-12T20:06:35.969" v="0"/>
-          <pc:sldLayoutMkLst>
-            <pc:docMk/>
-            <pc:sldMasterMk cId="3641214427" sldId="2147483778"/>
-            <pc:sldLayoutMk cId="4117338386" sldId="2147483779"/>
-          </pc:sldLayoutMkLst>
-          <pc:spChg chg="add">
-            <ac:chgData name="Jheyson Fabian Villavisan Buitrago" userId="b9abc243-2adc-4788-8ef1-b07bec73deff" providerId="ADAL" clId="{33DDCE01-D5A0-4892-8419-FF73BDBED2B5}" dt="2023-02-12T20:06:35.969" v="0"/>
-            <ac:spMkLst>
-              <pc:docMk/>
-              <pc:sldMasterMk cId="3641214427" sldId="2147483778"/>
-              <pc:sldLayoutMk cId="4117338386" sldId="2147483779"/>
-              <ac:spMk id="7" creationId="{3DF8295E-E364-1450-D336-A3C4C64B853E}"/>
-            </ac:spMkLst>
-          </pc:spChg>
-        </pc:sldLayoutChg>
-      </pc:sldMasterChg>
-    </pc:docChg>
-  </pc:docChgLst>
-  <pc:docChgLst>
-    <pc:chgData name="CARLOS ANDRES MANTILLA VALCARCEL" userId="S::camantillav@itc.edu.co::e97a455e-0200-4a9d-bd9f-13872b98e30c" providerId="AD" clId="Web-{B845AFA3-97A3-84D0-CB4D-75035647954E}"/>
-    <pc:docChg chg="modSld">
-      <pc:chgData name="CARLOS ANDRES MANTILLA VALCARCEL" userId="S::camantillav@itc.edu.co::e97a455e-0200-4a9d-bd9f-13872b98e30c" providerId="AD" clId="Web-{B845AFA3-97A3-84D0-CB4D-75035647954E}" dt="2024-02-21T01:36:42.984" v="1" actId="1076"/>
-      <pc:docMkLst>
-        <pc:docMk/>
-      </pc:docMkLst>
-      <pc:sldChg chg="modSp">
-        <pc:chgData name="CARLOS ANDRES MANTILLA VALCARCEL" userId="S::camantillav@itc.edu.co::e97a455e-0200-4a9d-bd9f-13872b98e30c" providerId="AD" clId="Web-{B845AFA3-97A3-84D0-CB4D-75035647954E}" dt="2024-02-21T01:36:42.984" v="1" actId="1076"/>
-        <pc:sldMkLst>
-          <pc:docMk/>
-          <pc:sldMk cId="1406170200" sldId="281"/>
-        </pc:sldMkLst>
-        <pc:spChg chg="mod">
-          <ac:chgData name="CARLOS ANDRES MANTILLA VALCARCEL" userId="S::camantillav@itc.edu.co::e97a455e-0200-4a9d-bd9f-13872b98e30c" providerId="AD" clId="Web-{B845AFA3-97A3-84D0-CB4D-75035647954E}" dt="2024-02-21T01:36:42.984" v="1" actId="1076"/>
-          <ac:spMkLst>
-            <pc:docMk/>
-            <pc:sldMk cId="1406170200" sldId="281"/>
-            <ac:spMk id="4" creationId="{A9A4A0C2-930C-0E2E-41F8-622F2BEB0F2A}"/>
-          </ac:spMkLst>
-        </pc:spChg>
-      </pc:sldChg>
-    </pc:docChg>
-  </pc:docChgLst>
-  <pc:docChgLst>
-    <pc:chgData name="JHEYSON FABIAN VILLAVISAN BUITRAGO" userId="e5ced5c2-d787-455d-b115-4f08a699b8c8" providerId="ADAL" clId="{6D4E4387-A8B5-4EAB-B129-13D0102C3393}"/>
-    <pc:docChg chg="undo custSel addSld modSld modSection">
-      <pc:chgData name="JHEYSON FABIAN VILLAVISAN BUITRAGO" userId="e5ced5c2-d787-455d-b115-4f08a699b8c8" providerId="ADAL" clId="{6D4E4387-A8B5-4EAB-B129-13D0102C3393}" dt="2023-08-02T00:01:03.382" v="783" actId="20577"/>
-      <pc:docMkLst>
-        <pc:docMk/>
-      </pc:docMkLst>
-      <pc:sldChg chg="delSp modSp mod">
-        <pc:chgData name="JHEYSON FABIAN VILLAVISAN BUITRAGO" userId="e5ced5c2-d787-455d-b115-4f08a699b8c8" providerId="ADAL" clId="{6D4E4387-A8B5-4EAB-B129-13D0102C3393}" dt="2023-08-01T18:38:51.331" v="37" actId="1076"/>
-        <pc:sldMkLst>
-          <pc:docMk/>
-          <pc:sldMk cId="0" sldId="256"/>
-        </pc:sldMkLst>
-        <pc:spChg chg="del">
-          <ac:chgData name="JHEYSON FABIAN VILLAVISAN BUITRAGO" userId="e5ced5c2-d787-455d-b115-4f08a699b8c8" providerId="ADAL" clId="{6D4E4387-A8B5-4EAB-B129-13D0102C3393}" dt="2023-08-01T18:37:10.064" v="0" actId="478"/>
-          <ac:spMkLst>
-            <pc:docMk/>
-            <pc:sldMk cId="0" sldId="256"/>
-            <ac:spMk id="7" creationId="{A236FBE4-061E-78EC-AF9D-34882DE16D7D}"/>
-          </ac:spMkLst>
-        </pc:spChg>
-        <pc:spChg chg="mod">
-          <ac:chgData name="JHEYSON FABIAN VILLAVISAN BUITRAGO" userId="e5ced5c2-d787-455d-b115-4f08a699b8c8" providerId="ADAL" clId="{6D4E4387-A8B5-4EAB-B129-13D0102C3393}" dt="2023-08-01T18:38:51.331" v="37" actId="1076"/>
-          <ac:spMkLst>
-            <pc:docMk/>
-            <pc:sldMk cId="0" sldId="256"/>
-            <ac:spMk id="10" creationId="{0D52910C-C7FF-51AD-9B9D-1A390D5FFE1B}"/>
-          </ac:spMkLst>
-        </pc:spChg>
-        <pc:picChg chg="del">
-          <ac:chgData name="JHEYSON FABIAN VILLAVISAN BUITRAGO" userId="e5ced5c2-d787-455d-b115-4f08a699b8c8" providerId="ADAL" clId="{6D4E4387-A8B5-4EAB-B129-13D0102C3393}" dt="2023-08-01T18:37:10.064" v="0" actId="478"/>
-          <ac:picMkLst>
-            <pc:docMk/>
-            <pc:sldMk cId="0" sldId="256"/>
-            <ac:picMk id="4" creationId="{5D8446A7-4203-D240-B0BD-B0BE244CFB1B}"/>
-          </ac:picMkLst>
-        </pc:picChg>
-      </pc:sldChg>
-      <pc:sldChg chg="addSp delSp modSp">
-        <pc:chgData name="JHEYSON FABIAN VILLAVISAN BUITRAGO" userId="e5ced5c2-d787-455d-b115-4f08a699b8c8" providerId="ADAL" clId="{6D4E4387-A8B5-4EAB-B129-13D0102C3393}" dt="2023-08-01T18:50:11.591" v="691" actId="20577"/>
-        <pc:sldMkLst>
-          <pc:docMk/>
-          <pc:sldMk cId="0" sldId="261"/>
-        </pc:sldMkLst>
-        <pc:spChg chg="add mod">
-          <ac:chgData name="JHEYSON FABIAN VILLAVISAN BUITRAGO" userId="e5ced5c2-d787-455d-b115-4f08a699b8c8" providerId="ADAL" clId="{6D4E4387-A8B5-4EAB-B129-13D0102C3393}" dt="2023-08-01T18:40:28.496" v="88"/>
-          <ac:spMkLst>
-            <pc:docMk/>
-            <pc:sldMk cId="0" sldId="261"/>
-            <ac:spMk id="2" creationId="{B7BBAA63-6E9C-7FD5-350A-58CDC54BCE93}"/>
-          </ac:spMkLst>
-        </pc:spChg>
-        <pc:spChg chg="del">
-          <ac:chgData name="JHEYSON FABIAN VILLAVISAN BUITRAGO" userId="e5ced5c2-d787-455d-b115-4f08a699b8c8" providerId="ADAL" clId="{6D4E4387-A8B5-4EAB-B129-13D0102C3393}" dt="2023-08-01T18:39:13.046" v="43" actId="478"/>
-          <ac:spMkLst>
-            <pc:docMk/>
-            <pc:sldMk cId="0" sldId="261"/>
-            <ac:spMk id="3" creationId="{6BD985B6-878F-6FE8-E247-75230379CB4E}"/>
-          </ac:spMkLst>
-        </pc:spChg>
-        <pc:graphicFrameChg chg="mod">
-          <ac:chgData name="JHEYSON FABIAN VILLAVISAN BUITRAGO" userId="e5ced5c2-d787-455d-b115-4f08a699b8c8" providerId="ADAL" clId="{6D4E4387-A8B5-4EAB-B129-13D0102C3393}" dt="2023-08-01T18:50:11.591" v="691" actId="20577"/>
-          <ac:graphicFrameMkLst>
-            <pc:docMk/>
-            <pc:sldMk cId="0" sldId="261"/>
-            <ac:graphicFrameMk id="7" creationId="{3B28400A-9287-40BA-9001-2E821D706B4D}"/>
-          </ac:graphicFrameMkLst>
-        </pc:graphicFrameChg>
-      </pc:sldChg>
-      <pc:sldChg chg="delSp">
-        <pc:chgData name="JHEYSON FABIAN VILLAVISAN BUITRAGO" userId="e5ced5c2-d787-455d-b115-4f08a699b8c8" providerId="ADAL" clId="{6D4E4387-A8B5-4EAB-B129-13D0102C3393}" dt="2023-08-01T18:39:15.327" v="44" actId="478"/>
-        <pc:sldMkLst>
-          <pc:docMk/>
-          <pc:sldMk cId="0" sldId="264"/>
-        </pc:sldMkLst>
-        <pc:spChg chg="del">
-          <ac:chgData name="JHEYSON FABIAN VILLAVISAN BUITRAGO" userId="e5ced5c2-d787-455d-b115-4f08a699b8c8" providerId="ADAL" clId="{6D4E4387-A8B5-4EAB-B129-13D0102C3393}" dt="2023-08-01T18:39:15.327" v="44" actId="478"/>
-          <ac:spMkLst>
-            <pc:docMk/>
-            <pc:sldMk cId="0" sldId="264"/>
-            <ac:spMk id="3" creationId="{F63358BA-EA3A-D303-C3E1-81F6FC6BB434}"/>
-          </ac:spMkLst>
-        </pc:spChg>
-      </pc:sldChg>
-      <pc:sldChg chg="addSp delSp modSp">
-        <pc:chgData name="JHEYSON FABIAN VILLAVISAN BUITRAGO" userId="e5ced5c2-d787-455d-b115-4f08a699b8c8" providerId="ADAL" clId="{6D4E4387-A8B5-4EAB-B129-13D0102C3393}" dt="2023-08-01T18:40:30.551" v="89"/>
-        <pc:sldMkLst>
-          <pc:docMk/>
-          <pc:sldMk cId="0" sldId="265"/>
-        </pc:sldMkLst>
-        <pc:spChg chg="add mod">
-          <ac:chgData name="JHEYSON FABIAN VILLAVISAN BUITRAGO" userId="e5ced5c2-d787-455d-b115-4f08a699b8c8" providerId="ADAL" clId="{6D4E4387-A8B5-4EAB-B129-13D0102C3393}" dt="2023-08-01T18:40:30.551" v="89"/>
-          <ac:spMkLst>
-            <pc:docMk/>
-            <pc:sldMk cId="0" sldId="265"/>
-            <ac:spMk id="2" creationId="{0DD18CF1-5034-4801-4C7D-42D3233CC7F0}"/>
-          </ac:spMkLst>
-        </pc:spChg>
-        <pc:spChg chg="del mod">
-          <ac:chgData name="JHEYSON FABIAN VILLAVISAN BUITRAGO" userId="e5ced5c2-d787-455d-b115-4f08a699b8c8" providerId="ADAL" clId="{6D4E4387-A8B5-4EAB-B129-13D0102C3393}" dt="2023-08-01T18:39:18.478" v="46" actId="478"/>
-          <ac:spMkLst>
-            <pc:docMk/>
-            <pc:sldMk cId="0" sldId="265"/>
-            <ac:spMk id="3" creationId="{1BA1B286-A421-1BC4-F6AB-D7918D4F8881}"/>
-          </ac:spMkLst>
-        </pc:spChg>
-      </pc:sldChg>
-      <pc:sldChg chg="addSp delSp modSp">
-        <pc:chgData name="JHEYSON FABIAN VILLAVISAN BUITRAGO" userId="e5ced5c2-d787-455d-b115-4f08a699b8c8" providerId="ADAL" clId="{6D4E4387-A8B5-4EAB-B129-13D0102C3393}" dt="2023-08-01T18:40:32.003" v="90"/>
-        <pc:sldMkLst>
-          <pc:docMk/>
-          <pc:sldMk cId="0" sldId="266"/>
-        </pc:sldMkLst>
-        <pc:spChg chg="add mod">
-          <ac:chgData name="JHEYSON FABIAN VILLAVISAN BUITRAGO" userId="e5ced5c2-d787-455d-b115-4f08a699b8c8" providerId="ADAL" clId="{6D4E4387-A8B5-4EAB-B129-13D0102C3393}" dt="2023-08-01T18:40:32.003" v="90"/>
-          <ac:spMkLst>
-            <pc:docMk/>
-            <pc:sldMk cId="0" sldId="266"/>
-            <ac:spMk id="2" creationId="{8101F44A-314D-F035-0B5B-53FFA0F5B203}"/>
-          </ac:spMkLst>
-        </pc:spChg>
-        <pc:spChg chg="del">
-          <ac:chgData name="JHEYSON FABIAN VILLAVISAN BUITRAGO" userId="e5ced5c2-d787-455d-b115-4f08a699b8c8" providerId="ADAL" clId="{6D4E4387-A8B5-4EAB-B129-13D0102C3393}" dt="2023-08-01T18:39:22.511" v="47" actId="478"/>
-          <ac:spMkLst>
-            <pc:docMk/>
-            <pc:sldMk cId="0" sldId="266"/>
-            <ac:spMk id="3" creationId="{5C367B68-87A8-7909-5696-CA4B9A4374A2}"/>
-          </ac:spMkLst>
-        </pc:spChg>
-      </pc:sldChg>
-      <pc:sldChg chg="addSp delSp modSp">
-        <pc:chgData name="JHEYSON FABIAN VILLAVISAN BUITRAGO" userId="e5ced5c2-d787-455d-b115-4f08a699b8c8" providerId="ADAL" clId="{6D4E4387-A8B5-4EAB-B129-13D0102C3393}" dt="2023-08-01T18:40:35.454" v="93"/>
-        <pc:sldMkLst>
-          <pc:docMk/>
-          <pc:sldMk cId="0" sldId="268"/>
-        </pc:sldMkLst>
-        <pc:spChg chg="add mod">
-          <ac:chgData name="JHEYSON FABIAN VILLAVISAN BUITRAGO" userId="e5ced5c2-d787-455d-b115-4f08a699b8c8" providerId="ADAL" clId="{6D4E4387-A8B5-4EAB-B129-13D0102C3393}" dt="2023-08-01T18:40:35.454" v="93"/>
-          <ac:spMkLst>
-            <pc:docMk/>
-            <pc:sldMk cId="0" sldId="268"/>
-            <ac:spMk id="2" creationId="{E3039CD5-5EDF-B67E-43E0-6A692B67FA09}"/>
-          </ac:spMkLst>
-        </pc:spChg>
-        <pc:spChg chg="del">
-          <ac:chgData name="JHEYSON FABIAN VILLAVISAN BUITRAGO" userId="e5ced5c2-d787-455d-b115-4f08a699b8c8" providerId="ADAL" clId="{6D4E4387-A8B5-4EAB-B129-13D0102C3393}" dt="2023-08-01T18:39:34.170" v="52" actId="478"/>
-          <ac:spMkLst>
-            <pc:docMk/>
-            <pc:sldMk cId="0" sldId="268"/>
-            <ac:spMk id="3" creationId="{74CAC5D3-4493-9EB9-62C0-F4E0FA2FE9A6}"/>
-          </ac:spMkLst>
-        </pc:spChg>
-      </pc:sldChg>
-      <pc:sldChg chg="addSp delSp modSp mod">
-        <pc:chgData name="JHEYSON FABIAN VILLAVISAN BUITRAGO" userId="e5ced5c2-d787-455d-b115-4f08a699b8c8" providerId="ADAL" clId="{6D4E4387-A8B5-4EAB-B129-13D0102C3393}" dt="2023-08-02T00:01:03.382" v="783" actId="20577"/>
-        <pc:sldMkLst>
-          <pc:docMk/>
-          <pc:sldMk cId="2505371292" sldId="270"/>
-        </pc:sldMkLst>
-        <pc:spChg chg="del">
-          <ac:chgData name="JHEYSON FABIAN VILLAVISAN BUITRAGO" userId="e5ced5c2-d787-455d-b115-4f08a699b8c8" providerId="ADAL" clId="{6D4E4387-A8B5-4EAB-B129-13D0102C3393}" dt="2023-08-01T18:39:10.186" v="42" actId="478"/>
-          <ac:spMkLst>
-            <pc:docMk/>
-            <pc:sldMk cId="2505371292" sldId="270"/>
-            <ac:spMk id="3" creationId="{A1607664-1D37-4A58-B5FD-5EA010C7ADF2}"/>
-          </ac:spMkLst>
-        </pc:spChg>
-        <pc:spChg chg="mod">
-          <ac:chgData name="JHEYSON FABIAN VILLAVISAN BUITRAGO" userId="e5ced5c2-d787-455d-b115-4f08a699b8c8" providerId="ADAL" clId="{6D4E4387-A8B5-4EAB-B129-13D0102C3393}" dt="2023-08-02T00:01:03.382" v="783" actId="20577"/>
-          <ac:spMkLst>
-            <pc:docMk/>
-            <pc:sldMk cId="2505371292" sldId="270"/>
-            <ac:spMk id="7" creationId="{EBDE2FDF-A2BB-4F17-99CB-0B213EF4BAA4}"/>
-          </ac:spMkLst>
-        </pc:spChg>
-        <pc:spChg chg="add mod">
-          <ac:chgData name="JHEYSON FABIAN VILLAVISAN BUITRAGO" userId="e5ced5c2-d787-455d-b115-4f08a699b8c8" providerId="ADAL" clId="{6D4E4387-A8B5-4EAB-B129-13D0102C3393}" dt="2023-08-01T18:40:21.422" v="87"/>
-          <ac:spMkLst>
-            <pc:docMk/>
-            <pc:sldMk cId="2505371292" sldId="270"/>
-            <ac:spMk id="8" creationId="{82ADB8DA-7918-37A3-DE51-3328DCB327C0}"/>
-          </ac:spMkLst>
-        </pc:spChg>
-        <pc:spChg chg="add mod">
-          <ac:chgData name="JHEYSON FABIAN VILLAVISAN BUITRAGO" userId="e5ced5c2-d787-455d-b115-4f08a699b8c8" providerId="ADAL" clId="{6D4E4387-A8B5-4EAB-B129-13D0102C3393}" dt="2023-08-01T18:41:40.783" v="173" actId="1076"/>
-          <ac:spMkLst>
-            <pc:docMk/>
-            <pc:sldMk cId="2505371292" sldId="270"/>
-            <ac:spMk id="9" creationId="{AAD4009E-1BC8-C70B-C6E8-9825F18FD20B}"/>
-          </ac:spMkLst>
-        </pc:spChg>
-        <pc:graphicFrameChg chg="del">
-          <ac:chgData name="JHEYSON FABIAN VILLAVISAN BUITRAGO" userId="e5ced5c2-d787-455d-b115-4f08a699b8c8" providerId="ADAL" clId="{6D4E4387-A8B5-4EAB-B129-13D0102C3393}" dt="2023-08-01T18:38:57.417" v="38" actId="478"/>
-          <ac:graphicFrameMkLst>
-            <pc:docMk/>
-            <pc:sldMk cId="2505371292" sldId="270"/>
-            <ac:graphicFrameMk id="2" creationId="{BFAD80C6-663E-42AD-A6EE-0E699E7C415E}"/>
-          </ac:graphicFrameMkLst>
-        </pc:graphicFrameChg>
-        <pc:graphicFrameChg chg="add mod modGraphic">
-          <ac:chgData name="JHEYSON FABIAN VILLAVISAN BUITRAGO" userId="e5ced5c2-d787-455d-b115-4f08a699b8c8" providerId="ADAL" clId="{6D4E4387-A8B5-4EAB-B129-13D0102C3393}" dt="2023-08-01T18:50:53.195" v="692" actId="20577"/>
-          <ac:graphicFrameMkLst>
-            <pc:docMk/>
-            <pc:sldMk cId="2505371292" sldId="270"/>
-            <ac:graphicFrameMk id="6" creationId="{133EF18E-2D8B-DFE6-6A74-265F84B75655}"/>
-          </ac:graphicFrameMkLst>
-        </pc:graphicFrameChg>
-      </pc:sldChg>
-      <pc:sldChg chg="addSp delSp modSp mod">
-        <pc:chgData name="JHEYSON FABIAN VILLAVISAN BUITRAGO" userId="e5ced5c2-d787-455d-b115-4f08a699b8c8" providerId="ADAL" clId="{6D4E4387-A8B5-4EAB-B129-13D0102C3393}" dt="2023-08-01T19:03:12.469" v="724" actId="20577"/>
-        <pc:sldMkLst>
-          <pc:docMk/>
-          <pc:sldMk cId="3709177429" sldId="274"/>
-        </pc:sldMkLst>
-        <pc:spChg chg="mod">
-          <ac:chgData name="JHEYSON FABIAN VILLAVISAN BUITRAGO" userId="e5ced5c2-d787-455d-b115-4f08a699b8c8" providerId="ADAL" clId="{6D4E4387-A8B5-4EAB-B129-13D0102C3393}" dt="2023-08-01T19:03:12.469" v="724" actId="20577"/>
-          <ac:spMkLst>
-            <pc:docMk/>
-            <pc:sldMk cId="3709177429" sldId="274"/>
-            <ac:spMk id="3" creationId="{4F1F9CC3-49B8-41A8-9878-3805D57595F8}"/>
-          </ac:spMkLst>
-        </pc:spChg>
-        <pc:spChg chg="add mod">
-          <ac:chgData name="JHEYSON FABIAN VILLAVISAN BUITRAGO" userId="e5ced5c2-d787-455d-b115-4f08a699b8c8" providerId="ADAL" clId="{6D4E4387-A8B5-4EAB-B129-13D0102C3393}" dt="2023-08-01T18:40:15.754" v="85" actId="1076"/>
-          <ac:spMkLst>
-            <pc:docMk/>
-            <pc:sldMk cId="3709177429" sldId="274"/>
-            <ac:spMk id="5" creationId="{AD83FA30-4A3C-43B8-17CD-C08519129156}"/>
-          </ac:spMkLst>
-        </pc:spChg>
-        <pc:spChg chg="del">
-          <ac:chgData name="JHEYSON FABIAN VILLAVISAN BUITRAGO" userId="e5ced5c2-d787-455d-b115-4f08a699b8c8" providerId="ADAL" clId="{6D4E4387-A8B5-4EAB-B129-13D0102C3393}" dt="2023-08-01T18:39:05.179" v="40" actId="478"/>
-          <ac:spMkLst>
-            <pc:docMk/>
-            <pc:sldMk cId="3709177429" sldId="274"/>
-            <ac:spMk id="13" creationId="{FF9F8020-A143-4061-0214-9BB2AE9D2550}"/>
-          </ac:spMkLst>
-        </pc:spChg>
-      </pc:sldChg>
-      <pc:sldChg chg="addSp delSp modSp">
-        <pc:chgData name="JHEYSON FABIAN VILLAVISAN BUITRAGO" userId="e5ced5c2-d787-455d-b115-4f08a699b8c8" providerId="ADAL" clId="{6D4E4387-A8B5-4EAB-B129-13D0102C3393}" dt="2023-08-01T18:40:33.092" v="91"/>
-        <pc:sldMkLst>
-          <pc:docMk/>
-          <pc:sldMk cId="2680639377" sldId="275"/>
-        </pc:sldMkLst>
-        <pc:spChg chg="add mod">
-          <ac:chgData name="JHEYSON FABIAN VILLAVISAN BUITRAGO" userId="e5ced5c2-d787-455d-b115-4f08a699b8c8" providerId="ADAL" clId="{6D4E4387-A8B5-4EAB-B129-13D0102C3393}" dt="2023-08-01T18:40:33.092" v="91"/>
-          <ac:spMkLst>
-            <pc:docMk/>
-            <pc:sldMk cId="2680639377" sldId="275"/>
-            <ac:spMk id="2" creationId="{786E18CF-41E7-94E7-C39D-EC82623A2EE4}"/>
-          </ac:spMkLst>
-        </pc:spChg>
-        <pc:spChg chg="del mod">
-          <ac:chgData name="JHEYSON FABIAN VILLAVISAN BUITRAGO" userId="e5ced5c2-d787-455d-b115-4f08a699b8c8" providerId="ADAL" clId="{6D4E4387-A8B5-4EAB-B129-13D0102C3393}" dt="2023-08-01T18:39:25.154" v="49" actId="478"/>
-          <ac:spMkLst>
-            <pc:docMk/>
-            <pc:sldMk cId="2680639377" sldId="275"/>
-            <ac:spMk id="3" creationId="{0EC7E215-99CA-9EE0-74CD-8C1E4F608272}"/>
-          </ac:spMkLst>
-        </pc:spChg>
-      </pc:sldChg>
-      <pc:sldChg chg="addSp delSp modSp">
-        <pc:chgData name="JHEYSON FABIAN VILLAVISAN BUITRAGO" userId="e5ced5c2-d787-455d-b115-4f08a699b8c8" providerId="ADAL" clId="{6D4E4387-A8B5-4EAB-B129-13D0102C3393}" dt="2023-08-01T18:40:34.096" v="92"/>
-        <pc:sldMkLst>
-          <pc:docMk/>
-          <pc:sldMk cId="1955606898" sldId="277"/>
-        </pc:sldMkLst>
-        <pc:spChg chg="add mod">
-          <ac:chgData name="JHEYSON FABIAN VILLAVISAN BUITRAGO" userId="e5ced5c2-d787-455d-b115-4f08a699b8c8" providerId="ADAL" clId="{6D4E4387-A8B5-4EAB-B129-13D0102C3393}" dt="2023-08-01T18:40:34.096" v="92"/>
-          <ac:spMkLst>
-            <pc:docMk/>
-            <pc:sldMk cId="1955606898" sldId="277"/>
-            <ac:spMk id="2" creationId="{F5B918F2-F494-3DBB-D058-68F2779A0025}"/>
-          </ac:spMkLst>
-        </pc:spChg>
-        <pc:spChg chg="del">
-          <ac:chgData name="JHEYSON FABIAN VILLAVISAN BUITRAGO" userId="e5ced5c2-d787-455d-b115-4f08a699b8c8" providerId="ADAL" clId="{6D4E4387-A8B5-4EAB-B129-13D0102C3393}" dt="2023-08-01T18:39:30.245" v="51" actId="478"/>
-          <ac:spMkLst>
-            <pc:docMk/>
-            <pc:sldMk cId="1955606898" sldId="277"/>
-            <ac:spMk id="3" creationId="{87013794-5883-C93A-DFFF-76F577E0C7DB}"/>
-          </ac:spMkLst>
-        </pc:spChg>
-        <pc:spChg chg="mod">
-          <ac:chgData name="JHEYSON FABIAN VILLAVISAN BUITRAGO" userId="e5ced5c2-d787-455d-b115-4f08a699b8c8" providerId="ADAL" clId="{6D4E4387-A8B5-4EAB-B129-13D0102C3393}" dt="2023-08-01T18:39:28.399" v="50" actId="1076"/>
-          <ac:spMkLst>
-            <pc:docMk/>
-            <pc:sldMk cId="1955606898" sldId="277"/>
-            <ac:spMk id="7" creationId="{EA396777-07E6-4D94-A666-A85CEA99D636}"/>
-          </ac:spMkLst>
-        </pc:spChg>
-      </pc:sldChg>
-      <pc:sldChg chg="addSp delSp modSp">
-        <pc:chgData name="JHEYSON FABIAN VILLAVISAN BUITRAGO" userId="e5ced5c2-d787-455d-b115-4f08a699b8c8" providerId="ADAL" clId="{6D4E4387-A8B5-4EAB-B129-13D0102C3393}" dt="2023-08-01T18:40:19.901" v="86"/>
-        <pc:sldMkLst>
-          <pc:docMk/>
-          <pc:sldMk cId="214171354" sldId="278"/>
-        </pc:sldMkLst>
-        <pc:spChg chg="del">
-          <ac:chgData name="JHEYSON FABIAN VILLAVISAN BUITRAGO" userId="e5ced5c2-d787-455d-b115-4f08a699b8c8" providerId="ADAL" clId="{6D4E4387-A8B5-4EAB-B129-13D0102C3393}" dt="2023-08-01T18:39:07.894" v="41" actId="478"/>
-          <ac:spMkLst>
-            <pc:docMk/>
-            <pc:sldMk cId="214171354" sldId="278"/>
-            <ac:spMk id="2" creationId="{0FC085BA-4809-6EFA-567A-979478BDC626}"/>
-          </ac:spMkLst>
-        </pc:spChg>
-        <pc:spChg chg="add mod">
-          <ac:chgData name="JHEYSON FABIAN VILLAVISAN BUITRAGO" userId="e5ced5c2-d787-455d-b115-4f08a699b8c8" providerId="ADAL" clId="{6D4E4387-A8B5-4EAB-B129-13D0102C3393}" dt="2023-08-01T18:40:19.901" v="86"/>
-          <ac:spMkLst>
-            <pc:docMk/>
-            <pc:sldMk cId="214171354" sldId="278"/>
-            <ac:spMk id="5" creationId="{DA8BB1D7-DBA8-5CD6-CAAC-0581D75A6D40}"/>
-          </ac:spMkLst>
-        </pc:spChg>
-      </pc:sldChg>
-      <pc:sldChg chg="addSp delSp modSp add mod">
-        <pc:chgData name="JHEYSON FABIAN VILLAVISAN BUITRAGO" userId="e5ced5c2-d787-455d-b115-4f08a699b8c8" providerId="ADAL" clId="{6D4E4387-A8B5-4EAB-B129-13D0102C3393}" dt="2023-08-01T19:21:09.537" v="739" actId="1076"/>
-        <pc:sldMkLst>
-          <pc:docMk/>
-          <pc:sldMk cId="3765501484" sldId="279"/>
-        </pc:sldMkLst>
-        <pc:spChg chg="del">
-          <ac:chgData name="JHEYSON FABIAN VILLAVISAN BUITRAGO" userId="e5ced5c2-d787-455d-b115-4f08a699b8c8" providerId="ADAL" clId="{6D4E4387-A8B5-4EAB-B129-13D0102C3393}" dt="2023-08-01T19:20:55.818" v="732" actId="478"/>
-          <ac:spMkLst>
-            <pc:docMk/>
-            <pc:sldMk cId="3765501484" sldId="279"/>
-            <ac:spMk id="7" creationId="{EA396777-07E6-4D94-A666-A85CEA99D636}"/>
-          </ac:spMkLst>
-        </pc:spChg>
-        <pc:spChg chg="del">
-          <ac:chgData name="JHEYSON FABIAN VILLAVISAN BUITRAGO" userId="e5ced5c2-d787-455d-b115-4f08a699b8c8" providerId="ADAL" clId="{6D4E4387-A8B5-4EAB-B129-13D0102C3393}" dt="2023-08-01T19:20:54.116" v="731" actId="478"/>
-          <ac:spMkLst>
-            <pc:docMk/>
-            <pc:sldMk cId="3765501484" sldId="279"/>
-            <ac:spMk id="14" creationId="{431C44E4-329E-7FEC-B9B3-CC9F71252532}"/>
-          </ac:spMkLst>
-        </pc:spChg>
-        <pc:spChg chg="del">
-          <ac:chgData name="JHEYSON FABIAN VILLAVISAN BUITRAGO" userId="e5ced5c2-d787-455d-b115-4f08a699b8c8" providerId="ADAL" clId="{6D4E4387-A8B5-4EAB-B129-13D0102C3393}" dt="2023-08-01T19:20:52.647" v="730" actId="478"/>
-          <ac:spMkLst>
-            <pc:docMk/>
-            <pc:sldMk cId="3765501484" sldId="279"/>
-            <ac:spMk id="16" creationId="{F0D65330-7419-4333-9764-E4292B375DC3}"/>
-          </ac:spMkLst>
-        </pc:spChg>
-        <pc:spChg chg="mod">
-          <ac:chgData name="JHEYSON FABIAN VILLAVISAN BUITRAGO" userId="e5ced5c2-d787-455d-b115-4f08a699b8c8" providerId="ADAL" clId="{6D4E4387-A8B5-4EAB-B129-13D0102C3393}" dt="2023-08-01T19:21:03.361" v="737" actId="20577"/>
-          <ac:spMkLst>
-            <pc:docMk/>
-            <pc:sldMk cId="3765501484" sldId="279"/>
-            <ac:spMk id="21506" creationId="{974AAA16-E8D7-47E1-ABBC-3CB9C4D3BD82}"/>
-          </ac:spMkLst>
-        </pc:spChg>
-        <pc:picChg chg="add mod">
-          <ac:chgData name="JHEYSON FABIAN VILLAVISAN BUITRAGO" userId="e5ced5c2-d787-455d-b115-4f08a699b8c8" providerId="ADAL" clId="{6D4E4387-A8B5-4EAB-B129-13D0102C3393}" dt="2023-08-01T19:21:09.537" v="739" actId="1076"/>
-          <ac:picMkLst>
-            <pc:docMk/>
-            <pc:sldMk cId="3765501484" sldId="279"/>
-            <ac:picMk id="4" creationId="{1E3B56E5-CEB8-D71A-85DC-4DE0E0CF2759}"/>
-          </ac:picMkLst>
-        </pc:picChg>
-        <pc:picChg chg="del">
-          <ac:chgData name="JHEYSON FABIAN VILLAVISAN BUITRAGO" userId="e5ced5c2-d787-455d-b115-4f08a699b8c8" providerId="ADAL" clId="{6D4E4387-A8B5-4EAB-B129-13D0102C3393}" dt="2023-08-01T19:20:56.429" v="733" actId="478"/>
-          <ac:picMkLst>
-            <pc:docMk/>
-            <pc:sldMk cId="3765501484" sldId="279"/>
-            <ac:picMk id="6" creationId="{84C76756-A955-4A5B-BE78-4E62BB57DFBF}"/>
-          </ac:picMkLst>
-        </pc:picChg>
-        <pc:picChg chg="del">
-          <ac:chgData name="JHEYSON FABIAN VILLAVISAN BUITRAGO" userId="e5ced5c2-d787-455d-b115-4f08a699b8c8" providerId="ADAL" clId="{6D4E4387-A8B5-4EAB-B129-13D0102C3393}" dt="2023-08-01T19:20:57.190" v="734" actId="478"/>
-          <ac:picMkLst>
-            <pc:docMk/>
-            <pc:sldMk cId="3765501484" sldId="279"/>
-            <ac:picMk id="9" creationId="{17BD62F9-41DB-46A2-9BEB-4F875CC525E4}"/>
-          </ac:picMkLst>
-        </pc:picChg>
-        <pc:picChg chg="del">
-          <ac:chgData name="JHEYSON FABIAN VILLAVISAN BUITRAGO" userId="e5ced5c2-d787-455d-b115-4f08a699b8c8" providerId="ADAL" clId="{6D4E4387-A8B5-4EAB-B129-13D0102C3393}" dt="2023-08-01T19:20:50.255" v="728" actId="478"/>
-          <ac:picMkLst>
-            <pc:docMk/>
-            <pc:sldMk cId="3765501484" sldId="279"/>
-            <ac:picMk id="11" creationId="{E8470154-AC7E-B448-6D58-E30DC77C6DF1}"/>
-          </ac:picMkLst>
-        </pc:picChg>
-        <pc:picChg chg="del">
-          <ac:chgData name="JHEYSON FABIAN VILLAVISAN BUITRAGO" userId="e5ced5c2-d787-455d-b115-4f08a699b8c8" providerId="ADAL" clId="{6D4E4387-A8B5-4EAB-B129-13D0102C3393}" dt="2023-08-01T19:20:51.484" v="729" actId="478"/>
-          <ac:picMkLst>
-            <pc:docMk/>
-            <pc:sldMk cId="3765501484" sldId="279"/>
-            <ac:picMk id="2056" creationId="{075C7F64-CBA7-4977-AB8B-1D5229822556}"/>
-          </ac:picMkLst>
-        </pc:picChg>
-      </pc:sldChg>
-    </pc:docChg>
-  </pc:docChgLst>
-  <pc:docChgLst>
-    <pc:chgData name="Usuario invitado" userId="S::urn:spo:anon#6bd7c26c65bd2cdbcdee62a10f47a261720ad772aa58bea8cbf17d636119b139::" providerId="AD" clId="Web-{C2647ABB-B420-AF63-3041-2BBE54CA81A5}"/>
-    <pc:docChg chg="sldOrd">
-      <pc:chgData name="Usuario invitado" userId="S::urn:spo:anon#6bd7c26c65bd2cdbcdee62a10f47a261720ad772aa58bea8cbf17d636119b139::" providerId="AD" clId="Web-{C2647ABB-B420-AF63-3041-2BBE54CA81A5}" dt="2023-08-30T04:05:19.182" v="1"/>
-      <pc:docMkLst>
-        <pc:docMk/>
-      </pc:docMkLst>
-      <pc:sldChg chg="ord">
-        <pc:chgData name="Usuario invitado" userId="S::urn:spo:anon#6bd7c26c65bd2cdbcdee62a10f47a261720ad772aa58bea8cbf17d636119b139::" providerId="AD" clId="Web-{C2647ABB-B420-AF63-3041-2BBE54CA81A5}" dt="2023-08-30T04:05:19.182" v="1"/>
-        <pc:sldMkLst>
-          <pc:docMk/>
-          <pc:sldMk cId="3069458274" sldId="282"/>
-        </pc:sldMkLst>
-      </pc:sldChg>
-      <pc:sldChg chg="ord">
-        <pc:chgData name="Usuario invitado" userId="S::urn:spo:anon#6bd7c26c65bd2cdbcdee62a10f47a261720ad772aa58bea8cbf17d636119b139::" providerId="AD" clId="Web-{C2647ABB-B420-AF63-3041-2BBE54CA81A5}" dt="2023-08-30T04:04:22.180" v="0"/>
-        <pc:sldMkLst>
-          <pc:docMk/>
-          <pc:sldMk cId="2009991203" sldId="286"/>
-        </pc:sldMkLst>
-      </pc:sldChg>
-    </pc:docChg>
-  </pc:docChgLst>
-  <pc:docChgLst>
-    <pc:chgData name="JHEYSON FABIAN VILLAVISAN BUITRAGO" userId="e5ced5c2-d787-455d-b115-4f08a699b8c8" providerId="ADAL" clId="{3F684603-92BB-4D6C-96FA-996DA81F5C99}"/>
-    <pc:docChg chg="addSld delSld modSld modSection">
-      <pc:chgData name="JHEYSON FABIAN VILLAVISAN BUITRAGO" userId="e5ced5c2-d787-455d-b115-4f08a699b8c8" providerId="ADAL" clId="{3F684603-92BB-4D6C-96FA-996DA81F5C99}" dt="2024-02-04T21:11:22.189" v="18" actId="20577"/>
-      <pc:docMkLst>
-        <pc:docMk/>
-      </pc:docMkLst>
-      <pc:sldChg chg="addSp modSp">
-        <pc:chgData name="JHEYSON FABIAN VILLAVISAN BUITRAGO" userId="e5ced5c2-d787-455d-b115-4f08a699b8c8" providerId="ADAL" clId="{3F684603-92BB-4D6C-96FA-996DA81F5C99}" dt="2024-02-04T21:03:36.288" v="1"/>
-        <pc:sldMkLst>
-          <pc:docMk/>
-          <pc:sldMk cId="0" sldId="256"/>
-        </pc:sldMkLst>
-        <pc:graphicFrameChg chg="add mod">
-          <ac:chgData name="JHEYSON FABIAN VILLAVISAN BUITRAGO" userId="e5ced5c2-d787-455d-b115-4f08a699b8c8" providerId="ADAL" clId="{3F684603-92BB-4D6C-96FA-996DA81F5C99}" dt="2024-02-04T21:03:36.288" v="1"/>
-          <ac:graphicFrameMkLst>
-            <pc:docMk/>
-            <pc:sldMk cId="0" sldId="256"/>
-            <ac:graphicFrameMk id="2" creationId="{60F4E43B-C908-B1F1-ADBC-332A50FC02A9}"/>
-          </ac:graphicFrameMkLst>
-        </pc:graphicFrameChg>
-      </pc:sldChg>
-      <pc:sldChg chg="del">
-        <pc:chgData name="JHEYSON FABIAN VILLAVISAN BUITRAGO" userId="e5ced5c2-d787-455d-b115-4f08a699b8c8" providerId="ADAL" clId="{3F684603-92BB-4D6C-96FA-996DA81F5C99}" dt="2024-02-04T21:04:02.047" v="5" actId="47"/>
-        <pc:sldMkLst>
-          <pc:docMk/>
-          <pc:sldMk cId="2505371292" sldId="270"/>
-        </pc:sldMkLst>
-      </pc:sldChg>
-      <pc:sldChg chg="modSp mod">
-        <pc:chgData name="JHEYSON FABIAN VILLAVISAN BUITRAGO" userId="e5ced5c2-d787-455d-b115-4f08a699b8c8" providerId="ADAL" clId="{3F684603-92BB-4D6C-96FA-996DA81F5C99}" dt="2024-02-04T21:11:22.189" v="18" actId="20577"/>
-        <pc:sldMkLst>
-          <pc:docMk/>
-          <pc:sldMk cId="1406170200" sldId="281"/>
-        </pc:sldMkLst>
-        <pc:spChg chg="mod">
-          <ac:chgData name="JHEYSON FABIAN VILLAVISAN BUITRAGO" userId="e5ced5c2-d787-455d-b115-4f08a699b8c8" providerId="ADAL" clId="{3F684603-92BB-4D6C-96FA-996DA81F5C99}" dt="2024-02-04T21:11:22.189" v="18" actId="20577"/>
-          <ac:spMkLst>
-            <pc:docMk/>
-            <pc:sldMk cId="1406170200" sldId="281"/>
-            <ac:spMk id="4" creationId="{A9A4A0C2-930C-0E2E-41F8-622F2BEB0F2A}"/>
-          </ac:spMkLst>
-        </pc:spChg>
-      </pc:sldChg>
-      <pc:sldChg chg="modSp mod">
-        <pc:chgData name="JHEYSON FABIAN VILLAVISAN BUITRAGO" userId="e5ced5c2-d787-455d-b115-4f08a699b8c8" providerId="ADAL" clId="{3F684603-92BB-4D6C-96FA-996DA81F5C99}" dt="2024-02-04T21:10:49.308" v="13" actId="20577"/>
-        <pc:sldMkLst>
-          <pc:docMk/>
-          <pc:sldMk cId="2009991203" sldId="286"/>
-        </pc:sldMkLst>
-        <pc:spChg chg="mod">
-          <ac:chgData name="JHEYSON FABIAN VILLAVISAN BUITRAGO" userId="e5ced5c2-d787-455d-b115-4f08a699b8c8" providerId="ADAL" clId="{3F684603-92BB-4D6C-96FA-996DA81F5C99}" dt="2024-02-04T21:10:49.308" v="13" actId="20577"/>
-          <ac:spMkLst>
-            <pc:docMk/>
-            <pc:sldMk cId="2009991203" sldId="286"/>
-            <ac:spMk id="4" creationId="{A9A4A0C2-930C-0E2E-41F8-622F2BEB0F2A}"/>
-          </ac:spMkLst>
-        </pc:spChg>
-      </pc:sldChg>
-      <pc:sldChg chg="modSp add mod">
-        <pc:chgData name="JHEYSON FABIAN VILLAVISAN BUITRAGO" userId="e5ced5c2-d787-455d-b115-4f08a699b8c8" providerId="ADAL" clId="{3F684603-92BB-4D6C-96FA-996DA81F5C99}" dt="2024-02-04T21:03:52.765" v="4" actId="13926"/>
-        <pc:sldMkLst>
-          <pc:docMk/>
-          <pc:sldMk cId="2965408220" sldId="288"/>
-        </pc:sldMkLst>
-        <pc:spChg chg="mod">
-          <ac:chgData name="JHEYSON FABIAN VILLAVISAN BUITRAGO" userId="e5ced5c2-d787-455d-b115-4f08a699b8c8" providerId="ADAL" clId="{3F684603-92BB-4D6C-96FA-996DA81F5C99}" dt="2024-02-04T21:03:41.976" v="3" actId="20577"/>
-          <ac:spMkLst>
-            <pc:docMk/>
-            <pc:sldMk cId="2965408220" sldId="288"/>
-            <ac:spMk id="11266" creationId="{74AD047A-E86C-4E92-874D-BAA043AB0B46}"/>
-          </ac:spMkLst>
-        </pc:spChg>
-        <pc:graphicFrameChg chg="modGraphic">
-          <ac:chgData name="JHEYSON FABIAN VILLAVISAN BUITRAGO" userId="e5ced5c2-d787-455d-b115-4f08a699b8c8" providerId="ADAL" clId="{3F684603-92BB-4D6C-96FA-996DA81F5C99}" dt="2024-02-04T21:03:52.765" v="4" actId="13926"/>
-          <ac:graphicFrameMkLst>
-            <pc:docMk/>
-            <pc:sldMk cId="2965408220" sldId="288"/>
-            <ac:graphicFrameMk id="2" creationId="{BFAD80C6-663E-42AD-A6EE-0E699E7C415E}"/>
-          </ac:graphicFrameMkLst>
-        </pc:graphicFrameChg>
-      </pc:sldChg>
-    </pc:docChg>
-  </pc:docChgLst>
-  <pc:docChgLst>
-    <pc:chgData name="FABIAN PALACIO ARANGO" userId="S::fpalacioa@itc.edu.co::0e2bfb71-32b6-4edd-85c7-a9cbf704e9d1" providerId="AD" clId="Web-{9C85D04E-1163-3E82-D60A-43C19986FBD2}"/>
-    <pc:docChg chg="sldOrd">
-      <pc:chgData name="FABIAN PALACIO ARANGO" userId="S::fpalacioa@itc.edu.co::0e2bfb71-32b6-4edd-85c7-a9cbf704e9d1" providerId="AD" clId="Web-{9C85D04E-1163-3E82-D60A-43C19986FBD2}" dt="2023-09-03T19:43:35.584" v="0"/>
-      <pc:docMkLst>
-        <pc:docMk/>
-      </pc:docMkLst>
-      <pc:sldChg chg="ord">
-        <pc:chgData name="FABIAN PALACIO ARANGO" userId="S::fpalacioa@itc.edu.co::0e2bfb71-32b6-4edd-85c7-a9cbf704e9d1" providerId="AD" clId="Web-{9C85D04E-1163-3E82-D60A-43C19986FBD2}" dt="2023-09-03T19:43:35.584" v="0"/>
-        <pc:sldMkLst>
-          <pc:docMk/>
-          <pc:sldMk cId="2587530529" sldId="277"/>
-        </pc:sldMkLst>
-      </pc:sldChg>
-    </pc:docChg>
-  </pc:docChgLst>
-  <pc:docChgLst>
-    <pc:chgData name="JHEYSON FABIAN VILLAVISAN BUITRAGO" userId="e5ced5c2-d787-455d-b115-4f08a699b8c8" providerId="ADAL" clId="{9EE06194-2610-46AC-99A4-85A15CD88709}"/>
-    <pc:docChg chg="modSld sldOrd">
-      <pc:chgData name="JHEYSON FABIAN VILLAVISAN BUITRAGO" userId="e5ced5c2-d787-455d-b115-4f08a699b8c8" providerId="ADAL" clId="{9EE06194-2610-46AC-99A4-85A15CD88709}" dt="2024-08-07T19:20:23.364" v="1"/>
-      <pc:docMkLst>
-        <pc:docMk/>
-      </pc:docMkLst>
-      <pc:sldChg chg="ord">
-        <pc:chgData name="JHEYSON FABIAN VILLAVISAN BUITRAGO" userId="e5ced5c2-d787-455d-b115-4f08a699b8c8" providerId="ADAL" clId="{9EE06194-2610-46AC-99A4-85A15CD88709}" dt="2024-08-07T19:20:23.364" v="1"/>
-        <pc:sldMkLst>
-          <pc:docMk/>
-          <pc:sldMk cId="3069458274" sldId="282"/>
-        </pc:sldMkLst>
-      </pc:sldChg>
-    </pc:docChg>
-  </pc:docChgLst>
   <pc:docChgLst>
     <pc:chgData name="JHEYSON FABIAN VILLAVISAN BUITRAGO" userId="e5ced5c2-d787-455d-b115-4f08a699b8c8" providerId="ADAL" clId="{19C33035-78B8-4F57-8017-7F1D08F23D4C}"/>
     <pc:docChg chg="undo custSel addSld delSld modSld sldOrd modSection">
@@ -2256,14 +213,6 @@
           <pc:docMk/>
           <pc:sldMk cId="0" sldId="256"/>
         </pc:sldMkLst>
-        <pc:spChg chg="mod">
-          <ac:chgData name="JHEYSON FABIAN VILLAVISAN BUITRAGO" userId="e5ced5c2-d787-455d-b115-4f08a699b8c8" providerId="ADAL" clId="{19C33035-78B8-4F57-8017-7F1D08F23D4C}" dt="2023-08-08T23:23:34.503" v="2020" actId="20577"/>
-          <ac:spMkLst>
-            <pc:docMk/>
-            <pc:sldMk cId="0" sldId="256"/>
-            <ac:spMk id="10" creationId="{0D52910C-C7FF-51AD-9B9D-1A390D5FFE1B}"/>
-          </ac:spMkLst>
-        </pc:spChg>
       </pc:sldChg>
       <pc:sldChg chg="add del">
         <pc:chgData name="JHEYSON FABIAN VILLAVISAN BUITRAGO" userId="e5ced5c2-d787-455d-b115-4f08a699b8c8" providerId="ADAL" clId="{19C33035-78B8-4F57-8017-7F1D08F23D4C}" dt="2023-08-06T19:43:56.513" v="86" actId="47"/>
@@ -2306,30 +255,6 @@
           <pc:docMk/>
           <pc:sldMk cId="2505371292" sldId="270"/>
         </pc:sldMkLst>
-        <pc:spChg chg="mod">
-          <ac:chgData name="JHEYSON FABIAN VILLAVISAN BUITRAGO" userId="e5ced5c2-d787-455d-b115-4f08a699b8c8" providerId="ADAL" clId="{19C33035-78B8-4F57-8017-7F1D08F23D4C}" dt="2023-08-06T19:43:10.862" v="59" actId="20577"/>
-          <ac:spMkLst>
-            <pc:docMk/>
-            <pc:sldMk cId="2505371292" sldId="270"/>
-            <ac:spMk id="7" creationId="{EBDE2FDF-A2BB-4F17-99CB-0B213EF4BAA4}"/>
-          </ac:spMkLst>
-        </pc:spChg>
-        <pc:spChg chg="mod">
-          <ac:chgData name="JHEYSON FABIAN VILLAVISAN BUITRAGO" userId="e5ced5c2-d787-455d-b115-4f08a699b8c8" providerId="ADAL" clId="{19C33035-78B8-4F57-8017-7F1D08F23D4C}" dt="2023-08-06T19:50:29.801" v="113" actId="20577"/>
-          <ac:spMkLst>
-            <pc:docMk/>
-            <pc:sldMk cId="2505371292" sldId="270"/>
-            <ac:spMk id="11266" creationId="{74AD047A-E86C-4E92-874D-BAA043AB0B46}"/>
-          </ac:spMkLst>
-        </pc:spChg>
-        <pc:graphicFrameChg chg="modGraphic">
-          <ac:chgData name="JHEYSON FABIAN VILLAVISAN BUITRAGO" userId="e5ced5c2-d787-455d-b115-4f08a699b8c8" providerId="ADAL" clId="{19C33035-78B8-4F57-8017-7F1D08F23D4C}" dt="2023-08-08T23:27:10.958" v="2021" actId="313"/>
-          <ac:graphicFrameMkLst>
-            <pc:docMk/>
-            <pc:sldMk cId="2505371292" sldId="270"/>
-            <ac:graphicFrameMk id="6" creationId="{133EF18E-2D8B-DFE6-6A74-265F84B75655}"/>
-          </ac:graphicFrameMkLst>
-        </pc:graphicFrameChg>
       </pc:sldChg>
       <pc:sldChg chg="addSp delSp modSp add del mod">
         <pc:chgData name="JHEYSON FABIAN VILLAVISAN BUITRAGO" userId="e5ced5c2-d787-455d-b115-4f08a699b8c8" providerId="ADAL" clId="{19C33035-78B8-4F57-8017-7F1D08F23D4C}" dt="2023-08-06T20:22:33.711" v="416" actId="20577"/>
@@ -2337,70 +262,6 @@
           <pc:docMk/>
           <pc:sldMk cId="3709177429" sldId="274"/>
         </pc:sldMkLst>
-        <pc:spChg chg="mod">
-          <ac:chgData name="JHEYSON FABIAN VILLAVISAN BUITRAGO" userId="e5ced5c2-d787-455d-b115-4f08a699b8c8" providerId="ADAL" clId="{19C33035-78B8-4F57-8017-7F1D08F23D4C}" dt="2023-08-06T19:49:53.685" v="105" actId="1076"/>
-          <ac:spMkLst>
-            <pc:docMk/>
-            <pc:sldMk cId="3709177429" sldId="274"/>
-            <ac:spMk id="2" creationId="{FB1B6180-BCA0-4F51-9F68-9E5BAB8A4FDC}"/>
-          </ac:spMkLst>
-        </pc:spChg>
-        <pc:spChg chg="del">
-          <ac:chgData name="JHEYSON FABIAN VILLAVISAN BUITRAGO" userId="e5ced5c2-d787-455d-b115-4f08a699b8c8" providerId="ADAL" clId="{19C33035-78B8-4F57-8017-7F1D08F23D4C}" dt="2023-08-06T19:43:17.394" v="60" actId="478"/>
-          <ac:spMkLst>
-            <pc:docMk/>
-            <pc:sldMk cId="3709177429" sldId="274"/>
-            <ac:spMk id="3" creationId="{4F1F9CC3-49B8-41A8-9878-3805D57595F8}"/>
-          </ac:spMkLst>
-        </pc:spChg>
-        <pc:spChg chg="mod">
-          <ac:chgData name="JHEYSON FABIAN VILLAVISAN BUITRAGO" userId="e5ced5c2-d787-455d-b115-4f08a699b8c8" providerId="ADAL" clId="{19C33035-78B8-4F57-8017-7F1D08F23D4C}" dt="2023-08-06T20:22:33.711" v="416" actId="20577"/>
-          <ac:spMkLst>
-            <pc:docMk/>
-            <pc:sldMk cId="3709177429" sldId="274"/>
-            <ac:spMk id="4" creationId="{2C7E43D4-8286-4BEE-907B-3A35AE701C90}"/>
-          </ac:spMkLst>
-        </pc:spChg>
-        <pc:spChg chg="mod">
-          <ac:chgData name="JHEYSON FABIAN VILLAVISAN BUITRAGO" userId="e5ced5c2-d787-455d-b115-4f08a699b8c8" providerId="ADAL" clId="{19C33035-78B8-4F57-8017-7F1D08F23D4C}" dt="2023-08-06T19:43:51.421" v="85" actId="20577"/>
-          <ac:spMkLst>
-            <pc:docMk/>
-            <pc:sldMk cId="3709177429" sldId="274"/>
-            <ac:spMk id="5" creationId="{AD83FA30-4A3C-43B8-17CD-C08519129156}"/>
-          </ac:spMkLst>
-        </pc:spChg>
-        <pc:spChg chg="add del mod">
-          <ac:chgData name="JHEYSON FABIAN VILLAVISAN BUITRAGO" userId="e5ced5c2-d787-455d-b115-4f08a699b8c8" providerId="ADAL" clId="{19C33035-78B8-4F57-8017-7F1D08F23D4C}" dt="2023-08-06T19:43:19.276" v="61" actId="478"/>
-          <ac:spMkLst>
-            <pc:docMk/>
-            <pc:sldMk cId="3709177429" sldId="274"/>
-            <ac:spMk id="8" creationId="{F20CE2A6-995D-0701-2533-4AADC4D3C8B5}"/>
-          </ac:spMkLst>
-        </pc:spChg>
-        <pc:spChg chg="mod">
-          <ac:chgData name="JHEYSON FABIAN VILLAVISAN BUITRAGO" userId="e5ced5c2-d787-455d-b115-4f08a699b8c8" providerId="ADAL" clId="{19C33035-78B8-4F57-8017-7F1D08F23D4C}" dt="2023-08-06T19:50:38.593" v="118" actId="113"/>
-          <ac:spMkLst>
-            <pc:docMk/>
-            <pc:sldMk cId="3709177429" sldId="274"/>
-            <ac:spMk id="10" creationId="{AF4E183E-A171-4923-A99E-D149888CEC37}"/>
-          </ac:spMkLst>
-        </pc:spChg>
-        <pc:picChg chg="mod">
-          <ac:chgData name="JHEYSON FABIAN VILLAVISAN BUITRAGO" userId="e5ced5c2-d787-455d-b115-4f08a699b8c8" providerId="ADAL" clId="{19C33035-78B8-4F57-8017-7F1D08F23D4C}" dt="2023-08-06T19:49:53.685" v="105" actId="1076"/>
-          <ac:picMkLst>
-            <pc:docMk/>
-            <pc:sldMk cId="3709177429" sldId="274"/>
-            <ac:picMk id="6" creationId="{46E1A899-6475-4C36-890B-85392BBFA904}"/>
-          </ac:picMkLst>
-        </pc:picChg>
-        <pc:picChg chg="del">
-          <ac:chgData name="JHEYSON FABIAN VILLAVISAN BUITRAGO" userId="e5ced5c2-d787-455d-b115-4f08a699b8c8" providerId="ADAL" clId="{19C33035-78B8-4F57-8017-7F1D08F23D4C}" dt="2023-08-06T19:43:20.563" v="62" actId="478"/>
-          <ac:picMkLst>
-            <pc:docMk/>
-            <pc:sldMk cId="3709177429" sldId="274"/>
-            <ac:picMk id="9" creationId="{2BCDCF25-80B5-4CA1-B1B6-1C7F924229A5}"/>
-          </ac:picMkLst>
-        </pc:picChg>
       </pc:sldChg>
       <pc:sldChg chg="addSp delSp modSp add mod modNotes modNotesTx">
         <pc:chgData name="JHEYSON FABIAN VILLAVISAN BUITRAGO" userId="e5ced5c2-d787-455d-b115-4f08a699b8c8" providerId="ADAL" clId="{19C33035-78B8-4F57-8017-7F1D08F23D4C}" dt="2023-08-06T20:22:59.310" v="418" actId="27636"/>
@@ -2408,134 +269,6 @@
           <pc:docMk/>
           <pc:sldMk cId="34520361" sldId="275"/>
         </pc:sldMkLst>
-        <pc:spChg chg="add del mod">
-          <ac:chgData name="JHEYSON FABIAN VILLAVISAN BUITRAGO" userId="e5ced5c2-d787-455d-b115-4f08a699b8c8" providerId="ADAL" clId="{19C33035-78B8-4F57-8017-7F1D08F23D4C}" dt="2023-08-06T20:05:10.341" v="227" actId="122"/>
-          <ac:spMkLst>
-            <pc:docMk/>
-            <pc:sldMk cId="34520361" sldId="275"/>
-            <ac:spMk id="2" creationId="{FB1B6180-BCA0-4F51-9F68-9E5BAB8A4FDC}"/>
-          </ac:spMkLst>
-        </pc:spChg>
-        <pc:spChg chg="add del mod">
-          <ac:chgData name="JHEYSON FABIAN VILLAVISAN BUITRAGO" userId="e5ced5c2-d787-455d-b115-4f08a699b8c8" providerId="ADAL" clId="{19C33035-78B8-4F57-8017-7F1D08F23D4C}" dt="2023-08-06T19:50:59.628" v="132" actId="478"/>
-          <ac:spMkLst>
-            <pc:docMk/>
-            <pc:sldMk cId="34520361" sldId="275"/>
-            <ac:spMk id="4" creationId="{2C7E43D4-8286-4BEE-907B-3A35AE701C90}"/>
-          </ac:spMkLst>
-        </pc:spChg>
-        <pc:spChg chg="add del mod">
-          <ac:chgData name="JHEYSON FABIAN VILLAVISAN BUITRAGO" userId="e5ced5c2-d787-455d-b115-4f08a699b8c8" providerId="ADAL" clId="{19C33035-78B8-4F57-8017-7F1D08F23D4C}" dt="2023-08-06T19:50:56.171" v="129" actId="478"/>
-          <ac:spMkLst>
-            <pc:docMk/>
-            <pc:sldMk cId="34520361" sldId="275"/>
-            <ac:spMk id="7" creationId="{8C4E061F-553A-CA33-62AA-A8AC2EF47075}"/>
-          </ac:spMkLst>
-        </pc:spChg>
-        <pc:spChg chg="add del mod">
-          <ac:chgData name="JHEYSON FABIAN VILLAVISAN BUITRAGO" userId="e5ced5c2-d787-455d-b115-4f08a699b8c8" providerId="ADAL" clId="{19C33035-78B8-4F57-8017-7F1D08F23D4C}" dt="2023-08-06T19:50:52.082" v="125" actId="478"/>
-          <ac:spMkLst>
-            <pc:docMk/>
-            <pc:sldMk cId="34520361" sldId="275"/>
-            <ac:spMk id="9" creationId="{31D380ED-1661-79ED-457A-0C373DA44C2F}"/>
-          </ac:spMkLst>
-        </pc:spChg>
-        <pc:spChg chg="mod">
-          <ac:chgData name="JHEYSON FABIAN VILLAVISAN BUITRAGO" userId="e5ced5c2-d787-455d-b115-4f08a699b8c8" providerId="ADAL" clId="{19C33035-78B8-4F57-8017-7F1D08F23D4C}" dt="2023-08-06T20:15:22.751" v="299" actId="20577"/>
-          <ac:spMkLst>
-            <pc:docMk/>
-            <pc:sldMk cId="34520361" sldId="275"/>
-            <ac:spMk id="10" creationId="{AF4E183E-A171-4923-A99E-D149888CEC37}"/>
-          </ac:spMkLst>
-        </pc:spChg>
-        <pc:spChg chg="add del mod">
-          <ac:chgData name="JHEYSON FABIAN VILLAVISAN BUITRAGO" userId="e5ced5c2-d787-455d-b115-4f08a699b8c8" providerId="ADAL" clId="{19C33035-78B8-4F57-8017-7F1D08F23D4C}" dt="2023-08-06T19:51:01.841" v="133" actId="478"/>
-          <ac:spMkLst>
-            <pc:docMk/>
-            <pc:sldMk cId="34520361" sldId="275"/>
-            <ac:spMk id="12" creationId="{74166C03-C0FB-9391-BD42-1D64AC0FF8CE}"/>
-          </ac:spMkLst>
-        </pc:spChg>
-        <pc:picChg chg="add del">
-          <ac:chgData name="JHEYSON FABIAN VILLAVISAN BUITRAGO" userId="e5ced5c2-d787-455d-b115-4f08a699b8c8" providerId="ADAL" clId="{19C33035-78B8-4F57-8017-7F1D08F23D4C}" dt="2023-08-06T19:52:24.393" v="134" actId="478"/>
-          <ac:picMkLst>
-            <pc:docMk/>
-            <pc:sldMk cId="34520361" sldId="275"/>
-            <ac:picMk id="6" creationId="{46E1A899-6475-4C36-890B-85392BBFA904}"/>
-          </ac:picMkLst>
-        </pc:picChg>
-        <pc:picChg chg="add mod modCrop">
-          <ac:chgData name="JHEYSON FABIAN VILLAVISAN BUITRAGO" userId="e5ced5c2-d787-455d-b115-4f08a699b8c8" providerId="ADAL" clId="{19C33035-78B8-4F57-8017-7F1D08F23D4C}" dt="2023-08-06T20:06:42.282" v="234" actId="732"/>
-          <ac:picMkLst>
-            <pc:docMk/>
-            <pc:sldMk cId="34520361" sldId="275"/>
-            <ac:picMk id="15" creationId="{87838337-E671-3C6E-8B29-CCC8D96AD877}"/>
-          </ac:picMkLst>
-        </pc:picChg>
-        <pc:picChg chg="add del mod">
-          <ac:chgData name="JHEYSON FABIAN VILLAVISAN BUITRAGO" userId="e5ced5c2-d787-455d-b115-4f08a699b8c8" providerId="ADAL" clId="{19C33035-78B8-4F57-8017-7F1D08F23D4C}" dt="2023-08-06T20:03:59.981" v="151" actId="478"/>
-          <ac:picMkLst>
-            <pc:docMk/>
-            <pc:sldMk cId="34520361" sldId="275"/>
-            <ac:picMk id="17" creationId="{74C5823E-5EEE-50CD-28A5-49AF985E1165}"/>
-          </ac:picMkLst>
-        </pc:picChg>
-        <pc:picChg chg="add mod">
-          <ac:chgData name="JHEYSON FABIAN VILLAVISAN BUITRAGO" userId="e5ced5c2-d787-455d-b115-4f08a699b8c8" providerId="ADAL" clId="{19C33035-78B8-4F57-8017-7F1D08F23D4C}" dt="2023-08-06T20:05:26.251" v="229" actId="1076"/>
-          <ac:picMkLst>
-            <pc:docMk/>
-            <pc:sldMk cId="34520361" sldId="275"/>
-            <ac:picMk id="19" creationId="{00216E3F-6A81-B589-FB34-CD5B00474CFC}"/>
-          </ac:picMkLst>
-        </pc:picChg>
-        <pc:picChg chg="add del mod">
-          <ac:chgData name="JHEYSON FABIAN VILLAVISAN BUITRAGO" userId="e5ced5c2-d787-455d-b115-4f08a699b8c8" providerId="ADAL" clId="{19C33035-78B8-4F57-8017-7F1D08F23D4C}" dt="2023-08-06T20:07:12.551" v="244"/>
-          <ac:picMkLst>
-            <pc:docMk/>
-            <pc:sldMk cId="34520361" sldId="275"/>
-            <ac:picMk id="20" creationId="{2D9FFC85-AB7D-45BE-B068-F11C70165005}"/>
-          </ac:picMkLst>
-        </pc:picChg>
-        <pc:picChg chg="add del mod">
-          <ac:chgData name="JHEYSON FABIAN VILLAVISAN BUITRAGO" userId="e5ced5c2-d787-455d-b115-4f08a699b8c8" providerId="ADAL" clId="{19C33035-78B8-4F57-8017-7F1D08F23D4C}" dt="2023-08-06T20:07:12.250" v="243"/>
-          <ac:picMkLst>
-            <pc:docMk/>
-            <pc:sldMk cId="34520361" sldId="275"/>
-            <ac:picMk id="21" creationId="{4ACE1D8E-0641-981A-F3D0-3F9D2A585852}"/>
-          </ac:picMkLst>
-        </pc:picChg>
-        <pc:picChg chg="add del mod">
-          <ac:chgData name="JHEYSON FABIAN VILLAVISAN BUITRAGO" userId="e5ced5c2-d787-455d-b115-4f08a699b8c8" providerId="ADAL" clId="{19C33035-78B8-4F57-8017-7F1D08F23D4C}" dt="2023-08-06T20:07:12.012" v="242"/>
-          <ac:picMkLst>
-            <pc:docMk/>
-            <pc:sldMk cId="34520361" sldId="275"/>
-            <ac:picMk id="22" creationId="{696B7104-4F53-379C-60AC-2A39EA10D894}"/>
-          </ac:picMkLst>
-        </pc:picChg>
-        <pc:picChg chg="add del">
-          <ac:chgData name="JHEYSON FABIAN VILLAVISAN BUITRAGO" userId="e5ced5c2-d787-455d-b115-4f08a699b8c8" providerId="ADAL" clId="{19C33035-78B8-4F57-8017-7F1D08F23D4C}" dt="2023-08-06T20:04:37.363" v="160" actId="478"/>
-          <ac:picMkLst>
-            <pc:docMk/>
-            <pc:sldMk cId="34520361" sldId="275"/>
-            <ac:picMk id="1026" creationId="{8D98286D-85CA-E643-CFCA-E3CFDBA00FF9}"/>
-          </ac:picMkLst>
-        </pc:picChg>
-        <pc:picChg chg="add del">
-          <ac:chgData name="JHEYSON FABIAN VILLAVISAN BUITRAGO" userId="e5ced5c2-d787-455d-b115-4f08a699b8c8" providerId="ADAL" clId="{19C33035-78B8-4F57-8017-7F1D08F23D4C}" dt="2023-08-06T20:04:35.522" v="159"/>
-          <ac:picMkLst>
-            <pc:docMk/>
-            <pc:sldMk cId="34520361" sldId="275"/>
-            <ac:picMk id="1028" creationId="{4B45AEFD-5603-367A-CEF0-02ED32187D22}"/>
-          </ac:picMkLst>
-        </pc:picChg>
-        <pc:picChg chg="add mod">
-          <ac:chgData name="JHEYSON FABIAN VILLAVISAN BUITRAGO" userId="e5ced5c2-d787-455d-b115-4f08a699b8c8" providerId="ADAL" clId="{19C33035-78B8-4F57-8017-7F1D08F23D4C}" dt="2023-08-06T20:04:48.221" v="165" actId="1076"/>
-          <ac:picMkLst>
-            <pc:docMk/>
-            <pc:sldMk cId="34520361" sldId="275"/>
-            <ac:picMk id="1030" creationId="{1C18D43F-2855-65EA-5BFF-1D93A1FA13DC}"/>
-          </ac:picMkLst>
-        </pc:picChg>
       </pc:sldChg>
       <pc:sldChg chg="add del">
         <pc:chgData name="JHEYSON FABIAN VILLAVISAN BUITRAGO" userId="e5ced5c2-d787-455d-b115-4f08a699b8c8" providerId="ADAL" clId="{19C33035-78B8-4F57-8017-7F1D08F23D4C}" dt="2023-08-06T19:43:59.815" v="90" actId="47"/>
@@ -2550,94 +283,6 @@
           <pc:docMk/>
           <pc:sldMk cId="3511496054" sldId="276"/>
         </pc:sldMkLst>
-        <pc:spChg chg="mod">
-          <ac:chgData name="JHEYSON FABIAN VILLAVISAN BUITRAGO" userId="e5ced5c2-d787-455d-b115-4f08a699b8c8" providerId="ADAL" clId="{19C33035-78B8-4F57-8017-7F1D08F23D4C}" dt="2023-08-06T20:16:24.411" v="343" actId="403"/>
-          <ac:spMkLst>
-            <pc:docMk/>
-            <pc:sldMk cId="3511496054" sldId="276"/>
-            <ac:spMk id="2" creationId="{FB1B6180-BCA0-4F51-9F68-9E5BAB8A4FDC}"/>
-          </ac:spMkLst>
-        </pc:spChg>
-        <pc:spChg chg="add del mod">
-          <ac:chgData name="JHEYSON FABIAN VILLAVISAN BUITRAGO" userId="e5ced5c2-d787-455d-b115-4f08a699b8c8" providerId="ADAL" clId="{19C33035-78B8-4F57-8017-7F1D08F23D4C}" dt="2023-08-06T20:14:55.275" v="293" actId="478"/>
-          <ac:spMkLst>
-            <pc:docMk/>
-            <pc:sldMk cId="3511496054" sldId="276"/>
-            <ac:spMk id="3" creationId="{D7A672F5-7168-A058-640B-C64276D595B9}"/>
-          </ac:spMkLst>
-        </pc:spChg>
-        <pc:spChg chg="mod">
-          <ac:chgData name="JHEYSON FABIAN VILLAVISAN BUITRAGO" userId="e5ced5c2-d787-455d-b115-4f08a699b8c8" providerId="ADAL" clId="{19C33035-78B8-4F57-8017-7F1D08F23D4C}" dt="2023-08-06T20:15:26.080" v="303" actId="20577"/>
-          <ac:spMkLst>
-            <pc:docMk/>
-            <pc:sldMk cId="3511496054" sldId="276"/>
-            <ac:spMk id="10" creationId="{AF4E183E-A171-4923-A99E-D149888CEC37}"/>
-          </ac:spMkLst>
-        </pc:spChg>
-        <pc:picChg chg="add del mod">
-          <ac:chgData name="JHEYSON FABIAN VILLAVISAN BUITRAGO" userId="e5ced5c2-d787-455d-b115-4f08a699b8c8" providerId="ADAL" clId="{19C33035-78B8-4F57-8017-7F1D08F23D4C}" dt="2023-08-06T20:16:17.664" v="339" actId="478"/>
-          <ac:picMkLst>
-            <pc:docMk/>
-            <pc:sldMk cId="3511496054" sldId="276"/>
-            <ac:picMk id="4" creationId="{087DA2F4-6676-3222-FC5B-A7223EE2EBAE}"/>
-          </ac:picMkLst>
-        </pc:picChg>
-        <pc:picChg chg="add del mod">
-          <ac:chgData name="JHEYSON FABIAN VILLAVISAN BUITRAGO" userId="e5ced5c2-d787-455d-b115-4f08a699b8c8" providerId="ADAL" clId="{19C33035-78B8-4F57-8017-7F1D08F23D4C}" dt="2023-08-06T20:16:17.221" v="338" actId="478"/>
-          <ac:picMkLst>
-            <pc:docMk/>
-            <pc:sldMk cId="3511496054" sldId="276"/>
-            <ac:picMk id="6" creationId="{B9288FC2-AFFB-D0B0-A488-D93279599334}"/>
-          </ac:picMkLst>
-        </pc:picChg>
-        <pc:picChg chg="add del mod">
-          <ac:chgData name="JHEYSON FABIAN VILLAVISAN BUITRAGO" userId="e5ced5c2-d787-455d-b115-4f08a699b8c8" providerId="ADAL" clId="{19C33035-78B8-4F57-8017-7F1D08F23D4C}" dt="2023-08-06T20:16:19.043" v="341" actId="478"/>
-          <ac:picMkLst>
-            <pc:docMk/>
-            <pc:sldMk cId="3511496054" sldId="276"/>
-            <ac:picMk id="7" creationId="{E619C6E9-3662-AD86-FA20-72008777D35B}"/>
-          </ac:picMkLst>
-        </pc:picChg>
-        <pc:picChg chg="add del mod">
-          <ac:chgData name="JHEYSON FABIAN VILLAVISAN BUITRAGO" userId="e5ced5c2-d787-455d-b115-4f08a699b8c8" providerId="ADAL" clId="{19C33035-78B8-4F57-8017-7F1D08F23D4C}" dt="2023-08-06T20:16:20.501" v="342" actId="478"/>
-          <ac:picMkLst>
-            <pc:docMk/>
-            <pc:sldMk cId="3511496054" sldId="276"/>
-            <ac:picMk id="8" creationId="{FC1DC18A-BA33-5918-0DC3-905783ADC3D7}"/>
-          </ac:picMkLst>
-        </pc:picChg>
-        <pc:picChg chg="add del mod">
-          <ac:chgData name="JHEYSON FABIAN VILLAVISAN BUITRAGO" userId="e5ced5c2-d787-455d-b115-4f08a699b8c8" providerId="ADAL" clId="{19C33035-78B8-4F57-8017-7F1D08F23D4C}" dt="2023-08-06T20:16:18.264" v="340" actId="478"/>
-          <ac:picMkLst>
-            <pc:docMk/>
-            <pc:sldMk cId="3511496054" sldId="276"/>
-            <ac:picMk id="9" creationId="{B267A2F9-E360-7B7A-BF4F-24C90DEEDCA7}"/>
-          </ac:picMkLst>
-        </pc:picChg>
-        <pc:picChg chg="del">
-          <ac:chgData name="JHEYSON FABIAN VILLAVISAN BUITRAGO" userId="e5ced5c2-d787-455d-b115-4f08a699b8c8" providerId="ADAL" clId="{19C33035-78B8-4F57-8017-7F1D08F23D4C}" dt="2023-08-06T20:10:12.282" v="246" actId="478"/>
-          <ac:picMkLst>
-            <pc:docMk/>
-            <pc:sldMk cId="3511496054" sldId="276"/>
-            <ac:picMk id="15" creationId="{87838337-E671-3C6E-8B29-CCC8D96AD877}"/>
-          </ac:picMkLst>
-        </pc:picChg>
-        <pc:picChg chg="del">
-          <ac:chgData name="JHEYSON FABIAN VILLAVISAN BUITRAGO" userId="e5ced5c2-d787-455d-b115-4f08a699b8c8" providerId="ADAL" clId="{19C33035-78B8-4F57-8017-7F1D08F23D4C}" dt="2023-08-06T20:10:12.741" v="247" actId="478"/>
-          <ac:picMkLst>
-            <pc:docMk/>
-            <pc:sldMk cId="3511496054" sldId="276"/>
-            <ac:picMk id="19" creationId="{00216E3F-6A81-B589-FB34-CD5B00474CFC}"/>
-          </ac:picMkLst>
-        </pc:picChg>
-        <pc:picChg chg="del">
-          <ac:chgData name="JHEYSON FABIAN VILLAVISAN BUITRAGO" userId="e5ced5c2-d787-455d-b115-4f08a699b8c8" providerId="ADAL" clId="{19C33035-78B8-4F57-8017-7F1D08F23D4C}" dt="2023-08-06T20:12:25.183" v="261" actId="478"/>
-          <ac:picMkLst>
-            <pc:docMk/>
-            <pc:sldMk cId="3511496054" sldId="276"/>
-            <ac:picMk id="1030" creationId="{1C18D43F-2855-65EA-5BFF-1D93A1FA13DC}"/>
-          </ac:picMkLst>
-        </pc:picChg>
       </pc:sldChg>
       <pc:sldChg chg="add del">
         <pc:chgData name="JHEYSON FABIAN VILLAVISAN BUITRAGO" userId="e5ced5c2-d787-455d-b115-4f08a699b8c8" providerId="ADAL" clId="{19C33035-78B8-4F57-8017-7F1D08F23D4C}" dt="2023-08-06T19:44:01.381" v="91" actId="47"/>
@@ -2652,38 +297,6 @@
           <pc:docMk/>
           <pc:sldMk cId="2587530529" sldId="277"/>
         </pc:sldMkLst>
-        <pc:spChg chg="mod">
-          <ac:chgData name="JHEYSON FABIAN VILLAVISAN BUITRAGO" userId="e5ced5c2-d787-455d-b115-4f08a699b8c8" providerId="ADAL" clId="{19C33035-78B8-4F57-8017-7F1D08F23D4C}" dt="2023-08-06T20:17:33.640" v="350" actId="20577"/>
-          <ac:spMkLst>
-            <pc:docMk/>
-            <pc:sldMk cId="2587530529" sldId="277"/>
-            <ac:spMk id="10" creationId="{AF4E183E-A171-4923-A99E-D149888CEC37}"/>
-          </ac:spMkLst>
-        </pc:spChg>
-        <pc:picChg chg="add mod">
-          <ac:chgData name="JHEYSON FABIAN VILLAVISAN BUITRAGO" userId="e5ced5c2-d787-455d-b115-4f08a699b8c8" providerId="ADAL" clId="{19C33035-78B8-4F57-8017-7F1D08F23D4C}" dt="2023-08-06T20:13:28.751" v="270" actId="1076"/>
-          <ac:picMkLst>
-            <pc:docMk/>
-            <pc:sldMk cId="2587530529" sldId="277"/>
-            <ac:picMk id="4" creationId="{CF428180-C5CC-E01B-CDE1-66FB56171E1D}"/>
-          </ac:picMkLst>
-        </pc:picChg>
-        <pc:picChg chg="del">
-          <ac:chgData name="JHEYSON FABIAN VILLAVISAN BUITRAGO" userId="e5ced5c2-d787-455d-b115-4f08a699b8c8" providerId="ADAL" clId="{19C33035-78B8-4F57-8017-7F1D08F23D4C}" dt="2023-08-06T20:12:52.942" v="265" actId="478"/>
-          <ac:picMkLst>
-            <pc:docMk/>
-            <pc:sldMk cId="2587530529" sldId="277"/>
-            <ac:picMk id="15" creationId="{87838337-E671-3C6E-8B29-CCC8D96AD877}"/>
-          </ac:picMkLst>
-        </pc:picChg>
-        <pc:picChg chg="mod">
-          <ac:chgData name="JHEYSON FABIAN VILLAVISAN BUITRAGO" userId="e5ced5c2-d787-455d-b115-4f08a699b8c8" providerId="ADAL" clId="{19C33035-78B8-4F57-8017-7F1D08F23D4C}" dt="2023-08-06T20:12:55.250" v="266" actId="1076"/>
-          <ac:picMkLst>
-            <pc:docMk/>
-            <pc:sldMk cId="2587530529" sldId="277"/>
-            <ac:picMk id="19" creationId="{00216E3F-6A81-B589-FB34-CD5B00474CFC}"/>
-          </ac:picMkLst>
-        </pc:picChg>
       </pc:sldChg>
       <pc:sldChg chg="add del ord">
         <pc:chgData name="JHEYSON FABIAN VILLAVISAN BUITRAGO" userId="e5ced5c2-d787-455d-b115-4f08a699b8c8" providerId="ADAL" clId="{19C33035-78B8-4F57-8017-7F1D08F23D4C}" dt="2023-08-06T19:41:43.191" v="30" actId="47"/>
@@ -2698,30 +311,6 @@
           <pc:docMk/>
           <pc:sldMk cId="2126111200" sldId="278"/>
         </pc:sldMkLst>
-        <pc:spChg chg="mod">
-          <ac:chgData name="JHEYSON FABIAN VILLAVISAN BUITRAGO" userId="e5ced5c2-d787-455d-b115-4f08a699b8c8" providerId="ADAL" clId="{19C33035-78B8-4F57-8017-7F1D08F23D4C}" dt="2023-08-06T20:15:54.456" v="326" actId="20577"/>
-          <ac:spMkLst>
-            <pc:docMk/>
-            <pc:sldMk cId="2126111200" sldId="278"/>
-            <ac:spMk id="2" creationId="{FB1B6180-BCA0-4F51-9F68-9E5BAB8A4FDC}"/>
-          </ac:spMkLst>
-        </pc:spChg>
-        <pc:spChg chg="mod">
-          <ac:chgData name="JHEYSON FABIAN VILLAVISAN BUITRAGO" userId="e5ced5c2-d787-455d-b115-4f08a699b8c8" providerId="ADAL" clId="{19C33035-78B8-4F57-8017-7F1D08F23D4C}" dt="2023-08-06T20:16:53.760" v="346" actId="113"/>
-          <ac:spMkLst>
-            <pc:docMk/>
-            <pc:sldMk cId="2126111200" sldId="278"/>
-            <ac:spMk id="3" creationId="{D7A672F5-7168-A058-640B-C64276D595B9}"/>
-          </ac:spMkLst>
-        </pc:spChg>
-        <pc:spChg chg="mod">
-          <ac:chgData name="JHEYSON FABIAN VILLAVISAN BUITRAGO" userId="e5ced5c2-d787-455d-b115-4f08a699b8c8" providerId="ADAL" clId="{19C33035-78B8-4F57-8017-7F1D08F23D4C}" dt="2023-08-06T20:17:02.413" v="347" actId="20577"/>
-          <ac:spMkLst>
-            <pc:docMk/>
-            <pc:sldMk cId="2126111200" sldId="278"/>
-            <ac:spMk id="10" creationId="{AF4E183E-A171-4923-A99E-D149888CEC37}"/>
-          </ac:spMkLst>
-        </pc:spChg>
       </pc:sldChg>
       <pc:sldChg chg="add del">
         <pc:chgData name="JHEYSON FABIAN VILLAVISAN BUITRAGO" userId="e5ced5c2-d787-455d-b115-4f08a699b8c8" providerId="ADAL" clId="{19C33035-78B8-4F57-8017-7F1D08F23D4C}" dt="2023-08-06T20:17:27.381" v="349" actId="2890"/>
@@ -2736,22 +325,6 @@
           <pc:docMk/>
           <pc:sldMk cId="929824070" sldId="279"/>
         </pc:sldMkLst>
-        <pc:spChg chg="mod">
-          <ac:chgData name="JHEYSON FABIAN VILLAVISAN BUITRAGO" userId="e5ced5c2-d787-455d-b115-4f08a699b8c8" providerId="ADAL" clId="{19C33035-78B8-4F57-8017-7F1D08F23D4C}" dt="2023-08-06T20:19:15.369" v="365" actId="20577"/>
-          <ac:spMkLst>
-            <pc:docMk/>
-            <pc:sldMk cId="929824070" sldId="279"/>
-            <ac:spMk id="2" creationId="{FB1B6180-BCA0-4F51-9F68-9E5BAB8A4FDC}"/>
-          </ac:spMkLst>
-        </pc:spChg>
-        <pc:spChg chg="mod">
-          <ac:chgData name="JHEYSON FABIAN VILLAVISAN BUITRAGO" userId="e5ced5c2-d787-455d-b115-4f08a699b8c8" providerId="ADAL" clId="{19C33035-78B8-4F57-8017-7F1D08F23D4C}" dt="2023-08-06T20:19:26.801" v="369" actId="20577"/>
-          <ac:spMkLst>
-            <pc:docMk/>
-            <pc:sldMk cId="929824070" sldId="279"/>
-            <ac:spMk id="10" creationId="{AF4E183E-A171-4923-A99E-D149888CEC37}"/>
-          </ac:spMkLst>
-        </pc:spChg>
       </pc:sldChg>
       <pc:sldChg chg="add del">
         <pc:chgData name="JHEYSON FABIAN VILLAVISAN BUITRAGO" userId="e5ced5c2-d787-455d-b115-4f08a699b8c8" providerId="ADAL" clId="{19C33035-78B8-4F57-8017-7F1D08F23D4C}" dt="2023-08-06T19:44:02.421" v="92" actId="47"/>
@@ -2766,30 +339,6 @@
           <pc:docMk/>
           <pc:sldMk cId="1860376443" sldId="280"/>
         </pc:sldMkLst>
-        <pc:spChg chg="mod">
-          <ac:chgData name="JHEYSON FABIAN VILLAVISAN BUITRAGO" userId="e5ced5c2-d787-455d-b115-4f08a699b8c8" providerId="ADAL" clId="{19C33035-78B8-4F57-8017-7F1D08F23D4C}" dt="2023-08-06T20:19:49.682" v="388" actId="20577"/>
-          <ac:spMkLst>
-            <pc:docMk/>
-            <pc:sldMk cId="1860376443" sldId="280"/>
-            <ac:spMk id="2" creationId="{FB1B6180-BCA0-4F51-9F68-9E5BAB8A4FDC}"/>
-          </ac:spMkLst>
-        </pc:spChg>
-        <pc:spChg chg="mod">
-          <ac:chgData name="JHEYSON FABIAN VILLAVISAN BUITRAGO" userId="e5ced5c2-d787-455d-b115-4f08a699b8c8" providerId="ADAL" clId="{19C33035-78B8-4F57-8017-7F1D08F23D4C}" dt="2023-08-06T20:20:38.381" v="397" actId="1076"/>
-          <ac:spMkLst>
-            <pc:docMk/>
-            <pc:sldMk cId="1860376443" sldId="280"/>
-            <ac:spMk id="3" creationId="{D7A672F5-7168-A058-640B-C64276D595B9}"/>
-          </ac:spMkLst>
-        </pc:spChg>
-        <pc:spChg chg="mod">
-          <ac:chgData name="JHEYSON FABIAN VILLAVISAN BUITRAGO" userId="e5ced5c2-d787-455d-b115-4f08a699b8c8" providerId="ADAL" clId="{19C33035-78B8-4F57-8017-7F1D08F23D4C}" dt="2023-08-06T20:19:29.462" v="370" actId="20577"/>
-          <ac:spMkLst>
-            <pc:docMk/>
-            <pc:sldMk cId="1860376443" sldId="280"/>
-            <ac:spMk id="10" creationId="{AF4E183E-A171-4923-A99E-D149888CEC37}"/>
-          </ac:spMkLst>
-        </pc:spChg>
       </pc:sldChg>
       <pc:sldChg chg="addSp delSp modSp add mod modNotesTx">
         <pc:chgData name="JHEYSON FABIAN VILLAVISAN BUITRAGO" userId="e5ced5c2-d787-455d-b115-4f08a699b8c8" providerId="ADAL" clId="{19C33035-78B8-4F57-8017-7F1D08F23D4C}" dt="2023-08-09T01:40:49.879" v="2098" actId="478"/>
@@ -2797,46 +346,6 @@
           <pc:docMk/>
           <pc:sldMk cId="1406170200" sldId="281"/>
         </pc:sldMkLst>
-        <pc:spChg chg="mod">
-          <ac:chgData name="JHEYSON FABIAN VILLAVISAN BUITRAGO" userId="e5ced5c2-d787-455d-b115-4f08a699b8c8" providerId="ADAL" clId="{19C33035-78B8-4F57-8017-7F1D08F23D4C}" dt="2023-08-06T20:47:19.483" v="1386" actId="20577"/>
-          <ac:spMkLst>
-            <pc:docMk/>
-            <pc:sldMk cId="1406170200" sldId="281"/>
-            <ac:spMk id="2" creationId="{FB1B6180-BCA0-4F51-9F68-9E5BAB8A4FDC}"/>
-          </ac:spMkLst>
-        </pc:spChg>
-        <pc:spChg chg="del mod">
-          <ac:chgData name="JHEYSON FABIAN VILLAVISAN BUITRAGO" userId="e5ced5c2-d787-455d-b115-4f08a699b8c8" providerId="ADAL" clId="{19C33035-78B8-4F57-8017-7F1D08F23D4C}" dt="2023-08-06T20:24:17.021" v="602"/>
-          <ac:spMkLst>
-            <pc:docMk/>
-            <pc:sldMk cId="1406170200" sldId="281"/>
-            <ac:spMk id="3" creationId="{D7A672F5-7168-A058-640B-C64276D595B9}"/>
-          </ac:spMkLst>
-        </pc:spChg>
-        <pc:spChg chg="add mod">
-          <ac:chgData name="JHEYSON FABIAN VILLAVISAN BUITRAGO" userId="e5ced5c2-d787-455d-b115-4f08a699b8c8" providerId="ADAL" clId="{19C33035-78B8-4F57-8017-7F1D08F23D4C}" dt="2023-08-09T00:31:18.327" v="2029" actId="20577"/>
-          <ac:spMkLst>
-            <pc:docMk/>
-            <pc:sldMk cId="1406170200" sldId="281"/>
-            <ac:spMk id="4" creationId="{A9A4A0C2-930C-0E2E-41F8-622F2BEB0F2A}"/>
-          </ac:spMkLst>
-        </pc:spChg>
-        <pc:spChg chg="add del mod">
-          <ac:chgData name="JHEYSON FABIAN VILLAVISAN BUITRAGO" userId="e5ced5c2-d787-455d-b115-4f08a699b8c8" providerId="ADAL" clId="{19C33035-78B8-4F57-8017-7F1D08F23D4C}" dt="2023-08-09T01:40:49.879" v="2098" actId="478"/>
-          <ac:spMkLst>
-            <pc:docMk/>
-            <pc:sldMk cId="1406170200" sldId="281"/>
-            <ac:spMk id="6" creationId="{5C037675-7CEF-DAE8-213F-CFA466017D13}"/>
-          </ac:spMkLst>
-        </pc:spChg>
-        <pc:spChg chg="mod">
-          <ac:chgData name="JHEYSON FABIAN VILLAVISAN BUITRAGO" userId="e5ced5c2-d787-455d-b115-4f08a699b8c8" providerId="ADAL" clId="{19C33035-78B8-4F57-8017-7F1D08F23D4C}" dt="2023-08-06T20:23:04.763" v="421" actId="20577"/>
-          <ac:spMkLst>
-            <pc:docMk/>
-            <pc:sldMk cId="1406170200" sldId="281"/>
-            <ac:spMk id="10" creationId="{AF4E183E-A171-4923-A99E-D149888CEC37}"/>
-          </ac:spMkLst>
-        </pc:spChg>
       </pc:sldChg>
       <pc:sldChg chg="delSp modSp add mod ord">
         <pc:chgData name="JHEYSON FABIAN VILLAVISAN BUITRAGO" userId="e5ced5c2-d787-455d-b115-4f08a699b8c8" providerId="ADAL" clId="{19C33035-78B8-4F57-8017-7F1D08F23D4C}" dt="2023-08-06T20:57:13.345" v="1880" actId="1076"/>
@@ -2844,30 +353,6 @@
           <pc:docMk/>
           <pc:sldMk cId="3069458274" sldId="282"/>
         </pc:sldMkLst>
-        <pc:spChg chg="mod">
-          <ac:chgData name="JHEYSON FABIAN VILLAVISAN BUITRAGO" userId="e5ced5c2-d787-455d-b115-4f08a699b8c8" providerId="ADAL" clId="{19C33035-78B8-4F57-8017-7F1D08F23D4C}" dt="2023-08-06T20:57:13.345" v="1880" actId="1076"/>
-          <ac:spMkLst>
-            <pc:docMk/>
-            <pc:sldMk cId="3069458274" sldId="282"/>
-            <ac:spMk id="2" creationId="{FB1B6180-BCA0-4F51-9F68-9E5BAB8A4FDC}"/>
-          </ac:spMkLst>
-        </pc:spChg>
-        <pc:spChg chg="del">
-          <ac:chgData name="JHEYSON FABIAN VILLAVISAN BUITRAGO" userId="e5ced5c2-d787-455d-b115-4f08a699b8c8" providerId="ADAL" clId="{19C33035-78B8-4F57-8017-7F1D08F23D4C}" dt="2023-08-06T20:31:12.798" v="1148" actId="478"/>
-          <ac:spMkLst>
-            <pc:docMk/>
-            <pc:sldMk cId="3069458274" sldId="282"/>
-            <ac:spMk id="4" creationId="{A9A4A0C2-930C-0E2E-41F8-622F2BEB0F2A}"/>
-          </ac:spMkLst>
-        </pc:spChg>
-        <pc:spChg chg="mod">
-          <ac:chgData name="JHEYSON FABIAN VILLAVISAN BUITRAGO" userId="e5ced5c2-d787-455d-b115-4f08a699b8c8" providerId="ADAL" clId="{19C33035-78B8-4F57-8017-7F1D08F23D4C}" dt="2023-08-06T20:57:01.197" v="1877" actId="20577"/>
-          <ac:spMkLst>
-            <pc:docMk/>
-            <pc:sldMk cId="3069458274" sldId="282"/>
-            <ac:spMk id="10" creationId="{AF4E183E-A171-4923-A99E-D149888CEC37}"/>
-          </ac:spMkLst>
-        </pc:spChg>
       </pc:sldChg>
       <pc:sldChg chg="modSp add mod">
         <pc:chgData name="JHEYSON FABIAN VILLAVISAN BUITRAGO" userId="e5ced5c2-d787-455d-b115-4f08a699b8c8" providerId="ADAL" clId="{19C33035-78B8-4F57-8017-7F1D08F23D4C}" dt="2023-08-09T01:45:48.225" v="2102" actId="13926"/>
@@ -2875,30 +360,6 @@
           <pc:docMk/>
           <pc:sldMk cId="1800295832" sldId="283"/>
         </pc:sldMkLst>
-        <pc:spChg chg="mod">
-          <ac:chgData name="JHEYSON FABIAN VILLAVISAN BUITRAGO" userId="e5ced5c2-d787-455d-b115-4f08a699b8c8" providerId="ADAL" clId="{19C33035-78B8-4F57-8017-7F1D08F23D4C}" dt="2023-08-06T20:36:41.666" v="1220" actId="20577"/>
-          <ac:spMkLst>
-            <pc:docMk/>
-            <pc:sldMk cId="1800295832" sldId="283"/>
-            <ac:spMk id="2" creationId="{FB1B6180-BCA0-4F51-9F68-9E5BAB8A4FDC}"/>
-          </ac:spMkLst>
-        </pc:spChg>
-        <pc:spChg chg="mod">
-          <ac:chgData name="JHEYSON FABIAN VILLAVISAN BUITRAGO" userId="e5ced5c2-d787-455d-b115-4f08a699b8c8" providerId="ADAL" clId="{19C33035-78B8-4F57-8017-7F1D08F23D4C}" dt="2023-08-09T01:45:48.225" v="2102" actId="13926"/>
-          <ac:spMkLst>
-            <pc:docMk/>
-            <pc:sldMk cId="1800295832" sldId="283"/>
-            <ac:spMk id="4" creationId="{A9A4A0C2-930C-0E2E-41F8-622F2BEB0F2A}"/>
-          </ac:spMkLst>
-        </pc:spChg>
-        <pc:spChg chg="mod">
-          <ac:chgData name="JHEYSON FABIAN VILLAVISAN BUITRAGO" userId="e5ced5c2-d787-455d-b115-4f08a699b8c8" providerId="ADAL" clId="{19C33035-78B8-4F57-8017-7F1D08F23D4C}" dt="2023-08-06T20:37:57.376" v="1278" actId="20577"/>
-          <ac:spMkLst>
-            <pc:docMk/>
-            <pc:sldMk cId="1800295832" sldId="283"/>
-            <ac:spMk id="10" creationId="{AF4E183E-A171-4923-A99E-D149888CEC37}"/>
-          </ac:spMkLst>
-        </pc:spChg>
       </pc:sldChg>
       <pc:sldChg chg="addSp delSp modSp add mod ord">
         <pc:chgData name="JHEYSON FABIAN VILLAVISAN BUITRAGO" userId="e5ced5c2-d787-455d-b115-4f08a699b8c8" providerId="ADAL" clId="{19C33035-78B8-4F57-8017-7F1D08F23D4C}" dt="2023-08-06T20:56:01.384" v="1735" actId="1076"/>
@@ -2906,30 +367,6 @@
           <pc:docMk/>
           <pc:sldMk cId="3861690608" sldId="284"/>
         </pc:sldMkLst>
-        <pc:spChg chg="mod">
-          <ac:chgData name="JHEYSON FABIAN VILLAVISAN BUITRAGO" userId="e5ced5c2-d787-455d-b115-4f08a699b8c8" providerId="ADAL" clId="{19C33035-78B8-4F57-8017-7F1D08F23D4C}" dt="2023-08-06T20:56:01.384" v="1735" actId="1076"/>
-          <ac:spMkLst>
-            <pc:docMk/>
-            <pc:sldMk cId="3861690608" sldId="284"/>
-            <ac:spMk id="2" creationId="{FB1B6180-BCA0-4F51-9F68-9E5BAB8A4FDC}"/>
-          </ac:spMkLst>
-        </pc:spChg>
-        <pc:spChg chg="add del mod">
-          <ac:chgData name="JHEYSON FABIAN VILLAVISAN BUITRAGO" userId="e5ced5c2-d787-455d-b115-4f08a699b8c8" providerId="ADAL" clId="{19C33035-78B8-4F57-8017-7F1D08F23D4C}" dt="2023-08-06T20:55:54.684" v="1733" actId="478"/>
-          <ac:spMkLst>
-            <pc:docMk/>
-            <pc:sldMk cId="3861690608" sldId="284"/>
-            <ac:spMk id="4" creationId="{A9A4A0C2-930C-0E2E-41F8-622F2BEB0F2A}"/>
-          </ac:spMkLst>
-        </pc:spChg>
-        <pc:spChg chg="mod">
-          <ac:chgData name="JHEYSON FABIAN VILLAVISAN BUITRAGO" userId="e5ced5c2-d787-455d-b115-4f08a699b8c8" providerId="ADAL" clId="{19C33035-78B8-4F57-8017-7F1D08F23D4C}" dt="2023-08-06T20:55:49.138" v="1732" actId="20577"/>
-          <ac:spMkLst>
-            <pc:docMk/>
-            <pc:sldMk cId="3861690608" sldId="284"/>
-            <ac:spMk id="10" creationId="{AF4E183E-A171-4923-A99E-D149888CEC37}"/>
-          </ac:spMkLst>
-        </pc:spChg>
       </pc:sldChg>
       <pc:sldChg chg="delSp modSp add mod ord">
         <pc:chgData name="JHEYSON FABIAN VILLAVISAN BUITRAGO" userId="e5ced5c2-d787-455d-b115-4f08a699b8c8" providerId="ADAL" clId="{19C33035-78B8-4F57-8017-7F1D08F23D4C}" dt="2023-08-06T20:37:54.075" v="1276" actId="20577"/>
@@ -2937,30 +374,6 @@
           <pc:docMk/>
           <pc:sldMk cId="197386410" sldId="285"/>
         </pc:sldMkLst>
-        <pc:spChg chg="mod">
-          <ac:chgData name="JHEYSON FABIAN VILLAVISAN BUITRAGO" userId="e5ced5c2-d787-455d-b115-4f08a699b8c8" providerId="ADAL" clId="{19C33035-78B8-4F57-8017-7F1D08F23D4C}" dt="2023-08-06T20:37:46.443" v="1274" actId="403"/>
-          <ac:spMkLst>
-            <pc:docMk/>
-            <pc:sldMk cId="197386410" sldId="285"/>
-            <ac:spMk id="2" creationId="{FB1B6180-BCA0-4F51-9F68-9E5BAB8A4FDC}"/>
-          </ac:spMkLst>
-        </pc:spChg>
-        <pc:spChg chg="del">
-          <ac:chgData name="JHEYSON FABIAN VILLAVISAN BUITRAGO" userId="e5ced5c2-d787-455d-b115-4f08a699b8c8" providerId="ADAL" clId="{19C33035-78B8-4F57-8017-7F1D08F23D4C}" dt="2023-08-06T20:37:40.772" v="1272" actId="478"/>
-          <ac:spMkLst>
-            <pc:docMk/>
-            <pc:sldMk cId="197386410" sldId="285"/>
-            <ac:spMk id="3" creationId="{D7A672F5-7168-A058-640B-C64276D595B9}"/>
-          </ac:spMkLst>
-        </pc:spChg>
-        <pc:spChg chg="mod">
-          <ac:chgData name="JHEYSON FABIAN VILLAVISAN BUITRAGO" userId="e5ced5c2-d787-455d-b115-4f08a699b8c8" providerId="ADAL" clId="{19C33035-78B8-4F57-8017-7F1D08F23D4C}" dt="2023-08-06T20:37:54.075" v="1276" actId="20577"/>
-          <ac:spMkLst>
-            <pc:docMk/>
-            <pc:sldMk cId="197386410" sldId="285"/>
-            <ac:spMk id="10" creationId="{AF4E183E-A171-4923-A99E-D149888CEC37}"/>
-          </ac:spMkLst>
-        </pc:spChg>
       </pc:sldChg>
       <pc:sldChg chg="modSp add mod ord">
         <pc:chgData name="JHEYSON FABIAN VILLAVISAN BUITRAGO" userId="e5ced5c2-d787-455d-b115-4f08a699b8c8" providerId="ADAL" clId="{19C33035-78B8-4F57-8017-7F1D08F23D4C}" dt="2023-08-09T02:03:52.298" v="2118" actId="20577"/>
@@ -2968,30 +381,6 @@
           <pc:docMk/>
           <pc:sldMk cId="2009991203" sldId="286"/>
         </pc:sldMkLst>
-        <pc:spChg chg="mod">
-          <ac:chgData name="JHEYSON FABIAN VILLAVISAN BUITRAGO" userId="e5ced5c2-d787-455d-b115-4f08a699b8c8" providerId="ADAL" clId="{19C33035-78B8-4F57-8017-7F1D08F23D4C}" dt="2023-08-06T20:49:29.873" v="1434" actId="20577"/>
-          <ac:spMkLst>
-            <pc:docMk/>
-            <pc:sldMk cId="2009991203" sldId="286"/>
-            <ac:spMk id="2" creationId="{FB1B6180-BCA0-4F51-9F68-9E5BAB8A4FDC}"/>
-          </ac:spMkLst>
-        </pc:spChg>
-        <pc:spChg chg="mod">
-          <ac:chgData name="JHEYSON FABIAN VILLAVISAN BUITRAGO" userId="e5ced5c2-d787-455d-b115-4f08a699b8c8" providerId="ADAL" clId="{19C33035-78B8-4F57-8017-7F1D08F23D4C}" dt="2023-08-09T02:03:52.298" v="2118" actId="20577"/>
-          <ac:spMkLst>
-            <pc:docMk/>
-            <pc:sldMk cId="2009991203" sldId="286"/>
-            <ac:spMk id="4" creationId="{A9A4A0C2-930C-0E2E-41F8-622F2BEB0F2A}"/>
-          </ac:spMkLst>
-        </pc:spChg>
-        <pc:spChg chg="mod">
-          <ac:chgData name="JHEYSON FABIAN VILLAVISAN BUITRAGO" userId="e5ced5c2-d787-455d-b115-4f08a699b8c8" providerId="ADAL" clId="{19C33035-78B8-4F57-8017-7F1D08F23D4C}" dt="2023-08-06T21:01:19.488" v="1924" actId="20577"/>
-          <ac:spMkLst>
-            <pc:docMk/>
-            <pc:sldMk cId="2009991203" sldId="286"/>
-            <ac:spMk id="10" creationId="{AF4E183E-A171-4923-A99E-D149888CEC37}"/>
-          </ac:spMkLst>
-        </pc:spChg>
       </pc:sldChg>
       <pc:sldChg chg="modSp add mod">
         <pc:chgData name="JHEYSON FABIAN VILLAVISAN BUITRAGO" userId="e5ced5c2-d787-455d-b115-4f08a699b8c8" providerId="ADAL" clId="{19C33035-78B8-4F57-8017-7F1D08F23D4C}" dt="2023-08-09T01:53:33.957" v="2103" actId="13926"/>
@@ -2999,23 +388,359 @@
           <pc:docMk/>
           <pc:sldMk cId="1989227391" sldId="287"/>
         </pc:sldMkLst>
-        <pc:spChg chg="mod">
-          <ac:chgData name="JHEYSON FABIAN VILLAVISAN BUITRAGO" userId="e5ced5c2-d787-455d-b115-4f08a699b8c8" providerId="ADAL" clId="{19C33035-78B8-4F57-8017-7F1D08F23D4C}" dt="2023-08-09T01:53:33.957" v="2103" actId="13926"/>
+      </pc:sldChg>
+    </pc:docChg>
+  </pc:docChgLst>
+  <pc:docChgLst>
+    <pc:chgData name="Usuario invitado" userId="S::urn:spo:anon#6bd7c26c65bd2cdbcdee62a10f47a261720ad772aa58bea8cbf17d636119b139::" providerId="AD" clId="Web-{C2647ABB-B420-AF63-3041-2BBE54CA81A5}"/>
+    <pc:docChg chg="sldOrd">
+      <pc:chgData name="Usuario invitado" userId="S::urn:spo:anon#6bd7c26c65bd2cdbcdee62a10f47a261720ad772aa58bea8cbf17d636119b139::" providerId="AD" clId="Web-{C2647ABB-B420-AF63-3041-2BBE54CA81A5}" dt="2023-08-30T04:05:19.182" v="1"/>
+      <pc:docMkLst>
+        <pc:docMk/>
+      </pc:docMkLst>
+      <pc:sldChg chg="ord">
+        <pc:chgData name="Usuario invitado" userId="S::urn:spo:anon#6bd7c26c65bd2cdbcdee62a10f47a261720ad772aa58bea8cbf17d636119b139::" providerId="AD" clId="Web-{C2647ABB-B420-AF63-3041-2BBE54CA81A5}" dt="2023-08-30T04:05:19.182" v="1"/>
+        <pc:sldMkLst>
+          <pc:docMk/>
+          <pc:sldMk cId="3069458274" sldId="282"/>
+        </pc:sldMkLst>
+      </pc:sldChg>
+      <pc:sldChg chg="ord">
+        <pc:chgData name="Usuario invitado" userId="S::urn:spo:anon#6bd7c26c65bd2cdbcdee62a10f47a261720ad772aa58bea8cbf17d636119b139::" providerId="AD" clId="Web-{C2647ABB-B420-AF63-3041-2BBE54CA81A5}" dt="2023-08-30T04:04:22.180" v="0"/>
+        <pc:sldMkLst>
+          <pc:docMk/>
+          <pc:sldMk cId="2009991203" sldId="286"/>
+        </pc:sldMkLst>
+      </pc:sldChg>
+    </pc:docChg>
+  </pc:docChgLst>
+  <pc:docChgLst>
+    <pc:chgData name="CARLOS ANDRES MANTILLA VALCARCEL" userId="S::camantillav@itc.edu.co::e97a455e-0200-4a9d-bd9f-13872b98e30c" providerId="AD" clId="Web-{B845AFA3-97A3-84D0-CB4D-75035647954E}"/>
+    <pc:docChg chg="modSld">
+      <pc:chgData name="CARLOS ANDRES MANTILLA VALCARCEL" userId="S::camantillav@itc.edu.co::e97a455e-0200-4a9d-bd9f-13872b98e30c" providerId="AD" clId="Web-{B845AFA3-97A3-84D0-CB4D-75035647954E}" dt="2024-02-21T01:36:42.984" v="1" actId="1076"/>
+      <pc:docMkLst>
+        <pc:docMk/>
+      </pc:docMkLst>
+      <pc:sldChg chg="modSp">
+        <pc:chgData name="CARLOS ANDRES MANTILLA VALCARCEL" userId="S::camantillav@itc.edu.co::e97a455e-0200-4a9d-bd9f-13872b98e30c" providerId="AD" clId="Web-{B845AFA3-97A3-84D0-CB4D-75035647954E}" dt="2024-02-21T01:36:42.984" v="1" actId="1076"/>
+        <pc:sldMkLst>
+          <pc:docMk/>
+          <pc:sldMk cId="1406170200" sldId="281"/>
+        </pc:sldMkLst>
+      </pc:sldChg>
+    </pc:docChg>
+  </pc:docChgLst>
+  <pc:docChgLst>
+    <pc:chgData name="JHEYSON FABIAN VILLAVISAN BUITRAGO" userId="e5ced5c2-d787-455d-b115-4f08a699b8c8" providerId="ADAL" clId="{B0D2AAE1-3849-4962-BFD2-3A39DBE37F15}"/>
+    <pc:docChg chg="custSel modSld">
+      <pc:chgData name="JHEYSON FABIAN VILLAVISAN BUITRAGO" userId="e5ced5c2-d787-455d-b115-4f08a699b8c8" providerId="ADAL" clId="{B0D2AAE1-3849-4962-BFD2-3A39DBE37F15}" dt="2025-01-04T23:14:42.796" v="3"/>
+      <pc:docMkLst>
+        <pc:docMk/>
+      </pc:docMkLst>
+      <pc:sldChg chg="addSp delSp modSp mod">
+        <pc:chgData name="JHEYSON FABIAN VILLAVISAN BUITRAGO" userId="e5ced5c2-d787-455d-b115-4f08a699b8c8" providerId="ADAL" clId="{B0D2AAE1-3849-4962-BFD2-3A39DBE37F15}" dt="2025-01-04T23:14:42.796" v="3"/>
+        <pc:sldMkLst>
+          <pc:docMk/>
+          <pc:sldMk cId="2965408220" sldId="288"/>
+        </pc:sldMkLst>
+        <pc:spChg chg="add mod">
+          <ac:chgData name="JHEYSON FABIAN VILLAVISAN BUITRAGO" userId="e5ced5c2-d787-455d-b115-4f08a699b8c8" providerId="ADAL" clId="{B0D2AAE1-3849-4962-BFD2-3A39DBE37F15}" dt="2025-01-04T23:14:42.796" v="3"/>
           <ac:spMkLst>
             <pc:docMk/>
-            <pc:sldMk cId="1989227391" sldId="287"/>
-            <ac:spMk id="4" creationId="{A9A4A0C2-930C-0E2E-41F8-622F2BEB0F2A}"/>
+            <pc:sldMk cId="2965408220" sldId="288"/>
+            <ac:spMk id="3" creationId="{B396EEDD-9354-BA85-7B58-B5454BBD249F}"/>
           </ac:spMkLst>
         </pc:spChg>
-        <pc:spChg chg="mod">
-          <ac:chgData name="JHEYSON FABIAN VILLAVISAN BUITRAGO" userId="e5ced5c2-d787-455d-b115-4f08a699b8c8" providerId="ADAL" clId="{19C33035-78B8-4F57-8017-7F1D08F23D4C}" dt="2023-08-06T20:56:56.128" v="1875" actId="20577"/>
+        <pc:spChg chg="del">
+          <ac:chgData name="JHEYSON FABIAN VILLAVISAN BUITRAGO" userId="e5ced5c2-d787-455d-b115-4f08a699b8c8" providerId="ADAL" clId="{B0D2AAE1-3849-4962-BFD2-3A39DBE37F15}" dt="2025-01-04T23:14:39.225" v="2" actId="478"/>
           <ac:spMkLst>
             <pc:docMk/>
-            <pc:sldMk cId="1989227391" sldId="287"/>
-            <ac:spMk id="10" creationId="{AF4E183E-A171-4923-A99E-D149888CEC37}"/>
+            <pc:sldMk cId="2965408220" sldId="288"/>
+            <ac:spMk id="8" creationId="{5932E3F1-24A7-A01F-0773-6237BD556E80}"/>
           </ac:spMkLst>
         </pc:spChg>
+        <pc:graphicFrameChg chg="add mod">
+          <ac:chgData name="JHEYSON FABIAN VILLAVISAN BUITRAGO" userId="e5ced5c2-d787-455d-b115-4f08a699b8c8" providerId="ADAL" clId="{B0D2AAE1-3849-4962-BFD2-3A39DBE37F15}" dt="2025-01-04T23:14:36.832" v="1"/>
+          <ac:graphicFrameMkLst>
+            <pc:docMk/>
+            <pc:sldMk cId="2965408220" sldId="288"/>
+            <ac:graphicFrameMk id="2" creationId="{6A54150F-930A-ABAC-83B5-E4571DF5665A}"/>
+          </ac:graphicFrameMkLst>
+        </pc:graphicFrameChg>
+        <pc:graphicFrameChg chg="del">
+          <ac:chgData name="JHEYSON FABIAN VILLAVISAN BUITRAGO" userId="e5ced5c2-d787-455d-b115-4f08a699b8c8" providerId="ADAL" clId="{B0D2AAE1-3849-4962-BFD2-3A39DBE37F15}" dt="2025-01-04T23:14:33.209" v="0" actId="478"/>
+          <ac:graphicFrameMkLst>
+            <pc:docMk/>
+            <pc:sldMk cId="2965408220" sldId="288"/>
+            <ac:graphicFrameMk id="6" creationId="{EAFA30B9-B74F-C807-F5CF-91ADE1B5A28F}"/>
+          </ac:graphicFrameMkLst>
+        </pc:graphicFrameChg>
       </pc:sldChg>
+    </pc:docChg>
+  </pc:docChgLst>
+  <pc:docChgLst>
+    <pc:chgData name="JHEYSON FABIAN VILLAVISAN BUITRAGO" userId="e5ced5c2-d787-455d-b115-4f08a699b8c8" providerId="ADAL" clId="{8E25494D-6FE9-4492-95C5-0A818C1AD0D5}"/>
+    <pc:docChg chg="undo custSel addSld delSld modSld sldOrd modSection">
+      <pc:chgData name="JHEYSON FABIAN VILLAVISAN BUITRAGO" userId="e5ced5c2-d787-455d-b115-4f08a699b8c8" providerId="ADAL" clId="{8E25494D-6FE9-4492-95C5-0A818C1AD0D5}" dt="2024-08-21T02:01:53.222" v="826" actId="1076"/>
+      <pc:docMkLst>
+        <pc:docMk/>
+      </pc:docMkLst>
+      <pc:sldChg chg="addSp delSp modSp mod modNotesTx">
+        <pc:chgData name="JHEYSON FABIAN VILLAVISAN BUITRAGO" userId="e5ced5c2-d787-455d-b115-4f08a699b8c8" providerId="ADAL" clId="{8E25494D-6FE9-4492-95C5-0A818C1AD0D5}" dt="2024-08-21T00:09:20.265" v="752" actId="478"/>
+        <pc:sldMkLst>
+          <pc:docMk/>
+          <pc:sldMk cId="34520361" sldId="275"/>
+        </pc:sldMkLst>
+      </pc:sldChg>
+      <pc:sldChg chg="addSp delSp modSp mod modNotes modNotesTx">
+        <pc:chgData name="JHEYSON FABIAN VILLAVISAN BUITRAGO" userId="e5ced5c2-d787-455d-b115-4f08a699b8c8" providerId="ADAL" clId="{8E25494D-6FE9-4492-95C5-0A818C1AD0D5}" dt="2024-08-21T00:12:30.637" v="753" actId="14100"/>
+        <pc:sldMkLst>
+          <pc:docMk/>
+          <pc:sldMk cId="2587530529" sldId="277"/>
+        </pc:sldMkLst>
+      </pc:sldChg>
+      <pc:sldChg chg="ord">
+        <pc:chgData name="JHEYSON FABIAN VILLAVISAN BUITRAGO" userId="e5ced5c2-d787-455d-b115-4f08a699b8c8" providerId="ADAL" clId="{8E25494D-6FE9-4492-95C5-0A818C1AD0D5}" dt="2024-08-20T21:50:10.823" v="215"/>
+        <pc:sldMkLst>
+          <pc:docMk/>
+          <pc:sldMk cId="929824070" sldId="279"/>
+        </pc:sldMkLst>
+      </pc:sldChg>
+      <pc:sldChg chg="modSp mod">
+        <pc:chgData name="JHEYSON FABIAN VILLAVISAN BUITRAGO" userId="e5ced5c2-d787-455d-b115-4f08a699b8c8" providerId="ADAL" clId="{8E25494D-6FE9-4492-95C5-0A818C1AD0D5}" dt="2024-08-21T02:01:53.222" v="826" actId="1076"/>
+        <pc:sldMkLst>
+          <pc:docMk/>
+          <pc:sldMk cId="1406170200" sldId="281"/>
+        </pc:sldMkLst>
+      </pc:sldChg>
+      <pc:sldChg chg="modSp del mod">
+        <pc:chgData name="JHEYSON FABIAN VILLAVISAN BUITRAGO" userId="e5ced5c2-d787-455d-b115-4f08a699b8c8" providerId="ADAL" clId="{8E25494D-6FE9-4492-95C5-0A818C1AD0D5}" dt="2024-08-21T01:04:48.393" v="823" actId="47"/>
+        <pc:sldMkLst>
+          <pc:docMk/>
+          <pc:sldMk cId="3069458274" sldId="282"/>
+        </pc:sldMkLst>
+      </pc:sldChg>
+      <pc:sldChg chg="modSp mod">
+        <pc:chgData name="JHEYSON FABIAN VILLAVISAN BUITRAGO" userId="e5ced5c2-d787-455d-b115-4f08a699b8c8" providerId="ADAL" clId="{8E25494D-6FE9-4492-95C5-0A818C1AD0D5}" dt="2024-08-20T23:14:20.190" v="613" actId="20577"/>
+        <pc:sldMkLst>
+          <pc:docMk/>
+          <pc:sldMk cId="1800295832" sldId="283"/>
+        </pc:sldMkLst>
+      </pc:sldChg>
+      <pc:sldChg chg="modSp mod">
+        <pc:chgData name="JHEYSON FABIAN VILLAVISAN BUITRAGO" userId="e5ced5c2-d787-455d-b115-4f08a699b8c8" providerId="ADAL" clId="{8E25494D-6FE9-4492-95C5-0A818C1AD0D5}" dt="2024-08-20T23:14:22.754" v="615" actId="20577"/>
+        <pc:sldMkLst>
+          <pc:docMk/>
+          <pc:sldMk cId="3861690608" sldId="284"/>
+        </pc:sldMkLst>
+      </pc:sldChg>
+      <pc:sldChg chg="modSp mod">
+        <pc:chgData name="JHEYSON FABIAN VILLAVISAN BUITRAGO" userId="e5ced5c2-d787-455d-b115-4f08a699b8c8" providerId="ADAL" clId="{8E25494D-6FE9-4492-95C5-0A818C1AD0D5}" dt="2024-08-20T23:14:17.783" v="611" actId="20577"/>
+        <pc:sldMkLst>
+          <pc:docMk/>
+          <pc:sldMk cId="197386410" sldId="285"/>
+        </pc:sldMkLst>
+      </pc:sldChg>
+      <pc:sldChg chg="modSp mod">
+        <pc:chgData name="JHEYSON FABIAN VILLAVISAN BUITRAGO" userId="e5ced5c2-d787-455d-b115-4f08a699b8c8" providerId="ADAL" clId="{8E25494D-6FE9-4492-95C5-0A818C1AD0D5}" dt="2024-08-21T01:04:53.928" v="825" actId="20577"/>
+        <pc:sldMkLst>
+          <pc:docMk/>
+          <pc:sldMk cId="2009991203" sldId="286"/>
+        </pc:sldMkLst>
+      </pc:sldChg>
+      <pc:sldChg chg="modSp mod">
+        <pc:chgData name="JHEYSON FABIAN VILLAVISAN BUITRAGO" userId="e5ced5c2-d787-455d-b115-4f08a699b8c8" providerId="ADAL" clId="{8E25494D-6FE9-4492-95C5-0A818C1AD0D5}" dt="2024-08-20T23:14:24.889" v="617" actId="20577"/>
+        <pc:sldMkLst>
+          <pc:docMk/>
+          <pc:sldMk cId="1989227391" sldId="287"/>
+        </pc:sldMkLst>
+      </pc:sldChg>
+      <pc:sldChg chg="addSp delSp modSp mod">
+        <pc:chgData name="JHEYSON FABIAN VILLAVISAN BUITRAGO" userId="e5ced5c2-d787-455d-b115-4f08a699b8c8" providerId="ADAL" clId="{8E25494D-6FE9-4492-95C5-0A818C1AD0D5}" dt="2024-08-20T21:28:21.838" v="22" actId="1076"/>
+        <pc:sldMkLst>
+          <pc:docMk/>
+          <pc:sldMk cId="2965408220" sldId="288"/>
+        </pc:sldMkLst>
+      </pc:sldChg>
+      <pc:sldChg chg="delSp modSp add mod modNotesTx">
+        <pc:chgData name="JHEYSON FABIAN VILLAVISAN BUITRAGO" userId="e5ced5c2-d787-455d-b115-4f08a699b8c8" providerId="ADAL" clId="{8E25494D-6FE9-4492-95C5-0A818C1AD0D5}" dt="2024-08-20T21:57:54.971" v="268" actId="20577"/>
+        <pc:sldMkLst>
+          <pc:docMk/>
+          <pc:sldMk cId="1667910722" sldId="289"/>
+        </pc:sldMkLst>
+      </pc:sldChg>
+      <pc:sldChg chg="addSp delSp modSp add mod modNotesTx">
+        <pc:chgData name="JHEYSON FABIAN VILLAVISAN BUITRAGO" userId="e5ced5c2-d787-455d-b115-4f08a699b8c8" providerId="ADAL" clId="{8E25494D-6FE9-4492-95C5-0A818C1AD0D5}" dt="2024-08-21T00:16:51.054" v="754" actId="1076"/>
+        <pc:sldMkLst>
+          <pc:docMk/>
+          <pc:sldMk cId="168874632" sldId="290"/>
+        </pc:sldMkLst>
+      </pc:sldChg>
+      <pc:sldChg chg="addSp modSp add mod">
+        <pc:chgData name="JHEYSON FABIAN VILLAVISAN BUITRAGO" userId="e5ced5c2-d787-455d-b115-4f08a699b8c8" providerId="ADAL" clId="{8E25494D-6FE9-4492-95C5-0A818C1AD0D5}" dt="2024-08-21T00:20:42.253" v="755" actId="20577"/>
+        <pc:sldMkLst>
+          <pc:docMk/>
+          <pc:sldMk cId="1271799798" sldId="291"/>
+        </pc:sldMkLst>
+      </pc:sldChg>
+      <pc:sldChg chg="delSp modSp add mod">
+        <pc:chgData name="JHEYSON FABIAN VILLAVISAN BUITRAGO" userId="e5ced5c2-d787-455d-b115-4f08a699b8c8" providerId="ADAL" clId="{8E25494D-6FE9-4492-95C5-0A818C1AD0D5}" dt="2024-08-20T22:06:03.788" v="524" actId="20577"/>
+        <pc:sldMkLst>
+          <pc:docMk/>
+          <pc:sldMk cId="2520616285" sldId="292"/>
+        </pc:sldMkLst>
+      </pc:sldChg>
+      <pc:sldChg chg="addSp delSp modSp add mod">
+        <pc:chgData name="JHEYSON FABIAN VILLAVISAN BUITRAGO" userId="e5ced5c2-d787-455d-b115-4f08a699b8c8" providerId="ADAL" clId="{8E25494D-6FE9-4492-95C5-0A818C1AD0D5}" dt="2024-08-20T22:06:06.217" v="526" actId="20577"/>
+        <pc:sldMkLst>
+          <pc:docMk/>
+          <pc:sldMk cId="3914863035" sldId="293"/>
+        </pc:sldMkLst>
+      </pc:sldChg>
+    </pc:docChg>
+  </pc:docChgLst>
+  <pc:docChgLst>
+    <pc:chgData name="Jheyson Fabian Villavisan Buitrago" userId="b9abc243-2adc-4788-8ef1-b07bec73deff" providerId="ADAL" clId="{33DDCE01-D5A0-4892-8419-FF73BDBED2B5}"/>
+    <pc:docChg chg="undo custSel addSld delSld modSld modMainMaster modSection">
+      <pc:chgData name="Jheyson Fabian Villavisan Buitrago" userId="b9abc243-2adc-4788-8ef1-b07bec73deff" providerId="ADAL" clId="{33DDCE01-D5A0-4892-8419-FF73BDBED2B5}" dt="2023-02-12T23:52:00.525" v="841" actId="47"/>
+      <pc:docMkLst>
+        <pc:docMk/>
+      </pc:docMkLst>
+      <pc:sldChg chg="addSp delSp modSp mod">
+        <pc:chgData name="Jheyson Fabian Villavisan Buitrago" userId="b9abc243-2adc-4788-8ef1-b07bec73deff" providerId="ADAL" clId="{33DDCE01-D5A0-4892-8419-FF73BDBED2B5}" dt="2023-02-12T23:49:29.616" v="833" actId="20577"/>
+        <pc:sldMkLst>
+          <pc:docMk/>
+          <pc:sldMk cId="0" sldId="256"/>
+        </pc:sldMkLst>
+      </pc:sldChg>
+      <pc:sldChg chg="addSp delSp modSp mod">
+        <pc:chgData name="Jheyson Fabian Villavisan Buitrago" userId="b9abc243-2adc-4788-8ef1-b07bec73deff" providerId="ADAL" clId="{33DDCE01-D5A0-4892-8419-FF73BDBED2B5}" dt="2023-02-12T21:28:06.624" v="776" actId="1076"/>
+        <pc:sldMkLst>
+          <pc:docMk/>
+          <pc:sldMk cId="0" sldId="261"/>
+        </pc:sldMkLst>
+      </pc:sldChg>
+      <pc:sldChg chg="addSp delSp modSp del">
+        <pc:chgData name="Jheyson Fabian Villavisan Buitrago" userId="b9abc243-2adc-4788-8ef1-b07bec73deff" providerId="ADAL" clId="{33DDCE01-D5A0-4892-8419-FF73BDBED2B5}" dt="2023-02-12T21:25:48.745" v="723" actId="47"/>
+        <pc:sldMkLst>
+          <pc:docMk/>
+          <pc:sldMk cId="0" sldId="263"/>
+        </pc:sldMkLst>
+      </pc:sldChg>
+      <pc:sldChg chg="addSp delSp modSp mod">
+        <pc:chgData name="Jheyson Fabian Villavisan Buitrago" userId="b9abc243-2adc-4788-8ef1-b07bec73deff" providerId="ADAL" clId="{33DDCE01-D5A0-4892-8419-FF73BDBED2B5}" dt="2023-02-12T21:27:42.140" v="775" actId="20577"/>
+        <pc:sldMkLst>
+          <pc:docMk/>
+          <pc:sldMk cId="0" sldId="264"/>
+        </pc:sldMkLst>
+      </pc:sldChg>
+      <pc:sldChg chg="addSp delSp modSp mod">
+        <pc:chgData name="Jheyson Fabian Villavisan Buitrago" userId="b9abc243-2adc-4788-8ef1-b07bec73deff" providerId="ADAL" clId="{33DDCE01-D5A0-4892-8419-FF73BDBED2B5}" dt="2023-02-12T21:29:26.929" v="780" actId="20577"/>
+        <pc:sldMkLst>
+          <pc:docMk/>
+          <pc:sldMk cId="0" sldId="265"/>
+        </pc:sldMkLst>
+      </pc:sldChg>
+      <pc:sldChg chg="addSp delSp modSp mod">
+        <pc:chgData name="Jheyson Fabian Villavisan Buitrago" userId="b9abc243-2adc-4788-8ef1-b07bec73deff" providerId="ADAL" clId="{33DDCE01-D5A0-4892-8419-FF73BDBED2B5}" dt="2023-02-12T20:26:28.068" v="263" actId="478"/>
+        <pc:sldMkLst>
+          <pc:docMk/>
+          <pc:sldMk cId="0" sldId="266"/>
+        </pc:sldMkLst>
+      </pc:sldChg>
+      <pc:sldChg chg="addSp delSp modSp mod">
+        <pc:chgData name="Jheyson Fabian Villavisan Buitrago" userId="b9abc243-2adc-4788-8ef1-b07bec73deff" providerId="ADAL" clId="{33DDCE01-D5A0-4892-8419-FF73BDBED2B5}" dt="2023-02-12T22:48:24.178" v="783"/>
+        <pc:sldMkLst>
+          <pc:docMk/>
+          <pc:sldMk cId="0" sldId="268"/>
+        </pc:sldMkLst>
+      </pc:sldChg>
+      <pc:sldChg chg="modSp del">
+        <pc:chgData name="Jheyson Fabian Villavisan Buitrago" userId="b9abc243-2adc-4788-8ef1-b07bec73deff" providerId="ADAL" clId="{33DDCE01-D5A0-4892-8419-FF73BDBED2B5}" dt="2023-02-12T20:16:51.698" v="89" actId="47"/>
+        <pc:sldMkLst>
+          <pc:docMk/>
+          <pc:sldMk cId="0" sldId="269"/>
+        </pc:sldMkLst>
+      </pc:sldChg>
+      <pc:sldChg chg="addSp delSp modSp mod">
+        <pc:chgData name="Jheyson Fabian Villavisan Buitrago" userId="b9abc243-2adc-4788-8ef1-b07bec73deff" providerId="ADAL" clId="{33DDCE01-D5A0-4892-8419-FF73BDBED2B5}" dt="2023-02-12T21:06:34.390" v="722" actId="1076"/>
+        <pc:sldMkLst>
+          <pc:docMk/>
+          <pc:sldMk cId="2505371292" sldId="270"/>
+        </pc:sldMkLst>
+      </pc:sldChg>
+      <pc:sldChg chg="addSp delSp modSp mod">
+        <pc:chgData name="Jheyson Fabian Villavisan Buitrago" userId="b9abc243-2adc-4788-8ef1-b07bec73deff" providerId="ADAL" clId="{33DDCE01-D5A0-4892-8419-FF73BDBED2B5}" dt="2023-02-12T20:17:40.832" v="98" actId="113"/>
+        <pc:sldMkLst>
+          <pc:docMk/>
+          <pc:sldMk cId="3709177429" sldId="274"/>
+        </pc:sldMkLst>
+      </pc:sldChg>
+      <pc:sldChg chg="addSp delSp modSp mod">
+        <pc:chgData name="Jheyson Fabian Villavisan Buitrago" userId="b9abc243-2adc-4788-8ef1-b07bec73deff" providerId="ADAL" clId="{33DDCE01-D5A0-4892-8419-FF73BDBED2B5}" dt="2023-02-12T20:26:34.092" v="264" actId="478"/>
+        <pc:sldMkLst>
+          <pc:docMk/>
+          <pc:sldMk cId="2680639377" sldId="275"/>
+        </pc:sldMkLst>
+      </pc:sldChg>
+      <pc:sldChg chg="addSp delSp modSp del">
+        <pc:chgData name="Jheyson Fabian Villavisan Buitrago" userId="b9abc243-2adc-4788-8ef1-b07bec73deff" providerId="ADAL" clId="{33DDCE01-D5A0-4892-8419-FF73BDBED2B5}" dt="2023-02-12T23:52:00.525" v="841" actId="47"/>
+        <pc:sldMkLst>
+          <pc:docMk/>
+          <pc:sldMk cId="870139891" sldId="276"/>
+        </pc:sldMkLst>
+      </pc:sldChg>
+      <pc:sldChg chg="addSp delSp modSp mod">
+        <pc:chgData name="Jheyson Fabian Villavisan Buitrago" userId="b9abc243-2adc-4788-8ef1-b07bec73deff" providerId="ADAL" clId="{33DDCE01-D5A0-4892-8419-FF73BDBED2B5}" dt="2023-02-12T23:50:02.034" v="840" actId="1076"/>
+        <pc:sldMkLst>
+          <pc:docMk/>
+          <pc:sldMk cId="1955606898" sldId="277"/>
+        </pc:sldMkLst>
+      </pc:sldChg>
+      <pc:sldChg chg="addSp delSp modSp">
+        <pc:chgData name="Jheyson Fabian Villavisan Buitrago" userId="b9abc243-2adc-4788-8ef1-b07bec73deff" providerId="ADAL" clId="{33DDCE01-D5A0-4892-8419-FF73BDBED2B5}" dt="2023-02-12T20:16:04.791" v="72"/>
+        <pc:sldMkLst>
+          <pc:docMk/>
+          <pc:sldMk cId="214171354" sldId="278"/>
+        </pc:sldMkLst>
+      </pc:sldChg>
+      <pc:sldChg chg="new del">
+        <pc:chgData name="Jheyson Fabian Villavisan Buitrago" userId="b9abc243-2adc-4788-8ef1-b07bec73deff" providerId="ADAL" clId="{33DDCE01-D5A0-4892-8419-FF73BDBED2B5}" dt="2023-02-12T21:06:15.608" v="715" actId="680"/>
+        <pc:sldMkLst>
+          <pc:docMk/>
+          <pc:sldMk cId="3471673601" sldId="279"/>
+        </pc:sldMkLst>
+      </pc:sldChg>
+      <pc:sldMasterChg chg="addSp modSldLayout">
+        <pc:chgData name="Jheyson Fabian Villavisan Buitrago" userId="b9abc243-2adc-4788-8ef1-b07bec73deff" providerId="ADAL" clId="{33DDCE01-D5A0-4892-8419-FF73BDBED2B5}" dt="2023-02-12T20:12:44.943" v="6"/>
+        <pc:sldMasterMkLst>
+          <pc:docMk/>
+          <pc:sldMasterMk cId="87750959" sldId="2147483778"/>
+        </pc:sldMasterMkLst>
+        <pc:sldLayoutChg chg="addSp">
+          <pc:chgData name="Jheyson Fabian Villavisan Buitrago" userId="b9abc243-2adc-4788-8ef1-b07bec73deff" providerId="ADAL" clId="{33DDCE01-D5A0-4892-8419-FF73BDBED2B5}" dt="2023-02-12T20:12:44.943" v="6"/>
+          <pc:sldLayoutMkLst>
+            <pc:docMk/>
+            <pc:sldMasterMk cId="87750959" sldId="2147483778"/>
+            <pc:sldLayoutMk cId="1675921050" sldId="2147483779"/>
+          </pc:sldLayoutMkLst>
+        </pc:sldLayoutChg>
+      </pc:sldMasterChg>
+      <pc:sldMasterChg chg="addSp modSldLayout">
+        <pc:chgData name="Jheyson Fabian Villavisan Buitrago" userId="b9abc243-2adc-4788-8ef1-b07bec73deff" providerId="ADAL" clId="{33DDCE01-D5A0-4892-8419-FF73BDBED2B5}" dt="2023-02-12T20:06:35.969" v="0"/>
+        <pc:sldMasterMkLst>
+          <pc:docMk/>
+          <pc:sldMasterMk cId="3641214427" sldId="2147483778"/>
+        </pc:sldMasterMkLst>
+        <pc:sldLayoutChg chg="addSp">
+          <pc:chgData name="Jheyson Fabian Villavisan Buitrago" userId="b9abc243-2adc-4788-8ef1-b07bec73deff" providerId="ADAL" clId="{33DDCE01-D5A0-4892-8419-FF73BDBED2B5}" dt="2023-02-12T20:06:35.969" v="0"/>
+          <pc:sldLayoutMkLst>
+            <pc:docMk/>
+            <pc:sldMasterMk cId="3641214427" sldId="2147483778"/>
+            <pc:sldLayoutMk cId="4117338386" sldId="2147483779"/>
+          </pc:sldLayoutMkLst>
+        </pc:sldLayoutChg>
+      </pc:sldMasterChg>
     </pc:docChg>
   </pc:docChgLst>
   <pc:docChgLst>
@@ -3031,14 +756,191 @@
           <pc:docMk/>
           <pc:sldMk cId="2965408220" sldId="288"/>
         </pc:sldMkLst>
-        <pc:graphicFrameChg chg="modGraphic">
-          <ac:chgData name="DIEGO ALEJANDRO RODRIGUEZ GOMEZ" userId="S::darodriguezgo@itc.edu.co::1e2337d8-8fab-437d-a653-fa453b036901" providerId="AD" clId="Web-{79E2326A-9E69-5CD7-B0AD-FF7E3749324A}" dt="2024-08-27T06:34:19.748" v="1"/>
-          <ac:graphicFrameMkLst>
-            <pc:docMk/>
-            <pc:sldMk cId="2965408220" sldId="288"/>
-            <ac:graphicFrameMk id="6" creationId="{EAFA30B9-B74F-C807-F5CF-91ADE1B5A28F}"/>
-          </ac:graphicFrameMkLst>
-        </pc:graphicFrameChg>
+      </pc:sldChg>
+    </pc:docChg>
+  </pc:docChgLst>
+  <pc:docChgLst>
+    <pc:chgData name="FABIAN PALACIO ARANGO" userId="S::fpalacioa@itc.edu.co::0e2bfb71-32b6-4edd-85c7-a9cbf704e9d1" providerId="AD" clId="Web-{9C85D04E-1163-3E82-D60A-43C19986FBD2}"/>
+    <pc:docChg chg="sldOrd">
+      <pc:chgData name="FABIAN PALACIO ARANGO" userId="S::fpalacioa@itc.edu.co::0e2bfb71-32b6-4edd-85c7-a9cbf704e9d1" providerId="AD" clId="Web-{9C85D04E-1163-3E82-D60A-43C19986FBD2}" dt="2023-09-03T19:43:35.584" v="0"/>
+      <pc:docMkLst>
+        <pc:docMk/>
+      </pc:docMkLst>
+      <pc:sldChg chg="ord">
+        <pc:chgData name="FABIAN PALACIO ARANGO" userId="S::fpalacioa@itc.edu.co::0e2bfb71-32b6-4edd-85c7-a9cbf704e9d1" providerId="AD" clId="Web-{9C85D04E-1163-3E82-D60A-43C19986FBD2}" dt="2023-09-03T19:43:35.584" v="0"/>
+        <pc:sldMkLst>
+          <pc:docMk/>
+          <pc:sldMk cId="2587530529" sldId="277"/>
+        </pc:sldMkLst>
+      </pc:sldChg>
+    </pc:docChg>
+  </pc:docChgLst>
+  <pc:docChgLst>
+    <pc:chgData name="DIEGO ALEJANDRO RODRIGUEZ GOMEZ" userId="S::darodriguezgo@itc.edu.co::1e2337d8-8fab-437d-a653-fa453b036901" providerId="AD" clId="Web-{993BD59B-2D03-410D-C6B1-0390CAD0885F}"/>
+    <pc:docChg chg="sldOrd">
+      <pc:chgData name="DIEGO ALEJANDRO RODRIGUEZ GOMEZ" userId="S::darodriguezgo@itc.edu.co::1e2337d8-8fab-437d-a653-fa453b036901" providerId="AD" clId="Web-{993BD59B-2D03-410D-C6B1-0390CAD0885F}" dt="2024-08-21T00:00:14.919" v="0"/>
+      <pc:docMkLst>
+        <pc:docMk/>
+      </pc:docMkLst>
+      <pc:sldChg chg="ord">
+        <pc:chgData name="DIEGO ALEJANDRO RODRIGUEZ GOMEZ" userId="S::darodriguezgo@itc.edu.co::1e2337d8-8fab-437d-a653-fa453b036901" providerId="AD" clId="Web-{993BD59B-2D03-410D-C6B1-0390CAD0885F}" dt="2024-08-21T00:00:14.919" v="0"/>
+        <pc:sldMkLst>
+          <pc:docMk/>
+          <pc:sldMk cId="2587530529" sldId="277"/>
+        </pc:sldMkLst>
+      </pc:sldChg>
+    </pc:docChg>
+  </pc:docChgLst>
+  <pc:docChgLst>
+    <pc:chgData name="JHEYSON FABIAN VILLAVISAN BUITRAGO" userId="e5ced5c2-d787-455d-b115-4f08a699b8c8" providerId="ADAL" clId="{3F684603-92BB-4D6C-96FA-996DA81F5C99}"/>
+    <pc:docChg chg="addSld delSld modSld modSection">
+      <pc:chgData name="JHEYSON FABIAN VILLAVISAN BUITRAGO" userId="e5ced5c2-d787-455d-b115-4f08a699b8c8" providerId="ADAL" clId="{3F684603-92BB-4D6C-96FA-996DA81F5C99}" dt="2024-02-04T21:11:22.189" v="18" actId="20577"/>
+      <pc:docMkLst>
+        <pc:docMk/>
+      </pc:docMkLst>
+      <pc:sldChg chg="addSp modSp">
+        <pc:chgData name="JHEYSON FABIAN VILLAVISAN BUITRAGO" userId="e5ced5c2-d787-455d-b115-4f08a699b8c8" providerId="ADAL" clId="{3F684603-92BB-4D6C-96FA-996DA81F5C99}" dt="2024-02-04T21:03:36.288" v="1"/>
+        <pc:sldMkLst>
+          <pc:docMk/>
+          <pc:sldMk cId="0" sldId="256"/>
+        </pc:sldMkLst>
+      </pc:sldChg>
+      <pc:sldChg chg="del">
+        <pc:chgData name="JHEYSON FABIAN VILLAVISAN BUITRAGO" userId="e5ced5c2-d787-455d-b115-4f08a699b8c8" providerId="ADAL" clId="{3F684603-92BB-4D6C-96FA-996DA81F5C99}" dt="2024-02-04T21:04:02.047" v="5" actId="47"/>
+        <pc:sldMkLst>
+          <pc:docMk/>
+          <pc:sldMk cId="2505371292" sldId="270"/>
+        </pc:sldMkLst>
+      </pc:sldChg>
+      <pc:sldChg chg="modSp mod">
+        <pc:chgData name="JHEYSON FABIAN VILLAVISAN BUITRAGO" userId="e5ced5c2-d787-455d-b115-4f08a699b8c8" providerId="ADAL" clId="{3F684603-92BB-4D6C-96FA-996DA81F5C99}" dt="2024-02-04T21:11:22.189" v="18" actId="20577"/>
+        <pc:sldMkLst>
+          <pc:docMk/>
+          <pc:sldMk cId="1406170200" sldId="281"/>
+        </pc:sldMkLst>
+      </pc:sldChg>
+      <pc:sldChg chg="modSp mod">
+        <pc:chgData name="JHEYSON FABIAN VILLAVISAN BUITRAGO" userId="e5ced5c2-d787-455d-b115-4f08a699b8c8" providerId="ADAL" clId="{3F684603-92BB-4D6C-96FA-996DA81F5C99}" dt="2024-02-04T21:10:49.308" v="13" actId="20577"/>
+        <pc:sldMkLst>
+          <pc:docMk/>
+          <pc:sldMk cId="2009991203" sldId="286"/>
+        </pc:sldMkLst>
+      </pc:sldChg>
+      <pc:sldChg chg="modSp add mod">
+        <pc:chgData name="JHEYSON FABIAN VILLAVISAN BUITRAGO" userId="e5ced5c2-d787-455d-b115-4f08a699b8c8" providerId="ADAL" clId="{3F684603-92BB-4D6C-96FA-996DA81F5C99}" dt="2024-02-04T21:03:52.765" v="4" actId="13926"/>
+        <pc:sldMkLst>
+          <pc:docMk/>
+          <pc:sldMk cId="2965408220" sldId="288"/>
+        </pc:sldMkLst>
+      </pc:sldChg>
+    </pc:docChg>
+  </pc:docChgLst>
+  <pc:docChgLst>
+    <pc:chgData name="JHEYSON FABIAN VILLAVISAN BUITRAGO" userId="e5ced5c2-d787-455d-b115-4f08a699b8c8" providerId="ADAL" clId="{6D4E4387-A8B5-4EAB-B129-13D0102C3393}"/>
+    <pc:docChg chg="undo custSel addSld modSld modSection">
+      <pc:chgData name="JHEYSON FABIAN VILLAVISAN BUITRAGO" userId="e5ced5c2-d787-455d-b115-4f08a699b8c8" providerId="ADAL" clId="{6D4E4387-A8B5-4EAB-B129-13D0102C3393}" dt="2023-08-02T00:01:03.382" v="783" actId="20577"/>
+      <pc:docMkLst>
+        <pc:docMk/>
+      </pc:docMkLst>
+      <pc:sldChg chg="delSp modSp mod">
+        <pc:chgData name="JHEYSON FABIAN VILLAVISAN BUITRAGO" userId="e5ced5c2-d787-455d-b115-4f08a699b8c8" providerId="ADAL" clId="{6D4E4387-A8B5-4EAB-B129-13D0102C3393}" dt="2023-08-01T18:38:51.331" v="37" actId="1076"/>
+        <pc:sldMkLst>
+          <pc:docMk/>
+          <pc:sldMk cId="0" sldId="256"/>
+        </pc:sldMkLst>
+      </pc:sldChg>
+      <pc:sldChg chg="addSp delSp modSp">
+        <pc:chgData name="JHEYSON FABIAN VILLAVISAN BUITRAGO" userId="e5ced5c2-d787-455d-b115-4f08a699b8c8" providerId="ADAL" clId="{6D4E4387-A8B5-4EAB-B129-13D0102C3393}" dt="2023-08-01T18:50:11.591" v="691" actId="20577"/>
+        <pc:sldMkLst>
+          <pc:docMk/>
+          <pc:sldMk cId="0" sldId="261"/>
+        </pc:sldMkLst>
+      </pc:sldChg>
+      <pc:sldChg chg="delSp">
+        <pc:chgData name="JHEYSON FABIAN VILLAVISAN BUITRAGO" userId="e5ced5c2-d787-455d-b115-4f08a699b8c8" providerId="ADAL" clId="{6D4E4387-A8B5-4EAB-B129-13D0102C3393}" dt="2023-08-01T18:39:15.327" v="44" actId="478"/>
+        <pc:sldMkLst>
+          <pc:docMk/>
+          <pc:sldMk cId="0" sldId="264"/>
+        </pc:sldMkLst>
+      </pc:sldChg>
+      <pc:sldChg chg="addSp delSp modSp">
+        <pc:chgData name="JHEYSON FABIAN VILLAVISAN BUITRAGO" userId="e5ced5c2-d787-455d-b115-4f08a699b8c8" providerId="ADAL" clId="{6D4E4387-A8B5-4EAB-B129-13D0102C3393}" dt="2023-08-01T18:40:30.551" v="89"/>
+        <pc:sldMkLst>
+          <pc:docMk/>
+          <pc:sldMk cId="0" sldId="265"/>
+        </pc:sldMkLst>
+      </pc:sldChg>
+      <pc:sldChg chg="addSp delSp modSp">
+        <pc:chgData name="JHEYSON FABIAN VILLAVISAN BUITRAGO" userId="e5ced5c2-d787-455d-b115-4f08a699b8c8" providerId="ADAL" clId="{6D4E4387-A8B5-4EAB-B129-13D0102C3393}" dt="2023-08-01T18:40:32.003" v="90"/>
+        <pc:sldMkLst>
+          <pc:docMk/>
+          <pc:sldMk cId="0" sldId="266"/>
+        </pc:sldMkLst>
+      </pc:sldChg>
+      <pc:sldChg chg="addSp delSp modSp">
+        <pc:chgData name="JHEYSON FABIAN VILLAVISAN BUITRAGO" userId="e5ced5c2-d787-455d-b115-4f08a699b8c8" providerId="ADAL" clId="{6D4E4387-A8B5-4EAB-B129-13D0102C3393}" dt="2023-08-01T18:40:35.454" v="93"/>
+        <pc:sldMkLst>
+          <pc:docMk/>
+          <pc:sldMk cId="0" sldId="268"/>
+        </pc:sldMkLst>
+      </pc:sldChg>
+      <pc:sldChg chg="addSp delSp modSp mod">
+        <pc:chgData name="JHEYSON FABIAN VILLAVISAN BUITRAGO" userId="e5ced5c2-d787-455d-b115-4f08a699b8c8" providerId="ADAL" clId="{6D4E4387-A8B5-4EAB-B129-13D0102C3393}" dt="2023-08-02T00:01:03.382" v="783" actId="20577"/>
+        <pc:sldMkLst>
+          <pc:docMk/>
+          <pc:sldMk cId="2505371292" sldId="270"/>
+        </pc:sldMkLst>
+      </pc:sldChg>
+      <pc:sldChg chg="addSp delSp modSp mod">
+        <pc:chgData name="JHEYSON FABIAN VILLAVISAN BUITRAGO" userId="e5ced5c2-d787-455d-b115-4f08a699b8c8" providerId="ADAL" clId="{6D4E4387-A8B5-4EAB-B129-13D0102C3393}" dt="2023-08-01T19:03:12.469" v="724" actId="20577"/>
+        <pc:sldMkLst>
+          <pc:docMk/>
+          <pc:sldMk cId="3709177429" sldId="274"/>
+        </pc:sldMkLst>
+      </pc:sldChg>
+      <pc:sldChg chg="addSp delSp modSp">
+        <pc:chgData name="JHEYSON FABIAN VILLAVISAN BUITRAGO" userId="e5ced5c2-d787-455d-b115-4f08a699b8c8" providerId="ADAL" clId="{6D4E4387-A8B5-4EAB-B129-13D0102C3393}" dt="2023-08-01T18:40:33.092" v="91"/>
+        <pc:sldMkLst>
+          <pc:docMk/>
+          <pc:sldMk cId="2680639377" sldId="275"/>
+        </pc:sldMkLst>
+      </pc:sldChg>
+      <pc:sldChg chg="addSp delSp modSp">
+        <pc:chgData name="JHEYSON FABIAN VILLAVISAN BUITRAGO" userId="e5ced5c2-d787-455d-b115-4f08a699b8c8" providerId="ADAL" clId="{6D4E4387-A8B5-4EAB-B129-13D0102C3393}" dt="2023-08-01T18:40:34.096" v="92"/>
+        <pc:sldMkLst>
+          <pc:docMk/>
+          <pc:sldMk cId="1955606898" sldId="277"/>
+        </pc:sldMkLst>
+      </pc:sldChg>
+      <pc:sldChg chg="addSp delSp modSp">
+        <pc:chgData name="JHEYSON FABIAN VILLAVISAN BUITRAGO" userId="e5ced5c2-d787-455d-b115-4f08a699b8c8" providerId="ADAL" clId="{6D4E4387-A8B5-4EAB-B129-13D0102C3393}" dt="2023-08-01T18:40:19.901" v="86"/>
+        <pc:sldMkLst>
+          <pc:docMk/>
+          <pc:sldMk cId="214171354" sldId="278"/>
+        </pc:sldMkLst>
+      </pc:sldChg>
+      <pc:sldChg chg="addSp delSp modSp add mod">
+        <pc:chgData name="JHEYSON FABIAN VILLAVISAN BUITRAGO" userId="e5ced5c2-d787-455d-b115-4f08a699b8c8" providerId="ADAL" clId="{6D4E4387-A8B5-4EAB-B129-13D0102C3393}" dt="2023-08-01T19:21:09.537" v="739" actId="1076"/>
+        <pc:sldMkLst>
+          <pc:docMk/>
+          <pc:sldMk cId="3765501484" sldId="279"/>
+        </pc:sldMkLst>
+      </pc:sldChg>
+    </pc:docChg>
+  </pc:docChgLst>
+  <pc:docChgLst>
+    <pc:chgData name="JHEYSON FABIAN VILLAVISAN BUITRAGO" userId="e5ced5c2-d787-455d-b115-4f08a699b8c8" providerId="ADAL" clId="{9EE06194-2610-46AC-99A4-85A15CD88709}"/>
+    <pc:docChg chg="modSld sldOrd">
+      <pc:chgData name="JHEYSON FABIAN VILLAVISAN BUITRAGO" userId="e5ced5c2-d787-455d-b115-4f08a699b8c8" providerId="ADAL" clId="{9EE06194-2610-46AC-99A4-85A15CD88709}" dt="2024-08-07T19:20:23.364" v="1"/>
+      <pc:docMkLst>
+        <pc:docMk/>
+      </pc:docMkLst>
+      <pc:sldChg chg="ord">
+        <pc:chgData name="JHEYSON FABIAN VILLAVISAN BUITRAGO" userId="e5ced5c2-d787-455d-b115-4f08a699b8c8" providerId="ADAL" clId="{9EE06194-2610-46AC-99A4-85A15CD88709}" dt="2024-08-07T19:20:23.364" v="1"/>
+        <pc:sldMkLst>
+          <pc:docMk/>
+          <pc:sldMk cId="3069458274" sldId="282"/>
+        </pc:sldMkLst>
       </pc:sldChg>
     </pc:docChg>
   </pc:docChgLst>
@@ -3169,7 +1071,7 @@
               <a:pPr>
                 <a:defRPr/>
               </a:pPr>
-              <a:t>26/08/2024</a:t>
+              <a:t>4/01/2025</a:t>
             </a:fld>
             <a:endParaRPr lang="es-CO"/>
           </a:p>
@@ -3271,7 +1173,7 @@
               <a:pPr>
                 <a:defRPr/>
               </a:pPr>
-              <a:t>‹#›</a:t>
+              <a:t>‹Nº›</a:t>
             </a:fld>
             <a:endParaRPr lang="es-CO" altLang="es-CO"/>
           </a:p>
@@ -3412,7 +1314,7 @@
               <a:pPr>
                 <a:defRPr/>
               </a:pPr>
-              <a:t>26/08/2024</a:t>
+              <a:t>4/01/2025</a:t>
             </a:fld>
             <a:endParaRPr lang="es-CO"/>
           </a:p>
@@ -3622,7 +1524,7 @@
               <a:pPr>
                 <a:defRPr/>
               </a:pPr>
-              <a:t>‹#›</a:t>
+              <a:t>‹Nº›</a:t>
             </a:fld>
             <a:endParaRPr lang="es-CO" altLang="es-CO"/>
           </a:p>
@@ -7186,7 +5088,7 @@
           <a:p>
             <a:fld id="{9CF7635E-2D71-42E7-9E6C-FBB85A15A85F}" type="datetimeFigureOut">
               <a:rPr lang="es-CO" smtClean="0"/>
-              <a:t>26/08/2024</a:t>
+              <a:t>4/01/2025</a:t>
             </a:fld>
             <a:endParaRPr lang="es-CO"/>
           </a:p>
@@ -7246,7 +5148,7 @@
               <a:pPr>
                 <a:defRPr/>
               </a:pPr>
-              <a:t>‹#›</a:t>
+              <a:t>‹Nº›</a:t>
             </a:fld>
             <a:endParaRPr lang="es-CO" altLang="es-CO"/>
           </a:p>
@@ -7452,7 +5354,7 @@
           <a:p>
             <a:fld id="{9CF7635E-2D71-42E7-9E6C-FBB85A15A85F}" type="datetimeFigureOut">
               <a:rPr lang="es-CO" smtClean="0"/>
-              <a:t>26/08/2024</a:t>
+              <a:t>4/01/2025</a:t>
             </a:fld>
             <a:endParaRPr lang="es-CO"/>
           </a:p>
@@ -7512,7 +5414,7 @@
               <a:pPr>
                 <a:defRPr/>
               </a:pPr>
-              <a:t>‹#›</a:t>
+              <a:t>‹Nº›</a:t>
             </a:fld>
             <a:endParaRPr lang="es-CO" altLang="es-CO"/>
           </a:p>
@@ -7668,7 +5570,7 @@
           <a:p>
             <a:fld id="{9CF7635E-2D71-42E7-9E6C-FBB85A15A85F}" type="datetimeFigureOut">
               <a:rPr lang="es-CO" smtClean="0"/>
-              <a:t>26/08/2024</a:t>
+              <a:t>4/01/2025</a:t>
             </a:fld>
             <a:endParaRPr lang="es-CO"/>
           </a:p>
@@ -7728,7 +5630,7 @@
               <a:pPr>
                 <a:defRPr/>
               </a:pPr>
-              <a:t>‹#›</a:t>
+              <a:t>‹Nº›</a:t>
             </a:fld>
             <a:endParaRPr lang="es-CO" altLang="es-CO"/>
           </a:p>
@@ -8017,7 +5919,7 @@
               <a:pPr>
                 <a:defRPr/>
               </a:pPr>
-              <a:t>‹#›</a:t>
+              <a:t>‹Nº›</a:t>
             </a:fld>
             <a:endParaRPr lang="es-CO" altLang="es-CO"/>
           </a:p>
@@ -8161,7 +6063,7 @@
               <a:pPr>
                 <a:defRPr/>
               </a:pPr>
-              <a:t>‹#›</a:t>
+              <a:t>‹Nº›</a:t>
             </a:fld>
             <a:endParaRPr lang="es-CO" altLang="es-CO"/>
           </a:p>
@@ -8381,7 +6283,7 @@
               <a:pPr>
                 <a:defRPr/>
               </a:pPr>
-              <a:t>‹#›</a:t>
+              <a:t>‹Nº›</a:t>
             </a:fld>
             <a:endParaRPr lang="es-CO" altLang="es-CO"/>
           </a:p>
@@ -8643,7 +6545,7 @@
               <a:pPr>
                 <a:defRPr/>
               </a:pPr>
-              <a:t>‹#›</a:t>
+              <a:t>‹Nº›</a:t>
             </a:fld>
             <a:endParaRPr lang="es-CO" altLang="es-CO"/>
           </a:p>
@@ -8739,7 +6641,7 @@
               <a:pPr>
                 <a:defRPr/>
               </a:pPr>
-              <a:t>‹#›</a:t>
+              <a:t>‹Nº›</a:t>
             </a:fld>
             <a:endParaRPr lang="es-CO" altLang="es-CO"/>
           </a:p>
@@ -8831,7 +6733,7 @@
               <a:pPr>
                 <a:defRPr/>
               </a:pPr>
-              <a:t>‹#›</a:t>
+              <a:t>‹Nº›</a:t>
             </a:fld>
             <a:endParaRPr lang="es-CO" altLang="es-CO"/>
           </a:p>
@@ -8900,7 +6802,7 @@
               <a:pPr>
                 <a:defRPr/>
               </a:pPr>
-              <a:t>‹#›</a:t>
+              <a:t>‹Nº›</a:t>
             </a:fld>
             <a:endParaRPr lang="es-CO" altLang="es-CO"/>
           </a:p>
@@ -9151,7 +7053,7 @@
               <a:pPr>
                 <a:defRPr/>
               </a:pPr>
-              <a:t>‹#›</a:t>
+              <a:t>‹Nº›</a:t>
             </a:fld>
             <a:endParaRPr lang="es-CO" altLang="es-CO"/>
           </a:p>
@@ -9297,7 +7199,7 @@
           <a:p>
             <a:fld id="{9CF7635E-2D71-42E7-9E6C-FBB85A15A85F}" type="datetimeFigureOut">
               <a:rPr lang="es-CO" smtClean="0"/>
-              <a:t>26/08/2024</a:t>
+              <a:t>4/01/2025</a:t>
             </a:fld>
             <a:endParaRPr lang="es-CO"/>
           </a:p>
@@ -9357,7 +7259,7 @@
               <a:pPr>
                 <a:defRPr/>
               </a:pPr>
-              <a:t>‹#›</a:t>
+              <a:t>‹Nº›</a:t>
             </a:fld>
             <a:endParaRPr lang="es-CO" altLang="es-CO"/>
           </a:p>
@@ -9522,7 +7424,7 @@
               <a:pPr>
                 <a:defRPr/>
               </a:pPr>
-              <a:t>‹#›</a:t>
+              <a:t>‹Nº›</a:t>
             </a:fld>
             <a:endParaRPr lang="es-CO" altLang="es-CO"/>
           </a:p>
@@ -9744,7 +7646,7 @@
           <a:p>
             <a:fld id="{9CF7635E-2D71-42E7-9E6C-FBB85A15A85F}" type="datetimeFigureOut">
               <a:rPr lang="es-CO" smtClean="0"/>
-              <a:t>26/08/2024</a:t>
+              <a:t>4/01/2025</a:t>
             </a:fld>
             <a:endParaRPr lang="es-CO"/>
           </a:p>
@@ -9804,7 +7706,7 @@
               <a:pPr>
                 <a:defRPr/>
               </a:pPr>
-              <a:t>‹#›</a:t>
+              <a:t>‹Nº›</a:t>
             </a:fld>
             <a:endParaRPr lang="es-CO" altLang="es-CO"/>
           </a:p>
@@ -10018,7 +7920,7 @@
           <a:p>
             <a:fld id="{9CF7635E-2D71-42E7-9E6C-FBB85A15A85F}" type="datetimeFigureOut">
               <a:rPr lang="es-CO" smtClean="0"/>
-              <a:t>26/08/2024</a:t>
+              <a:t>4/01/2025</a:t>
             </a:fld>
             <a:endParaRPr lang="es-CO"/>
           </a:p>
@@ -10078,7 +7980,7 @@
               <a:pPr>
                 <a:defRPr/>
               </a:pPr>
-              <a:t>‹#›</a:t>
+              <a:t>‹Nº›</a:t>
             </a:fld>
             <a:endParaRPr lang="es-CO" altLang="es-CO"/>
           </a:p>
@@ -10439,7 +8341,7 @@
           <a:p>
             <a:fld id="{9CF7635E-2D71-42E7-9E6C-FBB85A15A85F}" type="datetimeFigureOut">
               <a:rPr lang="es-CO" smtClean="0"/>
-              <a:t>26/08/2024</a:t>
+              <a:t>4/01/2025</a:t>
             </a:fld>
             <a:endParaRPr lang="es-CO"/>
           </a:p>
@@ -10499,7 +8401,7 @@
               <a:pPr>
                 <a:defRPr/>
               </a:pPr>
-              <a:t>‹#›</a:t>
+              <a:t>‹Nº›</a:t>
             </a:fld>
             <a:endParaRPr lang="es-CO" altLang="es-CO"/>
           </a:p>
@@ -10587,7 +8489,7 @@
           <a:p>
             <a:fld id="{9CF7635E-2D71-42E7-9E6C-FBB85A15A85F}" type="datetimeFigureOut">
               <a:rPr lang="es-CO" smtClean="0"/>
-              <a:t>26/08/2024</a:t>
+              <a:t>4/01/2025</a:t>
             </a:fld>
             <a:endParaRPr lang="es-CO"/>
           </a:p>
@@ -10647,7 +8549,7 @@
               <a:pPr>
                 <a:defRPr/>
               </a:pPr>
-              <a:t>‹#›</a:t>
+              <a:t>‹Nº›</a:t>
             </a:fld>
             <a:endParaRPr lang="es-CO" altLang="es-CO"/>
           </a:p>
@@ -10706,7 +8608,7 @@
           <a:p>
             <a:fld id="{9CF7635E-2D71-42E7-9E6C-FBB85A15A85F}" type="datetimeFigureOut">
               <a:rPr lang="es-CO" smtClean="0"/>
-              <a:t>26/08/2024</a:t>
+              <a:t>4/01/2025</a:t>
             </a:fld>
             <a:endParaRPr lang="es-CO"/>
           </a:p>
@@ -10766,7 +8668,7 @@
               <a:pPr>
                 <a:defRPr/>
               </a:pPr>
-              <a:t>‹#›</a:t>
+              <a:t>‹Nº›</a:t>
             </a:fld>
             <a:endParaRPr lang="es-CO" altLang="es-CO"/>
           </a:p>
@@ -11025,7 +8927,7 @@
           <a:p>
             <a:fld id="{9CF7635E-2D71-42E7-9E6C-FBB85A15A85F}" type="datetimeFigureOut">
               <a:rPr lang="es-CO" smtClean="0"/>
-              <a:t>26/08/2024</a:t>
+              <a:t>4/01/2025</a:t>
             </a:fld>
             <a:endParaRPr lang="es-CO"/>
           </a:p>
@@ -11085,7 +8987,7 @@
               <a:pPr>
                 <a:defRPr/>
               </a:pPr>
-              <a:t>‹#›</a:t>
+              <a:t>‹Nº›</a:t>
             </a:fld>
             <a:endParaRPr lang="es-CO" altLang="es-CO"/>
           </a:p>
@@ -11320,7 +9222,7 @@
           <a:p>
             <a:fld id="{9CF7635E-2D71-42E7-9E6C-FBB85A15A85F}" type="datetimeFigureOut">
               <a:rPr lang="es-CO" smtClean="0"/>
-              <a:t>26/08/2024</a:t>
+              <a:t>4/01/2025</a:t>
             </a:fld>
             <a:endParaRPr lang="es-CO"/>
           </a:p>
@@ -11380,7 +9282,7 @@
               <a:pPr>
                 <a:defRPr/>
               </a:pPr>
-              <a:t>‹#›</a:t>
+              <a:t>‹Nº›</a:t>
             </a:fld>
             <a:endParaRPr lang="es-CO" altLang="es-CO"/>
           </a:p>
@@ -11569,7 +9471,7 @@
           <a:p>
             <a:fld id="{9CF7635E-2D71-42E7-9E6C-FBB85A15A85F}" type="datetimeFigureOut">
               <a:rPr lang="es-CO" smtClean="0"/>
-              <a:t>26/08/2024</a:t>
+              <a:t>4/01/2025</a:t>
             </a:fld>
             <a:endParaRPr lang="es-CO"/>
           </a:p>
@@ -11665,7 +9567,7 @@
               <a:pPr>
                 <a:defRPr/>
               </a:pPr>
-              <a:t>‹#›</a:t>
+              <a:t>‹Nº›</a:t>
             </a:fld>
             <a:endParaRPr lang="es-CO" altLang="es-CO"/>
           </a:p>
@@ -19308,224 +17210,6 @@
       </p:pic>
       <p:sp>
         <p:nvSpPr>
-          <p:cNvPr id="8" name="Rectángulo 9">
-            <a:extLst>
-              <a:ext uri="{FF2B5EF4-FFF2-40B4-BE49-F238E27FC236}">
-                <a16:creationId xmlns:a16="http://schemas.microsoft.com/office/drawing/2014/main" id="{5932E3F1-24A7-A01F-0773-6237BD556E80}"/>
-              </a:ext>
-            </a:extLst>
-          </p:cNvPr>
-          <p:cNvSpPr>
-            <a:spLocks noChangeArrowheads="1"/>
-          </p:cNvSpPr>
-          <p:nvPr/>
-        </p:nvSpPr>
-        <p:spPr bwMode="auto">
-          <a:xfrm>
-            <a:off x="4290307" y="6469716"/>
-            <a:ext cx="4010025" cy="430887"/>
-          </a:xfrm>
-          <a:prstGeom prst="rect">
-            <a:avLst/>
-          </a:prstGeom>
-          <a:noFill/>
-          <a:ln>
-            <a:noFill/>
-          </a:ln>
-          <a:extLst>
-            <a:ext uri="{909E8E84-426E-40DD-AFC4-6F175D3DCCD1}">
-              <a14:hiddenFill xmlns:a14="http://schemas.microsoft.com/office/drawing/2010/main">
-                <a:solidFill>
-                  <a:srgbClr val="FFFFFF"/>
-                </a:solidFill>
-              </a14:hiddenFill>
-            </a:ext>
-            <a:ext uri="{91240B29-F687-4F45-9708-019B960494DF}">
-              <a14:hiddenLine xmlns:a14="http://schemas.microsoft.com/office/drawing/2010/main" w="9525">
-                <a:solidFill>
-                  <a:srgbClr val="000000"/>
-                </a:solidFill>
-                <a:miter lim="800000"/>
-                <a:headEnd/>
-                <a:tailEnd/>
-              </a14:hiddenLine>
-            </a:ext>
-          </a:extLst>
-        </p:spPr>
-        <p:txBody>
-          <a:bodyPr>
-            <a:spAutoFit/>
-          </a:bodyPr>
-          <a:lstStyle>
-            <a:lvl1pPr>
-              <a:spcBef>
-                <a:spcPct val="20000"/>
-              </a:spcBef>
-              <a:buFont typeface="Arial" panose="020B0604020202020204" pitchFamily="34" charset="0"/>
-              <a:buChar char="•"/>
-              <a:defRPr sz="3200">
-                <a:solidFill>
-                  <a:schemeClr val="tx1"/>
-                </a:solidFill>
-                <a:latin typeface="Arial" panose="020B0604020202020204" pitchFamily="34" charset="0"/>
-                <a:cs typeface="Arial" panose="020B0604020202020204" pitchFamily="34" charset="0"/>
-              </a:defRPr>
-            </a:lvl1pPr>
-            <a:lvl2pPr marL="742950" indent="-285750">
-              <a:spcBef>
-                <a:spcPct val="20000"/>
-              </a:spcBef>
-              <a:buFont typeface="Arial" panose="020B0604020202020204" pitchFamily="34" charset="0"/>
-              <a:buChar char="–"/>
-              <a:defRPr sz="2800">
-                <a:solidFill>
-                  <a:schemeClr val="tx1"/>
-                </a:solidFill>
-                <a:latin typeface="Arial" panose="020B0604020202020204" pitchFamily="34" charset="0"/>
-                <a:cs typeface="Arial" panose="020B0604020202020204" pitchFamily="34" charset="0"/>
-              </a:defRPr>
-            </a:lvl2pPr>
-            <a:lvl3pPr marL="1143000" indent="-228600">
-              <a:spcBef>
-                <a:spcPct val="20000"/>
-              </a:spcBef>
-              <a:buFont typeface="Arial" panose="020B0604020202020204" pitchFamily="34" charset="0"/>
-              <a:buChar char="•"/>
-              <a:defRPr sz="2400">
-                <a:solidFill>
-                  <a:schemeClr val="tx1"/>
-                </a:solidFill>
-                <a:latin typeface="Arial" panose="020B0604020202020204" pitchFamily="34" charset="0"/>
-                <a:cs typeface="Arial" panose="020B0604020202020204" pitchFamily="34" charset="0"/>
-              </a:defRPr>
-            </a:lvl3pPr>
-            <a:lvl4pPr marL="1600200" indent="-228600">
-              <a:spcBef>
-                <a:spcPct val="20000"/>
-              </a:spcBef>
-              <a:buFont typeface="Arial" panose="020B0604020202020204" pitchFamily="34" charset="0"/>
-              <a:buChar char="–"/>
-              <a:defRPr sz="2000">
-                <a:solidFill>
-                  <a:schemeClr val="tx1"/>
-                </a:solidFill>
-                <a:latin typeface="Arial" panose="020B0604020202020204" pitchFamily="34" charset="0"/>
-                <a:cs typeface="Arial" panose="020B0604020202020204" pitchFamily="34" charset="0"/>
-              </a:defRPr>
-            </a:lvl4pPr>
-            <a:lvl5pPr marL="2057400" indent="-228600">
-              <a:spcBef>
-                <a:spcPct val="20000"/>
-              </a:spcBef>
-              <a:buFont typeface="Arial" panose="020B0604020202020204" pitchFamily="34" charset="0"/>
-              <a:buChar char="»"/>
-              <a:defRPr sz="2000">
-                <a:solidFill>
-                  <a:schemeClr val="tx1"/>
-                </a:solidFill>
-                <a:latin typeface="Arial" panose="020B0604020202020204" pitchFamily="34" charset="0"/>
-                <a:cs typeface="Arial" panose="020B0604020202020204" pitchFamily="34" charset="0"/>
-              </a:defRPr>
-            </a:lvl5pPr>
-            <a:lvl6pPr marL="2514600" indent="-228600" eaLnBrk="0" fontAlgn="base" hangingPunct="0">
-              <a:spcBef>
-                <a:spcPct val="20000"/>
-              </a:spcBef>
-              <a:spcAft>
-                <a:spcPct val="0"/>
-              </a:spcAft>
-              <a:buFont typeface="Arial" panose="020B0604020202020204" pitchFamily="34" charset="0"/>
-              <a:buChar char="»"/>
-              <a:defRPr sz="2000">
-                <a:solidFill>
-                  <a:schemeClr val="tx1"/>
-                </a:solidFill>
-                <a:latin typeface="Arial" panose="020B0604020202020204" pitchFamily="34" charset="0"/>
-                <a:cs typeface="Arial" panose="020B0604020202020204" pitchFamily="34" charset="0"/>
-              </a:defRPr>
-            </a:lvl6pPr>
-            <a:lvl7pPr marL="2971800" indent="-228600" eaLnBrk="0" fontAlgn="base" hangingPunct="0">
-              <a:spcBef>
-                <a:spcPct val="20000"/>
-              </a:spcBef>
-              <a:spcAft>
-                <a:spcPct val="0"/>
-              </a:spcAft>
-              <a:buFont typeface="Arial" panose="020B0604020202020204" pitchFamily="34" charset="0"/>
-              <a:buChar char="»"/>
-              <a:defRPr sz="2000">
-                <a:solidFill>
-                  <a:schemeClr val="tx1"/>
-                </a:solidFill>
-                <a:latin typeface="Arial" panose="020B0604020202020204" pitchFamily="34" charset="0"/>
-                <a:cs typeface="Arial" panose="020B0604020202020204" pitchFamily="34" charset="0"/>
-              </a:defRPr>
-            </a:lvl7pPr>
-            <a:lvl8pPr marL="3429000" indent="-228600" eaLnBrk="0" fontAlgn="base" hangingPunct="0">
-              <a:spcBef>
-                <a:spcPct val="20000"/>
-              </a:spcBef>
-              <a:spcAft>
-                <a:spcPct val="0"/>
-              </a:spcAft>
-              <a:buFont typeface="Arial" panose="020B0604020202020204" pitchFamily="34" charset="0"/>
-              <a:buChar char="»"/>
-              <a:defRPr sz="2000">
-                <a:solidFill>
-                  <a:schemeClr val="tx1"/>
-                </a:solidFill>
-                <a:latin typeface="Arial" panose="020B0604020202020204" pitchFamily="34" charset="0"/>
-                <a:cs typeface="Arial" panose="020B0604020202020204" pitchFamily="34" charset="0"/>
-              </a:defRPr>
-            </a:lvl8pPr>
-            <a:lvl9pPr marL="3886200" indent="-228600" eaLnBrk="0" fontAlgn="base" hangingPunct="0">
-              <a:spcBef>
-                <a:spcPct val="20000"/>
-              </a:spcBef>
-              <a:spcAft>
-                <a:spcPct val="0"/>
-              </a:spcAft>
-              <a:buFont typeface="Arial" panose="020B0604020202020204" pitchFamily="34" charset="0"/>
-              <a:buChar char="»"/>
-              <a:defRPr sz="2000">
-                <a:solidFill>
-                  <a:schemeClr val="tx1"/>
-                </a:solidFill>
-                <a:latin typeface="Arial" panose="020B0604020202020204" pitchFamily="34" charset="0"/>
-                <a:cs typeface="Arial" panose="020B0604020202020204" pitchFamily="34" charset="0"/>
-              </a:defRPr>
-            </a:lvl9pPr>
-          </a:lstStyle>
-          <a:p>
-            <a:pPr algn="ctr">
-              <a:spcBef>
-                <a:spcPct val="0"/>
-              </a:spcBef>
-              <a:buFontTx/>
-              <a:buNone/>
-            </a:pPr>
-            <a:r>
-              <a:rPr lang="es-CO" altLang="es-CO" sz="1100" dirty="0"/>
-              <a:t> Martes:       18:10 - 20:00</a:t>
-            </a:r>
-          </a:p>
-          <a:p>
-            <a:pPr algn="ctr">
-              <a:spcBef>
-                <a:spcPct val="0"/>
-              </a:spcBef>
-              <a:buFontTx/>
-              <a:buNone/>
-            </a:pPr>
-            <a:r>
-              <a:rPr lang="es-CO" altLang="es-CO" sz="1100" dirty="0"/>
-              <a:t> Martes:      20:20 – 21:30</a:t>
-            </a:r>
-          </a:p>
-        </p:txBody>
-      </p:sp>
-      <p:sp>
-        <p:nvSpPr>
           <p:cNvPr id="9" name="2 Subtítulo">
             <a:extLst>
               <a:ext uri="{FF2B5EF4-FFF2-40B4-BE49-F238E27FC236}">
@@ -19753,10 +17437,10 @@
       </p:sp>
       <p:graphicFrame>
         <p:nvGraphicFramePr>
-          <p:cNvPr id="6" name="Tabla 3">
+          <p:cNvPr id="2" name="Tabla 3">
             <a:extLst>
               <a:ext uri="{FF2B5EF4-FFF2-40B4-BE49-F238E27FC236}">
-                <a16:creationId xmlns:a16="http://schemas.microsoft.com/office/drawing/2014/main" id="{EAFA30B9-B74F-C807-F5CF-91ADE1B5A28F}"/>
+                <a16:creationId xmlns:a16="http://schemas.microsoft.com/office/drawing/2014/main" id="{6A54150F-930A-ABAC-83B5-E4571DF5665A}"/>
               </a:ext>
             </a:extLst>
           </p:cNvPr>
@@ -19766,14 +17450,14 @@
           <p:nvPr>
             <p:extLst>
               <p:ext uri="{D42A27DB-BD31-4B8C-83A1-F6EECF244321}">
-                <p14:modId xmlns:p14="http://schemas.microsoft.com/office/powerpoint/2010/main" val="2713420925"/>
+                <p14:modId xmlns:p14="http://schemas.microsoft.com/office/powerpoint/2010/main" val="1039982012"/>
               </p:ext>
             </p:extLst>
           </p:nvPr>
         </p:nvGraphicFramePr>
         <p:xfrm>
-          <a:off x="779463" y="759887"/>
-          <a:ext cx="7416824" cy="5753067"/>
+          <a:off x="863588" y="670925"/>
+          <a:ext cx="7416824" cy="5483937"/>
         </p:xfrm>
         <a:graphic>
           <a:graphicData uri="http://schemas.openxmlformats.org/drawingml/2006/table">
@@ -19943,7 +17627,7 @@
                       <a:pPr algn="ctr"/>
                       <a:r>
                         <a:rPr lang="es-CO" sz="1000" dirty="0"/>
-                        <a:t>5 agosto – 10 agosto</a:t>
+                        <a:t>3 febrero – 7 febrero</a:t>
                       </a:r>
                     </a:p>
                   </a:txBody>
@@ -20150,7 +17834,7 @@
                             <a:schemeClr val="tx1"/>
                           </a:solidFill>
                         </a:rPr>
-                        <a:t>12 agosto – 16 agosto</a:t>
+                        <a:t>10 febrero – 14 febrero</a:t>
                       </a:r>
                     </a:p>
                   </a:txBody>
@@ -20198,26 +17882,10 @@
                     <a:bodyPr/>
                     <a:lstStyle/>
                     <a:p>
-                      <a:pPr marL="0" marR="0" lvl="0" indent="0" algn="ctr" defTabSz="685800" rtl="0" eaLnBrk="1" fontAlgn="auto" latinLnBrk="0" hangingPunct="1">
-                        <a:lnSpc>
-                          <a:spcPct val="100000"/>
-                        </a:lnSpc>
-                        <a:spcBef>
-                          <a:spcPts val="0"/>
-                        </a:spcBef>
-                        <a:spcAft>
-                          <a:spcPts val="0"/>
-                        </a:spcAft>
-                        <a:buClrTx/>
-                        <a:buSzTx/>
-                        <a:buFontTx/>
-                        <a:buNone/>
-                        <a:tabLst/>
-                        <a:defRPr/>
-                      </a:pPr>
+                      <a:pPr algn="ctr"/>
                       <a:r>
                         <a:rPr lang="es-CO" sz="1000" dirty="0"/>
-                        <a:t>Transformada Z – Propiedades</a:t>
+                        <a:t>Señales discretas / Digitales.</a:t>
                       </a:r>
                     </a:p>
                   </a:txBody>
@@ -20266,7 +17934,7 @@
                   </a:ext>
                 </a:extLst>
               </a:tr>
-              <a:tr h="269130">
+              <a:tr h="269131">
                 <a:tc>
                   <a:txBody>
                     <a:bodyPr/>
@@ -20327,13 +17995,10 @@
                       <a:r>
                         <a:rPr lang="es-CO" sz="1000" dirty="0">
                           <a:solidFill>
-                            <a:srgbClr val="FF0000"/>
+                            <a:schemeClr val="tx1"/>
                           </a:solidFill>
-                          <a:highlight>
-                            <a:srgbClr val="FFFF00"/>
-                          </a:highlight>
                         </a:rPr>
-                        <a:t>19 agosto –23 agosto</a:t>
+                        <a:t>17 febrero – 21 febrero</a:t>
                       </a:r>
                     </a:p>
                   </a:txBody>
@@ -20381,30 +18046,10 @@
                     <a:bodyPr/>
                     <a:lstStyle/>
                     <a:p>
-                      <a:pPr marL="0" marR="0" lvl="0" indent="0" algn="ctr" defTabSz="685800" rtl="0" eaLnBrk="1" fontAlgn="auto" latinLnBrk="0" hangingPunct="1">
-                        <a:lnSpc>
-                          <a:spcPct val="100000"/>
-                        </a:lnSpc>
-                        <a:spcBef>
-                          <a:spcPts val="0"/>
-                        </a:spcBef>
-                        <a:spcAft>
-                          <a:spcPts val="0"/>
-                        </a:spcAft>
-                        <a:buClrTx/>
-                        <a:buSzTx/>
-                        <a:buFontTx/>
-                        <a:buNone/>
-                        <a:tabLst/>
-                        <a:defRPr/>
-                      </a:pPr>
+                      <a:pPr algn="ctr"/>
                       <a:r>
-                        <a:rPr lang="es-CO" sz="1000" dirty="0">
-                          <a:highlight>
-                            <a:srgbClr val="00FF00"/>
-                          </a:highlight>
-                        </a:rPr>
-                        <a:t>Señales discretas / Digitales.</a:t>
+                        <a:rPr lang="es-CO" sz="1000" dirty="0"/>
+                        <a:t>Transformada Z - Propiedades</a:t>
                       </a:r>
                     </a:p>
                   </a:txBody>
@@ -20517,7 +18162,7 @@
                             <a:schemeClr val="tx1"/>
                           </a:solidFill>
                         </a:rPr>
-                        <a:t>26 agosto – 30 agosto</a:t>
+                        <a:t>24 febrero – 28 febrero</a:t>
                       </a:r>
                     </a:p>
                   </a:txBody>
@@ -20684,7 +18329,7 @@
                       <a:pPr algn="ctr"/>
                       <a:r>
                         <a:rPr lang="es-CO" sz="1000" dirty="0"/>
-                        <a:t>2 septiembre – 6 septiembre</a:t>
+                        <a:t>3 marzo – 7 marzo</a:t>
                       </a:r>
                     </a:p>
                   </a:txBody>
@@ -20848,7 +18493,7 @@
                             <a:schemeClr val="tx1"/>
                           </a:solidFill>
                         </a:rPr>
-                        <a:t>9 septiembre – 13 septiembre</a:t>
+                        <a:t>10 marzo – 14 marzo</a:t>
                       </a:r>
                     </a:p>
                   </a:txBody>
@@ -21012,7 +18657,7 @@
                       <a:pPr algn="ctr"/>
                       <a:r>
                         <a:rPr lang="es-CO" sz="1000" dirty="0"/>
-                        <a:t> 18 marzo – 22 marzo</a:t>
+                        <a:t> 17 marzo – 21 marzo</a:t>
                       </a:r>
                     </a:p>
                   </a:txBody>
@@ -21173,10 +18818,13 @@
                       <a:r>
                         <a:rPr lang="es-CO" sz="1000" dirty="0">
                           <a:solidFill>
-                            <a:schemeClr val="tx1"/>
+                            <a:srgbClr val="FF0000"/>
                           </a:solidFill>
+                          <a:highlight>
+                            <a:srgbClr val="FFFF00"/>
+                          </a:highlight>
                         </a:rPr>
-                        <a:t>16 septiembre – 20 septiembre</a:t>
+                        <a:t>24 marzo – 28 marzo</a:t>
                       </a:r>
                     </a:p>
                   </a:txBody>
@@ -21384,7 +19032,7 @@
                             <a:schemeClr val="tx1"/>
                           </a:solidFill>
                         </a:rPr>
-                        <a:t>23 septiembre – 27 septiembre</a:t>
+                        <a:t>31 marzo – 4 abril</a:t>
                       </a:r>
                     </a:p>
                   </a:txBody>
@@ -21550,7 +19198,7 @@
                       <a:pPr algn="ctr"/>
                       <a:r>
                         <a:rPr lang="es-CO" sz="1000" dirty="0"/>
-                        <a:t>30 septiembre – 4 octubre</a:t>
+                        <a:t>7 abril – 11 abril</a:t>
                       </a:r>
                     </a:p>
                   </a:txBody>
@@ -21727,10 +19375,13 @@
                       <a:r>
                         <a:rPr lang="es-CO" sz="1000" dirty="0">
                           <a:solidFill>
-                            <a:schemeClr val="tx1"/>
+                            <a:srgbClr val="FF0000"/>
                           </a:solidFill>
+                          <a:highlight>
+                            <a:srgbClr val="FFFF00"/>
+                          </a:highlight>
                         </a:rPr>
-                        <a:t>7 octubre – 11 octubre</a:t>
+                        <a:t>14 abril – 18 abril</a:t>
                       </a:r>
                     </a:p>
                   </a:txBody>
@@ -21797,7 +19448,7 @@
                       </a:pPr>
                       <a:r>
                         <a:rPr lang="es-CO" sz="1000" dirty="0"/>
-                        <a:t>El controlador PID</a:t>
+                        <a:t>-</a:t>
                       </a:r>
                     </a:p>
                   </a:txBody>
@@ -21907,13 +19558,10 @@
                       <a:r>
                         <a:rPr lang="es-CO" sz="1000" dirty="0">
                           <a:solidFill>
-                            <a:srgbClr val="FF0000"/>
+                            <a:schemeClr val="tx1"/>
                           </a:solidFill>
-                          <a:highlight>
-                            <a:srgbClr val="FFFF00"/>
-                          </a:highlight>
                         </a:rPr>
-                        <a:t>14 octubre – 18 octubre </a:t>
+                        <a:t>21 abril – 25 abril</a:t>
                       </a:r>
                     </a:p>
                   </a:txBody>
@@ -21979,8 +19627,12 @@
                         <a:defRPr/>
                       </a:pPr>
                       <a:r>
-                        <a:rPr lang="es-CO" sz="1000" dirty="0"/>
-                        <a:t>Diseño basado en LGR</a:t>
+                        <a:rPr lang="es-CO" sz="1000" b="1" u="sng" dirty="0">
+                          <a:solidFill>
+                            <a:srgbClr val="C00000"/>
+                          </a:solidFill>
+                        </a:rPr>
+                        <a:t>Examen Parcial 2</a:t>
                       </a:r>
                     </a:p>
                   </a:txBody>
@@ -22105,7 +19757,7 @@
                       </a:pPr>
                       <a:r>
                         <a:rPr lang="es-CO" sz="1000" dirty="0"/>
-                        <a:t>21 octubre – 25 octubre</a:t>
+                        <a:t>28 abril – 2 mayo</a:t>
                       </a:r>
                     </a:p>
                   </a:txBody>
@@ -22171,12 +19823,8 @@
                         <a:defRPr/>
                       </a:pPr>
                       <a:r>
-                        <a:rPr lang="es-CO" sz="1000" b="1" u="sng" dirty="0">
-                          <a:solidFill>
-                            <a:srgbClr val="C00000"/>
-                          </a:solidFill>
-                        </a:rPr>
-                        <a:t>Examen Parcial 2</a:t>
+                        <a:rPr lang="es-CO" sz="1000" dirty="0"/>
+                        <a:t>El controlador PID</a:t>
                       </a:r>
                     </a:p>
                   </a:txBody>
@@ -22305,7 +19953,7 @@
                             <a:schemeClr val="tx1"/>
                           </a:solidFill>
                         </a:rPr>
-                        <a:t>28 octubre – 1 noviembre</a:t>
+                        <a:t>5 mayo – 9 mayo</a:t>
                       </a:r>
                     </a:p>
                   </a:txBody>
@@ -22372,7 +20020,7 @@
                       </a:pPr>
                       <a:r>
                         <a:rPr lang="es-CO" sz="1000" dirty="0"/>
-                        <a:t>Diseño ecuaciones polinomiales</a:t>
+                        <a:t>Diseño basado en LGR</a:t>
                       </a:r>
                     </a:p>
                   </a:txBody>
@@ -22499,13 +20147,10 @@
                       <a:r>
                         <a:rPr lang="es-CO" sz="1000" dirty="0">
                           <a:solidFill>
-                            <a:srgbClr val="FF0000"/>
+                            <a:schemeClr val="tx1"/>
                           </a:solidFill>
-                          <a:highlight>
-                            <a:srgbClr val="FFFF00"/>
-                          </a:highlight>
                         </a:rPr>
-                        <a:t>4 noviembre – 11 noviembre</a:t>
+                        <a:t>12 mayo – 16 mayo</a:t>
                       </a:r>
                     </a:p>
                   </a:txBody>
@@ -22553,10 +20198,26 @@
                     <a:bodyPr/>
                     <a:lstStyle/>
                     <a:p>
-                      <a:pPr algn="ctr"/>
+                      <a:pPr marL="0" marR="0" lvl="0" indent="0" algn="ctr" defTabSz="685800" rtl="0" eaLnBrk="1" fontAlgn="auto" latinLnBrk="0" hangingPunct="1">
+                        <a:lnSpc>
+                          <a:spcPct val="100000"/>
+                        </a:lnSpc>
+                        <a:spcBef>
+                          <a:spcPts val="0"/>
+                        </a:spcBef>
+                        <a:spcAft>
+                          <a:spcPts val="0"/>
+                        </a:spcAft>
+                        <a:buClrTx/>
+                        <a:buSzTx/>
+                        <a:buFontTx/>
+                        <a:buNone/>
+                        <a:tabLst/>
+                        <a:defRPr/>
+                      </a:pPr>
                       <a:r>
                         <a:rPr lang="es-CO" sz="1000" dirty="0"/>
-                        <a:t>-</a:t>
+                        <a:t>Diseño ecuaciones polinomiales</a:t>
                       </a:r>
                     </a:p>
                   </a:txBody>
@@ -22667,13 +20328,10 @@
                       <a:r>
                         <a:rPr lang="es-CO" sz="1000" dirty="0">
                           <a:solidFill>
-                            <a:srgbClr val="FF0000"/>
+                            <a:schemeClr val="tx1"/>
                           </a:solidFill>
-                          <a:highlight>
-                            <a:srgbClr val="FFFF00"/>
-                          </a:highlight>
                         </a:rPr>
-                        <a:t>11 noviembre – 15 noviembre </a:t>
+                        <a:t>19 mayo – 23 mayo</a:t>
                       </a:r>
                     </a:p>
                   </a:txBody>
@@ -22738,14 +20396,11 @@
                         <a:tabLst/>
                         <a:defRPr/>
                       </a:pPr>
-                      <a:r>
-                        <a:rPr lang="es-CO" sz="1000" b="1" u="sng" dirty="0">
-                          <a:solidFill>
-                            <a:srgbClr val="C00000"/>
-                          </a:solidFill>
-                        </a:rPr>
-                        <a:t>-</a:t>
-                      </a:r>
+                      <a:endParaRPr lang="es-CO" sz="1000" b="1" u="sng" dirty="0">
+                        <a:solidFill>
+                          <a:srgbClr val="C00000"/>
+                        </a:solidFill>
+                      </a:endParaRPr>
                     </a:p>
                   </a:txBody>
                   <a:tcPr>
@@ -22858,7 +20513,7 @@
                             <a:schemeClr val="tx1"/>
                           </a:solidFill>
                         </a:rPr>
-                        <a:t>18 noviembre – 22 noviembre</a:t>
+                        <a:t>26 mayo – 30 mayo</a:t>
                       </a:r>
                     </a:p>
                   </a:txBody>
@@ -23020,191 +20675,13 @@
                       <a:r>
                         <a:rPr lang="es-CO" sz="1000" dirty="0">
                           <a:solidFill>
-                            <a:schemeClr val="tx1"/>
+                            <a:srgbClr val="FF0000"/>
                           </a:solidFill>
+                          <a:highlight>
+                            <a:srgbClr val="FFFF00"/>
+                          </a:highlight>
                         </a:rPr>
-                        <a:t>25 noviembre – 29 noviembre</a:t>
-                      </a:r>
-                    </a:p>
-                  </a:txBody>
-                  <a:tcPr>
-                    <a:lnL w="12700" cap="flat" cmpd="sng" algn="ctr">
-                      <a:solidFill>
-                        <a:schemeClr val="tx1"/>
-                      </a:solidFill>
-                      <a:prstDash val="solid"/>
-                      <a:round/>
-                      <a:headEnd type="none" w="med" len="med"/>
-                      <a:tailEnd type="none" w="med" len="med"/>
-                    </a:lnL>
-                    <a:lnR w="12700" cap="flat" cmpd="sng" algn="ctr">
-                      <a:solidFill>
-                        <a:schemeClr val="tx1"/>
-                      </a:solidFill>
-                      <a:prstDash val="solid"/>
-                      <a:round/>
-                      <a:headEnd type="none" w="med" len="med"/>
-                      <a:tailEnd type="none" w="med" len="med"/>
-                    </a:lnR>
-                    <a:lnT w="12700" cap="flat" cmpd="sng" algn="ctr">
-                      <a:solidFill>
-                        <a:schemeClr val="tx1"/>
-                      </a:solidFill>
-                      <a:prstDash val="solid"/>
-                      <a:round/>
-                      <a:headEnd type="none" w="med" len="med"/>
-                      <a:tailEnd type="none" w="med" len="med"/>
-                    </a:lnT>
-                    <a:lnB w="12700" cap="flat" cmpd="sng" algn="ctr">
-                      <a:solidFill>
-                        <a:schemeClr val="tx1"/>
-                      </a:solidFill>
-                      <a:prstDash val="solid"/>
-                      <a:round/>
-                      <a:headEnd type="none" w="med" len="med"/>
-                      <a:tailEnd type="none" w="med" len="med"/>
-                    </a:lnB>
-                  </a:tcPr>
-                </a:tc>
-                <a:tc>
-                  <a:txBody>
-                    <a:bodyPr/>
-                    <a:lstStyle/>
-                    <a:p>
-                      <a:pPr marL="0" marR="0" lvl="0" indent="0" algn="ctr" defTabSz="685800" rtl="0" eaLnBrk="1" fontAlgn="auto" latinLnBrk="0" hangingPunct="1">
-                        <a:lnSpc>
-                          <a:spcPct val="100000"/>
-                        </a:lnSpc>
-                        <a:spcBef>
-                          <a:spcPts val="0"/>
-                        </a:spcBef>
-                        <a:spcAft>
-                          <a:spcPts val="0"/>
-                        </a:spcAft>
-                        <a:buClrTx/>
-                        <a:buSzTx/>
-                        <a:buFontTx/>
-                        <a:buNone/>
-                        <a:tabLst/>
-                        <a:defRPr/>
-                      </a:pPr>
-                      <a:endParaRPr lang="es-CO" sz="1000" b="1" u="sng" dirty="0">
-                        <a:solidFill>
-                          <a:srgbClr val="C00000"/>
-                        </a:solidFill>
-                      </a:endParaRPr>
-                    </a:p>
-                  </a:txBody>
-                  <a:tcPr>
-                    <a:lnL w="12700" cap="flat" cmpd="sng" algn="ctr">
-                      <a:solidFill>
-                        <a:schemeClr val="tx1"/>
-                      </a:solidFill>
-                      <a:prstDash val="solid"/>
-                      <a:round/>
-                      <a:headEnd type="none" w="med" len="med"/>
-                      <a:tailEnd type="none" w="med" len="med"/>
-                    </a:lnL>
-                    <a:lnR w="12700" cap="flat" cmpd="sng" algn="ctr">
-                      <a:solidFill>
-                        <a:schemeClr val="tx1"/>
-                      </a:solidFill>
-                      <a:prstDash val="solid"/>
-                      <a:round/>
-                      <a:headEnd type="none" w="med" len="med"/>
-                      <a:tailEnd type="none" w="med" len="med"/>
-                    </a:lnR>
-                    <a:lnT w="12700" cap="flat" cmpd="sng" algn="ctr">
-                      <a:solidFill>
-                        <a:schemeClr val="tx1"/>
-                      </a:solidFill>
-                      <a:prstDash val="solid"/>
-                      <a:round/>
-                      <a:headEnd type="none" w="med" len="med"/>
-                      <a:tailEnd type="none" w="med" len="med"/>
-                    </a:lnT>
-                    <a:lnB w="12700" cap="flat" cmpd="sng" algn="ctr">
-                      <a:solidFill>
-                        <a:schemeClr val="tx1"/>
-                      </a:solidFill>
-                      <a:prstDash val="solid"/>
-                      <a:round/>
-                      <a:headEnd type="none" w="med" len="med"/>
-                      <a:tailEnd type="none" w="med" len="med"/>
-                    </a:lnB>
-                  </a:tcPr>
-                </a:tc>
-                <a:extLst>
-                  <a:ext uri="{0D108BD9-81ED-4DB2-BD59-A6C34878D82A}">
-                    <a16:rowId xmlns:a16="http://schemas.microsoft.com/office/drawing/2014/main" val="747768826"/>
-                  </a:ext>
-                </a:extLst>
-              </a:tr>
-              <a:tr h="269131">
-                <a:tc>
-                  <a:txBody>
-                    <a:bodyPr/>
-                    <a:lstStyle/>
-                    <a:p>
-                      <a:pPr algn="ctr"/>
-                      <a:r>
-                        <a:rPr lang="es-CO" sz="1000" dirty="0"/>
-                        <a:t>19</a:t>
-                      </a:r>
-                    </a:p>
-                  </a:txBody>
-                  <a:tcPr>
-                    <a:lnL w="12700" cap="flat" cmpd="sng" algn="ctr">
-                      <a:solidFill>
-                        <a:schemeClr val="tx1"/>
-                      </a:solidFill>
-                      <a:prstDash val="solid"/>
-                      <a:round/>
-                      <a:headEnd type="none" w="med" len="med"/>
-                      <a:tailEnd type="none" w="med" len="med"/>
-                    </a:lnL>
-                    <a:lnR w="12700" cap="flat" cmpd="sng" algn="ctr">
-                      <a:solidFill>
-                        <a:schemeClr val="tx1"/>
-                      </a:solidFill>
-                      <a:prstDash val="solid"/>
-                      <a:round/>
-                      <a:headEnd type="none" w="med" len="med"/>
-                      <a:tailEnd type="none" w="med" len="med"/>
-                    </a:lnR>
-                    <a:lnT w="12700" cap="flat" cmpd="sng" algn="ctr">
-                      <a:solidFill>
-                        <a:schemeClr val="tx1"/>
-                      </a:solidFill>
-                      <a:prstDash val="solid"/>
-                      <a:round/>
-                      <a:headEnd type="none" w="med" len="med"/>
-                      <a:tailEnd type="none" w="med" len="med"/>
-                    </a:lnT>
-                    <a:lnB w="12700" cap="flat" cmpd="sng" algn="ctr">
-                      <a:solidFill>
-                        <a:schemeClr val="tx1"/>
-                      </a:solidFill>
-                      <a:prstDash val="solid"/>
-                      <a:round/>
-                      <a:headEnd type="none" w="med" len="med"/>
-                      <a:tailEnd type="none" w="med" len="med"/>
-                    </a:lnB>
-                  </a:tcPr>
-                </a:tc>
-                <a:tc>
-                  <a:txBody>
-                    <a:bodyPr/>
-                    <a:lstStyle/>
-                    <a:p>
-                      <a:pPr algn="ctr"/>
-                      <a:r>
-                        <a:rPr lang="es-CO" sz="1000" dirty="0">
-                          <a:solidFill>
-                            <a:schemeClr val="tx1"/>
-                          </a:solidFill>
-                        </a:rPr>
-                        <a:t>3 diciembre – 7 diciembre</a:t>
+                        <a:t>2 junio – 6 junio </a:t>
                       </a:r>
                     </a:p>
                   </a:txBody>
@@ -23320,7 +20797,7 @@
                 </a:tc>
                 <a:extLst>
                   <a:ext uri="{0D108BD9-81ED-4DB2-BD59-A6C34878D82A}">
-                    <a16:rowId xmlns:a16="http://schemas.microsoft.com/office/drawing/2014/main" val="4128284738"/>
+                    <a16:rowId xmlns:a16="http://schemas.microsoft.com/office/drawing/2014/main" val="747768826"/>
                   </a:ext>
                 </a:extLst>
               </a:tr>
@@ -23328,6 +20805,228 @@
           </a:graphicData>
         </a:graphic>
       </p:graphicFrame>
+      <p:sp>
+        <p:nvSpPr>
+          <p:cNvPr id="3" name="Rectángulo 9">
+            <a:extLst>
+              <a:ext uri="{FF2B5EF4-FFF2-40B4-BE49-F238E27FC236}">
+                <a16:creationId xmlns:a16="http://schemas.microsoft.com/office/drawing/2014/main" id="{B396EEDD-9354-BA85-7B58-B5454BBD249F}"/>
+              </a:ext>
+            </a:extLst>
+          </p:cNvPr>
+          <p:cNvSpPr>
+            <a:spLocks noChangeArrowheads="1"/>
+          </p:cNvSpPr>
+          <p:nvPr/>
+        </p:nvSpPr>
+        <p:spPr bwMode="auto">
+          <a:xfrm>
+            <a:off x="4540642" y="6188199"/>
+            <a:ext cx="4010025" cy="523220"/>
+          </a:xfrm>
+          <a:prstGeom prst="rect">
+            <a:avLst/>
+          </a:prstGeom>
+          <a:noFill/>
+          <a:ln>
+            <a:noFill/>
+          </a:ln>
+          <a:extLst>
+            <a:ext uri="{909E8E84-426E-40DD-AFC4-6F175D3DCCD1}">
+              <a14:hiddenFill xmlns:a14="http://schemas.microsoft.com/office/drawing/2010/main">
+                <a:solidFill>
+                  <a:srgbClr val="FFFFFF"/>
+                </a:solidFill>
+              </a14:hiddenFill>
+            </a:ext>
+            <a:ext uri="{91240B29-F687-4F45-9708-019B960494DF}">
+              <a14:hiddenLine xmlns:a14="http://schemas.microsoft.com/office/drawing/2010/main" w="9525">
+                <a:solidFill>
+                  <a:srgbClr val="000000"/>
+                </a:solidFill>
+                <a:miter lim="800000"/>
+                <a:headEnd/>
+                <a:tailEnd/>
+              </a14:hiddenLine>
+            </a:ext>
+          </a:extLst>
+        </p:spPr>
+        <p:txBody>
+          <a:bodyPr>
+            <a:spAutoFit/>
+          </a:bodyPr>
+          <a:lstStyle>
+            <a:lvl1pPr>
+              <a:spcBef>
+                <a:spcPct val="20000"/>
+              </a:spcBef>
+              <a:buFont typeface="Arial" panose="020B0604020202020204" pitchFamily="34" charset="0"/>
+              <a:buChar char="•"/>
+              <a:defRPr sz="3200">
+                <a:solidFill>
+                  <a:schemeClr val="tx1"/>
+                </a:solidFill>
+                <a:latin typeface="Arial" panose="020B0604020202020204" pitchFamily="34" charset="0"/>
+                <a:cs typeface="Arial" panose="020B0604020202020204" pitchFamily="34" charset="0"/>
+              </a:defRPr>
+            </a:lvl1pPr>
+            <a:lvl2pPr marL="742950" indent="-285750">
+              <a:spcBef>
+                <a:spcPct val="20000"/>
+              </a:spcBef>
+              <a:buFont typeface="Arial" panose="020B0604020202020204" pitchFamily="34" charset="0"/>
+              <a:buChar char="–"/>
+              <a:defRPr sz="2800">
+                <a:solidFill>
+                  <a:schemeClr val="tx1"/>
+                </a:solidFill>
+                <a:latin typeface="Arial" panose="020B0604020202020204" pitchFamily="34" charset="0"/>
+                <a:cs typeface="Arial" panose="020B0604020202020204" pitchFamily="34" charset="0"/>
+              </a:defRPr>
+            </a:lvl2pPr>
+            <a:lvl3pPr marL="1143000" indent="-228600">
+              <a:spcBef>
+                <a:spcPct val="20000"/>
+              </a:spcBef>
+              <a:buFont typeface="Arial" panose="020B0604020202020204" pitchFamily="34" charset="0"/>
+              <a:buChar char="•"/>
+              <a:defRPr sz="2400">
+                <a:solidFill>
+                  <a:schemeClr val="tx1"/>
+                </a:solidFill>
+                <a:latin typeface="Arial" panose="020B0604020202020204" pitchFamily="34" charset="0"/>
+                <a:cs typeface="Arial" panose="020B0604020202020204" pitchFamily="34" charset="0"/>
+              </a:defRPr>
+            </a:lvl3pPr>
+            <a:lvl4pPr marL="1600200" indent="-228600">
+              <a:spcBef>
+                <a:spcPct val="20000"/>
+              </a:spcBef>
+              <a:buFont typeface="Arial" panose="020B0604020202020204" pitchFamily="34" charset="0"/>
+              <a:buChar char="–"/>
+              <a:defRPr sz="2000">
+                <a:solidFill>
+                  <a:schemeClr val="tx1"/>
+                </a:solidFill>
+                <a:latin typeface="Arial" panose="020B0604020202020204" pitchFamily="34" charset="0"/>
+                <a:cs typeface="Arial" panose="020B0604020202020204" pitchFamily="34" charset="0"/>
+              </a:defRPr>
+            </a:lvl4pPr>
+            <a:lvl5pPr marL="2057400" indent="-228600">
+              <a:spcBef>
+                <a:spcPct val="20000"/>
+              </a:spcBef>
+              <a:buFont typeface="Arial" panose="020B0604020202020204" pitchFamily="34" charset="0"/>
+              <a:buChar char="»"/>
+              <a:defRPr sz="2000">
+                <a:solidFill>
+                  <a:schemeClr val="tx1"/>
+                </a:solidFill>
+                <a:latin typeface="Arial" panose="020B0604020202020204" pitchFamily="34" charset="0"/>
+                <a:cs typeface="Arial" panose="020B0604020202020204" pitchFamily="34" charset="0"/>
+              </a:defRPr>
+            </a:lvl5pPr>
+            <a:lvl6pPr marL="2514600" indent="-228600" eaLnBrk="0" fontAlgn="base" hangingPunct="0">
+              <a:spcBef>
+                <a:spcPct val="20000"/>
+              </a:spcBef>
+              <a:spcAft>
+                <a:spcPct val="0"/>
+              </a:spcAft>
+              <a:buFont typeface="Arial" panose="020B0604020202020204" pitchFamily="34" charset="0"/>
+              <a:buChar char="»"/>
+              <a:defRPr sz="2000">
+                <a:solidFill>
+                  <a:schemeClr val="tx1"/>
+                </a:solidFill>
+                <a:latin typeface="Arial" panose="020B0604020202020204" pitchFamily="34" charset="0"/>
+                <a:cs typeface="Arial" panose="020B0604020202020204" pitchFamily="34" charset="0"/>
+              </a:defRPr>
+            </a:lvl6pPr>
+            <a:lvl7pPr marL="2971800" indent="-228600" eaLnBrk="0" fontAlgn="base" hangingPunct="0">
+              <a:spcBef>
+                <a:spcPct val="20000"/>
+              </a:spcBef>
+              <a:spcAft>
+                <a:spcPct val="0"/>
+              </a:spcAft>
+              <a:buFont typeface="Arial" panose="020B0604020202020204" pitchFamily="34" charset="0"/>
+              <a:buChar char="»"/>
+              <a:defRPr sz="2000">
+                <a:solidFill>
+                  <a:schemeClr val="tx1"/>
+                </a:solidFill>
+                <a:latin typeface="Arial" panose="020B0604020202020204" pitchFamily="34" charset="0"/>
+                <a:cs typeface="Arial" panose="020B0604020202020204" pitchFamily="34" charset="0"/>
+              </a:defRPr>
+            </a:lvl7pPr>
+            <a:lvl8pPr marL="3429000" indent="-228600" eaLnBrk="0" fontAlgn="base" hangingPunct="0">
+              <a:spcBef>
+                <a:spcPct val="20000"/>
+              </a:spcBef>
+              <a:spcAft>
+                <a:spcPct val="0"/>
+              </a:spcAft>
+              <a:buFont typeface="Arial" panose="020B0604020202020204" pitchFamily="34" charset="0"/>
+              <a:buChar char="»"/>
+              <a:defRPr sz="2000">
+                <a:solidFill>
+                  <a:schemeClr val="tx1"/>
+                </a:solidFill>
+                <a:latin typeface="Arial" panose="020B0604020202020204" pitchFamily="34" charset="0"/>
+                <a:cs typeface="Arial" panose="020B0604020202020204" pitchFamily="34" charset="0"/>
+              </a:defRPr>
+            </a:lvl8pPr>
+            <a:lvl9pPr marL="3886200" indent="-228600" eaLnBrk="0" fontAlgn="base" hangingPunct="0">
+              <a:spcBef>
+                <a:spcPct val="20000"/>
+              </a:spcBef>
+              <a:spcAft>
+                <a:spcPct val="0"/>
+              </a:spcAft>
+              <a:buFont typeface="Arial" panose="020B0604020202020204" pitchFamily="34" charset="0"/>
+              <a:buChar char="»"/>
+              <a:defRPr sz="2000">
+                <a:solidFill>
+                  <a:schemeClr val="tx1"/>
+                </a:solidFill>
+                <a:latin typeface="Arial" panose="020B0604020202020204" pitchFamily="34" charset="0"/>
+                <a:cs typeface="Arial" panose="020B0604020202020204" pitchFamily="34" charset="0"/>
+              </a:defRPr>
+            </a:lvl9pPr>
+          </a:lstStyle>
+          <a:p>
+            <a:pPr algn="ctr">
+              <a:spcBef>
+                <a:spcPct val="0"/>
+              </a:spcBef>
+              <a:buFontTx/>
+              <a:buNone/>
+            </a:pPr>
+            <a:r>
+              <a:rPr lang="es-CO" altLang="es-CO" sz="1200" dirty="0"/>
+              <a:t> </a:t>
+            </a:r>
+            <a:r>
+              <a:rPr lang="es-CO" altLang="es-CO" sz="1400" dirty="0"/>
+              <a:t>Martes:       18:10 - 20:00</a:t>
+            </a:r>
+          </a:p>
+          <a:p>
+            <a:pPr algn="ctr">
+              <a:spcBef>
+                <a:spcPct val="0"/>
+              </a:spcBef>
+              <a:buFontTx/>
+              <a:buNone/>
+            </a:pPr>
+            <a:r>
+              <a:rPr lang="es-CO" altLang="es-CO" sz="1400" dirty="0"/>
+              <a:t> Martes:      20:20 – 21:30</a:t>
+            </a:r>
+          </a:p>
+        </p:txBody>
+      </p:sp>
     </p:spTree>
     <p:extLst>
       <p:ext uri="{BB962C8B-B14F-4D97-AF65-F5344CB8AC3E}">
@@ -29171,20 +26870,20 @@
 </file>
 
 <file path=customXml/item1.xml><?xml version="1.0" encoding="utf-8"?>
+<p:properties xmlns:p="http://schemas.microsoft.com/office/2006/metadata/properties" xmlns:xsi="http://www.w3.org/2001/XMLSchema-instance" xmlns:pc="http://schemas.microsoft.com/office/infopath/2007/PartnerControls">
+  <documentManagement>
+    <_activity xmlns="bdc56f61-abc0-4f7e-bfec-a93ccd1ae886" xsi:nil="true"/>
+  </documentManagement>
+</p:properties>
+</file>
+
+<file path=customXml/item2.xml><?xml version="1.0" encoding="utf-8"?>
 <?mso-contentType ?>
 <FormTemplates xmlns="http://schemas.microsoft.com/sharepoint/v3/contenttype/forms">
   <Display>DocumentLibraryForm</Display>
   <Edit>DocumentLibraryForm</Edit>
   <New>DocumentLibraryForm</New>
 </FormTemplates>
-</file>
-
-<file path=customXml/item2.xml><?xml version="1.0" encoding="utf-8"?>
-<p:properties xmlns:p="http://schemas.microsoft.com/office/2006/metadata/properties" xmlns:xsi="http://www.w3.org/2001/XMLSchema-instance" xmlns:pc="http://schemas.microsoft.com/office/infopath/2007/PartnerControls">
-  <documentManagement>
-    <_activity xmlns="bdc56f61-abc0-4f7e-bfec-a93ccd1ae886" xsi:nil="true"/>
-  </documentManagement>
-</p:properties>
 </file>
 
 <file path=customXml/item3.xml><?xml version="1.0" encoding="utf-8"?>
@@ -29423,14 +27122,6 @@
 </file>
 
 <file path=customXml/itemProps1.xml><?xml version="1.0" encoding="utf-8"?>
-<ds:datastoreItem xmlns:ds="http://schemas.openxmlformats.org/officeDocument/2006/customXml" ds:itemID="{4E8623C8-32E1-48B0-9F0A-13F2E9582B7E}">
-  <ds:schemaRefs>
-    <ds:schemaRef ds:uri="http://schemas.microsoft.com/sharepoint/v3/contenttype/forms"/>
-  </ds:schemaRefs>
-</ds:datastoreItem>
-</file>
-
-<file path=customXml/itemProps2.xml><?xml version="1.0" encoding="utf-8"?>
 <ds:datastoreItem xmlns:ds="http://schemas.openxmlformats.org/officeDocument/2006/customXml" ds:itemID="{0825853C-1B27-4995-A583-4D39F900BB7F}">
   <ds:schemaRefs>
     <ds:schemaRef ds:uri="669280c1-d17e-4d1d-bd7f-b4f14cc6bf1d"/>
@@ -29443,6 +27134,14 @@
     <ds:schemaRef ds:uri="http://schemas.microsoft.com/office/infopath/2007/PartnerControls"/>
     <ds:schemaRef ds:uri="http://schemas.openxmlformats.org/package/2006/metadata/core-properties"/>
     <ds:schemaRef ds:uri="http://www.w3.org/XML/1998/namespace"/>
+  </ds:schemaRefs>
+</ds:datastoreItem>
+</file>
+
+<file path=customXml/itemProps2.xml><?xml version="1.0" encoding="utf-8"?>
+<ds:datastoreItem xmlns:ds="http://schemas.openxmlformats.org/officeDocument/2006/customXml" ds:itemID="{4E8623C8-32E1-48B0-9F0A-13F2E9582B7E}">
+  <ds:schemaRefs>
+    <ds:schemaRef ds:uri="http://schemas.microsoft.com/sharepoint/v3/contenttype/forms"/>
   </ds:schemaRefs>
 </ds:datastoreItem>
 </file>

--- a/Sesión_1/Señales Discretas - Digitales.pptx
+++ b/Sesión_1/Señales Discretas - Digitales.pptx
@@ -5,10 +5,10 @@
     <p:sldMasterId id="2147483778" r:id="rId4"/>
   </p:sldMasterIdLst>
   <p:notesMasterIdLst>
-    <p:notesMasterId r:id="rId25"/>
+    <p:notesMasterId r:id="rId26"/>
   </p:notesMasterIdLst>
   <p:handoutMasterIdLst>
-    <p:handoutMasterId r:id="rId26"/>
+    <p:handoutMasterId r:id="rId27"/>
   </p:handoutMasterIdLst>
   <p:sldIdLst>
     <p:sldId id="256" r:id="rId5"/>
@@ -17,20 +17,21 @@
     <p:sldId id="275" r:id="rId8"/>
     <p:sldId id="276" r:id="rId9"/>
     <p:sldId id="278" r:id="rId10"/>
-    <p:sldId id="277" r:id="rId11"/>
-    <p:sldId id="279" r:id="rId12"/>
-    <p:sldId id="280" r:id="rId13"/>
-    <p:sldId id="290" r:id="rId14"/>
-    <p:sldId id="289" r:id="rId15"/>
-    <p:sldId id="291" r:id="rId16"/>
-    <p:sldId id="292" r:id="rId17"/>
-    <p:sldId id="293" r:id="rId18"/>
-    <p:sldId id="281" r:id="rId19"/>
-    <p:sldId id="285" r:id="rId20"/>
-    <p:sldId id="283" r:id="rId21"/>
-    <p:sldId id="284" r:id="rId22"/>
-    <p:sldId id="287" r:id="rId23"/>
-    <p:sldId id="286" r:id="rId24"/>
+    <p:sldId id="294" r:id="rId11"/>
+    <p:sldId id="277" r:id="rId12"/>
+    <p:sldId id="279" r:id="rId13"/>
+    <p:sldId id="280" r:id="rId14"/>
+    <p:sldId id="296" r:id="rId15"/>
+    <p:sldId id="290" r:id="rId16"/>
+    <p:sldId id="289" r:id="rId17"/>
+    <p:sldId id="291" r:id="rId18"/>
+    <p:sldId id="292" r:id="rId19"/>
+    <p:sldId id="293" r:id="rId20"/>
+    <p:sldId id="295" r:id="rId21"/>
+    <p:sldId id="285" r:id="rId22"/>
+    <p:sldId id="283" r:id="rId23"/>
+    <p:sldId id="284" r:id="rId24"/>
+    <p:sldId id="287" r:id="rId25"/>
   </p:sldIdLst>
   <p:sldSz cx="9144000" cy="6858000" type="letter"/>
   <p:notesSz cx="6858000" cy="9144000"/>
@@ -140,20 +141,21 @@
             <p14:sldId id="275"/>
             <p14:sldId id="276"/>
             <p14:sldId id="278"/>
+            <p14:sldId id="294"/>
             <p14:sldId id="277"/>
             <p14:sldId id="279"/>
             <p14:sldId id="280"/>
+            <p14:sldId id="296"/>
             <p14:sldId id="290"/>
             <p14:sldId id="289"/>
             <p14:sldId id="291"/>
             <p14:sldId id="292"/>
             <p14:sldId id="293"/>
-            <p14:sldId id="281"/>
+            <p14:sldId id="295"/>
             <p14:sldId id="285"/>
             <p14:sldId id="283"/>
             <p14:sldId id="284"/>
             <p14:sldId id="287"/>
-            <p14:sldId id="286"/>
           </p14:sldIdLst>
         </p14:section>
       </p14:sectionLst>
@@ -193,7 +195,7 @@
 <file path=ppt/revisionInfo.xml><?xml version="1.0" encoding="utf-8"?>
 <p1510:revInfo xmlns:a="http://schemas.openxmlformats.org/drawingml/2006/main" xmlns:r="http://schemas.openxmlformats.org/officeDocument/2006/relationships" xmlns:p1510="http://schemas.microsoft.com/office/powerpoint/2015/10/main">
   <p1510:revLst>
-    <p1510:client id="{B0D2AAE1-3849-4962-BFD2-3A39DBE37F15}" v="3" dt="2025-01-04T23:14:42.796"/>
+    <p1510:client id="{B0D2AAE1-3849-4962-BFD2-3A39DBE37F15}" v="12" dt="2025-01-08T16:12:19.555"/>
   </p1510:revLst>
 </p1510:revInfo>
 </file>
@@ -432,13 +434,257 @@
   </pc:docChgLst>
   <pc:docChgLst>
     <pc:chgData name="JHEYSON FABIAN VILLAVISAN BUITRAGO" userId="e5ced5c2-d787-455d-b115-4f08a699b8c8" providerId="ADAL" clId="{B0D2AAE1-3849-4962-BFD2-3A39DBE37F15}"/>
-    <pc:docChg chg="custSel modSld">
-      <pc:chgData name="JHEYSON FABIAN VILLAVISAN BUITRAGO" userId="e5ced5c2-d787-455d-b115-4f08a699b8c8" providerId="ADAL" clId="{B0D2AAE1-3849-4962-BFD2-3A39DBE37F15}" dt="2025-01-04T23:14:42.796" v="3"/>
+    <pc:docChg chg="undo custSel addSld delSld modSld modSection">
+      <pc:chgData name="JHEYSON FABIAN VILLAVISAN BUITRAGO" userId="e5ced5c2-d787-455d-b115-4f08a699b8c8" providerId="ADAL" clId="{B0D2AAE1-3849-4962-BFD2-3A39DBE37F15}" dt="2025-01-08T16:21:44.133" v="1222" actId="20577"/>
       <pc:docMkLst>
         <pc:docMk/>
       </pc:docMkLst>
+      <pc:sldChg chg="addSp delSp modSp mod modNotes modNotesTx">
+        <pc:chgData name="JHEYSON FABIAN VILLAVISAN BUITRAGO" userId="e5ced5c2-d787-455d-b115-4f08a699b8c8" providerId="ADAL" clId="{B0D2AAE1-3849-4962-BFD2-3A39DBE37F15}" dt="2025-01-08T16:12:30.040" v="1116" actId="20577"/>
+        <pc:sldMkLst>
+          <pc:docMk/>
+          <pc:sldMk cId="34520361" sldId="275"/>
+        </pc:sldMkLst>
+        <pc:spChg chg="add del mod">
+          <ac:chgData name="JHEYSON FABIAN VILLAVISAN BUITRAGO" userId="e5ced5c2-d787-455d-b115-4f08a699b8c8" providerId="ADAL" clId="{B0D2AAE1-3849-4962-BFD2-3A39DBE37F15}" dt="2025-01-08T15:39:27.613" v="60"/>
+          <ac:spMkLst>
+            <pc:docMk/>
+            <pc:sldMk cId="34520361" sldId="275"/>
+            <ac:spMk id="3" creationId="{1D4D4DFA-E122-A462-FD67-6A6524816C25}"/>
+          </ac:spMkLst>
+        </pc:spChg>
+        <pc:spChg chg="add mod">
+          <ac:chgData name="JHEYSON FABIAN VILLAVISAN BUITRAGO" userId="e5ced5c2-d787-455d-b115-4f08a699b8c8" providerId="ADAL" clId="{B0D2AAE1-3849-4962-BFD2-3A39DBE37F15}" dt="2025-01-08T16:12:30.040" v="1116" actId="20577"/>
+          <ac:spMkLst>
+            <pc:docMk/>
+            <pc:sldMk cId="34520361" sldId="275"/>
+            <ac:spMk id="12" creationId="{DC06EE51-B57F-1B79-D1E1-BB4C225991CA}"/>
+          </ac:spMkLst>
+        </pc:spChg>
+        <pc:picChg chg="del">
+          <ac:chgData name="JHEYSON FABIAN VILLAVISAN BUITRAGO" userId="e5ced5c2-d787-455d-b115-4f08a699b8c8" providerId="ADAL" clId="{B0D2AAE1-3849-4962-BFD2-3A39DBE37F15}" dt="2025-01-08T16:11:53.684" v="1091" actId="478"/>
+          <ac:picMkLst>
+            <pc:docMk/>
+            <pc:sldMk cId="34520361" sldId="275"/>
+            <ac:picMk id="4" creationId="{9418D3E6-A201-784F-C03B-4E5340AF2190}"/>
+          </ac:picMkLst>
+        </pc:picChg>
+        <pc:picChg chg="del">
+          <ac:chgData name="JHEYSON FABIAN VILLAVISAN BUITRAGO" userId="e5ced5c2-d787-455d-b115-4f08a699b8c8" providerId="ADAL" clId="{B0D2AAE1-3849-4962-BFD2-3A39DBE37F15}" dt="2025-01-08T16:11:46.030" v="1089" actId="478"/>
+          <ac:picMkLst>
+            <pc:docMk/>
+            <pc:sldMk cId="34520361" sldId="275"/>
+            <ac:picMk id="7" creationId="{0D8EDE3D-0AEB-C6FD-71ED-BE233F884870}"/>
+          </ac:picMkLst>
+        </pc:picChg>
+        <pc:picChg chg="add mod">
+          <ac:chgData name="JHEYSON FABIAN VILLAVISAN BUITRAGO" userId="e5ced5c2-d787-455d-b115-4f08a699b8c8" providerId="ADAL" clId="{B0D2AAE1-3849-4962-BFD2-3A39DBE37F15}" dt="2025-01-08T16:12:05.018" v="1100" actId="1076"/>
+          <ac:picMkLst>
+            <pc:docMk/>
+            <pc:sldMk cId="34520361" sldId="275"/>
+            <ac:picMk id="8" creationId="{A84E3D7F-CFFF-33F8-DEA8-859349436BCB}"/>
+          </ac:picMkLst>
+        </pc:picChg>
+        <pc:picChg chg="add mod">
+          <ac:chgData name="JHEYSON FABIAN VILLAVISAN BUITRAGO" userId="e5ced5c2-d787-455d-b115-4f08a699b8c8" providerId="ADAL" clId="{B0D2AAE1-3849-4962-BFD2-3A39DBE37F15}" dt="2025-01-08T16:12:10.723" v="1101" actId="1076"/>
+          <ac:picMkLst>
+            <pc:docMk/>
+            <pc:sldMk cId="34520361" sldId="275"/>
+            <ac:picMk id="11" creationId="{26CB703F-CB07-C767-581E-75ECB8C99035}"/>
+          </ac:picMkLst>
+        </pc:picChg>
+        <pc:picChg chg="del">
+          <ac:chgData name="JHEYSON FABIAN VILLAVISAN BUITRAGO" userId="e5ced5c2-d787-455d-b115-4f08a699b8c8" providerId="ADAL" clId="{B0D2AAE1-3849-4962-BFD2-3A39DBE37F15}" dt="2025-01-08T15:52:08.784" v="690" actId="478"/>
+          <ac:picMkLst>
+            <pc:docMk/>
+            <pc:sldMk cId="34520361" sldId="275"/>
+            <ac:picMk id="1030" creationId="{1C18D43F-2855-65EA-5BFF-1D93A1FA13DC}"/>
+          </ac:picMkLst>
+        </pc:picChg>
+      </pc:sldChg>
+      <pc:sldChg chg="modNotesTx">
+        <pc:chgData name="JHEYSON FABIAN VILLAVISAN BUITRAGO" userId="e5ced5c2-d787-455d-b115-4f08a699b8c8" providerId="ADAL" clId="{B0D2AAE1-3849-4962-BFD2-3A39DBE37F15}" dt="2025-01-08T16:07:09.531" v="1015" actId="20577"/>
+        <pc:sldMkLst>
+          <pc:docMk/>
+          <pc:sldMk cId="3511496054" sldId="276"/>
+        </pc:sldMkLst>
+      </pc:sldChg>
+      <pc:sldChg chg="addSp delSp modSp mod modNotes modNotesTx">
+        <pc:chgData name="JHEYSON FABIAN VILLAVISAN BUITRAGO" userId="e5ced5c2-d787-455d-b115-4f08a699b8c8" providerId="ADAL" clId="{B0D2AAE1-3849-4962-BFD2-3A39DBE37F15}" dt="2025-01-08T16:13:15.251" v="1129" actId="1076"/>
+        <pc:sldMkLst>
+          <pc:docMk/>
+          <pc:sldMk cId="2587530529" sldId="277"/>
+        </pc:sldMkLst>
+        <pc:spChg chg="mod">
+          <ac:chgData name="JHEYSON FABIAN VILLAVISAN BUITRAGO" userId="e5ced5c2-d787-455d-b115-4f08a699b8c8" providerId="ADAL" clId="{B0D2AAE1-3849-4962-BFD2-3A39DBE37F15}" dt="2025-01-08T15:56:14.138" v="997" actId="20577"/>
+          <ac:spMkLst>
+            <pc:docMk/>
+            <pc:sldMk cId="2587530529" sldId="277"/>
+            <ac:spMk id="10" creationId="{AF4E183E-A171-4923-A99E-D149888CEC37}"/>
+          </ac:spMkLst>
+        </pc:spChg>
+        <pc:spChg chg="add mod">
+          <ac:chgData name="JHEYSON FABIAN VILLAVISAN BUITRAGO" userId="e5ced5c2-d787-455d-b115-4f08a699b8c8" providerId="ADAL" clId="{B0D2AAE1-3849-4962-BFD2-3A39DBE37F15}" dt="2025-01-08T16:13:15.251" v="1129" actId="1076"/>
+          <ac:spMkLst>
+            <pc:docMk/>
+            <pc:sldMk cId="2587530529" sldId="277"/>
+            <ac:spMk id="11" creationId="{1BEF294D-CA20-B8F1-F3A7-705726FD011C}"/>
+          </ac:spMkLst>
+        </pc:spChg>
+        <pc:picChg chg="del mod">
+          <ac:chgData name="JHEYSON FABIAN VILLAVISAN BUITRAGO" userId="e5ced5c2-d787-455d-b115-4f08a699b8c8" providerId="ADAL" clId="{B0D2AAE1-3849-4962-BFD2-3A39DBE37F15}" dt="2025-01-08T16:08:35.437" v="1016" actId="478"/>
+          <ac:picMkLst>
+            <pc:docMk/>
+            <pc:sldMk cId="2587530529" sldId="277"/>
+            <ac:picMk id="3" creationId="{0E423D7D-ED47-174C-29C9-00D4328D40B3}"/>
+          </ac:picMkLst>
+        </pc:picChg>
+        <pc:picChg chg="add mod">
+          <ac:chgData name="JHEYSON FABIAN VILLAVISAN BUITRAGO" userId="e5ced5c2-d787-455d-b115-4f08a699b8c8" providerId="ADAL" clId="{B0D2AAE1-3849-4962-BFD2-3A39DBE37F15}" dt="2025-01-08T16:09:46.839" v="1027" actId="1076"/>
+          <ac:picMkLst>
+            <pc:docMk/>
+            <pc:sldMk cId="2587530529" sldId="277"/>
+            <ac:picMk id="6" creationId="{3A79F405-2DA1-B192-BEF1-FE126996BCC8}"/>
+          </ac:picMkLst>
+        </pc:picChg>
+        <pc:picChg chg="del mod">
+          <ac:chgData name="JHEYSON FABIAN VILLAVISAN BUITRAGO" userId="e5ced5c2-d787-455d-b115-4f08a699b8c8" providerId="ADAL" clId="{B0D2AAE1-3849-4962-BFD2-3A39DBE37F15}" dt="2025-01-08T16:08:35.731" v="1017" actId="478"/>
+          <ac:picMkLst>
+            <pc:docMk/>
+            <pc:sldMk cId="2587530529" sldId="277"/>
+            <ac:picMk id="7" creationId="{7B888150-3D13-F724-3936-F6D7FB619E22}"/>
+          </ac:picMkLst>
+        </pc:picChg>
+        <pc:picChg chg="add mod">
+          <ac:chgData name="JHEYSON FABIAN VILLAVISAN BUITRAGO" userId="e5ced5c2-d787-455d-b115-4f08a699b8c8" providerId="ADAL" clId="{B0D2AAE1-3849-4962-BFD2-3A39DBE37F15}" dt="2025-01-08T16:09:48.384" v="1028" actId="1076"/>
+          <ac:picMkLst>
+            <pc:docMk/>
+            <pc:sldMk cId="2587530529" sldId="277"/>
+            <ac:picMk id="9" creationId="{F79A4F5E-123D-D8CB-7DE6-1C756C60A7F1}"/>
+          </ac:picMkLst>
+        </pc:picChg>
+        <pc:picChg chg="del">
+          <ac:chgData name="JHEYSON FABIAN VILLAVISAN BUITRAGO" userId="e5ced5c2-d787-455d-b115-4f08a699b8c8" providerId="ADAL" clId="{B0D2AAE1-3849-4962-BFD2-3A39DBE37F15}" dt="2025-01-08T16:04:31.744" v="1012" actId="478"/>
+          <ac:picMkLst>
+            <pc:docMk/>
+            <pc:sldMk cId="2587530529" sldId="277"/>
+            <ac:picMk id="1030" creationId="{1C18D43F-2855-65EA-5BFF-1D93A1FA13DC}"/>
+          </ac:picMkLst>
+        </pc:picChg>
+      </pc:sldChg>
+      <pc:sldChg chg="modNotesTx">
+        <pc:chgData name="JHEYSON FABIAN VILLAVISAN BUITRAGO" userId="e5ced5c2-d787-455d-b115-4f08a699b8c8" providerId="ADAL" clId="{B0D2AAE1-3849-4962-BFD2-3A39DBE37F15}" dt="2025-01-08T16:07:07.837" v="1014" actId="20577"/>
+        <pc:sldMkLst>
+          <pc:docMk/>
+          <pc:sldMk cId="2126111200" sldId="278"/>
+        </pc:sldMkLst>
+      </pc:sldChg>
+      <pc:sldChg chg="modSp mod">
+        <pc:chgData name="JHEYSON FABIAN VILLAVISAN BUITRAGO" userId="e5ced5c2-d787-455d-b115-4f08a699b8c8" providerId="ADAL" clId="{B0D2AAE1-3849-4962-BFD2-3A39DBE37F15}" dt="2025-01-08T16:17:52.651" v="1182" actId="20577"/>
+        <pc:sldMkLst>
+          <pc:docMk/>
+          <pc:sldMk cId="929824070" sldId="279"/>
+        </pc:sldMkLst>
+        <pc:spChg chg="mod">
+          <ac:chgData name="JHEYSON FABIAN VILLAVISAN BUITRAGO" userId="e5ced5c2-d787-455d-b115-4f08a699b8c8" providerId="ADAL" clId="{B0D2AAE1-3849-4962-BFD2-3A39DBE37F15}" dt="2025-01-08T16:17:52.651" v="1182" actId="20577"/>
+          <ac:spMkLst>
+            <pc:docMk/>
+            <pc:sldMk cId="929824070" sldId="279"/>
+            <ac:spMk id="10" creationId="{AF4E183E-A171-4923-A99E-D149888CEC37}"/>
+          </ac:spMkLst>
+        </pc:spChg>
+      </pc:sldChg>
+      <pc:sldChg chg="modSp mod">
+        <pc:chgData name="JHEYSON FABIAN VILLAVISAN BUITRAGO" userId="e5ced5c2-d787-455d-b115-4f08a699b8c8" providerId="ADAL" clId="{B0D2AAE1-3849-4962-BFD2-3A39DBE37F15}" dt="2025-01-08T16:17:55.253" v="1184" actId="20577"/>
+        <pc:sldMkLst>
+          <pc:docMk/>
+          <pc:sldMk cId="1860376443" sldId="280"/>
+        </pc:sldMkLst>
+        <pc:spChg chg="mod">
+          <ac:chgData name="JHEYSON FABIAN VILLAVISAN BUITRAGO" userId="e5ced5c2-d787-455d-b115-4f08a699b8c8" providerId="ADAL" clId="{B0D2AAE1-3849-4962-BFD2-3A39DBE37F15}" dt="2025-01-08T16:17:55.253" v="1184" actId="20577"/>
+          <ac:spMkLst>
+            <pc:docMk/>
+            <pc:sldMk cId="1860376443" sldId="280"/>
+            <ac:spMk id="10" creationId="{AF4E183E-A171-4923-A99E-D149888CEC37}"/>
+          </ac:spMkLst>
+        </pc:spChg>
+      </pc:sldChg>
+      <pc:sldChg chg="del">
+        <pc:chgData name="JHEYSON FABIAN VILLAVISAN BUITRAGO" userId="e5ced5c2-d787-455d-b115-4f08a699b8c8" providerId="ADAL" clId="{B0D2AAE1-3849-4962-BFD2-3A39DBE37F15}" dt="2025-01-08T16:21:24.192" v="1213" actId="47"/>
+        <pc:sldMkLst>
+          <pc:docMk/>
+          <pc:sldMk cId="1406170200" sldId="281"/>
+        </pc:sldMkLst>
+      </pc:sldChg>
+      <pc:sldChg chg="modSp mod">
+        <pc:chgData name="JHEYSON FABIAN VILLAVISAN BUITRAGO" userId="e5ced5c2-d787-455d-b115-4f08a699b8c8" providerId="ADAL" clId="{B0D2AAE1-3849-4962-BFD2-3A39DBE37F15}" dt="2025-01-08T16:21:38.866" v="1218" actId="20577"/>
+        <pc:sldMkLst>
+          <pc:docMk/>
+          <pc:sldMk cId="1800295832" sldId="283"/>
+        </pc:sldMkLst>
+        <pc:spChg chg="mod">
+          <ac:chgData name="JHEYSON FABIAN VILLAVISAN BUITRAGO" userId="e5ced5c2-d787-455d-b115-4f08a699b8c8" providerId="ADAL" clId="{B0D2AAE1-3849-4962-BFD2-3A39DBE37F15}" dt="2025-01-08T16:21:38.866" v="1218" actId="20577"/>
+          <ac:spMkLst>
+            <pc:docMk/>
+            <pc:sldMk cId="1800295832" sldId="283"/>
+            <ac:spMk id="10" creationId="{AF4E183E-A171-4923-A99E-D149888CEC37}"/>
+          </ac:spMkLst>
+        </pc:spChg>
+      </pc:sldChg>
+      <pc:sldChg chg="modSp mod">
+        <pc:chgData name="JHEYSON FABIAN VILLAVISAN BUITRAGO" userId="e5ced5c2-d787-455d-b115-4f08a699b8c8" providerId="ADAL" clId="{B0D2AAE1-3849-4962-BFD2-3A39DBE37F15}" dt="2025-01-08T16:21:40.935" v="1220" actId="20577"/>
+        <pc:sldMkLst>
+          <pc:docMk/>
+          <pc:sldMk cId="3861690608" sldId="284"/>
+        </pc:sldMkLst>
+        <pc:spChg chg="mod">
+          <ac:chgData name="JHEYSON FABIAN VILLAVISAN BUITRAGO" userId="e5ced5c2-d787-455d-b115-4f08a699b8c8" providerId="ADAL" clId="{B0D2AAE1-3849-4962-BFD2-3A39DBE37F15}" dt="2025-01-08T16:21:40.935" v="1220" actId="20577"/>
+          <ac:spMkLst>
+            <pc:docMk/>
+            <pc:sldMk cId="3861690608" sldId="284"/>
+            <ac:spMk id="10" creationId="{AF4E183E-A171-4923-A99E-D149888CEC37}"/>
+          </ac:spMkLst>
+        </pc:spChg>
+      </pc:sldChg>
+      <pc:sldChg chg="modSp mod">
+        <pc:chgData name="JHEYSON FABIAN VILLAVISAN BUITRAGO" userId="e5ced5c2-d787-455d-b115-4f08a699b8c8" providerId="ADAL" clId="{B0D2AAE1-3849-4962-BFD2-3A39DBE37F15}" dt="2025-01-08T16:21:36.067" v="1216" actId="20577"/>
+        <pc:sldMkLst>
+          <pc:docMk/>
+          <pc:sldMk cId="197386410" sldId="285"/>
+        </pc:sldMkLst>
+        <pc:spChg chg="mod">
+          <ac:chgData name="JHEYSON FABIAN VILLAVISAN BUITRAGO" userId="e5ced5c2-d787-455d-b115-4f08a699b8c8" providerId="ADAL" clId="{B0D2AAE1-3849-4962-BFD2-3A39DBE37F15}" dt="2025-01-08T16:21:36.067" v="1216" actId="20577"/>
+          <ac:spMkLst>
+            <pc:docMk/>
+            <pc:sldMk cId="197386410" sldId="285"/>
+            <ac:spMk id="10" creationId="{AF4E183E-A171-4923-A99E-D149888CEC37}"/>
+          </ac:spMkLst>
+        </pc:spChg>
+      </pc:sldChg>
+      <pc:sldChg chg="del">
+        <pc:chgData name="JHEYSON FABIAN VILLAVISAN BUITRAGO" userId="e5ced5c2-d787-455d-b115-4f08a699b8c8" providerId="ADAL" clId="{B0D2AAE1-3849-4962-BFD2-3A39DBE37F15}" dt="2025-01-08T16:21:27.216" v="1214" actId="47"/>
+        <pc:sldMkLst>
+          <pc:docMk/>
+          <pc:sldMk cId="2009991203" sldId="286"/>
+        </pc:sldMkLst>
+      </pc:sldChg>
+      <pc:sldChg chg="modSp mod">
+        <pc:chgData name="JHEYSON FABIAN VILLAVISAN BUITRAGO" userId="e5ced5c2-d787-455d-b115-4f08a699b8c8" providerId="ADAL" clId="{B0D2AAE1-3849-4962-BFD2-3A39DBE37F15}" dt="2025-01-08T16:21:44.133" v="1222" actId="20577"/>
+        <pc:sldMkLst>
+          <pc:docMk/>
+          <pc:sldMk cId="1989227391" sldId="287"/>
+        </pc:sldMkLst>
+        <pc:spChg chg="mod">
+          <ac:chgData name="JHEYSON FABIAN VILLAVISAN BUITRAGO" userId="e5ced5c2-d787-455d-b115-4f08a699b8c8" providerId="ADAL" clId="{B0D2AAE1-3849-4962-BFD2-3A39DBE37F15}" dt="2025-01-08T16:21:44.133" v="1222" actId="20577"/>
+          <ac:spMkLst>
+            <pc:docMk/>
+            <pc:sldMk cId="1989227391" sldId="287"/>
+            <ac:spMk id="10" creationId="{AF4E183E-A171-4923-A99E-D149888CEC37}"/>
+          </ac:spMkLst>
+        </pc:spChg>
+      </pc:sldChg>
       <pc:sldChg chg="addSp delSp modSp mod">
-        <pc:chgData name="JHEYSON FABIAN VILLAVISAN BUITRAGO" userId="e5ced5c2-d787-455d-b115-4f08a699b8c8" providerId="ADAL" clId="{B0D2AAE1-3849-4962-BFD2-3A39DBE37F15}" dt="2025-01-04T23:14:42.796" v="3"/>
+        <pc:chgData name="JHEYSON FABIAN VILLAVISAN BUITRAGO" userId="e5ced5c2-d787-455d-b115-4f08a699b8c8" providerId="ADAL" clId="{B0D2AAE1-3849-4962-BFD2-3A39DBE37F15}" dt="2025-01-08T15:56:04.509" v="996" actId="20577"/>
         <pc:sldMkLst>
           <pc:docMk/>
           <pc:sldMk cId="2965408220" sldId="288"/>
@@ -451,12 +697,12 @@
             <ac:spMk id="3" creationId="{B396EEDD-9354-BA85-7B58-B5454BBD249F}"/>
           </ac:spMkLst>
         </pc:spChg>
-        <pc:spChg chg="del">
-          <ac:chgData name="JHEYSON FABIAN VILLAVISAN BUITRAGO" userId="e5ced5c2-d787-455d-b115-4f08a699b8c8" providerId="ADAL" clId="{B0D2AAE1-3849-4962-BFD2-3A39DBE37F15}" dt="2025-01-04T23:14:39.225" v="2" actId="478"/>
+        <pc:spChg chg="mod">
+          <ac:chgData name="JHEYSON FABIAN VILLAVISAN BUITRAGO" userId="e5ced5c2-d787-455d-b115-4f08a699b8c8" providerId="ADAL" clId="{B0D2AAE1-3849-4962-BFD2-3A39DBE37F15}" dt="2025-01-08T15:56:04.509" v="996" actId="20577"/>
           <ac:spMkLst>
             <pc:docMk/>
             <pc:sldMk cId="2965408220" sldId="288"/>
-            <ac:spMk id="8" creationId="{5932E3F1-24A7-A01F-0773-6237BD556E80}"/>
+            <ac:spMk id="11266" creationId="{74AD047A-E86C-4E92-874D-BAA043AB0B46}"/>
           </ac:spMkLst>
         </pc:spChg>
         <pc:graphicFrameChg chg="add mod">
@@ -467,14 +713,190 @@
             <ac:graphicFrameMk id="2" creationId="{6A54150F-930A-ABAC-83B5-E4571DF5665A}"/>
           </ac:graphicFrameMkLst>
         </pc:graphicFrameChg>
-        <pc:graphicFrameChg chg="del">
-          <ac:chgData name="JHEYSON FABIAN VILLAVISAN BUITRAGO" userId="e5ced5c2-d787-455d-b115-4f08a699b8c8" providerId="ADAL" clId="{B0D2AAE1-3849-4962-BFD2-3A39DBE37F15}" dt="2025-01-04T23:14:33.209" v="0" actId="478"/>
-          <ac:graphicFrameMkLst>
+      </pc:sldChg>
+      <pc:sldChg chg="modSp mod">
+        <pc:chgData name="JHEYSON FABIAN VILLAVISAN BUITRAGO" userId="e5ced5c2-d787-455d-b115-4f08a699b8c8" providerId="ADAL" clId="{B0D2AAE1-3849-4962-BFD2-3A39DBE37F15}" dt="2025-01-08T16:19:11.937" v="1196" actId="20577"/>
+        <pc:sldMkLst>
+          <pc:docMk/>
+          <pc:sldMk cId="1667910722" sldId="289"/>
+        </pc:sldMkLst>
+        <pc:spChg chg="mod">
+          <ac:chgData name="JHEYSON FABIAN VILLAVISAN BUITRAGO" userId="e5ced5c2-d787-455d-b115-4f08a699b8c8" providerId="ADAL" clId="{B0D2AAE1-3849-4962-BFD2-3A39DBE37F15}" dt="2025-01-08T16:19:11.937" v="1196" actId="20577"/>
+          <ac:spMkLst>
             <pc:docMk/>
-            <pc:sldMk cId="2965408220" sldId="288"/>
-            <ac:graphicFrameMk id="6" creationId="{EAFA30B9-B74F-C807-F5CF-91ADE1B5A28F}"/>
-          </ac:graphicFrameMkLst>
-        </pc:graphicFrameChg>
+            <pc:sldMk cId="1667910722" sldId="289"/>
+            <ac:spMk id="10" creationId="{AF4E183E-A171-4923-A99E-D149888CEC37}"/>
+          </ac:spMkLst>
+        </pc:spChg>
+      </pc:sldChg>
+      <pc:sldChg chg="modSp mod">
+        <pc:chgData name="JHEYSON FABIAN VILLAVISAN BUITRAGO" userId="e5ced5c2-d787-455d-b115-4f08a699b8c8" providerId="ADAL" clId="{B0D2AAE1-3849-4962-BFD2-3A39DBE37F15}" dt="2025-01-08T16:19:07.106" v="1188" actId="20577"/>
+        <pc:sldMkLst>
+          <pc:docMk/>
+          <pc:sldMk cId="168874632" sldId="290"/>
+        </pc:sldMkLst>
+        <pc:spChg chg="mod">
+          <ac:chgData name="JHEYSON FABIAN VILLAVISAN BUITRAGO" userId="e5ced5c2-d787-455d-b115-4f08a699b8c8" providerId="ADAL" clId="{B0D2AAE1-3849-4962-BFD2-3A39DBE37F15}" dt="2025-01-08T16:19:07.106" v="1188" actId="20577"/>
+          <ac:spMkLst>
+            <pc:docMk/>
+            <pc:sldMk cId="168874632" sldId="290"/>
+            <ac:spMk id="10" creationId="{AF4E183E-A171-4923-A99E-D149888CEC37}"/>
+          </ac:spMkLst>
+        </pc:spChg>
+      </pc:sldChg>
+      <pc:sldChg chg="modSp mod">
+        <pc:chgData name="JHEYSON FABIAN VILLAVISAN BUITRAGO" userId="e5ced5c2-d787-455d-b115-4f08a699b8c8" providerId="ADAL" clId="{B0D2AAE1-3849-4962-BFD2-3A39DBE37F15}" dt="2025-01-08T16:19:14.211" v="1198" actId="20577"/>
+        <pc:sldMkLst>
+          <pc:docMk/>
+          <pc:sldMk cId="1271799798" sldId="291"/>
+        </pc:sldMkLst>
+        <pc:spChg chg="mod">
+          <ac:chgData name="JHEYSON FABIAN VILLAVISAN BUITRAGO" userId="e5ced5c2-d787-455d-b115-4f08a699b8c8" providerId="ADAL" clId="{B0D2AAE1-3849-4962-BFD2-3A39DBE37F15}" dt="2025-01-08T16:19:14.211" v="1198" actId="20577"/>
+          <ac:spMkLst>
+            <pc:docMk/>
+            <pc:sldMk cId="1271799798" sldId="291"/>
+            <ac:spMk id="10" creationId="{AF4E183E-A171-4923-A99E-D149888CEC37}"/>
+          </ac:spMkLst>
+        </pc:spChg>
+      </pc:sldChg>
+      <pc:sldChg chg="modSp mod">
+        <pc:chgData name="JHEYSON FABIAN VILLAVISAN BUITRAGO" userId="e5ced5c2-d787-455d-b115-4f08a699b8c8" providerId="ADAL" clId="{B0D2AAE1-3849-4962-BFD2-3A39DBE37F15}" dt="2025-01-08T16:19:15.893" v="1200" actId="20577"/>
+        <pc:sldMkLst>
+          <pc:docMk/>
+          <pc:sldMk cId="2520616285" sldId="292"/>
+        </pc:sldMkLst>
+        <pc:spChg chg="mod">
+          <ac:chgData name="JHEYSON FABIAN VILLAVISAN BUITRAGO" userId="e5ced5c2-d787-455d-b115-4f08a699b8c8" providerId="ADAL" clId="{B0D2AAE1-3849-4962-BFD2-3A39DBE37F15}" dt="2025-01-08T16:19:15.893" v="1200" actId="20577"/>
+          <ac:spMkLst>
+            <pc:docMk/>
+            <pc:sldMk cId="2520616285" sldId="292"/>
+            <ac:spMk id="10" creationId="{AF4E183E-A171-4923-A99E-D149888CEC37}"/>
+          </ac:spMkLst>
+        </pc:spChg>
+      </pc:sldChg>
+      <pc:sldChg chg="delSp modSp mod">
+        <pc:chgData name="JHEYSON FABIAN VILLAVISAN BUITRAGO" userId="e5ced5c2-d787-455d-b115-4f08a699b8c8" providerId="ADAL" clId="{B0D2AAE1-3849-4962-BFD2-3A39DBE37F15}" dt="2025-01-08T16:19:25.987" v="1206"/>
+        <pc:sldMkLst>
+          <pc:docMk/>
+          <pc:sldMk cId="3914863035" sldId="293"/>
+        </pc:sldMkLst>
+        <pc:spChg chg="del mod">
+          <ac:chgData name="JHEYSON FABIAN VILLAVISAN BUITRAGO" userId="e5ced5c2-d787-455d-b115-4f08a699b8c8" providerId="ADAL" clId="{B0D2AAE1-3849-4962-BFD2-3A39DBE37F15}" dt="2025-01-08T16:19:25.987" v="1206"/>
+          <ac:spMkLst>
+            <pc:docMk/>
+            <pc:sldMk cId="3914863035" sldId="293"/>
+            <ac:spMk id="4" creationId="{288647F6-17F8-0AD9-C07D-435342577836}"/>
+          </ac:spMkLst>
+        </pc:spChg>
+        <pc:spChg chg="mod">
+          <ac:chgData name="JHEYSON FABIAN VILLAVISAN BUITRAGO" userId="e5ced5c2-d787-455d-b115-4f08a699b8c8" providerId="ADAL" clId="{B0D2AAE1-3849-4962-BFD2-3A39DBE37F15}" dt="2025-01-08T16:19:18.990" v="1202" actId="20577"/>
+          <ac:spMkLst>
+            <pc:docMk/>
+            <pc:sldMk cId="3914863035" sldId="293"/>
+            <ac:spMk id="10" creationId="{AF4E183E-A171-4923-A99E-D149888CEC37}"/>
+          </ac:spMkLst>
+        </pc:spChg>
+      </pc:sldChg>
+      <pc:sldChg chg="modSp add mod modNotesTx">
+        <pc:chgData name="JHEYSON FABIAN VILLAVISAN BUITRAGO" userId="e5ced5c2-d787-455d-b115-4f08a699b8c8" providerId="ADAL" clId="{B0D2AAE1-3849-4962-BFD2-3A39DBE37F15}" dt="2025-01-08T16:07:06.221" v="1013" actId="20577"/>
+        <pc:sldMkLst>
+          <pc:docMk/>
+          <pc:sldMk cId="4064584512" sldId="294"/>
+        </pc:sldMkLst>
+        <pc:spChg chg="mod">
+          <ac:chgData name="JHEYSON FABIAN VILLAVISAN BUITRAGO" userId="e5ced5c2-d787-455d-b115-4f08a699b8c8" providerId="ADAL" clId="{B0D2AAE1-3849-4962-BFD2-3A39DBE37F15}" dt="2025-01-08T15:41:20.497" v="74" actId="20577"/>
+          <ac:spMkLst>
+            <pc:docMk/>
+            <pc:sldMk cId="4064584512" sldId="294"/>
+            <ac:spMk id="2" creationId="{1C67F525-9A5D-1C2A-E304-1FD32A6A422E}"/>
+          </ac:spMkLst>
+        </pc:spChg>
+        <pc:spChg chg="mod">
+          <ac:chgData name="JHEYSON FABIAN VILLAVISAN BUITRAGO" userId="e5ced5c2-d787-455d-b115-4f08a699b8c8" providerId="ADAL" clId="{B0D2AAE1-3849-4962-BFD2-3A39DBE37F15}" dt="2025-01-08T16:03:01.412" v="1010" actId="20577"/>
+          <ac:spMkLst>
+            <pc:docMk/>
+            <pc:sldMk cId="4064584512" sldId="294"/>
+            <ac:spMk id="3" creationId="{50CE4E0F-FF63-685B-C1B0-B35C200C74F1}"/>
+          </ac:spMkLst>
+        </pc:spChg>
+        <pc:spChg chg="mod">
+          <ac:chgData name="JHEYSON FABIAN VILLAVISAN BUITRAGO" userId="e5ced5c2-d787-455d-b115-4f08a699b8c8" providerId="ADAL" clId="{B0D2AAE1-3849-4962-BFD2-3A39DBE37F15}" dt="2025-01-08T15:48:28.231" v="677" actId="20577"/>
+          <ac:spMkLst>
+            <pc:docMk/>
+            <pc:sldMk cId="4064584512" sldId="294"/>
+            <ac:spMk id="10" creationId="{A58BF7A6-05C7-54C8-3742-DF1A4E895F4B}"/>
+          </ac:spMkLst>
+        </pc:spChg>
+      </pc:sldChg>
+      <pc:sldChg chg="delSp modSp add mod modNotesTx">
+        <pc:chgData name="JHEYSON FABIAN VILLAVISAN BUITRAGO" userId="e5ced5c2-d787-455d-b115-4f08a699b8c8" providerId="ADAL" clId="{B0D2AAE1-3849-4962-BFD2-3A39DBE37F15}" dt="2025-01-08T16:19:38.347" v="1212" actId="20577"/>
+        <pc:sldMkLst>
+          <pc:docMk/>
+          <pc:sldMk cId="3187294709" sldId="295"/>
+        </pc:sldMkLst>
+        <pc:spChg chg="mod">
+          <ac:chgData name="JHEYSON FABIAN VILLAVISAN BUITRAGO" userId="e5ced5c2-d787-455d-b115-4f08a699b8c8" providerId="ADAL" clId="{B0D2AAE1-3849-4962-BFD2-3A39DBE37F15}" dt="2025-01-08T15:46:06.788" v="387" actId="20577"/>
+          <ac:spMkLst>
+            <pc:docMk/>
+            <pc:sldMk cId="3187294709" sldId="295"/>
+            <ac:spMk id="2" creationId="{B9A2C192-52E3-A738-EB1E-5E43D00E4DB8}"/>
+          </ac:spMkLst>
+        </pc:spChg>
+        <pc:spChg chg="mod">
+          <ac:chgData name="JHEYSON FABIAN VILLAVISAN BUITRAGO" userId="e5ced5c2-d787-455d-b115-4f08a699b8c8" providerId="ADAL" clId="{B0D2AAE1-3849-4962-BFD2-3A39DBE37F15}" dt="2025-01-08T16:01:05.951" v="999" actId="20577"/>
+          <ac:spMkLst>
+            <pc:docMk/>
+            <pc:sldMk cId="3187294709" sldId="295"/>
+            <ac:spMk id="3" creationId="{315DC0A2-F745-7B83-5FBF-BD27D9D916C0}"/>
+          </ac:spMkLst>
+        </pc:spChg>
+        <pc:spChg chg="del mod">
+          <ac:chgData name="JHEYSON FABIAN VILLAVISAN BUITRAGO" userId="e5ced5c2-d787-455d-b115-4f08a699b8c8" providerId="ADAL" clId="{B0D2AAE1-3849-4962-BFD2-3A39DBE37F15}" dt="2025-01-08T16:19:36.242" v="1210"/>
+          <ac:spMkLst>
+            <pc:docMk/>
+            <pc:sldMk cId="3187294709" sldId="295"/>
+            <ac:spMk id="4" creationId="{4DBC0ADE-652F-F265-A81D-0B67F49E0B00}"/>
+          </ac:spMkLst>
+        </pc:spChg>
+        <pc:spChg chg="mod">
+          <ac:chgData name="JHEYSON FABIAN VILLAVISAN BUITRAGO" userId="e5ced5c2-d787-455d-b115-4f08a699b8c8" providerId="ADAL" clId="{B0D2AAE1-3849-4962-BFD2-3A39DBE37F15}" dt="2025-01-08T16:19:38.347" v="1212" actId="20577"/>
+          <ac:spMkLst>
+            <pc:docMk/>
+            <pc:sldMk cId="3187294709" sldId="295"/>
+            <ac:spMk id="10" creationId="{643720C1-64C1-522C-F3B7-B4FADF99A752}"/>
+          </ac:spMkLst>
+        </pc:spChg>
+      </pc:sldChg>
+      <pc:sldChg chg="modSp add mod">
+        <pc:chgData name="JHEYSON FABIAN VILLAVISAN BUITRAGO" userId="e5ced5c2-d787-455d-b115-4f08a699b8c8" providerId="ADAL" clId="{B0D2AAE1-3849-4962-BFD2-3A39DBE37F15}" dt="2025-01-08T16:17:57.953" v="1186" actId="20577"/>
+        <pc:sldMkLst>
+          <pc:docMk/>
+          <pc:sldMk cId="4159872141" sldId="296"/>
+        </pc:sldMkLst>
+        <pc:spChg chg="mod">
+          <ac:chgData name="JHEYSON FABIAN VILLAVISAN BUITRAGO" userId="e5ced5c2-d787-455d-b115-4f08a699b8c8" providerId="ADAL" clId="{B0D2AAE1-3849-4962-BFD2-3A39DBE37F15}" dt="2025-01-08T16:13:43.779" v="1141" actId="20577"/>
+          <ac:spMkLst>
+            <pc:docMk/>
+            <pc:sldMk cId="4159872141" sldId="296"/>
+            <ac:spMk id="2" creationId="{CBB25D16-27A9-A978-8C30-1E53B98DF2B1}"/>
+          </ac:spMkLst>
+        </pc:spChg>
+        <pc:spChg chg="mod">
+          <ac:chgData name="JHEYSON FABIAN VILLAVISAN BUITRAGO" userId="e5ced5c2-d787-455d-b115-4f08a699b8c8" providerId="ADAL" clId="{B0D2AAE1-3849-4962-BFD2-3A39DBE37F15}" dt="2025-01-08T16:17:01.384" v="1181" actId="20577"/>
+          <ac:spMkLst>
+            <pc:docMk/>
+            <pc:sldMk cId="4159872141" sldId="296"/>
+            <ac:spMk id="3" creationId="{4D60EEE6-F383-612D-E5E9-0605149C5BF8}"/>
+          </ac:spMkLst>
+        </pc:spChg>
+        <pc:spChg chg="mod">
+          <ac:chgData name="JHEYSON FABIAN VILLAVISAN BUITRAGO" userId="e5ced5c2-d787-455d-b115-4f08a699b8c8" providerId="ADAL" clId="{B0D2AAE1-3849-4962-BFD2-3A39DBE37F15}" dt="2025-01-08T16:17:57.953" v="1186" actId="20577"/>
+          <ac:spMkLst>
+            <pc:docMk/>
+            <pc:sldMk cId="4159872141" sldId="296"/>
+            <ac:spMk id="10" creationId="{9074D388-FEB7-FEDC-02FC-1CEFD41E2A83}"/>
+          </ac:spMkLst>
+        </pc:spChg>
       </pc:sldChg>
     </pc:docChg>
   </pc:docChgLst>
@@ -1071,7 +1493,7 @@
               <a:pPr>
                 <a:defRPr/>
               </a:pPr>
-              <a:t>4/01/2025</a:t>
+              <a:t>8/01/2025</a:t>
             </a:fld>
             <a:endParaRPr lang="es-CO"/>
           </a:p>
@@ -1314,7 +1736,7 @@
               <a:pPr>
                 <a:defRPr/>
               </a:pPr>
-              <a:t>4/01/2025</a:t>
+              <a:t>8/01/2025</a:t>
             </a:fld>
             <a:endParaRPr lang="es-CO"/>
           </a:p>
@@ -1952,7 +2374,13 @@
   <p:cSld>
     <p:spTree>
       <p:nvGrpSpPr>
-        <p:cNvPr id="1" name=""/>
+        <p:cNvPr id="1" name="">
+          <a:extLst>
+            <a:ext uri="{FF2B5EF4-FFF2-40B4-BE49-F238E27FC236}">
+              <a16:creationId xmlns:a16="http://schemas.microsoft.com/office/drawing/2014/main" id="{8669128B-9B0D-86FA-0461-DAAD4E71B0EE}"/>
+            </a:ext>
+          </a:extLst>
+        </p:cNvPr>
         <p:cNvGrpSpPr/>
         <p:nvPr/>
       </p:nvGrpSpPr>
@@ -1966,7 +2394,13 @@
       </p:grpSpPr>
       <p:sp>
         <p:nvSpPr>
-          <p:cNvPr id="2" name="Marcador de imagen de diapositiva 1"/>
+          <p:cNvPr id="2" name="Marcador de imagen de diapositiva 1">
+            <a:extLst>
+              <a:ext uri="{FF2B5EF4-FFF2-40B4-BE49-F238E27FC236}">
+                <a16:creationId xmlns:a16="http://schemas.microsoft.com/office/drawing/2014/main" id="{DC73117F-626D-EB50-E24D-EC64C1D7D241}"/>
+              </a:ext>
+            </a:extLst>
+          </p:cNvPr>
           <p:cNvSpPr>
             <a:spLocks noGrp="1" noRot="1" noChangeAspect="1"/>
           </p:cNvSpPr>
@@ -1978,7 +2412,13 @@
       </p:sp>
       <p:sp>
         <p:nvSpPr>
-          <p:cNvPr id="3" name="Marcador de notas 2"/>
+          <p:cNvPr id="3" name="Marcador de notas 2">
+            <a:extLst>
+              <a:ext uri="{FF2B5EF4-FFF2-40B4-BE49-F238E27FC236}">
+                <a16:creationId xmlns:a16="http://schemas.microsoft.com/office/drawing/2014/main" id="{2359AE21-B868-1A55-1B57-53FC21DF4105}"/>
+              </a:ext>
+            </a:extLst>
+          </p:cNvPr>
           <p:cNvSpPr>
             <a:spLocks noGrp="1"/>
           </p:cNvSpPr>
@@ -1991,13 +2431,26 @@
           <a:bodyPr/>
           <a:lstStyle/>
           <a:p>
+            <a:r>
+              <a:rPr lang="es-ES" b="0" i="0" dirty="0">
+                <a:effectLst/>
+                <a:latin typeface="Söhne"/>
+              </a:rPr>
+              <a:t>Un ejemplo de esto podría ser una secuencia de alturas en diferentes ubicaciones en una montaña.</a:t>
+            </a:r>
             <a:endParaRPr lang="en-US" dirty="0"/>
           </a:p>
         </p:txBody>
       </p:sp>
       <p:sp>
         <p:nvSpPr>
-          <p:cNvPr id="4" name="Marcador de número de diapositiva 3"/>
+          <p:cNvPr id="4" name="Marcador de número de diapositiva 3">
+            <a:extLst>
+              <a:ext uri="{FF2B5EF4-FFF2-40B4-BE49-F238E27FC236}">
+                <a16:creationId xmlns:a16="http://schemas.microsoft.com/office/drawing/2014/main" id="{50A63FF5-1789-A72B-0F58-5CCAF496F4FD}"/>
+              </a:ext>
+            </a:extLst>
+          </p:cNvPr>
           <p:cNvSpPr>
             <a:spLocks noGrp="1"/>
           </p:cNvSpPr>
@@ -2027,7 +2480,7 @@
     </p:spTree>
     <p:extLst>
       <p:ext uri="{BB962C8B-B14F-4D97-AF65-F5344CB8AC3E}">
-        <p14:creationId xmlns:p14="http://schemas.microsoft.com/office/powerpoint/2010/main" val="383483995"/>
+        <p14:creationId xmlns:p14="http://schemas.microsoft.com/office/powerpoint/2010/main" val="3595173753"/>
       </p:ext>
     </p:extLst>
   </p:cSld>
@@ -2117,7 +2570,7 @@
     </p:spTree>
     <p:extLst>
       <p:ext uri="{BB962C8B-B14F-4D97-AF65-F5344CB8AC3E}">
-        <p14:creationId xmlns:p14="http://schemas.microsoft.com/office/powerpoint/2010/main" val="2242929388"/>
+        <p14:creationId xmlns:p14="http://schemas.microsoft.com/office/powerpoint/2010/main" val="445616917"/>
       </p:ext>
     </p:extLst>
   </p:cSld>
@@ -2207,7 +2660,7 @@
     </p:spTree>
     <p:extLst>
       <p:ext uri="{BB962C8B-B14F-4D97-AF65-F5344CB8AC3E}">
-        <p14:creationId xmlns:p14="http://schemas.microsoft.com/office/powerpoint/2010/main" val="378815917"/>
+        <p14:creationId xmlns:p14="http://schemas.microsoft.com/office/powerpoint/2010/main" val="383483995"/>
       </p:ext>
     </p:extLst>
   </p:cSld>
@@ -2297,7 +2750,7 @@
     </p:spTree>
     <p:extLst>
       <p:ext uri="{BB962C8B-B14F-4D97-AF65-F5344CB8AC3E}">
-        <p14:creationId xmlns:p14="http://schemas.microsoft.com/office/powerpoint/2010/main" val="3532699630"/>
+        <p14:creationId xmlns:p14="http://schemas.microsoft.com/office/powerpoint/2010/main" val="2242929388"/>
       </p:ext>
     </p:extLst>
   </p:cSld>
@@ -2351,7 +2804,7 @@
           <a:bodyPr/>
           <a:lstStyle/>
           <a:p>
-            <a:endParaRPr lang="en-US"/>
+            <a:endParaRPr lang="en-US" dirty="0"/>
           </a:p>
         </p:txBody>
       </p:sp>
@@ -2387,7 +2840,7 @@
     </p:spTree>
     <p:extLst>
       <p:ext uri="{BB962C8B-B14F-4D97-AF65-F5344CB8AC3E}">
-        <p14:creationId xmlns:p14="http://schemas.microsoft.com/office/powerpoint/2010/main" val="2656907389"/>
+        <p14:creationId xmlns:p14="http://schemas.microsoft.com/office/powerpoint/2010/main" val="378815917"/>
       </p:ext>
     </p:extLst>
   </p:cSld>
@@ -2441,14 +2894,7 @@
           <a:bodyPr/>
           <a:lstStyle/>
           <a:p>
-            <a:r>
-              <a:rPr lang="es-ES" b="0" i="0">
-                <a:effectLst/>
-                <a:latin typeface="Söhne"/>
-              </a:rPr>
-              <a:t>Un ejemplo de esto podría ser una secuencia de alturas en diferentes ubicaciones en una montaña.</a:t>
-            </a:r>
-            <a:endParaRPr lang="en-US"/>
+            <a:endParaRPr lang="en-US" dirty="0"/>
           </a:p>
         </p:txBody>
       </p:sp>
@@ -2484,7 +2930,7 @@
     </p:spTree>
     <p:extLst>
       <p:ext uri="{BB962C8B-B14F-4D97-AF65-F5344CB8AC3E}">
-        <p14:creationId xmlns:p14="http://schemas.microsoft.com/office/powerpoint/2010/main" val="4190918665"/>
+        <p14:creationId xmlns:p14="http://schemas.microsoft.com/office/powerpoint/2010/main" val="3532699630"/>
       </p:ext>
     </p:extLst>
   </p:cSld>
@@ -2499,7 +2945,13 @@
   <p:cSld>
     <p:spTree>
       <p:nvGrpSpPr>
-        <p:cNvPr id="1" name=""/>
+        <p:cNvPr id="1" name="">
+          <a:extLst>
+            <a:ext uri="{FF2B5EF4-FFF2-40B4-BE49-F238E27FC236}">
+              <a16:creationId xmlns:a16="http://schemas.microsoft.com/office/drawing/2014/main" id="{B8BBD9F2-ABE0-DCAF-3E02-E18B841B7CAB}"/>
+            </a:ext>
+          </a:extLst>
+        </p:cNvPr>
         <p:cNvGrpSpPr/>
         <p:nvPr/>
       </p:nvGrpSpPr>
@@ -2513,7 +2965,13 @@
       </p:grpSpPr>
       <p:sp>
         <p:nvSpPr>
-          <p:cNvPr id="2" name="Marcador de imagen de diapositiva 1"/>
+          <p:cNvPr id="2" name="Marcador de imagen de diapositiva 1">
+            <a:extLst>
+              <a:ext uri="{FF2B5EF4-FFF2-40B4-BE49-F238E27FC236}">
+                <a16:creationId xmlns:a16="http://schemas.microsoft.com/office/drawing/2014/main" id="{06F88DB7-ACF6-6A7B-0601-AB23AA5F5B8E}"/>
+              </a:ext>
+            </a:extLst>
+          </p:cNvPr>
           <p:cNvSpPr>
             <a:spLocks noGrp="1" noRot="1" noChangeAspect="1"/>
           </p:cNvSpPr>
@@ -2525,7 +2983,13 @@
       </p:sp>
       <p:sp>
         <p:nvSpPr>
-          <p:cNvPr id="3" name="Marcador de notas 2"/>
+          <p:cNvPr id="3" name="Marcador de notas 2">
+            <a:extLst>
+              <a:ext uri="{FF2B5EF4-FFF2-40B4-BE49-F238E27FC236}">
+                <a16:creationId xmlns:a16="http://schemas.microsoft.com/office/drawing/2014/main" id="{54D61A73-4E0F-C100-08E5-CC3B0CCDAC1F}"/>
+              </a:ext>
+            </a:extLst>
+          </p:cNvPr>
           <p:cNvSpPr>
             <a:spLocks noGrp="1"/>
           </p:cNvSpPr>
@@ -2538,13 +3002,127 @@
           <a:bodyPr/>
           <a:lstStyle/>
           <a:p>
-            <a:endParaRPr lang="en-US"/>
+            <a:pPr>
+              <a:lnSpc>
+                <a:spcPts val="1350"/>
+              </a:lnSpc>
+            </a:pPr>
+            <a:r>
+              <a:rPr lang="es-CO" b="0" i="0" dirty="0">
+                <a:solidFill>
+                  <a:srgbClr val="212121"/>
+                </a:solidFill>
+                <a:effectLst/>
+                <a:latin typeface="Menlo"/>
+              </a:rPr>
+              <a:t>e=senal_seno_discreta-senal_seno_discreta_Q1</a:t>
+            </a:r>
+          </a:p>
+          <a:p>
+            <a:pPr>
+              <a:lnSpc>
+                <a:spcPts val="1350"/>
+              </a:lnSpc>
+            </a:pPr>
+            <a:r>
+              <a:rPr lang="es-CO" b="0" i="0" dirty="0" err="1">
+                <a:solidFill>
+                  <a:srgbClr val="212121"/>
+                </a:solidFill>
+                <a:effectLst/>
+                <a:latin typeface="Menlo"/>
+              </a:rPr>
+              <a:t>stem</a:t>
+            </a:r>
+            <a:r>
+              <a:rPr lang="es-CO" b="0" i="0" dirty="0">
+                <a:solidFill>
+                  <a:srgbClr val="212121"/>
+                </a:solidFill>
+                <a:effectLst/>
+                <a:latin typeface="Menlo"/>
+              </a:rPr>
+              <a:t>(</a:t>
+            </a:r>
+            <a:r>
+              <a:rPr lang="es-CO" b="0" i="0" dirty="0" err="1">
+                <a:solidFill>
+                  <a:srgbClr val="212121"/>
+                </a:solidFill>
+                <a:effectLst/>
+                <a:latin typeface="Menlo"/>
+              </a:rPr>
+              <a:t>tiempo_discreto</a:t>
+            </a:r>
+            <a:r>
+              <a:rPr lang="es-CO" b="0" i="0" dirty="0">
+                <a:solidFill>
+                  <a:srgbClr val="212121"/>
+                </a:solidFill>
+                <a:effectLst/>
+                <a:latin typeface="Menlo"/>
+              </a:rPr>
+              <a:t>, e);</a:t>
+            </a:r>
+          </a:p>
+          <a:p>
+            <a:pPr>
+              <a:lnSpc>
+                <a:spcPts val="1350"/>
+              </a:lnSpc>
+            </a:pPr>
+            <a:r>
+              <a:rPr lang="es-CO" b="0" i="0" dirty="0" err="1">
+                <a:solidFill>
+                  <a:srgbClr val="212121"/>
+                </a:solidFill>
+                <a:effectLst/>
+                <a:latin typeface="Menlo"/>
+              </a:rPr>
+              <a:t>grid</a:t>
+            </a:r>
+            <a:r>
+              <a:rPr lang="es-CO" b="0" i="0" dirty="0">
+                <a:solidFill>
+                  <a:srgbClr val="212121"/>
+                </a:solidFill>
+                <a:effectLst/>
+                <a:latin typeface="Menlo"/>
+              </a:rPr>
+              <a:t> </a:t>
+            </a:r>
+            <a:r>
+              <a:rPr lang="es-CO" b="0" i="0" u="none" strike="noStrike" dirty="0" err="1">
+                <a:solidFill>
+                  <a:srgbClr val="A709F5"/>
+                </a:solidFill>
+                <a:effectLst/>
+                <a:latin typeface="Menlo"/>
+              </a:rPr>
+              <a:t>on</a:t>
+            </a:r>
+            <a:r>
+              <a:rPr lang="es-CO" b="0" i="0" dirty="0">
+                <a:solidFill>
+                  <a:srgbClr val="212121"/>
+                </a:solidFill>
+                <a:effectLst/>
+                <a:latin typeface="Menlo"/>
+              </a:rPr>
+              <a:t>;</a:t>
+            </a:r>
           </a:p>
         </p:txBody>
       </p:sp>
       <p:sp>
         <p:nvSpPr>
-          <p:cNvPr id="4" name="Marcador de número de diapositiva 3"/>
+          <p:cNvPr id="4" name="Marcador de número de diapositiva 3">
+            <a:extLst>
+              <a:ext uri="{FF2B5EF4-FFF2-40B4-BE49-F238E27FC236}">
+                <a16:creationId xmlns:a16="http://schemas.microsoft.com/office/drawing/2014/main" id="{14111714-7B70-A796-6CA4-C70E70A05C36}"/>
+              </a:ext>
+            </a:extLst>
+          </p:cNvPr>
           <p:cNvSpPr>
             <a:spLocks noGrp="1"/>
           </p:cNvSpPr>
@@ -2574,7 +3152,7 @@
     </p:spTree>
     <p:extLst>
       <p:ext uri="{BB962C8B-B14F-4D97-AF65-F5344CB8AC3E}">
-        <p14:creationId xmlns:p14="http://schemas.microsoft.com/office/powerpoint/2010/main" val="2159518156"/>
+        <p14:creationId xmlns:p14="http://schemas.microsoft.com/office/powerpoint/2010/main" val="2983732231"/>
       </p:ext>
     </p:extLst>
   </p:cSld>
@@ -2628,6 +3206,13 @@
           <a:bodyPr/>
           <a:lstStyle/>
           <a:p>
+            <a:r>
+              <a:rPr lang="es-ES" b="0" i="0">
+                <a:effectLst/>
+                <a:latin typeface="Söhne"/>
+              </a:rPr>
+              <a:t>Un ejemplo de esto podría ser una secuencia de alturas en diferentes ubicaciones en una montaña.</a:t>
+            </a:r>
             <a:endParaRPr lang="en-US"/>
           </a:p>
         </p:txBody>
@@ -2664,7 +3249,7 @@
     </p:spTree>
     <p:extLst>
       <p:ext uri="{BB962C8B-B14F-4D97-AF65-F5344CB8AC3E}">
-        <p14:creationId xmlns:p14="http://schemas.microsoft.com/office/powerpoint/2010/main" val="3619559313"/>
+        <p14:creationId xmlns:p14="http://schemas.microsoft.com/office/powerpoint/2010/main" val="4190918665"/>
       </p:ext>
     </p:extLst>
   </p:cSld>
@@ -2754,7 +3339,7 @@
     </p:spTree>
     <p:extLst>
       <p:ext uri="{BB962C8B-B14F-4D97-AF65-F5344CB8AC3E}">
-        <p14:creationId xmlns:p14="http://schemas.microsoft.com/office/powerpoint/2010/main" val="3800539371"/>
+        <p14:creationId xmlns:p14="http://schemas.microsoft.com/office/powerpoint/2010/main" val="2159518156"/>
       </p:ext>
     </p:extLst>
   </p:cSld>
@@ -2844,7 +3429,7 @@
     </p:spTree>
     <p:extLst>
       <p:ext uri="{BB962C8B-B14F-4D97-AF65-F5344CB8AC3E}">
-        <p14:creationId xmlns:p14="http://schemas.microsoft.com/office/powerpoint/2010/main" val="1162228900"/>
+        <p14:creationId xmlns:p14="http://schemas.microsoft.com/office/powerpoint/2010/main" val="3619559313"/>
       </p:ext>
     </p:extLst>
   </p:cSld>
@@ -3148,6 +3733,96 @@
 </p:notes>
 </file>
 
+<file path=ppt/notesSlides/notesSlide20.xml><?xml version="1.0" encoding="utf-8"?>
+<p:notes xmlns:a="http://schemas.openxmlformats.org/drawingml/2006/main" xmlns:r="http://schemas.openxmlformats.org/officeDocument/2006/relationships" xmlns:p="http://schemas.openxmlformats.org/presentationml/2006/main">
+  <p:cSld>
+    <p:spTree>
+      <p:nvGrpSpPr>
+        <p:cNvPr id="1" name=""/>
+        <p:cNvGrpSpPr/>
+        <p:nvPr/>
+      </p:nvGrpSpPr>
+      <p:grpSpPr>
+        <a:xfrm>
+          <a:off x="0" y="0"/>
+          <a:ext cx="0" cy="0"/>
+          <a:chOff x="0" y="0"/>
+          <a:chExt cx="0" cy="0"/>
+        </a:xfrm>
+      </p:grpSpPr>
+      <p:sp>
+        <p:nvSpPr>
+          <p:cNvPr id="2" name="Marcador de imagen de diapositiva 1"/>
+          <p:cNvSpPr>
+            <a:spLocks noGrp="1" noRot="1" noChangeAspect="1"/>
+          </p:cNvSpPr>
+          <p:nvPr>
+            <p:ph type="sldImg"/>
+          </p:nvPr>
+        </p:nvSpPr>
+        <p:spPr/>
+      </p:sp>
+      <p:sp>
+        <p:nvSpPr>
+          <p:cNvPr id="3" name="Marcador de notas 2"/>
+          <p:cNvSpPr>
+            <a:spLocks noGrp="1"/>
+          </p:cNvSpPr>
+          <p:nvPr>
+            <p:ph type="body" idx="1"/>
+          </p:nvPr>
+        </p:nvSpPr>
+        <p:spPr/>
+        <p:txBody>
+          <a:bodyPr/>
+          <a:lstStyle/>
+          <a:p>
+            <a:endParaRPr lang="en-US"/>
+          </a:p>
+        </p:txBody>
+      </p:sp>
+      <p:sp>
+        <p:nvSpPr>
+          <p:cNvPr id="4" name="Marcador de número de diapositiva 3"/>
+          <p:cNvSpPr>
+            <a:spLocks noGrp="1"/>
+          </p:cNvSpPr>
+          <p:nvPr>
+            <p:ph type="sldNum" sz="quarter" idx="5"/>
+          </p:nvPr>
+        </p:nvSpPr>
+        <p:spPr/>
+        <p:txBody>
+          <a:bodyPr/>
+          <a:lstStyle/>
+          <a:p>
+            <a:pPr>
+              <a:defRPr/>
+            </a:pPr>
+            <a:fld id="{2D1E0FDF-8C6F-43B4-8722-700C06D0C414}" type="slidenum">
+              <a:rPr lang="es-CO" altLang="es-CO" smtClean="0"/>
+              <a:pPr>
+                <a:defRPr/>
+              </a:pPr>
+              <a:t>21</a:t>
+            </a:fld>
+            <a:endParaRPr lang="es-CO" altLang="es-CO"/>
+          </a:p>
+        </p:txBody>
+      </p:sp>
+    </p:spTree>
+    <p:extLst>
+      <p:ext uri="{BB962C8B-B14F-4D97-AF65-F5344CB8AC3E}">
+        <p14:creationId xmlns:p14="http://schemas.microsoft.com/office/powerpoint/2010/main" val="3800539371"/>
+      </p:ext>
+    </p:extLst>
+  </p:cSld>
+  <p:clrMapOvr>
+    <a:masterClrMapping/>
+  </p:clrMapOvr>
+</p:notes>
+</file>
+
 <file path=ppt/notesSlides/notesSlide3.xml><?xml version="1.0" encoding="utf-8"?>
 <p:notes xmlns:a="http://schemas.openxmlformats.org/drawingml/2006/main" xmlns:r="http://schemas.openxmlformats.org/officeDocument/2006/relationships" xmlns:p="http://schemas.openxmlformats.org/presentationml/2006/main">
   <p:cSld>
@@ -3190,715 +3865,9 @@
         <p:spPr/>
         <p:txBody>
           <a:bodyPr>
-            <a:normAutofit fontScale="40000" lnSpcReduction="20000"/>
+            <a:normAutofit/>
           </a:bodyPr>
           <a:lstStyle/>
-          <a:p>
-            <a:r>
-              <a:rPr lang="es-ES" sz="1800" b="0" i="0" dirty="0">
-                <a:effectLst/>
-                <a:latin typeface="Menlo"/>
-              </a:rPr>
-              <a:t>	</a:t>
-            </a:r>
-          </a:p>
-          <a:p>
-            <a:r>
-              <a:rPr lang="es-ES" sz="1800" b="0" i="0" dirty="0">
-                <a:solidFill>
-                  <a:srgbClr val="008013"/>
-                </a:solidFill>
-                <a:effectLst/>
-                <a:latin typeface="Menlo"/>
-              </a:rPr>
-              <a:t>% Definimos el dominio de la señal continua (tiempo continuo)</a:t>
-            </a:r>
-            <a:endParaRPr lang="es-ES" sz="1800" b="0" i="0" dirty="0">
-              <a:effectLst/>
-              <a:latin typeface="Menlo"/>
-            </a:endParaRPr>
-          </a:p>
-          <a:p>
-            <a:r>
-              <a:rPr lang="es-ES" sz="1800" b="0" i="0" dirty="0">
-                <a:effectLst/>
-                <a:latin typeface="Menlo"/>
-              </a:rPr>
-              <a:t>t = -pi:0.01:pi;</a:t>
-            </a:r>
-          </a:p>
-          <a:p>
-            <a:r>
-              <a:rPr lang="es-ES" sz="1800" b="0" i="0" dirty="0">
-                <a:solidFill>
-                  <a:srgbClr val="008013"/>
-                </a:solidFill>
-                <a:effectLst/>
-                <a:latin typeface="Menlo"/>
-              </a:rPr>
-              <a:t>% Definimos la señal continua (función seno)</a:t>
-            </a:r>
-            <a:endParaRPr lang="es-ES" sz="1800" b="0" i="0" dirty="0">
-              <a:effectLst/>
-              <a:latin typeface="Menlo"/>
-            </a:endParaRPr>
-          </a:p>
-          <a:p>
-            <a:r>
-              <a:rPr lang="es-ES" sz="1800" b="0" i="0" dirty="0" err="1">
-                <a:effectLst/>
-                <a:latin typeface="Menlo"/>
-              </a:rPr>
-              <a:t>y_continua</a:t>
-            </a:r>
-            <a:r>
-              <a:rPr lang="es-ES" sz="1800" b="0" i="0" dirty="0">
-                <a:effectLst/>
-                <a:latin typeface="Menlo"/>
-              </a:rPr>
-              <a:t> = sin(t);</a:t>
-            </a:r>
-          </a:p>
-          <a:p>
-            <a:br>
-              <a:rPr lang="es-ES" sz="1800" b="0" i="0" dirty="0">
-                <a:effectLst/>
-                <a:latin typeface="Menlo"/>
-              </a:rPr>
-            </a:br>
-            <a:endParaRPr lang="es-ES" sz="1800" b="0" i="0" dirty="0">
-              <a:effectLst/>
-              <a:latin typeface="Menlo"/>
-            </a:endParaRPr>
-          </a:p>
-          <a:p>
-            <a:r>
-              <a:rPr lang="es-ES" sz="1800" b="0" i="0" dirty="0">
-                <a:solidFill>
-                  <a:srgbClr val="008013"/>
-                </a:solidFill>
-                <a:effectLst/>
-                <a:latin typeface="Menlo"/>
-              </a:rPr>
-              <a:t>% Graficamos la señal continua</a:t>
-            </a:r>
-            <a:endParaRPr lang="es-ES" sz="1800" b="0" i="0" dirty="0">
-              <a:effectLst/>
-              <a:latin typeface="Menlo"/>
-            </a:endParaRPr>
-          </a:p>
-          <a:p>
-            <a:r>
-              <a:rPr lang="es-ES" sz="1800" b="0" i="0" dirty="0">
-                <a:effectLst/>
-                <a:latin typeface="Menlo"/>
-              </a:rPr>
-              <a:t>figure;</a:t>
-            </a:r>
-          </a:p>
-          <a:p>
-            <a:r>
-              <a:rPr lang="es-ES" sz="1800" b="0" i="0" dirty="0" err="1">
-                <a:effectLst/>
-                <a:latin typeface="Menlo"/>
-              </a:rPr>
-              <a:t>plot</a:t>
-            </a:r>
-            <a:r>
-              <a:rPr lang="es-ES" sz="1800" b="0" i="0" dirty="0">
-                <a:effectLst/>
-                <a:latin typeface="Menlo"/>
-              </a:rPr>
-              <a:t>(t, </a:t>
-            </a:r>
-            <a:r>
-              <a:rPr lang="es-ES" sz="1800" b="0" i="0" dirty="0" err="1">
-                <a:effectLst/>
-                <a:latin typeface="Menlo"/>
-              </a:rPr>
-              <a:t>y_continua</a:t>
-            </a:r>
-            <a:r>
-              <a:rPr lang="es-ES" sz="1800" b="0" i="0" dirty="0">
-                <a:effectLst/>
-                <a:latin typeface="Menlo"/>
-              </a:rPr>
-              <a:t>);</a:t>
-            </a:r>
-          </a:p>
-          <a:p>
-            <a:r>
-              <a:rPr lang="es-ES" sz="1800" b="0" i="0" dirty="0">
-                <a:solidFill>
-                  <a:srgbClr val="008013"/>
-                </a:solidFill>
-                <a:effectLst/>
-                <a:latin typeface="Menlo"/>
-              </a:rPr>
-              <a:t>%</a:t>
-            </a:r>
-            <a:r>
-              <a:rPr lang="es-ES" sz="1800" b="0" i="0" dirty="0" err="1">
-                <a:solidFill>
-                  <a:srgbClr val="008013"/>
-                </a:solidFill>
-                <a:effectLst/>
-                <a:latin typeface="Menlo"/>
-              </a:rPr>
-              <a:t>xlabel</a:t>
-            </a:r>
-            <a:r>
-              <a:rPr lang="es-ES" sz="1800" b="0" i="0" dirty="0">
-                <a:solidFill>
-                  <a:srgbClr val="008013"/>
-                </a:solidFill>
-                <a:effectLst/>
-                <a:latin typeface="Menlo"/>
-              </a:rPr>
-              <a:t>('Tiempo');</a:t>
-            </a:r>
-            <a:endParaRPr lang="es-ES" sz="1800" b="0" i="0" dirty="0">
-              <a:effectLst/>
-              <a:latin typeface="Menlo"/>
-            </a:endParaRPr>
-          </a:p>
-          <a:p>
-            <a:r>
-              <a:rPr lang="es-ES" sz="1800" b="0" i="0" dirty="0">
-                <a:solidFill>
-                  <a:srgbClr val="008013"/>
-                </a:solidFill>
-                <a:effectLst/>
-                <a:latin typeface="Menlo"/>
-              </a:rPr>
-              <a:t>%</a:t>
-            </a:r>
-            <a:r>
-              <a:rPr lang="es-ES" sz="1800" b="0" i="0" dirty="0" err="1">
-                <a:solidFill>
-                  <a:srgbClr val="008013"/>
-                </a:solidFill>
-                <a:effectLst/>
-                <a:latin typeface="Menlo"/>
-              </a:rPr>
-              <a:t>ylabel</a:t>
-            </a:r>
-            <a:r>
-              <a:rPr lang="es-ES" sz="1800" b="0" i="0" dirty="0">
-                <a:solidFill>
-                  <a:srgbClr val="008013"/>
-                </a:solidFill>
-                <a:effectLst/>
-                <a:latin typeface="Menlo"/>
-              </a:rPr>
-              <a:t>('Amplitud');</a:t>
-            </a:r>
-            <a:endParaRPr lang="es-ES" sz="1800" b="0" i="0" dirty="0">
-              <a:effectLst/>
-              <a:latin typeface="Menlo"/>
-            </a:endParaRPr>
-          </a:p>
-          <a:p>
-            <a:r>
-              <a:rPr lang="es-ES" sz="1800" b="0" i="0" dirty="0">
-                <a:solidFill>
-                  <a:srgbClr val="008013"/>
-                </a:solidFill>
-                <a:effectLst/>
-                <a:latin typeface="Menlo"/>
-              </a:rPr>
-              <a:t>%</a:t>
-            </a:r>
-            <a:r>
-              <a:rPr lang="es-ES" sz="1800" b="0" i="0" dirty="0" err="1">
-                <a:solidFill>
-                  <a:srgbClr val="008013"/>
-                </a:solidFill>
-                <a:effectLst/>
-                <a:latin typeface="Menlo"/>
-              </a:rPr>
-              <a:t>title</a:t>
-            </a:r>
-            <a:r>
-              <a:rPr lang="es-ES" sz="1800" b="0" i="0" dirty="0">
-                <a:solidFill>
-                  <a:srgbClr val="008013"/>
-                </a:solidFill>
-                <a:effectLst/>
-                <a:latin typeface="Menlo"/>
-              </a:rPr>
-              <a:t>('Señal Continua: Función Seno');</a:t>
-            </a:r>
-            <a:endParaRPr lang="es-ES" sz="1800" b="0" i="0" dirty="0">
-              <a:effectLst/>
-              <a:latin typeface="Menlo"/>
-            </a:endParaRPr>
-          </a:p>
-          <a:p>
-            <a:r>
-              <a:rPr lang="es-ES" sz="1800" b="0" i="0" dirty="0" err="1">
-                <a:effectLst/>
-                <a:latin typeface="Menlo"/>
-              </a:rPr>
-              <a:t>grid</a:t>
-            </a:r>
-            <a:r>
-              <a:rPr lang="es-ES" sz="1800" b="0" i="0" dirty="0">
-                <a:effectLst/>
-                <a:latin typeface="Menlo"/>
-              </a:rPr>
-              <a:t> </a:t>
-            </a:r>
-            <a:r>
-              <a:rPr lang="es-ES" sz="1800" b="0" i="0" dirty="0" err="1">
-                <a:solidFill>
-                  <a:srgbClr val="A709F5"/>
-                </a:solidFill>
-                <a:effectLst/>
-                <a:latin typeface="Menlo"/>
-              </a:rPr>
-              <a:t>on</a:t>
-            </a:r>
-            <a:r>
-              <a:rPr lang="es-ES" sz="1800" b="0" i="0" dirty="0">
-                <a:effectLst/>
-                <a:latin typeface="Menlo"/>
-              </a:rPr>
-              <a:t>;</a:t>
-            </a:r>
-          </a:p>
-          <a:p>
-            <a:br>
-              <a:rPr lang="es-ES" sz="1800" b="0" i="0" dirty="0">
-                <a:effectLst/>
-                <a:latin typeface="Menlo"/>
-              </a:rPr>
-            </a:br>
-            <a:endParaRPr lang="es-ES" sz="1800" b="0" i="0" dirty="0">
-              <a:effectLst/>
-              <a:latin typeface="Menlo"/>
-            </a:endParaRPr>
-          </a:p>
-          <a:p>
-            <a:r>
-              <a:rPr lang="es-ES" sz="1800" b="0" i="0" dirty="0">
-                <a:solidFill>
-                  <a:srgbClr val="008013"/>
-                </a:solidFill>
-                <a:effectLst/>
-                <a:latin typeface="Menlo"/>
-              </a:rPr>
-              <a:t>%%</a:t>
-            </a:r>
-            <a:endParaRPr lang="es-ES" sz="1800" b="0" i="0" dirty="0">
-              <a:effectLst/>
-              <a:latin typeface="Menlo"/>
-            </a:endParaRPr>
-          </a:p>
-          <a:p>
-            <a:r>
-              <a:rPr lang="es-ES" sz="1800" b="0" i="0" dirty="0">
-                <a:solidFill>
-                  <a:srgbClr val="008013"/>
-                </a:solidFill>
-                <a:effectLst/>
-                <a:latin typeface="Menlo"/>
-              </a:rPr>
-              <a:t>% Definir los parámetros de la señal discreta</a:t>
-            </a:r>
-            <a:endParaRPr lang="es-ES" sz="1800" b="0" i="0" dirty="0">
-              <a:effectLst/>
-              <a:latin typeface="Menlo"/>
-            </a:endParaRPr>
-          </a:p>
-          <a:p>
-            <a:r>
-              <a:rPr lang="es-ES" sz="1800" b="0" i="0" dirty="0">
-                <a:effectLst/>
-                <a:latin typeface="Menlo"/>
-              </a:rPr>
-              <a:t>frecuencia = 1; </a:t>
-            </a:r>
-            <a:r>
-              <a:rPr lang="es-ES" sz="1800" b="0" i="0" dirty="0">
-                <a:solidFill>
-                  <a:srgbClr val="008013"/>
-                </a:solidFill>
-                <a:effectLst/>
-                <a:latin typeface="Menlo"/>
-              </a:rPr>
-              <a:t>% Frecuencia de la señal seno discreta (en ciclos por muestra)</a:t>
-            </a:r>
-            <a:endParaRPr lang="es-ES" sz="1800" b="0" i="0" dirty="0">
-              <a:effectLst/>
-              <a:latin typeface="Menlo"/>
-            </a:endParaRPr>
-          </a:p>
-          <a:p>
-            <a:r>
-              <a:rPr lang="es-ES" sz="1800" b="0" i="0" dirty="0" err="1">
-                <a:effectLst/>
-                <a:latin typeface="Menlo"/>
-              </a:rPr>
-              <a:t>cantidad_muestras</a:t>
-            </a:r>
-            <a:r>
-              <a:rPr lang="es-ES" sz="1800" b="0" i="0" dirty="0">
-                <a:effectLst/>
-                <a:latin typeface="Menlo"/>
-              </a:rPr>
-              <a:t> = 50; </a:t>
-            </a:r>
-            <a:r>
-              <a:rPr lang="es-ES" sz="1800" b="0" i="0" dirty="0">
-                <a:solidFill>
-                  <a:srgbClr val="008013"/>
-                </a:solidFill>
-                <a:effectLst/>
-                <a:latin typeface="Menlo"/>
-              </a:rPr>
-              <a:t>% Cantidad de muestras para la señal discreta</a:t>
-            </a:r>
-            <a:endParaRPr lang="es-ES" sz="1800" b="0" i="0" dirty="0">
-              <a:effectLst/>
-              <a:latin typeface="Menlo"/>
-            </a:endParaRPr>
-          </a:p>
-          <a:p>
-            <a:r>
-              <a:rPr lang="es-ES" sz="1800" b="0" i="0" dirty="0" err="1">
-                <a:effectLst/>
-                <a:latin typeface="Menlo"/>
-              </a:rPr>
-              <a:t>tiempo_discreto</a:t>
-            </a:r>
-            <a:r>
-              <a:rPr lang="es-ES" sz="1800" b="0" i="0" dirty="0">
-                <a:effectLst/>
-                <a:latin typeface="Menlo"/>
-              </a:rPr>
-              <a:t> = 0:1:cantidad_muestras-1; </a:t>
-            </a:r>
-            <a:r>
-              <a:rPr lang="es-ES" sz="1800" b="0" i="0" dirty="0">
-                <a:solidFill>
-                  <a:srgbClr val="008013"/>
-                </a:solidFill>
-                <a:effectLst/>
-                <a:latin typeface="Menlo"/>
-              </a:rPr>
-              <a:t>% Dominio del tiempo discreto (muestras)</a:t>
-            </a:r>
-            <a:endParaRPr lang="es-ES" sz="1800" b="0" i="0" dirty="0">
-              <a:effectLst/>
-              <a:latin typeface="Menlo"/>
-            </a:endParaRPr>
-          </a:p>
-          <a:p>
-            <a:r>
-              <a:rPr lang="es-ES" sz="1800" b="0" i="0" dirty="0">
-                <a:effectLst/>
-                <a:latin typeface="Menlo"/>
-              </a:rPr>
-              <a:t>figure;</a:t>
-            </a:r>
-          </a:p>
-          <a:p>
-            <a:r>
-              <a:rPr lang="es-ES" sz="1800" b="0" i="0" dirty="0">
-                <a:solidFill>
-                  <a:srgbClr val="008013"/>
-                </a:solidFill>
-                <a:effectLst/>
-                <a:latin typeface="Menlo"/>
-              </a:rPr>
-              <a:t>% Calcular la señal seno discreta</a:t>
-            </a:r>
-            <a:endParaRPr lang="es-ES" sz="1800" b="0" i="0" dirty="0">
-              <a:effectLst/>
-              <a:latin typeface="Menlo"/>
-            </a:endParaRPr>
-          </a:p>
-          <a:p>
-            <a:r>
-              <a:rPr lang="es-ES" sz="1800" b="0" i="0" dirty="0">
-                <a:effectLst/>
-                <a:latin typeface="Menlo"/>
-              </a:rPr>
-              <a:t>amplitud = 1; </a:t>
-            </a:r>
-            <a:r>
-              <a:rPr lang="es-ES" sz="1800" b="0" i="0" dirty="0">
-                <a:solidFill>
-                  <a:srgbClr val="008013"/>
-                </a:solidFill>
-                <a:effectLst/>
-                <a:latin typeface="Menlo"/>
-              </a:rPr>
-              <a:t>% Amplitud de la señal seno</a:t>
-            </a:r>
-            <a:endParaRPr lang="es-ES" sz="1800" b="0" i="0" dirty="0">
-              <a:effectLst/>
-              <a:latin typeface="Menlo"/>
-            </a:endParaRPr>
-          </a:p>
-          <a:p>
-            <a:r>
-              <a:rPr lang="es-ES" sz="1800" b="0" i="0" dirty="0" err="1">
-                <a:effectLst/>
-                <a:latin typeface="Menlo"/>
-              </a:rPr>
-              <a:t>senal_seno_discreta</a:t>
-            </a:r>
-            <a:r>
-              <a:rPr lang="es-ES" sz="1800" b="0" i="0" dirty="0">
-                <a:effectLst/>
-                <a:latin typeface="Menlo"/>
-              </a:rPr>
-              <a:t> = amplitud * sin(2*pi*frecuencia*</a:t>
-            </a:r>
-            <a:r>
-              <a:rPr lang="es-ES" sz="1800" b="0" i="0" dirty="0" err="1">
-                <a:effectLst/>
-                <a:latin typeface="Menlo"/>
-              </a:rPr>
-              <a:t>tiempo_discreto</a:t>
-            </a:r>
-            <a:r>
-              <a:rPr lang="es-ES" sz="1800" b="0" i="0" dirty="0">
-                <a:effectLst/>
-                <a:latin typeface="Menlo"/>
-              </a:rPr>
-              <a:t>/</a:t>
-            </a:r>
-            <a:r>
-              <a:rPr lang="es-ES" sz="1800" b="0" i="0" dirty="0" err="1">
-                <a:effectLst/>
-                <a:latin typeface="Menlo"/>
-              </a:rPr>
-              <a:t>cantidad_muestras</a:t>
-            </a:r>
-            <a:r>
-              <a:rPr lang="es-ES" sz="1800" b="0" i="0" dirty="0">
-                <a:effectLst/>
-                <a:latin typeface="Menlo"/>
-              </a:rPr>
-              <a:t>);</a:t>
-            </a:r>
-          </a:p>
-          <a:p>
-            <a:br>
-              <a:rPr lang="es-ES" sz="1800" b="0" i="0" dirty="0">
-                <a:effectLst/>
-                <a:latin typeface="Menlo"/>
-              </a:rPr>
-            </a:br>
-            <a:endParaRPr lang="es-ES" sz="1800" b="0" i="0" dirty="0">
-              <a:effectLst/>
-              <a:latin typeface="Menlo"/>
-            </a:endParaRPr>
-          </a:p>
-          <a:p>
-            <a:r>
-              <a:rPr lang="es-ES" sz="1800" b="0" i="0" dirty="0">
-                <a:solidFill>
-                  <a:srgbClr val="008013"/>
-                </a:solidFill>
-                <a:effectLst/>
-                <a:latin typeface="Menlo"/>
-              </a:rPr>
-              <a:t>% Graficar la señal seno discreta</a:t>
-            </a:r>
-            <a:endParaRPr lang="es-ES" sz="1800" b="0" i="0" dirty="0">
-              <a:effectLst/>
-              <a:latin typeface="Menlo"/>
-            </a:endParaRPr>
-          </a:p>
-          <a:p>
-            <a:r>
-              <a:rPr lang="es-ES" sz="1800" b="0" i="0" dirty="0" err="1">
-                <a:effectLst/>
-                <a:latin typeface="Menlo"/>
-              </a:rPr>
-              <a:t>stem</a:t>
-            </a:r>
-            <a:r>
-              <a:rPr lang="es-ES" sz="1800" b="0" i="0" dirty="0">
-                <a:effectLst/>
-                <a:latin typeface="Menlo"/>
-              </a:rPr>
-              <a:t>(</a:t>
-            </a:r>
-            <a:r>
-              <a:rPr lang="es-ES" sz="1800" b="0" i="0" dirty="0" err="1">
-                <a:effectLst/>
-                <a:latin typeface="Menlo"/>
-              </a:rPr>
-              <a:t>tiempo_discreto</a:t>
-            </a:r>
-            <a:r>
-              <a:rPr lang="es-ES" sz="1800" b="0" i="0" dirty="0">
-                <a:effectLst/>
-                <a:latin typeface="Menlo"/>
-              </a:rPr>
-              <a:t>, </a:t>
-            </a:r>
-            <a:r>
-              <a:rPr lang="es-ES" sz="1800" b="0" i="0" dirty="0" err="1">
-                <a:effectLst/>
-                <a:latin typeface="Menlo"/>
-              </a:rPr>
-              <a:t>senal_seno_discreta</a:t>
-            </a:r>
-            <a:r>
-              <a:rPr lang="es-ES" sz="1800" b="0" i="0" dirty="0">
-                <a:effectLst/>
-                <a:latin typeface="Menlo"/>
-              </a:rPr>
-              <a:t>);</a:t>
-            </a:r>
-          </a:p>
-          <a:p>
-            <a:r>
-              <a:rPr lang="es-ES" sz="1800" b="0" i="0" dirty="0">
-                <a:solidFill>
-                  <a:srgbClr val="008013"/>
-                </a:solidFill>
-                <a:effectLst/>
-                <a:latin typeface="Menlo"/>
-              </a:rPr>
-              <a:t>%</a:t>
-            </a:r>
-            <a:r>
-              <a:rPr lang="es-ES" sz="1800" b="0" i="0" dirty="0" err="1">
-                <a:solidFill>
-                  <a:srgbClr val="008013"/>
-                </a:solidFill>
-                <a:effectLst/>
-                <a:latin typeface="Menlo"/>
-              </a:rPr>
-              <a:t>xlabel</a:t>
-            </a:r>
-            <a:r>
-              <a:rPr lang="es-ES" sz="1800" b="0" i="0" dirty="0">
-                <a:solidFill>
-                  <a:srgbClr val="008013"/>
-                </a:solidFill>
-                <a:effectLst/>
-                <a:latin typeface="Menlo"/>
-              </a:rPr>
-              <a:t>('Tiempo discreto (muestras)');</a:t>
-            </a:r>
-            <a:endParaRPr lang="es-ES" sz="1800" b="0" i="0" dirty="0">
-              <a:effectLst/>
-              <a:latin typeface="Menlo"/>
-            </a:endParaRPr>
-          </a:p>
-          <a:p>
-            <a:r>
-              <a:rPr lang="es-ES" sz="1800" b="0" i="0" dirty="0">
-                <a:solidFill>
-                  <a:srgbClr val="008013"/>
-                </a:solidFill>
-                <a:effectLst/>
-                <a:latin typeface="Menlo"/>
-              </a:rPr>
-              <a:t>%</a:t>
-            </a:r>
-            <a:r>
-              <a:rPr lang="es-ES" sz="1800" b="0" i="0" dirty="0" err="1">
-                <a:solidFill>
-                  <a:srgbClr val="008013"/>
-                </a:solidFill>
-                <a:effectLst/>
-                <a:latin typeface="Menlo"/>
-              </a:rPr>
-              <a:t>ylabel</a:t>
-            </a:r>
-            <a:r>
-              <a:rPr lang="es-ES" sz="1800" b="0" i="0" dirty="0">
-                <a:solidFill>
-                  <a:srgbClr val="008013"/>
-                </a:solidFill>
-                <a:effectLst/>
-                <a:latin typeface="Menlo"/>
-              </a:rPr>
-              <a:t>('Amplitud');</a:t>
-            </a:r>
-            <a:endParaRPr lang="es-ES" sz="1800" b="0" i="0" dirty="0">
-              <a:effectLst/>
-              <a:latin typeface="Menlo"/>
-            </a:endParaRPr>
-          </a:p>
-          <a:p>
-            <a:r>
-              <a:rPr lang="es-ES" sz="1800" b="0" i="0" dirty="0">
-                <a:solidFill>
-                  <a:srgbClr val="008013"/>
-                </a:solidFill>
-                <a:effectLst/>
-                <a:latin typeface="Menlo"/>
-              </a:rPr>
-              <a:t>%</a:t>
-            </a:r>
-            <a:r>
-              <a:rPr lang="es-ES" sz="1800" b="0" i="0" dirty="0" err="1">
-                <a:solidFill>
-                  <a:srgbClr val="008013"/>
-                </a:solidFill>
-                <a:effectLst/>
-                <a:latin typeface="Menlo"/>
-              </a:rPr>
-              <a:t>title</a:t>
-            </a:r>
-            <a:r>
-              <a:rPr lang="es-ES" sz="1800" b="0" i="0" dirty="0">
-                <a:solidFill>
-                  <a:srgbClr val="008013"/>
-                </a:solidFill>
-                <a:effectLst/>
-                <a:latin typeface="Menlo"/>
-              </a:rPr>
-              <a:t>('Señal Seno Discreta');</a:t>
-            </a:r>
-            <a:endParaRPr lang="es-ES" sz="1800" b="0" i="0" dirty="0">
-              <a:effectLst/>
-              <a:latin typeface="Menlo"/>
-            </a:endParaRPr>
-          </a:p>
-          <a:p>
-            <a:r>
-              <a:rPr lang="es-ES" sz="1800" b="0" i="0" dirty="0" err="1">
-                <a:effectLst/>
-                <a:latin typeface="Menlo"/>
-              </a:rPr>
-              <a:t>grid</a:t>
-            </a:r>
-            <a:r>
-              <a:rPr lang="es-ES" sz="1800" b="0" i="0" dirty="0">
-                <a:effectLst/>
-                <a:latin typeface="Menlo"/>
-              </a:rPr>
-              <a:t> </a:t>
-            </a:r>
-            <a:r>
-              <a:rPr lang="es-ES" sz="1800" b="0" i="0" dirty="0" err="1">
-                <a:solidFill>
-                  <a:srgbClr val="A709F5"/>
-                </a:solidFill>
-                <a:effectLst/>
-                <a:latin typeface="Menlo"/>
-              </a:rPr>
-              <a:t>on</a:t>
-            </a:r>
-            <a:r>
-              <a:rPr lang="es-ES" sz="1800" b="0" i="0" dirty="0">
-                <a:effectLst/>
-                <a:latin typeface="Menlo"/>
-              </a:rPr>
-              <a:t>;</a:t>
-            </a:r>
-          </a:p>
           <a:p>
             <a:endParaRPr lang="en-US" dirty="0"/>
           </a:p>
@@ -3990,13 +3959,6 @@
           <a:bodyPr/>
           <a:lstStyle/>
           <a:p>
-            <a:r>
-              <a:rPr lang="es-ES" b="0" i="0" dirty="0">
-                <a:effectLst/>
-                <a:latin typeface="Söhne"/>
-              </a:rPr>
-              <a:t>Por ejemplo, una secuencia de valores que represente la temperatura medida cada hora en un día es una señal discreta, ya que los datos están recopilados en momentos específicos del día.</a:t>
-            </a:r>
             <a:endParaRPr lang="en-US" dirty="0"/>
           </a:p>
         </p:txBody>
@@ -4087,14 +4049,7 @@
           <a:bodyPr/>
           <a:lstStyle/>
           <a:p>
-            <a:r>
-              <a:rPr lang="es-ES" b="0" i="0">
-                <a:effectLst/>
-                <a:latin typeface="Söhne"/>
-              </a:rPr>
-              <a:t>Por ejemplo, una secuencia de valores que represente la temperatura medida cada hora en un día es una señal discreta, ya que los datos están recopilados en momentos específicos del día.</a:t>
-            </a:r>
-            <a:endParaRPr lang="en-US"/>
+            <a:endParaRPr lang="en-US" dirty="0"/>
           </a:p>
         </p:txBody>
       </p:sp>
@@ -4145,7 +4100,13 @@
   <p:cSld>
     <p:spTree>
       <p:nvGrpSpPr>
-        <p:cNvPr id="1" name=""/>
+        <p:cNvPr id="1" name="">
+          <a:extLst>
+            <a:ext uri="{FF2B5EF4-FFF2-40B4-BE49-F238E27FC236}">
+              <a16:creationId xmlns:a16="http://schemas.microsoft.com/office/drawing/2014/main" id="{F9A39E42-698B-0C75-CC50-FDE04DA4EC1F}"/>
+            </a:ext>
+          </a:extLst>
+        </p:cNvPr>
         <p:cNvGrpSpPr/>
         <p:nvPr/>
       </p:nvGrpSpPr>
@@ -4159,7 +4120,13 @@
       </p:grpSpPr>
       <p:sp>
         <p:nvSpPr>
-          <p:cNvPr id="2" name="Marcador de imagen de diapositiva 1"/>
+          <p:cNvPr id="2" name="Marcador de imagen de diapositiva 1">
+            <a:extLst>
+              <a:ext uri="{FF2B5EF4-FFF2-40B4-BE49-F238E27FC236}">
+                <a16:creationId xmlns:a16="http://schemas.microsoft.com/office/drawing/2014/main" id="{C57AC07C-21AF-7D09-4E97-1EA3D5DB501B}"/>
+              </a:ext>
+            </a:extLst>
+          </p:cNvPr>
           <p:cNvSpPr>
             <a:spLocks noGrp="1" noRot="1" noChangeAspect="1"/>
           </p:cNvSpPr>
@@ -4171,7 +4138,13 @@
       </p:sp>
       <p:sp>
         <p:nvSpPr>
-          <p:cNvPr id="3" name="Marcador de notas 2"/>
+          <p:cNvPr id="3" name="Marcador de notas 2">
+            <a:extLst>
+              <a:ext uri="{FF2B5EF4-FFF2-40B4-BE49-F238E27FC236}">
+                <a16:creationId xmlns:a16="http://schemas.microsoft.com/office/drawing/2014/main" id="{FA568D27-07E2-155A-2927-716CC6F7C36B}"/>
+              </a:ext>
+            </a:extLst>
+          </p:cNvPr>
           <p:cNvSpPr>
             <a:spLocks noGrp="1"/>
           </p:cNvSpPr>
@@ -4181,433 +4154,8 @@
         </p:nvSpPr>
         <p:spPr/>
         <p:txBody>
-          <a:bodyPr>
-            <a:normAutofit fontScale="62500" lnSpcReduction="20000"/>
-          </a:bodyPr>
+          <a:bodyPr/>
           <a:lstStyle/>
-          <a:p>
-            <a:r>
-              <a:rPr lang="es-ES" sz="1800" b="0" i="0" dirty="0">
-                <a:solidFill>
-                  <a:srgbClr val="008013"/>
-                </a:solidFill>
-                <a:effectLst/>
-                <a:latin typeface="Menlo"/>
-              </a:rPr>
-              <a:t>%%</a:t>
-            </a:r>
-            <a:endParaRPr lang="es-ES" sz="1800" b="0" i="0" dirty="0">
-              <a:effectLst/>
-              <a:latin typeface="Menlo"/>
-            </a:endParaRPr>
-          </a:p>
-          <a:p>
-            <a:r>
-              <a:rPr lang="es-ES" sz="1800" b="0" i="0" dirty="0">
-                <a:solidFill>
-                  <a:srgbClr val="008013"/>
-                </a:solidFill>
-                <a:effectLst/>
-                <a:latin typeface="Menlo"/>
-              </a:rPr>
-              <a:t>% Definir los parámetros de la señal discreta</a:t>
-            </a:r>
-            <a:endParaRPr lang="es-ES" sz="1800" b="0" i="0" dirty="0">
-              <a:effectLst/>
-              <a:latin typeface="Menlo"/>
-            </a:endParaRPr>
-          </a:p>
-          <a:p>
-            <a:r>
-              <a:rPr lang="es-ES" sz="1800" b="0" i="0" dirty="0">
-                <a:effectLst/>
-                <a:latin typeface="Menlo"/>
-              </a:rPr>
-              <a:t>frecuencia = 1; </a:t>
-            </a:r>
-            <a:r>
-              <a:rPr lang="es-ES" sz="1800" b="0" i="0" dirty="0">
-                <a:solidFill>
-                  <a:srgbClr val="008013"/>
-                </a:solidFill>
-                <a:effectLst/>
-                <a:latin typeface="Menlo"/>
-              </a:rPr>
-              <a:t>% Frecuencia de la señal seno discreta (en ciclos por muestra)</a:t>
-            </a:r>
-            <a:endParaRPr lang="es-ES" sz="1800" b="0" i="0" dirty="0">
-              <a:effectLst/>
-              <a:latin typeface="Menlo"/>
-            </a:endParaRPr>
-          </a:p>
-          <a:p>
-            <a:r>
-              <a:rPr lang="es-ES" sz="1800" b="0" i="0" dirty="0" err="1">
-                <a:effectLst/>
-                <a:latin typeface="Menlo"/>
-              </a:rPr>
-              <a:t>cantidad_muestras</a:t>
-            </a:r>
-            <a:r>
-              <a:rPr lang="es-ES" sz="1800" b="0" i="0" dirty="0">
-                <a:effectLst/>
-                <a:latin typeface="Menlo"/>
-              </a:rPr>
-              <a:t> = 50; </a:t>
-            </a:r>
-            <a:r>
-              <a:rPr lang="es-ES" sz="1800" b="0" i="0" dirty="0">
-                <a:solidFill>
-                  <a:srgbClr val="008013"/>
-                </a:solidFill>
-                <a:effectLst/>
-                <a:latin typeface="Menlo"/>
-              </a:rPr>
-              <a:t>% Cantidad de muestras para la señal discreta</a:t>
-            </a:r>
-            <a:endParaRPr lang="es-ES" sz="1800" b="0" i="0" dirty="0">
-              <a:effectLst/>
-              <a:latin typeface="Menlo"/>
-            </a:endParaRPr>
-          </a:p>
-          <a:p>
-            <a:r>
-              <a:rPr lang="es-ES" sz="1800" b="0" i="0" dirty="0" err="1">
-                <a:effectLst/>
-                <a:latin typeface="Menlo"/>
-              </a:rPr>
-              <a:t>tiempo_discreto</a:t>
-            </a:r>
-            <a:r>
-              <a:rPr lang="es-ES" sz="1800" b="0" i="0" dirty="0">
-                <a:effectLst/>
-                <a:latin typeface="Menlo"/>
-              </a:rPr>
-              <a:t> = 0:1:cantidad_muestras-1; </a:t>
-            </a:r>
-            <a:r>
-              <a:rPr lang="es-ES" sz="1800" b="0" i="0" dirty="0">
-                <a:solidFill>
-                  <a:srgbClr val="008013"/>
-                </a:solidFill>
-                <a:effectLst/>
-                <a:latin typeface="Menlo"/>
-              </a:rPr>
-              <a:t>% Dominio del tiempo discreto (muestras)</a:t>
-            </a:r>
-            <a:endParaRPr lang="es-ES" sz="1800" b="0" i="0" dirty="0">
-              <a:effectLst/>
-              <a:latin typeface="Menlo"/>
-            </a:endParaRPr>
-          </a:p>
-          <a:p>
-            <a:br>
-              <a:rPr lang="es-ES" sz="1800" b="0" i="0" dirty="0">
-                <a:effectLst/>
-                <a:latin typeface="Menlo"/>
-              </a:rPr>
-            </a:br>
-            <a:endParaRPr lang="es-ES" sz="1800" b="0" i="0" dirty="0">
-              <a:effectLst/>
-              <a:latin typeface="Menlo"/>
-            </a:endParaRPr>
-          </a:p>
-          <a:p>
-            <a:r>
-              <a:rPr lang="es-ES" sz="1800" b="0" i="0" dirty="0">
-                <a:solidFill>
-                  <a:srgbClr val="008013"/>
-                </a:solidFill>
-                <a:effectLst/>
-                <a:latin typeface="Menlo"/>
-              </a:rPr>
-              <a:t>% Calcular la señal seno discreta</a:t>
-            </a:r>
-            <a:endParaRPr lang="es-ES" sz="1800" b="0" i="0" dirty="0">
-              <a:effectLst/>
-              <a:latin typeface="Menlo"/>
-            </a:endParaRPr>
-          </a:p>
-          <a:p>
-            <a:r>
-              <a:rPr lang="es-ES" sz="1800" b="0" i="0" dirty="0">
-                <a:effectLst/>
-                <a:latin typeface="Menlo"/>
-              </a:rPr>
-              <a:t>amplitud = 1; </a:t>
-            </a:r>
-            <a:r>
-              <a:rPr lang="es-ES" sz="1800" b="0" i="0" dirty="0">
-                <a:solidFill>
-                  <a:srgbClr val="008013"/>
-                </a:solidFill>
-                <a:effectLst/>
-                <a:latin typeface="Menlo"/>
-              </a:rPr>
-              <a:t>% Amplitud de la señal seno</a:t>
-            </a:r>
-            <a:endParaRPr lang="es-ES" sz="1800" b="0" i="0" dirty="0">
-              <a:effectLst/>
-              <a:latin typeface="Menlo"/>
-            </a:endParaRPr>
-          </a:p>
-          <a:p>
-            <a:r>
-              <a:rPr lang="es-ES" sz="1800" b="0" i="0" dirty="0" err="1">
-                <a:effectLst/>
-                <a:latin typeface="Menlo"/>
-              </a:rPr>
-              <a:t>senal_seno_discreta</a:t>
-            </a:r>
-            <a:r>
-              <a:rPr lang="es-ES" sz="1800" b="0" i="0" dirty="0">
-                <a:effectLst/>
-                <a:latin typeface="Menlo"/>
-              </a:rPr>
-              <a:t> = round(amplitud * sin(2*pi*frecuencia*</a:t>
-            </a:r>
-            <a:r>
-              <a:rPr lang="es-ES" sz="1800" b="0" i="0" dirty="0" err="1">
-                <a:effectLst/>
-                <a:latin typeface="Menlo"/>
-              </a:rPr>
-              <a:t>tiempo_discreto</a:t>
-            </a:r>
-            <a:r>
-              <a:rPr lang="es-ES" sz="1800" b="0" i="0" dirty="0">
-                <a:effectLst/>
-                <a:latin typeface="Menlo"/>
-              </a:rPr>
-              <a:t>/</a:t>
-            </a:r>
-            <a:r>
-              <a:rPr lang="es-ES" sz="1800" b="0" i="0" dirty="0" err="1">
-                <a:effectLst/>
-                <a:latin typeface="Menlo"/>
-              </a:rPr>
-              <a:t>cantidad_muestras</a:t>
-            </a:r>
-            <a:r>
-              <a:rPr lang="es-ES" sz="1800" b="0" i="0" dirty="0">
-                <a:effectLst/>
-                <a:latin typeface="Menlo"/>
-              </a:rPr>
-              <a:t>),1);</a:t>
-            </a:r>
-          </a:p>
-          <a:p>
-            <a:br>
-              <a:rPr lang="es-ES" sz="1800" b="0" i="0" dirty="0">
-                <a:effectLst/>
-                <a:latin typeface="Menlo"/>
-              </a:rPr>
-            </a:br>
-            <a:endParaRPr lang="es-ES" sz="1800" b="0" i="0" dirty="0">
-              <a:effectLst/>
-              <a:latin typeface="Menlo"/>
-            </a:endParaRPr>
-          </a:p>
-          <a:p>
-            <a:r>
-              <a:rPr lang="es-ES" sz="1800" b="0" i="0" dirty="0">
-                <a:solidFill>
-                  <a:srgbClr val="008013"/>
-                </a:solidFill>
-                <a:effectLst/>
-                <a:latin typeface="Menlo"/>
-              </a:rPr>
-              <a:t>% Graficar la señal seno discreta</a:t>
-            </a:r>
-            <a:endParaRPr lang="es-ES" sz="1800" b="0" i="0" dirty="0">
-              <a:effectLst/>
-              <a:latin typeface="Menlo"/>
-            </a:endParaRPr>
-          </a:p>
-          <a:p>
-            <a:r>
-              <a:rPr lang="es-ES" sz="1800" b="0" i="0" dirty="0" err="1">
-                <a:effectLst/>
-                <a:latin typeface="Menlo"/>
-              </a:rPr>
-              <a:t>stem</a:t>
-            </a:r>
-            <a:r>
-              <a:rPr lang="es-ES" sz="1800" b="0" i="0" dirty="0">
-                <a:effectLst/>
-                <a:latin typeface="Menlo"/>
-              </a:rPr>
-              <a:t>(</a:t>
-            </a:r>
-            <a:r>
-              <a:rPr lang="es-ES" sz="1800" b="0" i="0" dirty="0" err="1">
-                <a:effectLst/>
-                <a:latin typeface="Menlo"/>
-              </a:rPr>
-              <a:t>tiempo_discreto</a:t>
-            </a:r>
-            <a:r>
-              <a:rPr lang="es-ES" sz="1800" b="0" i="0" dirty="0">
-                <a:effectLst/>
-                <a:latin typeface="Menlo"/>
-              </a:rPr>
-              <a:t>, </a:t>
-            </a:r>
-            <a:r>
-              <a:rPr lang="es-ES" sz="1800" b="0" i="0" dirty="0" err="1">
-                <a:effectLst/>
-                <a:latin typeface="Menlo"/>
-              </a:rPr>
-              <a:t>senal_seno_discreta</a:t>
-            </a:r>
-            <a:r>
-              <a:rPr lang="es-ES" sz="1800" b="0" i="0" dirty="0">
-                <a:effectLst/>
-                <a:latin typeface="Menlo"/>
-              </a:rPr>
-              <a:t>);</a:t>
-            </a:r>
-          </a:p>
-          <a:p>
-            <a:r>
-              <a:rPr lang="es-ES" sz="1800" b="0" i="0" dirty="0">
-                <a:solidFill>
-                  <a:srgbClr val="008013"/>
-                </a:solidFill>
-                <a:effectLst/>
-                <a:latin typeface="Menlo"/>
-              </a:rPr>
-              <a:t>%</a:t>
-            </a:r>
-            <a:r>
-              <a:rPr lang="es-ES" sz="1800" b="0" i="0" dirty="0" err="1">
-                <a:solidFill>
-                  <a:srgbClr val="008013"/>
-                </a:solidFill>
-                <a:effectLst/>
-                <a:latin typeface="Menlo"/>
-              </a:rPr>
-              <a:t>xlabel</a:t>
-            </a:r>
-            <a:r>
-              <a:rPr lang="es-ES" sz="1800" b="0" i="0" dirty="0">
-                <a:solidFill>
-                  <a:srgbClr val="008013"/>
-                </a:solidFill>
-                <a:effectLst/>
-                <a:latin typeface="Menlo"/>
-              </a:rPr>
-              <a:t>('Tiempo discreto (muestras)');</a:t>
-            </a:r>
-            <a:endParaRPr lang="es-ES" sz="1800" b="0" i="0" dirty="0">
-              <a:effectLst/>
-              <a:latin typeface="Menlo"/>
-            </a:endParaRPr>
-          </a:p>
-          <a:p>
-            <a:r>
-              <a:rPr lang="es-ES" sz="1800" b="0" i="0" dirty="0">
-                <a:solidFill>
-                  <a:srgbClr val="008013"/>
-                </a:solidFill>
-                <a:effectLst/>
-                <a:latin typeface="Menlo"/>
-              </a:rPr>
-              <a:t>%</a:t>
-            </a:r>
-            <a:r>
-              <a:rPr lang="es-ES" sz="1800" b="0" i="0" dirty="0" err="1">
-                <a:solidFill>
-                  <a:srgbClr val="008013"/>
-                </a:solidFill>
-                <a:effectLst/>
-                <a:latin typeface="Menlo"/>
-              </a:rPr>
-              <a:t>ylabel</a:t>
-            </a:r>
-            <a:r>
-              <a:rPr lang="es-ES" sz="1800" b="0" i="0" dirty="0">
-                <a:solidFill>
-                  <a:srgbClr val="008013"/>
-                </a:solidFill>
-                <a:effectLst/>
-                <a:latin typeface="Menlo"/>
-              </a:rPr>
-              <a:t>('Amplitud');</a:t>
-            </a:r>
-            <a:endParaRPr lang="es-ES" sz="1800" b="0" i="0" dirty="0">
-              <a:effectLst/>
-              <a:latin typeface="Menlo"/>
-            </a:endParaRPr>
-          </a:p>
-          <a:p>
-            <a:r>
-              <a:rPr lang="es-ES" sz="1800" b="0" i="0" dirty="0">
-                <a:solidFill>
-                  <a:srgbClr val="008013"/>
-                </a:solidFill>
-                <a:effectLst/>
-                <a:latin typeface="Menlo"/>
-              </a:rPr>
-              <a:t>%</a:t>
-            </a:r>
-            <a:r>
-              <a:rPr lang="es-ES" sz="1800" b="0" i="0" dirty="0" err="1">
-                <a:solidFill>
-                  <a:srgbClr val="008013"/>
-                </a:solidFill>
-                <a:effectLst/>
-                <a:latin typeface="Menlo"/>
-              </a:rPr>
-              <a:t>title</a:t>
-            </a:r>
-            <a:r>
-              <a:rPr lang="es-ES" sz="1800" b="0" i="0" dirty="0">
-                <a:solidFill>
-                  <a:srgbClr val="008013"/>
-                </a:solidFill>
-                <a:effectLst/>
-                <a:latin typeface="Menlo"/>
-              </a:rPr>
-              <a:t>('Señal Seno Discreta');</a:t>
-            </a:r>
-            <a:endParaRPr lang="es-ES" sz="1800" b="0" i="0" dirty="0">
-              <a:effectLst/>
-              <a:latin typeface="Menlo"/>
-            </a:endParaRPr>
-          </a:p>
-          <a:p>
-            <a:r>
-              <a:rPr lang="es-ES" sz="1800" b="0" i="0" dirty="0" err="1">
-                <a:effectLst/>
-                <a:latin typeface="Menlo"/>
-              </a:rPr>
-              <a:t>grid</a:t>
-            </a:r>
-            <a:r>
-              <a:rPr lang="es-ES" sz="1800" b="0" i="0" dirty="0">
-                <a:effectLst/>
-                <a:latin typeface="Menlo"/>
-              </a:rPr>
-              <a:t> </a:t>
-            </a:r>
-            <a:r>
-              <a:rPr lang="es-ES" sz="1800" b="0" i="0" dirty="0" err="1">
-                <a:solidFill>
-                  <a:srgbClr val="A709F5"/>
-                </a:solidFill>
-                <a:effectLst/>
-                <a:latin typeface="Menlo"/>
-              </a:rPr>
-              <a:t>on</a:t>
-            </a:r>
-            <a:r>
-              <a:rPr lang="es-ES" sz="1800" b="0" i="0" dirty="0">
-                <a:effectLst/>
-                <a:latin typeface="Menlo"/>
-              </a:rPr>
-              <a:t>;</a:t>
-            </a:r>
-          </a:p>
           <a:p>
             <a:endParaRPr lang="en-US" dirty="0"/>
           </a:p>
@@ -4615,7 +4163,13 @@
       </p:sp>
       <p:sp>
         <p:nvSpPr>
-          <p:cNvPr id="4" name="Marcador de número de diapositiva 3"/>
+          <p:cNvPr id="4" name="Marcador de número de diapositiva 3">
+            <a:extLst>
+              <a:ext uri="{FF2B5EF4-FFF2-40B4-BE49-F238E27FC236}">
+                <a16:creationId xmlns:a16="http://schemas.microsoft.com/office/drawing/2014/main" id="{7BA483AF-B143-A254-03A7-EB06B2199A3C}"/>
+              </a:ext>
+            </a:extLst>
+          </p:cNvPr>
           <p:cNvSpPr>
             <a:spLocks noGrp="1"/>
           </p:cNvSpPr>
@@ -4645,7 +4199,7 @@
     </p:spTree>
     <p:extLst>
       <p:ext uri="{BB962C8B-B14F-4D97-AF65-F5344CB8AC3E}">
-        <p14:creationId xmlns:p14="http://schemas.microsoft.com/office/powerpoint/2010/main" val="262688909"/>
+        <p14:creationId xmlns:p14="http://schemas.microsoft.com/office/powerpoint/2010/main" val="3481085515"/>
       </p:ext>
     </p:extLst>
   </p:cSld>
@@ -4696,17 +4250,12 @@
         </p:nvSpPr>
         <p:spPr/>
         <p:txBody>
-          <a:bodyPr/>
+          <a:bodyPr>
+            <a:normAutofit/>
+          </a:bodyPr>
           <a:lstStyle/>
           <a:p>
-            <a:r>
-              <a:rPr lang="es-ES" b="0" i="0">
-                <a:effectLst/>
-                <a:latin typeface="Söhne"/>
-              </a:rPr>
-              <a:t>Por ejemplo, una secuencia de valores que represente la temperatura medida cada hora en un día es una señal discreta, ya que los datos están recopilados en momentos específicos del día.</a:t>
-            </a:r>
-            <a:endParaRPr lang="en-US"/>
+            <a:endParaRPr lang="en-US" dirty="0"/>
           </a:p>
         </p:txBody>
       </p:sp>
@@ -4742,7 +4291,7 @@
     </p:spTree>
     <p:extLst>
       <p:ext uri="{BB962C8B-B14F-4D97-AF65-F5344CB8AC3E}">
-        <p14:creationId xmlns:p14="http://schemas.microsoft.com/office/powerpoint/2010/main" val="2072147072"/>
+        <p14:creationId xmlns:p14="http://schemas.microsoft.com/office/powerpoint/2010/main" val="262688909"/>
       </p:ext>
     </p:extLst>
   </p:cSld>
@@ -4797,13 +4346,13 @@
           <a:lstStyle/>
           <a:p>
             <a:r>
-              <a:rPr lang="es-ES" b="0" i="0" dirty="0">
+              <a:rPr lang="es-ES" b="0" i="0">
                 <a:effectLst/>
                 <a:latin typeface="Söhne"/>
               </a:rPr>
-              <a:t>Un ejemplo de esto podría ser una secuencia de alturas en diferentes ubicaciones en una montaña.</a:t>
-            </a:r>
-            <a:endParaRPr lang="en-US" dirty="0"/>
+              <a:t>Por ejemplo, una secuencia de valores que represente la temperatura medida cada hora en un día es una señal discreta, ya que los datos están recopilados en momentos específicos del día.</a:t>
+            </a:r>
+            <a:endParaRPr lang="en-US"/>
           </a:p>
         </p:txBody>
       </p:sp>
@@ -4839,7 +4388,7 @@
     </p:spTree>
     <p:extLst>
       <p:ext uri="{BB962C8B-B14F-4D97-AF65-F5344CB8AC3E}">
-        <p14:creationId xmlns:p14="http://schemas.microsoft.com/office/powerpoint/2010/main" val="2767606999"/>
+        <p14:creationId xmlns:p14="http://schemas.microsoft.com/office/powerpoint/2010/main" val="2072147072"/>
       </p:ext>
     </p:extLst>
   </p:cSld>
@@ -4893,6 +4442,13 @@
           <a:bodyPr/>
           <a:lstStyle/>
           <a:p>
+            <a:r>
+              <a:rPr lang="es-ES" b="0" i="0" dirty="0">
+                <a:effectLst/>
+                <a:latin typeface="Söhne"/>
+              </a:rPr>
+              <a:t>Un ejemplo de esto podría ser una secuencia de alturas en diferentes ubicaciones en una montaña.</a:t>
+            </a:r>
             <a:endParaRPr lang="en-US" dirty="0"/>
           </a:p>
         </p:txBody>
@@ -4929,7 +4485,7 @@
     </p:spTree>
     <p:extLst>
       <p:ext uri="{BB962C8B-B14F-4D97-AF65-F5344CB8AC3E}">
-        <p14:creationId xmlns:p14="http://schemas.microsoft.com/office/powerpoint/2010/main" val="445616917"/>
+        <p14:creationId xmlns:p14="http://schemas.microsoft.com/office/powerpoint/2010/main" val="2767606999"/>
       </p:ext>
     </p:extLst>
   </p:cSld>
@@ -5088,7 +4644,7 @@
           <a:p>
             <a:fld id="{9CF7635E-2D71-42E7-9E6C-FBB85A15A85F}" type="datetimeFigureOut">
               <a:rPr lang="es-CO" smtClean="0"/>
-              <a:t>4/01/2025</a:t>
+              <a:t>8/01/2025</a:t>
             </a:fld>
             <a:endParaRPr lang="es-CO"/>
           </a:p>
@@ -5354,7 +4910,7 @@
           <a:p>
             <a:fld id="{9CF7635E-2D71-42E7-9E6C-FBB85A15A85F}" type="datetimeFigureOut">
               <a:rPr lang="es-CO" smtClean="0"/>
-              <a:t>4/01/2025</a:t>
+              <a:t>8/01/2025</a:t>
             </a:fld>
             <a:endParaRPr lang="es-CO"/>
           </a:p>
@@ -5570,7 +5126,7 @@
           <a:p>
             <a:fld id="{9CF7635E-2D71-42E7-9E6C-FBB85A15A85F}" type="datetimeFigureOut">
               <a:rPr lang="es-CO" smtClean="0"/>
-              <a:t>4/01/2025</a:t>
+              <a:t>8/01/2025</a:t>
             </a:fld>
             <a:endParaRPr lang="es-CO"/>
           </a:p>
@@ -7199,7 +6755,7 @@
           <a:p>
             <a:fld id="{9CF7635E-2D71-42E7-9E6C-FBB85A15A85F}" type="datetimeFigureOut">
               <a:rPr lang="es-CO" smtClean="0"/>
-              <a:t>4/01/2025</a:t>
+              <a:t>8/01/2025</a:t>
             </a:fld>
             <a:endParaRPr lang="es-CO"/>
           </a:p>
@@ -7646,7 +7202,7 @@
           <a:p>
             <a:fld id="{9CF7635E-2D71-42E7-9E6C-FBB85A15A85F}" type="datetimeFigureOut">
               <a:rPr lang="es-CO" smtClean="0"/>
-              <a:t>4/01/2025</a:t>
+              <a:t>8/01/2025</a:t>
             </a:fld>
             <a:endParaRPr lang="es-CO"/>
           </a:p>
@@ -7920,7 +7476,7 @@
           <a:p>
             <a:fld id="{9CF7635E-2D71-42E7-9E6C-FBB85A15A85F}" type="datetimeFigureOut">
               <a:rPr lang="es-CO" smtClean="0"/>
-              <a:t>4/01/2025</a:t>
+              <a:t>8/01/2025</a:t>
             </a:fld>
             <a:endParaRPr lang="es-CO"/>
           </a:p>
@@ -8341,7 +7897,7 @@
           <a:p>
             <a:fld id="{9CF7635E-2D71-42E7-9E6C-FBB85A15A85F}" type="datetimeFigureOut">
               <a:rPr lang="es-CO" smtClean="0"/>
-              <a:t>4/01/2025</a:t>
+              <a:t>8/01/2025</a:t>
             </a:fld>
             <a:endParaRPr lang="es-CO"/>
           </a:p>
@@ -8489,7 +8045,7 @@
           <a:p>
             <a:fld id="{9CF7635E-2D71-42E7-9E6C-FBB85A15A85F}" type="datetimeFigureOut">
               <a:rPr lang="es-CO" smtClean="0"/>
-              <a:t>4/01/2025</a:t>
+              <a:t>8/01/2025</a:t>
             </a:fld>
             <a:endParaRPr lang="es-CO"/>
           </a:p>
@@ -8608,7 +8164,7 @@
           <a:p>
             <a:fld id="{9CF7635E-2D71-42E7-9E6C-FBB85A15A85F}" type="datetimeFigureOut">
               <a:rPr lang="es-CO" smtClean="0"/>
-              <a:t>4/01/2025</a:t>
+              <a:t>8/01/2025</a:t>
             </a:fld>
             <a:endParaRPr lang="es-CO"/>
           </a:p>
@@ -8927,7 +8483,7 @@
           <a:p>
             <a:fld id="{9CF7635E-2D71-42E7-9E6C-FBB85A15A85F}" type="datetimeFigureOut">
               <a:rPr lang="es-CO" smtClean="0"/>
-              <a:t>4/01/2025</a:t>
+              <a:t>8/01/2025</a:t>
             </a:fld>
             <a:endParaRPr lang="es-CO"/>
           </a:p>
@@ -9222,7 +8778,7 @@
           <a:p>
             <a:fld id="{9CF7635E-2D71-42E7-9E6C-FBB85A15A85F}" type="datetimeFigureOut">
               <a:rPr lang="es-CO" smtClean="0"/>
-              <a:t>4/01/2025</a:t>
+              <a:t>8/01/2025</a:t>
             </a:fld>
             <a:endParaRPr lang="es-CO"/>
           </a:p>
@@ -9471,7 +9027,7 @@
           <a:p>
             <a:fld id="{9CF7635E-2D71-42E7-9E6C-FBB85A15A85F}" type="datetimeFigureOut">
               <a:rPr lang="es-CO" smtClean="0"/>
-              <a:t>4/01/2025</a:t>
+              <a:t>8/01/2025</a:t>
             </a:fld>
             <a:endParaRPr lang="es-CO"/>
           </a:p>
@@ -10554,7 +10110,7 @@
         </p:nvSpPr>
         <p:spPr>
           <a:xfrm>
-            <a:off x="2375830" y="-28575"/>
+            <a:off x="2251870" y="672742"/>
             <a:ext cx="4392340" cy="1162050"/>
           </a:xfrm>
         </p:spPr>
@@ -10564,8 +10120,8 @@
           <a:p>
             <a:pPr algn="ctr"/>
             <a:r>
-              <a:rPr lang="es-CO" b="1" dirty="0"/>
-              <a:t>Muestreo</a:t>
+              <a:rPr lang="es-CO" b="1"/>
+              <a:t>¿Qué es una señal en espacio discreto?</a:t>
             </a:r>
           </a:p>
         </p:txBody>
@@ -10765,6 +10321,1283 @@
             <a:r>
               <a:rPr lang="es-CO" altLang="es-CO" sz="3600" b="0" dirty="0"/>
               <a:t>10</a:t>
+            </a:r>
+          </a:p>
+        </p:txBody>
+      </p:sp>
+      <p:pic>
+        <p:nvPicPr>
+          <p:cNvPr id="14" name="Picture 4" descr="Programas - Intranet ETITC">
+            <a:extLst>
+              <a:ext uri="{FF2B5EF4-FFF2-40B4-BE49-F238E27FC236}">
+                <a16:creationId xmlns:a16="http://schemas.microsoft.com/office/drawing/2014/main" id="{EC83F540-C4A2-EE56-0418-B8CD7CA17275}"/>
+              </a:ext>
+            </a:extLst>
+          </p:cNvPr>
+          <p:cNvPicPr>
+            <a:picLocks noChangeAspect="1" noChangeArrowheads="1"/>
+          </p:cNvPicPr>
+          <p:nvPr/>
+        </p:nvPicPr>
+        <p:blipFill>
+          <a:blip r:embed="rId3">
+            <a:extLst>
+              <a:ext uri="{28A0092B-C50C-407E-A947-70E740481C1C}">
+                <a14:useLocalDpi xmlns:a14="http://schemas.microsoft.com/office/drawing/2010/main" val="0"/>
+              </a:ext>
+            </a:extLst>
+          </a:blip>
+          <a:srcRect/>
+          <a:stretch>
+            <a:fillRect/>
+          </a:stretch>
+        </p:blipFill>
+        <p:spPr bwMode="auto">
+          <a:xfrm>
+            <a:off x="795338" y="44758"/>
+            <a:ext cx="2483768" cy="794720"/>
+          </a:xfrm>
+          <a:prstGeom prst="rect">
+            <a:avLst/>
+          </a:prstGeom>
+          <a:noFill/>
+          <a:extLst>
+            <a:ext uri="{909E8E84-426E-40DD-AFC4-6F175D3DCCD1}">
+              <a14:hiddenFill xmlns:a14="http://schemas.microsoft.com/office/drawing/2010/main">
+                <a:solidFill>
+                  <a:srgbClr val="FFFFFF"/>
+                </a:solidFill>
+              </a14:hiddenFill>
+            </a:ext>
+          </a:extLst>
+        </p:spPr>
+      </p:pic>
+      <p:sp>
+        <p:nvSpPr>
+          <p:cNvPr id="5" name="2 Subtítulo">
+            <a:extLst>
+              <a:ext uri="{FF2B5EF4-FFF2-40B4-BE49-F238E27FC236}">
+                <a16:creationId xmlns:a16="http://schemas.microsoft.com/office/drawing/2014/main" id="{AD83FA30-4A3C-43B8-17CD-C08519129156}"/>
+              </a:ext>
+            </a:extLst>
+          </p:cNvPr>
+          <p:cNvSpPr txBox="1">
+            <a:spLocks/>
+          </p:cNvSpPr>
+          <p:nvPr/>
+        </p:nvSpPr>
+        <p:spPr bwMode="auto">
+          <a:xfrm>
+            <a:off x="2267744" y="259824"/>
+            <a:ext cx="6400800" cy="500063"/>
+          </a:xfrm>
+          <a:prstGeom prst="rect">
+            <a:avLst/>
+          </a:prstGeom>
+          <a:noFill/>
+          <a:ln>
+            <a:noFill/>
+          </a:ln>
+          <a:extLst>
+            <a:ext uri="{909E8E84-426E-40DD-AFC4-6F175D3DCCD1}">
+              <a14:hiddenFill xmlns:a14="http://schemas.microsoft.com/office/drawing/2010/main">
+                <a:solidFill>
+                  <a:srgbClr val="FFFFFF"/>
+                </a:solidFill>
+              </a14:hiddenFill>
+            </a:ext>
+            <a:ext uri="{91240B29-F687-4F45-9708-019B960494DF}">
+              <a14:hiddenLine xmlns:a14="http://schemas.microsoft.com/office/drawing/2010/main" w="9525">
+                <a:solidFill>
+                  <a:srgbClr val="000000"/>
+                </a:solidFill>
+                <a:miter lim="800000"/>
+                <a:headEnd/>
+                <a:tailEnd/>
+              </a14:hiddenLine>
+            </a:ext>
+          </a:extLst>
+        </p:spPr>
+        <p:txBody>
+          <a:bodyPr vert="horz" wrap="square" lIns="91440" tIns="45720" rIns="91440" bIns="45720" numCol="1" rtlCol="0" anchor="t" anchorCtr="0" compatLnSpc="1">
+            <a:prstTxWarp prst="textNoShape">
+              <a:avLst/>
+            </a:prstTxWarp>
+            <a:noAutofit/>
+          </a:bodyPr>
+          <a:lstStyle>
+            <a:lvl1pPr marL="342900" indent="-342900" algn="l" rtl="0" eaLnBrk="0" fontAlgn="base" hangingPunct="0">
+              <a:spcBef>
+                <a:spcPct val="20000"/>
+              </a:spcBef>
+              <a:spcAft>
+                <a:spcPct val="0"/>
+              </a:spcAft>
+              <a:buFont typeface="Arial" panose="020B0604020202020204" pitchFamily="34" charset="0"/>
+              <a:buChar char="•"/>
+              <a:defRPr sz="3200" kern="1200">
+                <a:solidFill>
+                  <a:schemeClr val="tx1"/>
+                </a:solidFill>
+                <a:latin typeface="Arial" pitchFamily="34" charset="0"/>
+                <a:ea typeface="+mn-ea"/>
+                <a:cs typeface="Arial" pitchFamily="34" charset="0"/>
+              </a:defRPr>
+            </a:lvl1pPr>
+            <a:lvl2pPr marL="742950" indent="-285750" algn="l" rtl="0" eaLnBrk="0" fontAlgn="base" hangingPunct="0">
+              <a:spcBef>
+                <a:spcPct val="20000"/>
+              </a:spcBef>
+              <a:spcAft>
+                <a:spcPct val="0"/>
+              </a:spcAft>
+              <a:buFont typeface="Arial" panose="020B0604020202020204" pitchFamily="34" charset="0"/>
+              <a:buChar char="–"/>
+              <a:defRPr sz="2800" kern="1200">
+                <a:solidFill>
+                  <a:schemeClr val="tx1"/>
+                </a:solidFill>
+                <a:latin typeface="Arial" pitchFamily="34" charset="0"/>
+                <a:ea typeface="+mn-ea"/>
+                <a:cs typeface="Arial" pitchFamily="34" charset="0"/>
+              </a:defRPr>
+            </a:lvl2pPr>
+            <a:lvl3pPr marL="1143000" indent="-228600" algn="l" rtl="0" eaLnBrk="0" fontAlgn="base" hangingPunct="0">
+              <a:spcBef>
+                <a:spcPct val="20000"/>
+              </a:spcBef>
+              <a:spcAft>
+                <a:spcPct val="0"/>
+              </a:spcAft>
+              <a:buFont typeface="Arial" panose="020B0604020202020204" pitchFamily="34" charset="0"/>
+              <a:buChar char="•"/>
+              <a:defRPr sz="2400" kern="1200">
+                <a:solidFill>
+                  <a:schemeClr val="tx1"/>
+                </a:solidFill>
+                <a:latin typeface="Arial" pitchFamily="34" charset="0"/>
+                <a:ea typeface="+mn-ea"/>
+                <a:cs typeface="Arial" pitchFamily="34" charset="0"/>
+              </a:defRPr>
+            </a:lvl3pPr>
+            <a:lvl4pPr marL="1600200" indent="-228600" algn="l" rtl="0" eaLnBrk="0" fontAlgn="base" hangingPunct="0">
+              <a:spcBef>
+                <a:spcPct val="20000"/>
+              </a:spcBef>
+              <a:spcAft>
+                <a:spcPct val="0"/>
+              </a:spcAft>
+              <a:buFont typeface="Arial" panose="020B0604020202020204" pitchFamily="34" charset="0"/>
+              <a:buChar char="–"/>
+              <a:defRPr sz="2000" kern="1200">
+                <a:solidFill>
+                  <a:schemeClr val="tx1"/>
+                </a:solidFill>
+                <a:latin typeface="Arial" pitchFamily="34" charset="0"/>
+                <a:ea typeface="+mn-ea"/>
+                <a:cs typeface="Arial" pitchFamily="34" charset="0"/>
+              </a:defRPr>
+            </a:lvl4pPr>
+            <a:lvl5pPr marL="2057400" indent="-228600" algn="l" rtl="0" eaLnBrk="0" fontAlgn="base" hangingPunct="0">
+              <a:spcBef>
+                <a:spcPct val="20000"/>
+              </a:spcBef>
+              <a:spcAft>
+                <a:spcPct val="0"/>
+              </a:spcAft>
+              <a:buFont typeface="Arial" panose="020B0604020202020204" pitchFamily="34" charset="0"/>
+              <a:buChar char="»"/>
+              <a:defRPr sz="2000" kern="1200">
+                <a:solidFill>
+                  <a:schemeClr val="tx1"/>
+                </a:solidFill>
+                <a:latin typeface="Arial" pitchFamily="34" charset="0"/>
+                <a:ea typeface="+mn-ea"/>
+                <a:cs typeface="Arial" pitchFamily="34" charset="0"/>
+              </a:defRPr>
+            </a:lvl5pPr>
+            <a:lvl6pPr marL="2514600" indent="-228600" algn="l" defTabSz="914400" rtl="0" eaLnBrk="1" latinLnBrk="0" hangingPunct="1">
+              <a:spcBef>
+                <a:spcPct val="20000"/>
+              </a:spcBef>
+              <a:buFont typeface="Arial" pitchFamily="34" charset="0"/>
+              <a:buChar char="•"/>
+              <a:defRPr sz="2000" kern="1200">
+                <a:solidFill>
+                  <a:schemeClr val="tx1"/>
+                </a:solidFill>
+                <a:latin typeface="+mn-lt"/>
+                <a:ea typeface="+mn-ea"/>
+                <a:cs typeface="+mn-cs"/>
+              </a:defRPr>
+            </a:lvl6pPr>
+            <a:lvl7pPr marL="2971800" indent="-228600" algn="l" defTabSz="914400" rtl="0" eaLnBrk="1" latinLnBrk="0" hangingPunct="1">
+              <a:spcBef>
+                <a:spcPct val="20000"/>
+              </a:spcBef>
+              <a:buFont typeface="Arial" pitchFamily="34" charset="0"/>
+              <a:buChar char="•"/>
+              <a:defRPr sz="2000" kern="1200">
+                <a:solidFill>
+                  <a:schemeClr val="tx1"/>
+                </a:solidFill>
+                <a:latin typeface="+mn-lt"/>
+                <a:ea typeface="+mn-ea"/>
+                <a:cs typeface="+mn-cs"/>
+              </a:defRPr>
+            </a:lvl7pPr>
+            <a:lvl8pPr marL="3429000" indent="-228600" algn="l" defTabSz="914400" rtl="0" eaLnBrk="1" latinLnBrk="0" hangingPunct="1">
+              <a:spcBef>
+                <a:spcPct val="20000"/>
+              </a:spcBef>
+              <a:buFont typeface="Arial" pitchFamily="34" charset="0"/>
+              <a:buChar char="•"/>
+              <a:defRPr sz="2000" kern="1200">
+                <a:solidFill>
+                  <a:schemeClr val="tx1"/>
+                </a:solidFill>
+                <a:latin typeface="+mn-lt"/>
+                <a:ea typeface="+mn-ea"/>
+                <a:cs typeface="+mn-cs"/>
+              </a:defRPr>
+            </a:lvl8pPr>
+            <a:lvl9pPr marL="3886200" indent="-228600" algn="l" defTabSz="914400" rtl="0" eaLnBrk="1" latinLnBrk="0" hangingPunct="1">
+              <a:spcBef>
+                <a:spcPct val="20000"/>
+              </a:spcBef>
+              <a:buFont typeface="Arial" pitchFamily="34" charset="0"/>
+              <a:buChar char="•"/>
+              <a:defRPr sz="2000" kern="1200">
+                <a:solidFill>
+                  <a:schemeClr val="tx1"/>
+                </a:solidFill>
+                <a:latin typeface="+mn-lt"/>
+                <a:ea typeface="+mn-ea"/>
+                <a:cs typeface="+mn-cs"/>
+              </a:defRPr>
+            </a:lvl9pPr>
+          </a:lstStyle>
+          <a:p>
+            <a:pPr marL="0" indent="0" algn="r" eaLnBrk="1" fontAlgn="auto" hangingPunct="1">
+              <a:spcAft>
+                <a:spcPts val="0"/>
+              </a:spcAft>
+              <a:buNone/>
+              <a:defRPr/>
+            </a:pPr>
+            <a:r>
+              <a:rPr lang="es-CO" sz="2000" b="1">
+                <a:solidFill>
+                  <a:schemeClr val="tx1">
+                    <a:lumMod val="75000"/>
+                    <a:lumOff val="25000"/>
+                  </a:schemeClr>
+                </a:solidFill>
+              </a:rPr>
+              <a:t>SEÑALES DISCRETAS</a:t>
+            </a:r>
+          </a:p>
+        </p:txBody>
+      </p:sp>
+      <p:sp>
+        <p:nvSpPr>
+          <p:cNvPr id="3" name="CuadroTexto 2">
+            <a:extLst>
+              <a:ext uri="{FF2B5EF4-FFF2-40B4-BE49-F238E27FC236}">
+                <a16:creationId xmlns:a16="http://schemas.microsoft.com/office/drawing/2014/main" id="{D7A672F5-7168-A058-640B-C64276D595B9}"/>
+              </a:ext>
+            </a:extLst>
+          </p:cNvPr>
+          <p:cNvSpPr txBox="1"/>
+          <p:nvPr/>
+        </p:nvSpPr>
+        <p:spPr>
+          <a:xfrm>
+            <a:off x="971600" y="3140968"/>
+            <a:ext cx="7560840" cy="923330"/>
+          </a:xfrm>
+          <a:prstGeom prst="rect">
+            <a:avLst/>
+          </a:prstGeom>
+          <a:noFill/>
+        </p:spPr>
+        <p:txBody>
+          <a:bodyPr wrap="square" rtlCol="0">
+            <a:spAutoFit/>
+          </a:bodyPr>
+          <a:lstStyle/>
+          <a:p>
+            <a:pPr algn="l"/>
+            <a:r>
+              <a:rPr lang="es-ES" b="0" i="0" dirty="0">
+                <a:effectLst/>
+                <a:latin typeface="Söhne"/>
+              </a:rPr>
+              <a:t>En cuanto a señales en espacio discreto, los </a:t>
+            </a:r>
+            <a:r>
+              <a:rPr lang="es-ES" b="1" i="0" dirty="0">
+                <a:effectLst/>
+                <a:latin typeface="Söhne"/>
+              </a:rPr>
+              <a:t>valores</a:t>
+            </a:r>
+            <a:r>
+              <a:rPr lang="es-ES" b="0" i="0" dirty="0">
+                <a:effectLst/>
+                <a:latin typeface="Söhne"/>
+              </a:rPr>
+              <a:t> se definen solo </a:t>
+            </a:r>
+            <a:r>
+              <a:rPr lang="es-ES" b="1" i="0" dirty="0">
+                <a:effectLst/>
+                <a:latin typeface="Söhne"/>
+              </a:rPr>
+              <a:t>en</a:t>
+            </a:r>
+            <a:r>
+              <a:rPr lang="es-ES" b="0" i="0" dirty="0">
+                <a:effectLst/>
+                <a:latin typeface="Söhne"/>
+              </a:rPr>
+              <a:t> </a:t>
+            </a:r>
+            <a:r>
+              <a:rPr lang="es-ES" b="1" i="0" dirty="0">
+                <a:effectLst/>
+                <a:latin typeface="Söhne"/>
+              </a:rPr>
+              <a:t>ubicaciones</a:t>
+            </a:r>
+            <a:r>
+              <a:rPr lang="es-ES" b="0" i="0" dirty="0">
+                <a:effectLst/>
+                <a:latin typeface="Söhne"/>
+              </a:rPr>
+              <a:t> discretas, como puntos en una cuadrícula o en una secuencia de posiciones </a:t>
+            </a:r>
+            <a:r>
+              <a:rPr lang="es-ES" b="1" i="0" dirty="0">
+                <a:effectLst/>
+                <a:latin typeface="Söhne"/>
+              </a:rPr>
+              <a:t>específicas</a:t>
+            </a:r>
+            <a:r>
+              <a:rPr lang="es-ES" b="0" i="0" dirty="0">
+                <a:effectLst/>
+                <a:latin typeface="Söhne"/>
+              </a:rPr>
+              <a:t>. </a:t>
+            </a:r>
+            <a:endParaRPr lang="en-US" dirty="0"/>
+          </a:p>
+        </p:txBody>
+      </p:sp>
+    </p:spTree>
+    <p:extLst>
+      <p:ext uri="{BB962C8B-B14F-4D97-AF65-F5344CB8AC3E}">
+        <p14:creationId xmlns:p14="http://schemas.microsoft.com/office/powerpoint/2010/main" val="1860376443"/>
+      </p:ext>
+    </p:extLst>
+  </p:cSld>
+  <p:clrMapOvr>
+    <a:masterClrMapping/>
+  </p:clrMapOvr>
+</p:sld>
+</file>
+
+<file path=ppt/slides/slide11.xml><?xml version="1.0" encoding="utf-8"?>
+<p:sld xmlns:a="http://schemas.openxmlformats.org/drawingml/2006/main" xmlns:r="http://schemas.openxmlformats.org/officeDocument/2006/relationships" xmlns:p="http://schemas.openxmlformats.org/presentationml/2006/main">
+  <p:cSld>
+    <p:spTree>
+      <p:nvGrpSpPr>
+        <p:cNvPr id="1" name="">
+          <a:extLst>
+            <a:ext uri="{FF2B5EF4-FFF2-40B4-BE49-F238E27FC236}">
+              <a16:creationId xmlns:a16="http://schemas.microsoft.com/office/drawing/2014/main" id="{A93AEF32-8321-9B44-57C5-AEE2711AE50E}"/>
+            </a:ext>
+          </a:extLst>
+        </p:cNvPr>
+        <p:cNvGrpSpPr/>
+        <p:nvPr/>
+      </p:nvGrpSpPr>
+      <p:grpSpPr>
+        <a:xfrm>
+          <a:off x="0" y="0"/>
+          <a:ext cx="0" cy="0"/>
+          <a:chOff x="0" y="0"/>
+          <a:chExt cx="0" cy="0"/>
+        </a:xfrm>
+      </p:grpSpPr>
+      <p:sp>
+        <p:nvSpPr>
+          <p:cNvPr id="2" name="Título 1">
+            <a:extLst>
+              <a:ext uri="{FF2B5EF4-FFF2-40B4-BE49-F238E27FC236}">
+                <a16:creationId xmlns:a16="http://schemas.microsoft.com/office/drawing/2014/main" id="{CBB25D16-27A9-A978-8C30-1E53B98DF2B1}"/>
+              </a:ext>
+            </a:extLst>
+          </p:cNvPr>
+          <p:cNvSpPr>
+            <a:spLocks noGrp="1"/>
+          </p:cNvSpPr>
+          <p:nvPr>
+            <p:ph type="title"/>
+          </p:nvPr>
+        </p:nvSpPr>
+        <p:spPr>
+          <a:xfrm>
+            <a:off x="2251870" y="672742"/>
+            <a:ext cx="4392340" cy="1162050"/>
+          </a:xfrm>
+        </p:spPr>
+        <p:txBody>
+          <a:bodyPr/>
+          <a:lstStyle/>
+          <a:p>
+            <a:pPr algn="ctr"/>
+            <a:r>
+              <a:rPr lang="es-CO" b="1" dirty="0"/>
+              <a:t>Laboratorio</a:t>
+            </a:r>
+          </a:p>
+        </p:txBody>
+      </p:sp>
+      <p:sp>
+        <p:nvSpPr>
+          <p:cNvPr id="10" name="1 Título">
+            <a:extLst>
+              <a:ext uri="{FF2B5EF4-FFF2-40B4-BE49-F238E27FC236}">
+                <a16:creationId xmlns:a16="http://schemas.microsoft.com/office/drawing/2014/main" id="{9074D388-FEB7-FEDC-02FC-1CEFD41E2A83}"/>
+              </a:ext>
+            </a:extLst>
+          </p:cNvPr>
+          <p:cNvSpPr txBox="1">
+            <a:spLocks/>
+          </p:cNvSpPr>
+          <p:nvPr/>
+        </p:nvSpPr>
+        <p:spPr bwMode="auto">
+          <a:xfrm>
+            <a:off x="0" y="-28575"/>
+            <a:ext cx="779463" cy="720725"/>
+          </a:xfrm>
+          <a:prstGeom prst="rect">
+            <a:avLst/>
+          </a:prstGeom>
+          <a:noFill/>
+          <a:ln>
+            <a:noFill/>
+          </a:ln>
+          <a:extLst>
+            <a:ext uri="{909E8E84-426E-40DD-AFC4-6F175D3DCCD1}">
+              <a14:hiddenFill xmlns:a14="http://schemas.microsoft.com/office/drawing/2010/main">
+                <a:solidFill>
+                  <a:srgbClr val="FFFFFF"/>
+                </a:solidFill>
+              </a14:hiddenFill>
+            </a:ext>
+            <a:ext uri="{91240B29-F687-4F45-9708-019B960494DF}">
+              <a14:hiddenLine xmlns:a14="http://schemas.microsoft.com/office/drawing/2010/main" w="9525">
+                <a:solidFill>
+                  <a:srgbClr val="000000"/>
+                </a:solidFill>
+                <a:miter lim="800000"/>
+                <a:headEnd/>
+                <a:tailEnd/>
+              </a14:hiddenLine>
+            </a:ext>
+          </a:extLst>
+        </p:spPr>
+        <p:txBody>
+          <a:bodyPr vert="horz" wrap="square" lIns="91440" tIns="45720" rIns="91440" bIns="45720" numCol="1" anchor="b" anchorCtr="0" compatLnSpc="1">
+            <a:prstTxWarp prst="textNoShape">
+              <a:avLst/>
+            </a:prstTxWarp>
+          </a:bodyPr>
+          <a:lstStyle>
+            <a:lvl1pPr algn="l" rtl="0" eaLnBrk="0" fontAlgn="base" hangingPunct="0">
+              <a:spcBef>
+                <a:spcPct val="0"/>
+              </a:spcBef>
+              <a:spcAft>
+                <a:spcPct val="0"/>
+              </a:spcAft>
+              <a:defRPr sz="2000" b="1" kern="1200">
+                <a:solidFill>
+                  <a:schemeClr val="tx1"/>
+                </a:solidFill>
+                <a:latin typeface="Arial" pitchFamily="34" charset="0"/>
+                <a:ea typeface="+mj-ea"/>
+                <a:cs typeface="Arial" pitchFamily="34" charset="0"/>
+              </a:defRPr>
+            </a:lvl1pPr>
+            <a:lvl2pPr algn="l" rtl="0" eaLnBrk="0" fontAlgn="base" hangingPunct="0">
+              <a:spcBef>
+                <a:spcPct val="0"/>
+              </a:spcBef>
+              <a:spcAft>
+                <a:spcPct val="0"/>
+              </a:spcAft>
+              <a:defRPr sz="4400">
+                <a:solidFill>
+                  <a:schemeClr val="tx1"/>
+                </a:solidFill>
+                <a:latin typeface="Arial" charset="0"/>
+                <a:cs typeface="Arial" charset="0"/>
+              </a:defRPr>
+            </a:lvl2pPr>
+            <a:lvl3pPr algn="l" rtl="0" eaLnBrk="0" fontAlgn="base" hangingPunct="0">
+              <a:spcBef>
+                <a:spcPct val="0"/>
+              </a:spcBef>
+              <a:spcAft>
+                <a:spcPct val="0"/>
+              </a:spcAft>
+              <a:defRPr sz="4400">
+                <a:solidFill>
+                  <a:schemeClr val="tx1"/>
+                </a:solidFill>
+                <a:latin typeface="Arial" charset="0"/>
+                <a:cs typeface="Arial" charset="0"/>
+              </a:defRPr>
+            </a:lvl3pPr>
+            <a:lvl4pPr algn="l" rtl="0" eaLnBrk="0" fontAlgn="base" hangingPunct="0">
+              <a:spcBef>
+                <a:spcPct val="0"/>
+              </a:spcBef>
+              <a:spcAft>
+                <a:spcPct val="0"/>
+              </a:spcAft>
+              <a:defRPr sz="4400">
+                <a:solidFill>
+                  <a:schemeClr val="tx1"/>
+                </a:solidFill>
+                <a:latin typeface="Arial" charset="0"/>
+                <a:cs typeface="Arial" charset="0"/>
+              </a:defRPr>
+            </a:lvl4pPr>
+            <a:lvl5pPr algn="l" rtl="0" eaLnBrk="0" fontAlgn="base" hangingPunct="0">
+              <a:spcBef>
+                <a:spcPct val="0"/>
+              </a:spcBef>
+              <a:spcAft>
+                <a:spcPct val="0"/>
+              </a:spcAft>
+              <a:defRPr sz="4400">
+                <a:solidFill>
+                  <a:schemeClr val="tx1"/>
+                </a:solidFill>
+                <a:latin typeface="Arial" charset="0"/>
+                <a:cs typeface="Arial" charset="0"/>
+              </a:defRPr>
+            </a:lvl5pPr>
+            <a:lvl6pPr marL="457200" algn="l" rtl="0" fontAlgn="base">
+              <a:spcBef>
+                <a:spcPct val="0"/>
+              </a:spcBef>
+              <a:spcAft>
+                <a:spcPct val="0"/>
+              </a:spcAft>
+              <a:defRPr sz="4400">
+                <a:solidFill>
+                  <a:schemeClr val="tx1"/>
+                </a:solidFill>
+                <a:latin typeface="Arial" charset="0"/>
+                <a:cs typeface="Arial" charset="0"/>
+              </a:defRPr>
+            </a:lvl6pPr>
+            <a:lvl7pPr marL="914400" algn="l" rtl="0" fontAlgn="base">
+              <a:spcBef>
+                <a:spcPct val="0"/>
+              </a:spcBef>
+              <a:spcAft>
+                <a:spcPct val="0"/>
+              </a:spcAft>
+              <a:defRPr sz="4400">
+                <a:solidFill>
+                  <a:schemeClr val="tx1"/>
+                </a:solidFill>
+                <a:latin typeface="Arial" charset="0"/>
+                <a:cs typeface="Arial" charset="0"/>
+              </a:defRPr>
+            </a:lvl7pPr>
+            <a:lvl8pPr marL="1371600" algn="l" rtl="0" fontAlgn="base">
+              <a:spcBef>
+                <a:spcPct val="0"/>
+              </a:spcBef>
+              <a:spcAft>
+                <a:spcPct val="0"/>
+              </a:spcAft>
+              <a:defRPr sz="4400">
+                <a:solidFill>
+                  <a:schemeClr val="tx1"/>
+                </a:solidFill>
+                <a:latin typeface="Arial" charset="0"/>
+                <a:cs typeface="Arial" charset="0"/>
+              </a:defRPr>
+            </a:lvl8pPr>
+            <a:lvl9pPr marL="1828800" algn="l" rtl="0" fontAlgn="base">
+              <a:spcBef>
+                <a:spcPct val="0"/>
+              </a:spcBef>
+              <a:spcAft>
+                <a:spcPct val="0"/>
+              </a:spcAft>
+              <a:defRPr sz="4400">
+                <a:solidFill>
+                  <a:schemeClr val="tx1"/>
+                </a:solidFill>
+                <a:latin typeface="Arial" charset="0"/>
+                <a:cs typeface="Arial" charset="0"/>
+              </a:defRPr>
+            </a:lvl9pPr>
+          </a:lstStyle>
+          <a:p>
+            <a:pPr algn="ctr" eaLnBrk="1" hangingPunct="1"/>
+            <a:r>
+              <a:rPr lang="es-CO" altLang="es-CO" sz="3600" b="0" dirty="0"/>
+              <a:t>11</a:t>
+            </a:r>
+          </a:p>
+        </p:txBody>
+      </p:sp>
+      <p:pic>
+        <p:nvPicPr>
+          <p:cNvPr id="14" name="Picture 4" descr="Programas - Intranet ETITC">
+            <a:extLst>
+              <a:ext uri="{FF2B5EF4-FFF2-40B4-BE49-F238E27FC236}">
+                <a16:creationId xmlns:a16="http://schemas.microsoft.com/office/drawing/2014/main" id="{12275B07-F14D-2ED1-6BAD-294B00CD95B3}"/>
+              </a:ext>
+            </a:extLst>
+          </p:cNvPr>
+          <p:cNvPicPr>
+            <a:picLocks noChangeAspect="1" noChangeArrowheads="1"/>
+          </p:cNvPicPr>
+          <p:nvPr/>
+        </p:nvPicPr>
+        <p:blipFill>
+          <a:blip r:embed="rId3">
+            <a:extLst>
+              <a:ext uri="{28A0092B-C50C-407E-A947-70E740481C1C}">
+                <a14:useLocalDpi xmlns:a14="http://schemas.microsoft.com/office/drawing/2010/main" val="0"/>
+              </a:ext>
+            </a:extLst>
+          </a:blip>
+          <a:srcRect/>
+          <a:stretch>
+            <a:fillRect/>
+          </a:stretch>
+        </p:blipFill>
+        <p:spPr bwMode="auto">
+          <a:xfrm>
+            <a:off x="795338" y="44758"/>
+            <a:ext cx="2483768" cy="794720"/>
+          </a:xfrm>
+          <a:prstGeom prst="rect">
+            <a:avLst/>
+          </a:prstGeom>
+          <a:noFill/>
+          <a:extLst>
+            <a:ext uri="{909E8E84-426E-40DD-AFC4-6F175D3DCCD1}">
+              <a14:hiddenFill xmlns:a14="http://schemas.microsoft.com/office/drawing/2010/main">
+                <a:solidFill>
+                  <a:srgbClr val="FFFFFF"/>
+                </a:solidFill>
+              </a14:hiddenFill>
+            </a:ext>
+          </a:extLst>
+        </p:spPr>
+      </p:pic>
+      <p:sp>
+        <p:nvSpPr>
+          <p:cNvPr id="5" name="2 Subtítulo">
+            <a:extLst>
+              <a:ext uri="{FF2B5EF4-FFF2-40B4-BE49-F238E27FC236}">
+                <a16:creationId xmlns:a16="http://schemas.microsoft.com/office/drawing/2014/main" id="{77C65AFF-8579-C953-5CE0-0A71B6961A29}"/>
+              </a:ext>
+            </a:extLst>
+          </p:cNvPr>
+          <p:cNvSpPr txBox="1">
+            <a:spLocks/>
+          </p:cNvSpPr>
+          <p:nvPr/>
+        </p:nvSpPr>
+        <p:spPr bwMode="auto">
+          <a:xfrm>
+            <a:off x="2267744" y="259824"/>
+            <a:ext cx="6400800" cy="500063"/>
+          </a:xfrm>
+          <a:prstGeom prst="rect">
+            <a:avLst/>
+          </a:prstGeom>
+          <a:noFill/>
+          <a:ln>
+            <a:noFill/>
+          </a:ln>
+          <a:extLst>
+            <a:ext uri="{909E8E84-426E-40DD-AFC4-6F175D3DCCD1}">
+              <a14:hiddenFill xmlns:a14="http://schemas.microsoft.com/office/drawing/2010/main">
+                <a:solidFill>
+                  <a:srgbClr val="FFFFFF"/>
+                </a:solidFill>
+              </a14:hiddenFill>
+            </a:ext>
+            <a:ext uri="{91240B29-F687-4F45-9708-019B960494DF}">
+              <a14:hiddenLine xmlns:a14="http://schemas.microsoft.com/office/drawing/2010/main" w="9525">
+                <a:solidFill>
+                  <a:srgbClr val="000000"/>
+                </a:solidFill>
+                <a:miter lim="800000"/>
+                <a:headEnd/>
+                <a:tailEnd/>
+              </a14:hiddenLine>
+            </a:ext>
+          </a:extLst>
+        </p:spPr>
+        <p:txBody>
+          <a:bodyPr vert="horz" wrap="square" lIns="91440" tIns="45720" rIns="91440" bIns="45720" numCol="1" rtlCol="0" anchor="t" anchorCtr="0" compatLnSpc="1">
+            <a:prstTxWarp prst="textNoShape">
+              <a:avLst/>
+            </a:prstTxWarp>
+            <a:noAutofit/>
+          </a:bodyPr>
+          <a:lstStyle>
+            <a:lvl1pPr marL="342900" indent="-342900" algn="l" rtl="0" eaLnBrk="0" fontAlgn="base" hangingPunct="0">
+              <a:spcBef>
+                <a:spcPct val="20000"/>
+              </a:spcBef>
+              <a:spcAft>
+                <a:spcPct val="0"/>
+              </a:spcAft>
+              <a:buFont typeface="Arial" panose="020B0604020202020204" pitchFamily="34" charset="0"/>
+              <a:buChar char="•"/>
+              <a:defRPr sz="3200" kern="1200">
+                <a:solidFill>
+                  <a:schemeClr val="tx1"/>
+                </a:solidFill>
+                <a:latin typeface="Arial" pitchFamily="34" charset="0"/>
+                <a:ea typeface="+mn-ea"/>
+                <a:cs typeface="Arial" pitchFamily="34" charset="0"/>
+              </a:defRPr>
+            </a:lvl1pPr>
+            <a:lvl2pPr marL="742950" indent="-285750" algn="l" rtl="0" eaLnBrk="0" fontAlgn="base" hangingPunct="0">
+              <a:spcBef>
+                <a:spcPct val="20000"/>
+              </a:spcBef>
+              <a:spcAft>
+                <a:spcPct val="0"/>
+              </a:spcAft>
+              <a:buFont typeface="Arial" panose="020B0604020202020204" pitchFamily="34" charset="0"/>
+              <a:buChar char="–"/>
+              <a:defRPr sz="2800" kern="1200">
+                <a:solidFill>
+                  <a:schemeClr val="tx1"/>
+                </a:solidFill>
+                <a:latin typeface="Arial" pitchFamily="34" charset="0"/>
+                <a:ea typeface="+mn-ea"/>
+                <a:cs typeface="Arial" pitchFamily="34" charset="0"/>
+              </a:defRPr>
+            </a:lvl2pPr>
+            <a:lvl3pPr marL="1143000" indent="-228600" algn="l" rtl="0" eaLnBrk="0" fontAlgn="base" hangingPunct="0">
+              <a:spcBef>
+                <a:spcPct val="20000"/>
+              </a:spcBef>
+              <a:spcAft>
+                <a:spcPct val="0"/>
+              </a:spcAft>
+              <a:buFont typeface="Arial" panose="020B0604020202020204" pitchFamily="34" charset="0"/>
+              <a:buChar char="•"/>
+              <a:defRPr sz="2400" kern="1200">
+                <a:solidFill>
+                  <a:schemeClr val="tx1"/>
+                </a:solidFill>
+                <a:latin typeface="Arial" pitchFamily="34" charset="0"/>
+                <a:ea typeface="+mn-ea"/>
+                <a:cs typeface="Arial" pitchFamily="34" charset="0"/>
+              </a:defRPr>
+            </a:lvl3pPr>
+            <a:lvl4pPr marL="1600200" indent="-228600" algn="l" rtl="0" eaLnBrk="0" fontAlgn="base" hangingPunct="0">
+              <a:spcBef>
+                <a:spcPct val="20000"/>
+              </a:spcBef>
+              <a:spcAft>
+                <a:spcPct val="0"/>
+              </a:spcAft>
+              <a:buFont typeface="Arial" panose="020B0604020202020204" pitchFamily="34" charset="0"/>
+              <a:buChar char="–"/>
+              <a:defRPr sz="2000" kern="1200">
+                <a:solidFill>
+                  <a:schemeClr val="tx1"/>
+                </a:solidFill>
+                <a:latin typeface="Arial" pitchFamily="34" charset="0"/>
+                <a:ea typeface="+mn-ea"/>
+                <a:cs typeface="Arial" pitchFamily="34" charset="0"/>
+              </a:defRPr>
+            </a:lvl4pPr>
+            <a:lvl5pPr marL="2057400" indent="-228600" algn="l" rtl="0" eaLnBrk="0" fontAlgn="base" hangingPunct="0">
+              <a:spcBef>
+                <a:spcPct val="20000"/>
+              </a:spcBef>
+              <a:spcAft>
+                <a:spcPct val="0"/>
+              </a:spcAft>
+              <a:buFont typeface="Arial" panose="020B0604020202020204" pitchFamily="34" charset="0"/>
+              <a:buChar char="»"/>
+              <a:defRPr sz="2000" kern="1200">
+                <a:solidFill>
+                  <a:schemeClr val="tx1"/>
+                </a:solidFill>
+                <a:latin typeface="Arial" pitchFamily="34" charset="0"/>
+                <a:ea typeface="+mn-ea"/>
+                <a:cs typeface="Arial" pitchFamily="34" charset="0"/>
+              </a:defRPr>
+            </a:lvl5pPr>
+            <a:lvl6pPr marL="2514600" indent="-228600" algn="l" defTabSz="914400" rtl="0" eaLnBrk="1" latinLnBrk="0" hangingPunct="1">
+              <a:spcBef>
+                <a:spcPct val="20000"/>
+              </a:spcBef>
+              <a:buFont typeface="Arial" pitchFamily="34" charset="0"/>
+              <a:buChar char="•"/>
+              <a:defRPr sz="2000" kern="1200">
+                <a:solidFill>
+                  <a:schemeClr val="tx1"/>
+                </a:solidFill>
+                <a:latin typeface="+mn-lt"/>
+                <a:ea typeface="+mn-ea"/>
+                <a:cs typeface="+mn-cs"/>
+              </a:defRPr>
+            </a:lvl6pPr>
+            <a:lvl7pPr marL="2971800" indent="-228600" algn="l" defTabSz="914400" rtl="0" eaLnBrk="1" latinLnBrk="0" hangingPunct="1">
+              <a:spcBef>
+                <a:spcPct val="20000"/>
+              </a:spcBef>
+              <a:buFont typeface="Arial" pitchFamily="34" charset="0"/>
+              <a:buChar char="•"/>
+              <a:defRPr sz="2000" kern="1200">
+                <a:solidFill>
+                  <a:schemeClr val="tx1"/>
+                </a:solidFill>
+                <a:latin typeface="+mn-lt"/>
+                <a:ea typeface="+mn-ea"/>
+                <a:cs typeface="+mn-cs"/>
+              </a:defRPr>
+            </a:lvl7pPr>
+            <a:lvl8pPr marL="3429000" indent="-228600" algn="l" defTabSz="914400" rtl="0" eaLnBrk="1" latinLnBrk="0" hangingPunct="1">
+              <a:spcBef>
+                <a:spcPct val="20000"/>
+              </a:spcBef>
+              <a:buFont typeface="Arial" pitchFamily="34" charset="0"/>
+              <a:buChar char="•"/>
+              <a:defRPr sz="2000" kern="1200">
+                <a:solidFill>
+                  <a:schemeClr val="tx1"/>
+                </a:solidFill>
+                <a:latin typeface="+mn-lt"/>
+                <a:ea typeface="+mn-ea"/>
+                <a:cs typeface="+mn-cs"/>
+              </a:defRPr>
+            </a:lvl8pPr>
+            <a:lvl9pPr marL="3886200" indent="-228600" algn="l" defTabSz="914400" rtl="0" eaLnBrk="1" latinLnBrk="0" hangingPunct="1">
+              <a:spcBef>
+                <a:spcPct val="20000"/>
+              </a:spcBef>
+              <a:buFont typeface="Arial" pitchFamily="34" charset="0"/>
+              <a:buChar char="•"/>
+              <a:defRPr sz="2000" kern="1200">
+                <a:solidFill>
+                  <a:schemeClr val="tx1"/>
+                </a:solidFill>
+                <a:latin typeface="+mn-lt"/>
+                <a:ea typeface="+mn-ea"/>
+                <a:cs typeface="+mn-cs"/>
+              </a:defRPr>
+            </a:lvl9pPr>
+          </a:lstStyle>
+          <a:p>
+            <a:pPr marL="0" indent="0" algn="r" eaLnBrk="1" fontAlgn="auto" hangingPunct="1">
+              <a:spcAft>
+                <a:spcPts val="0"/>
+              </a:spcAft>
+              <a:buNone/>
+              <a:defRPr/>
+            </a:pPr>
+            <a:r>
+              <a:rPr lang="es-CO" sz="2000" b="1">
+                <a:solidFill>
+                  <a:schemeClr val="tx1">
+                    <a:lumMod val="75000"/>
+                    <a:lumOff val="25000"/>
+                  </a:schemeClr>
+                </a:solidFill>
+              </a:rPr>
+              <a:t>SEÑALES DISCRETAS</a:t>
+            </a:r>
+          </a:p>
+        </p:txBody>
+      </p:sp>
+      <p:sp>
+        <p:nvSpPr>
+          <p:cNvPr id="3" name="CuadroTexto 2">
+            <a:extLst>
+              <a:ext uri="{FF2B5EF4-FFF2-40B4-BE49-F238E27FC236}">
+                <a16:creationId xmlns:a16="http://schemas.microsoft.com/office/drawing/2014/main" id="{4D60EEE6-F383-612D-E5E9-0605149C5BF8}"/>
+              </a:ext>
+            </a:extLst>
+          </p:cNvPr>
+          <p:cNvSpPr txBox="1"/>
+          <p:nvPr/>
+        </p:nvSpPr>
+        <p:spPr>
+          <a:xfrm>
+            <a:off x="971600" y="3140968"/>
+            <a:ext cx="7560840" cy="1477328"/>
+          </a:xfrm>
+          <a:prstGeom prst="rect">
+            <a:avLst/>
+          </a:prstGeom>
+          <a:noFill/>
+        </p:spPr>
+        <p:txBody>
+          <a:bodyPr wrap="square" rtlCol="0">
+            <a:spAutoFit/>
+          </a:bodyPr>
+          <a:lstStyle/>
+          <a:p>
+            <a:pPr algn="l"/>
+            <a:r>
+              <a:rPr lang="en-US" dirty="0" err="1"/>
+              <a:t>Usando</a:t>
+            </a:r>
+            <a:r>
+              <a:rPr lang="en-US" dirty="0"/>
+              <a:t> </a:t>
+            </a:r>
+            <a:r>
+              <a:rPr lang="en-US" dirty="0" err="1"/>
+              <a:t>el</a:t>
+            </a:r>
+            <a:r>
+              <a:rPr lang="en-US" dirty="0"/>
+              <a:t> script “</a:t>
+            </a:r>
+            <a:r>
+              <a:rPr lang="en-US" dirty="0" err="1"/>
+              <a:t>Señales_discretas.mlx</a:t>
+            </a:r>
+            <a:r>
+              <a:rPr lang="en-US" dirty="0"/>
+              <a:t>” para las </a:t>
+            </a:r>
+            <a:r>
+              <a:rPr lang="en-US" dirty="0" err="1"/>
+              <a:t>figuras</a:t>
+            </a:r>
+            <a:r>
+              <a:rPr lang="en-US" dirty="0"/>
+              <a:t> 1 vs 3 </a:t>
+            </a:r>
+            <a:r>
+              <a:rPr lang="en-US" dirty="0" err="1"/>
+              <a:t>describa</a:t>
+            </a:r>
+            <a:r>
+              <a:rPr lang="en-US" dirty="0"/>
+              <a:t> que </a:t>
+            </a:r>
+            <a:r>
+              <a:rPr lang="en-US" dirty="0" err="1"/>
+              <a:t>pasa</a:t>
+            </a:r>
+            <a:r>
+              <a:rPr lang="en-US" dirty="0"/>
+              <a:t>:</a:t>
+            </a:r>
+          </a:p>
+          <a:p>
+            <a:pPr algn="l"/>
+            <a:r>
+              <a:rPr lang="en-US" dirty="0"/>
+              <a:t>-Si A=1</a:t>
+            </a:r>
+          </a:p>
+          <a:p>
+            <a:pPr algn="l"/>
+            <a:r>
+              <a:rPr lang="en-US" dirty="0"/>
+              <a:t>-Si A=127</a:t>
+            </a:r>
+          </a:p>
+          <a:p>
+            <a:pPr algn="l"/>
+            <a:r>
+              <a:rPr lang="en-US" dirty="0"/>
+              <a:t>-Si A=256</a:t>
+            </a:r>
+          </a:p>
+        </p:txBody>
+      </p:sp>
+    </p:spTree>
+    <p:extLst>
+      <p:ext uri="{BB962C8B-B14F-4D97-AF65-F5344CB8AC3E}">
+        <p14:creationId xmlns:p14="http://schemas.microsoft.com/office/powerpoint/2010/main" val="4159872141"/>
+      </p:ext>
+    </p:extLst>
+  </p:cSld>
+  <p:clrMapOvr>
+    <a:masterClrMapping/>
+  </p:clrMapOvr>
+</p:sld>
+</file>
+
+<file path=ppt/slides/slide12.xml><?xml version="1.0" encoding="utf-8"?>
+<p:sld xmlns:a="http://schemas.openxmlformats.org/drawingml/2006/main" xmlns:r="http://schemas.openxmlformats.org/officeDocument/2006/relationships" xmlns:p="http://schemas.openxmlformats.org/presentationml/2006/main">
+  <p:cSld>
+    <p:spTree>
+      <p:nvGrpSpPr>
+        <p:cNvPr id="1" name=""/>
+        <p:cNvGrpSpPr/>
+        <p:nvPr/>
+      </p:nvGrpSpPr>
+      <p:grpSpPr>
+        <a:xfrm>
+          <a:off x="0" y="0"/>
+          <a:ext cx="0" cy="0"/>
+          <a:chOff x="0" y="0"/>
+          <a:chExt cx="0" cy="0"/>
+        </a:xfrm>
+      </p:grpSpPr>
+      <p:sp>
+        <p:nvSpPr>
+          <p:cNvPr id="2" name="Título 1">
+            <a:extLst>
+              <a:ext uri="{FF2B5EF4-FFF2-40B4-BE49-F238E27FC236}">
+                <a16:creationId xmlns:a16="http://schemas.microsoft.com/office/drawing/2014/main" id="{FB1B6180-BCA0-4F51-9F68-9E5BAB8A4FDC}"/>
+              </a:ext>
+            </a:extLst>
+          </p:cNvPr>
+          <p:cNvSpPr>
+            <a:spLocks noGrp="1"/>
+          </p:cNvSpPr>
+          <p:nvPr>
+            <p:ph type="title"/>
+          </p:nvPr>
+        </p:nvSpPr>
+        <p:spPr>
+          <a:xfrm>
+            <a:off x="2375830" y="-28575"/>
+            <a:ext cx="4392340" cy="1162050"/>
+          </a:xfrm>
+        </p:spPr>
+        <p:txBody>
+          <a:bodyPr/>
+          <a:lstStyle/>
+          <a:p>
+            <a:pPr algn="ctr"/>
+            <a:r>
+              <a:rPr lang="es-CO" b="1" dirty="0"/>
+              <a:t>Muestreo</a:t>
+            </a:r>
+          </a:p>
+        </p:txBody>
+      </p:sp>
+      <p:sp>
+        <p:nvSpPr>
+          <p:cNvPr id="10" name="1 Título">
+            <a:extLst>
+              <a:ext uri="{FF2B5EF4-FFF2-40B4-BE49-F238E27FC236}">
+                <a16:creationId xmlns:a16="http://schemas.microsoft.com/office/drawing/2014/main" id="{AF4E183E-A171-4923-A99E-D149888CEC37}"/>
+              </a:ext>
+            </a:extLst>
+          </p:cNvPr>
+          <p:cNvSpPr txBox="1">
+            <a:spLocks/>
+          </p:cNvSpPr>
+          <p:nvPr/>
+        </p:nvSpPr>
+        <p:spPr bwMode="auto">
+          <a:xfrm>
+            <a:off x="0" y="-28575"/>
+            <a:ext cx="779463" cy="720725"/>
+          </a:xfrm>
+          <a:prstGeom prst="rect">
+            <a:avLst/>
+          </a:prstGeom>
+          <a:noFill/>
+          <a:ln>
+            <a:noFill/>
+          </a:ln>
+          <a:extLst>
+            <a:ext uri="{909E8E84-426E-40DD-AFC4-6F175D3DCCD1}">
+              <a14:hiddenFill xmlns:a14="http://schemas.microsoft.com/office/drawing/2010/main">
+                <a:solidFill>
+                  <a:srgbClr val="FFFFFF"/>
+                </a:solidFill>
+              </a14:hiddenFill>
+            </a:ext>
+            <a:ext uri="{91240B29-F687-4F45-9708-019B960494DF}">
+              <a14:hiddenLine xmlns:a14="http://schemas.microsoft.com/office/drawing/2010/main" w="9525">
+                <a:solidFill>
+                  <a:srgbClr val="000000"/>
+                </a:solidFill>
+                <a:miter lim="800000"/>
+                <a:headEnd/>
+                <a:tailEnd/>
+              </a14:hiddenLine>
+            </a:ext>
+          </a:extLst>
+        </p:spPr>
+        <p:txBody>
+          <a:bodyPr vert="horz" wrap="square" lIns="91440" tIns="45720" rIns="91440" bIns="45720" numCol="1" anchor="b" anchorCtr="0" compatLnSpc="1">
+            <a:prstTxWarp prst="textNoShape">
+              <a:avLst/>
+            </a:prstTxWarp>
+          </a:bodyPr>
+          <a:lstStyle>
+            <a:lvl1pPr algn="l" rtl="0" eaLnBrk="0" fontAlgn="base" hangingPunct="0">
+              <a:spcBef>
+                <a:spcPct val="0"/>
+              </a:spcBef>
+              <a:spcAft>
+                <a:spcPct val="0"/>
+              </a:spcAft>
+              <a:defRPr sz="2000" b="1" kern="1200">
+                <a:solidFill>
+                  <a:schemeClr val="tx1"/>
+                </a:solidFill>
+                <a:latin typeface="Arial" pitchFamily="34" charset="0"/>
+                <a:ea typeface="+mj-ea"/>
+                <a:cs typeface="Arial" pitchFamily="34" charset="0"/>
+              </a:defRPr>
+            </a:lvl1pPr>
+            <a:lvl2pPr algn="l" rtl="0" eaLnBrk="0" fontAlgn="base" hangingPunct="0">
+              <a:spcBef>
+                <a:spcPct val="0"/>
+              </a:spcBef>
+              <a:spcAft>
+                <a:spcPct val="0"/>
+              </a:spcAft>
+              <a:defRPr sz="4400">
+                <a:solidFill>
+                  <a:schemeClr val="tx1"/>
+                </a:solidFill>
+                <a:latin typeface="Arial" charset="0"/>
+                <a:cs typeface="Arial" charset="0"/>
+              </a:defRPr>
+            </a:lvl2pPr>
+            <a:lvl3pPr algn="l" rtl="0" eaLnBrk="0" fontAlgn="base" hangingPunct="0">
+              <a:spcBef>
+                <a:spcPct val="0"/>
+              </a:spcBef>
+              <a:spcAft>
+                <a:spcPct val="0"/>
+              </a:spcAft>
+              <a:defRPr sz="4400">
+                <a:solidFill>
+                  <a:schemeClr val="tx1"/>
+                </a:solidFill>
+                <a:latin typeface="Arial" charset="0"/>
+                <a:cs typeface="Arial" charset="0"/>
+              </a:defRPr>
+            </a:lvl3pPr>
+            <a:lvl4pPr algn="l" rtl="0" eaLnBrk="0" fontAlgn="base" hangingPunct="0">
+              <a:spcBef>
+                <a:spcPct val="0"/>
+              </a:spcBef>
+              <a:spcAft>
+                <a:spcPct val="0"/>
+              </a:spcAft>
+              <a:defRPr sz="4400">
+                <a:solidFill>
+                  <a:schemeClr val="tx1"/>
+                </a:solidFill>
+                <a:latin typeface="Arial" charset="0"/>
+                <a:cs typeface="Arial" charset="0"/>
+              </a:defRPr>
+            </a:lvl4pPr>
+            <a:lvl5pPr algn="l" rtl="0" eaLnBrk="0" fontAlgn="base" hangingPunct="0">
+              <a:spcBef>
+                <a:spcPct val="0"/>
+              </a:spcBef>
+              <a:spcAft>
+                <a:spcPct val="0"/>
+              </a:spcAft>
+              <a:defRPr sz="4400">
+                <a:solidFill>
+                  <a:schemeClr val="tx1"/>
+                </a:solidFill>
+                <a:latin typeface="Arial" charset="0"/>
+                <a:cs typeface="Arial" charset="0"/>
+              </a:defRPr>
+            </a:lvl5pPr>
+            <a:lvl6pPr marL="457200" algn="l" rtl="0" fontAlgn="base">
+              <a:spcBef>
+                <a:spcPct val="0"/>
+              </a:spcBef>
+              <a:spcAft>
+                <a:spcPct val="0"/>
+              </a:spcAft>
+              <a:defRPr sz="4400">
+                <a:solidFill>
+                  <a:schemeClr val="tx1"/>
+                </a:solidFill>
+                <a:latin typeface="Arial" charset="0"/>
+                <a:cs typeface="Arial" charset="0"/>
+              </a:defRPr>
+            </a:lvl6pPr>
+            <a:lvl7pPr marL="914400" algn="l" rtl="0" fontAlgn="base">
+              <a:spcBef>
+                <a:spcPct val="0"/>
+              </a:spcBef>
+              <a:spcAft>
+                <a:spcPct val="0"/>
+              </a:spcAft>
+              <a:defRPr sz="4400">
+                <a:solidFill>
+                  <a:schemeClr val="tx1"/>
+                </a:solidFill>
+                <a:latin typeface="Arial" charset="0"/>
+                <a:cs typeface="Arial" charset="0"/>
+              </a:defRPr>
+            </a:lvl7pPr>
+            <a:lvl8pPr marL="1371600" algn="l" rtl="0" fontAlgn="base">
+              <a:spcBef>
+                <a:spcPct val="0"/>
+              </a:spcBef>
+              <a:spcAft>
+                <a:spcPct val="0"/>
+              </a:spcAft>
+              <a:defRPr sz="4400">
+                <a:solidFill>
+                  <a:schemeClr val="tx1"/>
+                </a:solidFill>
+                <a:latin typeface="Arial" charset="0"/>
+                <a:cs typeface="Arial" charset="0"/>
+              </a:defRPr>
+            </a:lvl8pPr>
+            <a:lvl9pPr marL="1828800" algn="l" rtl="0" fontAlgn="base">
+              <a:spcBef>
+                <a:spcPct val="0"/>
+              </a:spcBef>
+              <a:spcAft>
+                <a:spcPct val="0"/>
+              </a:spcAft>
+              <a:defRPr sz="4400">
+                <a:solidFill>
+                  <a:schemeClr val="tx1"/>
+                </a:solidFill>
+                <a:latin typeface="Arial" charset="0"/>
+                <a:cs typeface="Arial" charset="0"/>
+              </a:defRPr>
+            </a:lvl9pPr>
+          </a:lstStyle>
+          <a:p>
+            <a:pPr algn="ctr" eaLnBrk="1" hangingPunct="1"/>
+            <a:r>
+              <a:rPr lang="es-CO" altLang="es-CO" sz="3600" b="0" dirty="0"/>
+              <a:t>12</a:t>
             </a:r>
           </a:p>
         </p:txBody>
@@ -11389,7 +12222,7 @@
 </p:sld>
 </file>
 
-<file path=ppt/slides/slide11.xml><?xml version="1.0" encoding="utf-8"?>
+<file path=ppt/slides/slide13.xml><?xml version="1.0" encoding="utf-8"?>
 <p:sld xmlns:a="http://schemas.openxmlformats.org/drawingml/2006/main" xmlns:r="http://schemas.openxmlformats.org/officeDocument/2006/relationships" xmlns:p="http://schemas.openxmlformats.org/presentationml/2006/main">
   <p:cSld>
     <p:spTree>
@@ -11634,7 +12467,7 @@
             <a:pPr algn="ctr" eaLnBrk="1" hangingPunct="1"/>
             <a:r>
               <a:rPr lang="es-CO" altLang="es-CO" sz="3600" b="0" dirty="0"/>
-              <a:t>11</a:t>
+              <a:t>13</a:t>
             </a:r>
           </a:p>
         </p:txBody>
@@ -11926,7 +12759,7 @@
 </p:sld>
 </file>
 
-<file path=ppt/slides/slide12.xml><?xml version="1.0" encoding="utf-8"?>
+<file path=ppt/slides/slide14.xml><?xml version="1.0" encoding="utf-8"?>
 <p:sld xmlns:a="http://schemas.openxmlformats.org/drawingml/2006/main" xmlns:r="http://schemas.openxmlformats.org/officeDocument/2006/relationships" xmlns:p="http://schemas.openxmlformats.org/presentationml/2006/main">
   <p:cSld>
     <p:spTree>
@@ -12171,7 +13004,7 @@
             <a:pPr algn="ctr" eaLnBrk="1" hangingPunct="1"/>
             <a:r>
               <a:rPr lang="es-CO" altLang="es-CO" sz="3600" b="0" dirty="0"/>
-              <a:t>12</a:t>
+              <a:t>14</a:t>
             </a:r>
           </a:p>
         </p:txBody>
@@ -12703,7 +13536,7 @@
 </p:sld>
 </file>
 
-<file path=ppt/slides/slide13.xml><?xml version="1.0" encoding="utf-8"?>
+<file path=ppt/slides/slide15.xml><?xml version="1.0" encoding="utf-8"?>
 <p:sld xmlns:a="http://schemas.openxmlformats.org/drawingml/2006/main" xmlns:r="http://schemas.openxmlformats.org/officeDocument/2006/relationships" xmlns:p="http://schemas.openxmlformats.org/presentationml/2006/main">
   <p:cSld>
     <p:spTree>
@@ -12948,7 +13781,7 @@
             <a:pPr algn="ctr" eaLnBrk="1" hangingPunct="1"/>
             <a:r>
               <a:rPr lang="es-CO" altLang="es-CO" sz="3600" b="0" dirty="0"/>
-              <a:t>13</a:t>
+              <a:t>15</a:t>
             </a:r>
           </a:p>
         </p:txBody>
@@ -13240,7 +14073,7 @@
 </p:sld>
 </file>
 
-<file path=ppt/slides/slide14.xml><?xml version="1.0" encoding="utf-8"?>
+<file path=ppt/slides/slide16.xml><?xml version="1.0" encoding="utf-8"?>
 <p:sld xmlns:a="http://schemas.openxmlformats.org/drawingml/2006/main" xmlns:r="http://schemas.openxmlformats.org/officeDocument/2006/relationships" xmlns:p="http://schemas.openxmlformats.org/presentationml/2006/main">
   <p:cSld>
     <p:spTree>
@@ -13485,7 +14318,7 @@
             <a:pPr algn="ctr" eaLnBrk="1" hangingPunct="1"/>
             <a:r>
               <a:rPr lang="es-CO" altLang="es-CO" sz="3600" b="0" dirty="0"/>
-              <a:t>14</a:t>
+              <a:t>16</a:t>
             </a:r>
           </a:p>
         </p:txBody>
@@ -13796,131 +14629,6 @@
               <a:rPr lang="es-ES" dirty="0"/>
               <a:t>El proceso introduce inevitablemente errores, que pueden afectar la precisión del sistema de control. En sistemas críticos, este error debe minimizarse.</a:t>
             </a:r>
-          </a:p>
-        </p:txBody>
-      </p:sp>
-      <p:sp>
-        <p:nvSpPr>
-          <p:cNvPr id="4" name="Rectangle 1">
-            <a:extLst>
-              <a:ext uri="{FF2B5EF4-FFF2-40B4-BE49-F238E27FC236}">
-                <a16:creationId xmlns:a16="http://schemas.microsoft.com/office/drawing/2014/main" id="{288647F6-17F8-0AD9-C07D-435342577836}"/>
-              </a:ext>
-            </a:extLst>
-          </p:cNvPr>
-          <p:cNvSpPr>
-            <a:spLocks noChangeArrowheads="1"/>
-          </p:cNvSpPr>
-          <p:nvPr/>
-        </p:nvSpPr>
-        <p:spPr bwMode="auto">
-          <a:xfrm>
-            <a:off x="0" y="0"/>
-            <a:ext cx="9144000" cy="0"/>
-          </a:xfrm>
-          <a:prstGeom prst="rect">
-            <a:avLst/>
-          </a:prstGeom>
-          <a:noFill/>
-          <a:ln>
-            <a:noFill/>
-          </a:ln>
-          <a:effectLst/>
-          <a:extLst>
-            <a:ext uri="{909E8E84-426E-40DD-AFC4-6F175D3DCCD1}">
-              <a14:hiddenFill xmlns:a14="http://schemas.microsoft.com/office/drawing/2010/main">
-                <a:solidFill>
-                  <a:schemeClr val="accent1"/>
-                </a:solidFill>
-              </a14:hiddenFill>
-            </a:ext>
-            <a:ext uri="{91240B29-F687-4F45-9708-019B960494DF}">
-              <a14:hiddenLine xmlns:a14="http://schemas.microsoft.com/office/drawing/2010/main" w="9525">
-                <a:solidFill>
-                  <a:schemeClr val="tx1"/>
-                </a:solidFill>
-                <a:miter lim="800000"/>
-                <a:headEnd/>
-                <a:tailEnd/>
-              </a14:hiddenLine>
-            </a:ext>
-            <a:ext uri="{AF507438-7753-43E0-B8FC-AC1667EBCBE1}">
-              <a14:hiddenEffects xmlns:a14="http://schemas.microsoft.com/office/drawing/2010/main">
-                <a:effectLst>
-                  <a:outerShdw dist="35921" dir="2700000" algn="ctr" rotWithShape="0">
-                    <a:schemeClr val="bg2"/>
-                  </a:outerShdw>
-                </a:effectLst>
-              </a14:hiddenEffects>
-            </a:ext>
-          </a:extLst>
-        </p:spPr>
-        <p:txBody>
-          <a:bodyPr vert="horz" wrap="none" lIns="91440" tIns="45720" rIns="91440" bIns="45720" numCol="1" anchor="ctr" anchorCtr="0" compatLnSpc="1">
-            <a:prstTxWarp prst="textNoShape">
-              <a:avLst/>
-            </a:prstTxWarp>
-            <a:spAutoFit/>
-          </a:bodyPr>
-          <a:lstStyle/>
-          <a:p>
-            <a:pPr marL="0" marR="0" lvl="0" indent="0" algn="l" defTabSz="914400" rtl="0" eaLnBrk="0" fontAlgn="base" latinLnBrk="0" hangingPunct="0">
-              <a:lnSpc>
-                <a:spcPct val="100000"/>
-              </a:lnSpc>
-              <a:spcBef>
-                <a:spcPct val="0"/>
-              </a:spcBef>
-              <a:spcAft>
-                <a:spcPct val="0"/>
-              </a:spcAft>
-              <a:buClrTx/>
-              <a:buSzTx/>
-              <a:buFontTx/>
-              <a:buChar char="•"/>
-              <a:tabLst/>
-            </a:pPr>
-            <a:r>
-              <a:rPr kumimoji="0" lang="es-CO" altLang="es-CO" sz="1800" b="0" i="0" u="none" strike="noStrike" cap="none" normalizeH="0" baseline="0">
-                <a:ln>
-                  <a:noFill/>
-                </a:ln>
-                <a:solidFill>
-                  <a:schemeClr val="tx1"/>
-                </a:solidFill>
-                <a:effectLst/>
-                <a:latin typeface="Arial" panose="020B0604020202020204" pitchFamily="34" charset="0"/>
-              </a:rPr>
-              <a:t>El proceso introduce inevitablemente errores, que pueden afectar la precisión del sistema de control. En sistemas críticos, este error debe minimizarse.</a:t>
-            </a:r>
-          </a:p>
-          <a:p>
-            <a:pPr marL="0" marR="0" lvl="0" indent="0" algn="l" defTabSz="914400" rtl="0" eaLnBrk="0" fontAlgn="base" latinLnBrk="0" hangingPunct="0">
-              <a:lnSpc>
-                <a:spcPct val="100000"/>
-              </a:lnSpc>
-              <a:spcBef>
-                <a:spcPct val="0"/>
-              </a:spcBef>
-              <a:spcAft>
-                <a:spcPct val="0"/>
-              </a:spcAft>
-              <a:buClrTx/>
-              <a:buSzTx/>
-              <a:buFontTx/>
-              <a:buChar char="•"/>
-              <a:tabLst/>
-            </a:pPr>
-            <a:endParaRPr kumimoji="0" lang="es-CO" altLang="es-CO" sz="1800" b="0" i="0" u="none" strike="noStrike" cap="none" normalizeH="0" baseline="0">
-              <a:ln>
-                <a:noFill/>
-              </a:ln>
-              <a:solidFill>
-                <a:schemeClr val="tx1"/>
-              </a:solidFill>
-              <a:effectLst/>
-              <a:latin typeface="Arial" panose="020B0604020202020204" pitchFamily="34" charset="0"/>
-            </a:endParaRPr>
           </a:p>
         </p:txBody>
       </p:sp>
@@ -13967,12 +14675,18 @@
 </p:sld>
 </file>
 
-<file path=ppt/slides/slide15.xml><?xml version="1.0" encoding="utf-8"?>
+<file path=ppt/slides/slide17.xml><?xml version="1.0" encoding="utf-8"?>
 <p:sld xmlns:a="http://schemas.openxmlformats.org/drawingml/2006/main" xmlns:r="http://schemas.openxmlformats.org/officeDocument/2006/relationships" xmlns:p="http://schemas.openxmlformats.org/presentationml/2006/main">
   <p:cSld>
     <p:spTree>
       <p:nvGrpSpPr>
-        <p:cNvPr id="1" name=""/>
+        <p:cNvPr id="1" name="">
+          <a:extLst>
+            <a:ext uri="{FF2B5EF4-FFF2-40B4-BE49-F238E27FC236}">
+              <a16:creationId xmlns:a16="http://schemas.microsoft.com/office/drawing/2014/main" id="{EC055007-392B-8507-ED81-CA82963BBF6E}"/>
+            </a:ext>
+          </a:extLst>
+        </p:cNvPr>
         <p:cNvGrpSpPr/>
         <p:nvPr/>
       </p:nvGrpSpPr>
@@ -13989,7 +14703,7 @@
           <p:cNvPr id="2" name="Título 1">
             <a:extLst>
               <a:ext uri="{FF2B5EF4-FFF2-40B4-BE49-F238E27FC236}">
-                <a16:creationId xmlns:a16="http://schemas.microsoft.com/office/drawing/2014/main" id="{FB1B6180-BCA0-4F51-9F68-9E5BAB8A4FDC}"/>
+                <a16:creationId xmlns:a16="http://schemas.microsoft.com/office/drawing/2014/main" id="{B9A2C192-52E3-A738-EB1E-5E43D00E4DB8}"/>
               </a:ext>
             </a:extLst>
           </p:cNvPr>
@@ -14002,7 +14716,7 @@
         </p:nvSpPr>
         <p:spPr>
           <a:xfrm>
-            <a:off x="2267892" y="672742"/>
+            <a:off x="2375830" y="759887"/>
             <a:ext cx="4392340" cy="1162050"/>
           </a:xfrm>
         </p:spPr>
@@ -14013,7 +14727,7 @@
             <a:pPr algn="ctr"/>
             <a:r>
               <a:rPr lang="es-CO" b="1" dirty="0"/>
-              <a:t>Ejercicio 1 (grupos de proyecto)</a:t>
+              <a:t>Laboratorio</a:t>
             </a:r>
           </a:p>
         </p:txBody>
@@ -14023,7 +14737,7 @@
           <p:cNvPr id="10" name="1 Título">
             <a:extLst>
               <a:ext uri="{FF2B5EF4-FFF2-40B4-BE49-F238E27FC236}">
-                <a16:creationId xmlns:a16="http://schemas.microsoft.com/office/drawing/2014/main" id="{AF4E183E-A171-4923-A99E-D149888CEC37}"/>
+                <a16:creationId xmlns:a16="http://schemas.microsoft.com/office/drawing/2014/main" id="{643720C1-64C1-522C-F3B7-B4FADF99A752}"/>
               </a:ext>
             </a:extLst>
           </p:cNvPr>
@@ -14212,7 +14926,7 @@
             <a:pPr algn="ctr" eaLnBrk="1" hangingPunct="1"/>
             <a:r>
               <a:rPr lang="es-CO" altLang="es-CO" sz="3600" b="0" dirty="0"/>
-              <a:t>15</a:t>
+              <a:t>17</a:t>
             </a:r>
           </a:p>
         </p:txBody>
@@ -14222,7 +14936,7 @@
           <p:cNvPr id="14" name="Picture 4" descr="Programas - Intranet ETITC">
             <a:extLst>
               <a:ext uri="{FF2B5EF4-FFF2-40B4-BE49-F238E27FC236}">
-                <a16:creationId xmlns:a16="http://schemas.microsoft.com/office/drawing/2014/main" id="{EC83F540-C4A2-EE56-0418-B8CD7CA17275}"/>
+                <a16:creationId xmlns:a16="http://schemas.microsoft.com/office/drawing/2014/main" id="{95A65C5D-A25C-0BDE-D28D-F145C8810F5A}"/>
               </a:ext>
             </a:extLst>
           </p:cNvPr>
@@ -14269,7 +14983,7 @@
           <p:cNvPr id="5" name="2 Subtítulo">
             <a:extLst>
               <a:ext uri="{FF2B5EF4-FFF2-40B4-BE49-F238E27FC236}">
-                <a16:creationId xmlns:a16="http://schemas.microsoft.com/office/drawing/2014/main" id="{AD83FA30-4A3C-43B8-17CD-C08519129156}"/>
+                <a16:creationId xmlns:a16="http://schemas.microsoft.com/office/drawing/2014/main" id="{742F140A-8163-0104-A063-2824BBE82D33}"/>
               </a:ext>
             </a:extLst>
           </p:cNvPr>
@@ -14493,10 +15207,10 @@
       </p:sp>
       <p:sp>
         <p:nvSpPr>
-          <p:cNvPr id="4" name="CuadroTexto 3">
+          <p:cNvPr id="3" name="CuadroTexto 2">
             <a:extLst>
               <a:ext uri="{FF2B5EF4-FFF2-40B4-BE49-F238E27FC236}">
-                <a16:creationId xmlns:a16="http://schemas.microsoft.com/office/drawing/2014/main" id="{A9A4A0C2-930C-0E2E-41F8-622F2BEB0F2A}"/>
+                <a16:creationId xmlns:a16="http://schemas.microsoft.com/office/drawing/2014/main" id="{315DC0A2-F745-7B83-5FBF-BD27D9D916C0}"/>
               </a:ext>
             </a:extLst>
           </p:cNvPr>
@@ -14505,8 +15219,8 @@
         </p:nvSpPr>
         <p:spPr>
           <a:xfrm>
-            <a:off x="795338" y="2121428"/>
-            <a:ext cx="7737102" cy="3970318"/>
+            <a:off x="838200" y="2859741"/>
+            <a:ext cx="7467600" cy="923330"/>
           </a:xfrm>
           <a:prstGeom prst="rect">
             <a:avLst/>
@@ -14520,42 +15234,8 @@
           <a:lstStyle/>
           <a:p>
             <a:r>
-              <a:rPr lang="es-ES" dirty="0"/>
-              <a:t>Grafique en el serial plotter de Arduino:</a:t>
-            </a:r>
-          </a:p>
-          <a:p>
-            <a:endParaRPr lang="es-ES" dirty="0"/>
-          </a:p>
-          <a:p>
-            <a:pPr marL="285750" indent="-285750">
-              <a:buFontTx/>
-              <a:buChar char="-"/>
-            </a:pPr>
-            <a:r>
-              <a:rPr lang="es-ES" dirty="0"/>
-              <a:t>Una señal seno continua (frecuencia de 1Hz) con amplitud de  -127 (-1) a 127 (1) (8 bits espacio discreto)</a:t>
-            </a:r>
-          </a:p>
-          <a:p>
-            <a:pPr marL="285750" indent="-285750">
-              <a:buFontTx/>
-              <a:buChar char="-"/>
-            </a:pPr>
-            <a:endParaRPr lang="es-ES" dirty="0"/>
-          </a:p>
-          <a:p>
-            <a:pPr marL="285750" indent="-285750">
-              <a:buFontTx/>
-              <a:buChar char="-"/>
-            </a:pPr>
-            <a:r>
-              <a:rPr lang="en-US" dirty="0"/>
-              <a:t>La </a:t>
-            </a:r>
-            <a:r>
               <a:rPr lang="en-US" dirty="0" err="1"/>
-              <a:t>misma</a:t>
+              <a:t>Usando</a:t>
             </a:r>
             <a:r>
               <a:rPr lang="en-US" dirty="0"/>
@@ -14563,7 +15243,39 @@
             </a:r>
             <a:r>
               <a:rPr lang="en-US" dirty="0" err="1"/>
-              <a:t>señal</a:t>
+              <a:t>el</a:t>
+            </a:r>
+            <a:r>
+              <a:rPr lang="en-US" dirty="0"/>
+              <a:t> script “</a:t>
+            </a:r>
+            <a:r>
+              <a:rPr lang="en-US" dirty="0" err="1"/>
+              <a:t>Señales_discretas.mlx</a:t>
+            </a:r>
+            <a:r>
+              <a:rPr lang="en-US" dirty="0"/>
+              <a:t>” </a:t>
+            </a:r>
+            <a:r>
+              <a:rPr lang="en-US" dirty="0" err="1"/>
+              <a:t>diseñe</a:t>
+            </a:r>
+            <a:r>
+              <a:rPr lang="en-US" dirty="0"/>
+              <a:t> un </a:t>
+            </a:r>
+            <a:r>
+              <a:rPr lang="en-US" dirty="0" err="1"/>
+              <a:t>algoritmo</a:t>
+            </a:r>
+            <a:r>
+              <a:rPr lang="en-US" dirty="0"/>
+              <a:t> que </a:t>
+            </a:r>
+            <a:r>
+              <a:rPr lang="en-US" dirty="0" err="1"/>
+              <a:t>permita</a:t>
             </a:r>
             <a:r>
               <a:rPr lang="en-US" dirty="0"/>
@@ -14571,52 +15283,15 @@
             </a:r>
             <a:r>
               <a:rPr lang="en-US" dirty="0" err="1"/>
-              <a:t>seno</a:t>
+              <a:t>calcular</a:t>
             </a:r>
             <a:r>
               <a:rPr lang="en-US" dirty="0"/>
-              <a:t> anterior </a:t>
+              <a:t> y </a:t>
             </a:r>
             <a:r>
               <a:rPr lang="en-US" dirty="0" err="1"/>
-              <a:t>discreta</a:t>
-            </a:r>
-            <a:r>
-              <a:rPr lang="en-US" dirty="0"/>
-              <a:t> con </a:t>
-            </a:r>
-            <a:r>
-              <a:rPr lang="en-US" dirty="0" err="1"/>
-              <a:t>periodos</a:t>
-            </a:r>
-            <a:r>
-              <a:rPr lang="en-US" dirty="0"/>
-              <a:t> de </a:t>
-            </a:r>
-            <a:r>
-              <a:rPr lang="en-US" dirty="0" err="1"/>
-              <a:t>tiempo</a:t>
-            </a:r>
-            <a:r>
-              <a:rPr lang="en-US" dirty="0"/>
-              <a:t> de 100ms</a:t>
-            </a:r>
-          </a:p>
-          <a:p>
-            <a:endParaRPr lang="en-US" dirty="0"/>
-          </a:p>
-          <a:p>
-            <a:pPr marL="285750" indent="-285750">
-              <a:buFontTx/>
-              <a:buChar char="-"/>
-            </a:pPr>
-            <a:r>
-              <a:rPr lang="en-US" dirty="0"/>
-              <a:t>La </a:t>
-            </a:r>
-            <a:r>
-              <a:rPr lang="en-US" dirty="0" err="1"/>
-              <a:t>misma</a:t>
+              <a:t>graficar</a:t>
             </a:r>
             <a:r>
               <a:rPr lang="en-US" dirty="0"/>
@@ -14624,7 +15299,31 @@
             </a:r>
             <a:r>
               <a:rPr lang="en-US" dirty="0" err="1"/>
-              <a:t>señal</a:t>
+              <a:t>el</a:t>
+            </a:r>
+            <a:r>
+              <a:rPr lang="en-US" dirty="0"/>
+              <a:t> error de </a:t>
+            </a:r>
+            <a:r>
+              <a:rPr lang="en-US" dirty="0" err="1"/>
+              <a:t>cuantización</a:t>
+            </a:r>
+            <a:r>
+              <a:rPr lang="en-US" dirty="0"/>
+              <a:t> para las </a:t>
+            </a:r>
+            <a:r>
+              <a:rPr lang="en-US" dirty="0" err="1"/>
+              <a:t>figuras</a:t>
+            </a:r>
+            <a:r>
+              <a:rPr lang="en-US" dirty="0"/>
+              <a:t> 2, y 4 </a:t>
+            </a:r>
+            <a:r>
+              <a:rPr lang="en-US" dirty="0" err="1"/>
+              <a:t>en</a:t>
             </a:r>
             <a:r>
               <a:rPr lang="en-US" dirty="0"/>
@@ -14632,1297 +15331,58 @@
             </a:r>
             <a:r>
               <a:rPr lang="en-US" dirty="0" err="1"/>
-              <a:t>seno</a:t>
+              <a:t>comparación</a:t>
             </a:r>
             <a:r>
               <a:rPr lang="en-US" dirty="0"/>
-              <a:t> anterior </a:t>
+              <a:t> con la </a:t>
             </a:r>
             <a:r>
               <a:rPr lang="en-US" dirty="0" err="1"/>
-              <a:t>en</a:t>
+              <a:t>figura</a:t>
             </a:r>
             <a:r>
               <a:rPr lang="en-US" dirty="0"/>
-              <a:t> </a:t>
-            </a:r>
-            <a:r>
-              <a:rPr lang="en-US" dirty="0" err="1"/>
-              <a:t>espacio</a:t>
-            </a:r>
-            <a:r>
-              <a:rPr lang="en-US" dirty="0"/>
-              <a:t> </a:t>
-            </a:r>
-            <a:r>
-              <a:rPr lang="en-US" dirty="0" err="1"/>
-              <a:t>discreto</a:t>
-            </a:r>
-            <a:r>
-              <a:rPr lang="en-US" dirty="0"/>
-              <a:t>, </a:t>
-            </a:r>
-            <a:r>
-              <a:rPr lang="en-US" dirty="0" err="1"/>
-              <a:t>usando</a:t>
-            </a:r>
-            <a:r>
-              <a:rPr lang="en-US" dirty="0"/>
-              <a:t> </a:t>
-            </a:r>
-            <a:r>
-              <a:rPr lang="en-US" dirty="0" err="1"/>
-              <a:t>una</a:t>
-            </a:r>
-            <a:r>
-              <a:rPr lang="en-US" dirty="0"/>
-              <a:t> variable de 4 bits.</a:t>
-            </a:r>
-          </a:p>
-          <a:p>
-            <a:pPr marL="285750" indent="-285750">
-              <a:buFontTx/>
-              <a:buChar char="-"/>
-            </a:pPr>
-            <a:r>
-              <a:rPr lang="en-US" dirty="0" err="1"/>
-              <a:t>Presente</a:t>
-            </a:r>
-            <a:r>
-              <a:rPr lang="en-US" dirty="0"/>
-              <a:t> </a:t>
-            </a:r>
-            <a:r>
-              <a:rPr lang="en-US" dirty="0" err="1"/>
-              <a:t>una</a:t>
-            </a:r>
-            <a:r>
-              <a:rPr lang="en-US" dirty="0"/>
-              <a:t> table o </a:t>
-            </a:r>
-            <a:r>
-              <a:rPr lang="en-US" dirty="0" err="1"/>
-              <a:t>gráfica</a:t>
-            </a:r>
-            <a:r>
-              <a:rPr lang="en-US" dirty="0"/>
-              <a:t> del error de </a:t>
-            </a:r>
-            <a:r>
-              <a:rPr lang="en-US" dirty="0" err="1"/>
-              <a:t>cuantización</a:t>
-            </a:r>
-            <a:r>
-              <a:rPr lang="en-US" dirty="0"/>
-              <a:t> para </a:t>
-            </a:r>
-            <a:r>
-              <a:rPr lang="en-US" dirty="0" err="1"/>
-              <a:t>todas</a:t>
-            </a:r>
-            <a:r>
-              <a:rPr lang="en-US" dirty="0"/>
-              <a:t> las </a:t>
-            </a:r>
-            <a:r>
-              <a:rPr lang="en-US" dirty="0" err="1"/>
-              <a:t>señales</a:t>
-            </a:r>
-            <a:r>
-              <a:rPr lang="en-US" dirty="0"/>
-              <a:t> </a:t>
-            </a:r>
-            <a:r>
-              <a:rPr lang="en-US" dirty="0" err="1"/>
-              <a:t>anteriores</a:t>
-            </a:r>
-            <a:endParaRPr lang="en-US" dirty="0"/>
-          </a:p>
-          <a:p>
-            <a:endParaRPr lang="en-US" dirty="0"/>
-          </a:p>
-          <a:p>
-            <a:r>
-              <a:rPr lang="es-ES" b="1" u="sng" dirty="0"/>
-              <a:t>Compare y concluya.</a:t>
-            </a:r>
-          </a:p>
-          <a:p>
+              <a:t> 2.</a:t>
+            </a:r>
             <a:endParaRPr lang="es-ES" dirty="0"/>
           </a:p>
         </p:txBody>
       </p:sp>
-    </p:spTree>
-    <p:extLst>
-      <p:ext uri="{BB962C8B-B14F-4D97-AF65-F5344CB8AC3E}">
-        <p14:creationId xmlns:p14="http://schemas.microsoft.com/office/powerpoint/2010/main" val="1406170200"/>
-      </p:ext>
-    </p:extLst>
-  </p:cSld>
-  <p:clrMapOvr>
-    <a:masterClrMapping/>
-  </p:clrMapOvr>
-</p:sld>
-</file>
-
-<file path=ppt/slides/slide16.xml><?xml version="1.0" encoding="utf-8"?>
-<p:sld xmlns:a="http://schemas.openxmlformats.org/drawingml/2006/main" xmlns:r="http://schemas.openxmlformats.org/officeDocument/2006/relationships" xmlns:p="http://schemas.openxmlformats.org/presentationml/2006/main">
-  <p:cSld>
-    <p:spTree>
-      <p:nvGrpSpPr>
-        <p:cNvPr id="1" name=""/>
-        <p:cNvGrpSpPr/>
-        <p:nvPr/>
-      </p:nvGrpSpPr>
-      <p:grpSpPr>
-        <a:xfrm>
-          <a:off x="0" y="0"/>
-          <a:ext cx="0" cy="0"/>
-          <a:chOff x="0" y="0"/>
-          <a:chExt cx="0" cy="0"/>
-        </a:xfrm>
-      </p:grpSpPr>
-      <p:sp>
-        <p:nvSpPr>
-          <p:cNvPr id="2" name="Título 1">
+      <p:pic>
+        <p:nvPicPr>
+          <p:cNvPr id="7" name="Imagen 6">
             <a:extLst>
               <a:ext uri="{FF2B5EF4-FFF2-40B4-BE49-F238E27FC236}">
-                <a16:creationId xmlns:a16="http://schemas.microsoft.com/office/drawing/2014/main" id="{FB1B6180-BCA0-4F51-9F68-9E5BAB8A4FDC}"/>
+                <a16:creationId xmlns:a16="http://schemas.microsoft.com/office/drawing/2014/main" id="{668EA844-A28B-0215-D109-71636950310A}"/>
               </a:ext>
             </a:extLst>
           </p:cNvPr>
-          <p:cNvSpPr>
-            <a:spLocks noGrp="1"/>
-          </p:cNvSpPr>
-          <p:nvPr>
-            <p:ph type="title"/>
-          </p:nvPr>
-        </p:nvSpPr>
+          <p:cNvPicPr>
+            <a:picLocks noChangeAspect="1"/>
+          </p:cNvPicPr>
+          <p:nvPr/>
+        </p:nvPicPr>
+        <p:blipFill>
+          <a:blip r:embed="rId4"/>
+          <a:stretch>
+            <a:fillRect/>
+          </a:stretch>
+        </p:blipFill>
         <p:spPr>
           <a:xfrm>
-            <a:off x="2267744" y="2636912"/>
-            <a:ext cx="4392340" cy="1162050"/>
-          </a:xfrm>
-        </p:spPr>
-        <p:txBody>
-          <a:bodyPr>
-            <a:normAutofit/>
-          </a:bodyPr>
-          <a:lstStyle/>
-          <a:p>
-            <a:pPr algn="ctr"/>
-            <a:r>
-              <a:rPr lang="es-CO" sz="2800" b="1"/>
-              <a:t>¿Qué características posee una señal discreta?</a:t>
-            </a:r>
-          </a:p>
-        </p:txBody>
-      </p:sp>
-      <p:sp>
-        <p:nvSpPr>
-          <p:cNvPr id="10" name="1 Título">
-            <a:extLst>
-              <a:ext uri="{FF2B5EF4-FFF2-40B4-BE49-F238E27FC236}">
-                <a16:creationId xmlns:a16="http://schemas.microsoft.com/office/drawing/2014/main" id="{AF4E183E-A171-4923-A99E-D149888CEC37}"/>
-              </a:ext>
-            </a:extLst>
-          </p:cNvPr>
-          <p:cNvSpPr txBox="1">
-            <a:spLocks/>
-          </p:cNvSpPr>
-          <p:nvPr/>
-        </p:nvSpPr>
-        <p:spPr bwMode="auto">
-          <a:xfrm>
-            <a:off x="0" y="-28575"/>
-            <a:ext cx="779463" cy="720725"/>
+            <a:off x="3234813" y="4139076"/>
+            <a:ext cx="2674374" cy="609600"/>
           </a:xfrm>
           <a:prstGeom prst="rect">
             <a:avLst/>
           </a:prstGeom>
-          <a:noFill/>
-          <a:ln>
-            <a:noFill/>
-          </a:ln>
-          <a:extLst>
-            <a:ext uri="{909E8E84-426E-40DD-AFC4-6F175D3DCCD1}">
-              <a14:hiddenFill xmlns:a14="http://schemas.microsoft.com/office/drawing/2010/main">
-                <a:solidFill>
-                  <a:srgbClr val="FFFFFF"/>
-                </a:solidFill>
-              </a14:hiddenFill>
-            </a:ext>
-            <a:ext uri="{91240B29-F687-4F45-9708-019B960494DF}">
-              <a14:hiddenLine xmlns:a14="http://schemas.microsoft.com/office/drawing/2010/main" w="9525">
-                <a:solidFill>
-                  <a:srgbClr val="000000"/>
-                </a:solidFill>
-                <a:miter lim="800000"/>
-                <a:headEnd/>
-                <a:tailEnd/>
-              </a14:hiddenLine>
-            </a:ext>
-          </a:extLst>
-        </p:spPr>
-        <p:txBody>
-          <a:bodyPr vert="horz" wrap="square" lIns="91440" tIns="45720" rIns="91440" bIns="45720" numCol="1" anchor="b" anchorCtr="0" compatLnSpc="1">
-            <a:prstTxWarp prst="textNoShape">
-              <a:avLst/>
-            </a:prstTxWarp>
-          </a:bodyPr>
-          <a:lstStyle>
-            <a:lvl1pPr algn="l" rtl="0" eaLnBrk="0" fontAlgn="base" hangingPunct="0">
-              <a:spcBef>
-                <a:spcPct val="0"/>
-              </a:spcBef>
-              <a:spcAft>
-                <a:spcPct val="0"/>
-              </a:spcAft>
-              <a:defRPr sz="2000" b="1" kern="1200">
-                <a:solidFill>
-                  <a:schemeClr val="tx1"/>
-                </a:solidFill>
-                <a:latin typeface="Arial" pitchFamily="34" charset="0"/>
-                <a:ea typeface="+mj-ea"/>
-                <a:cs typeface="Arial" pitchFamily="34" charset="0"/>
-              </a:defRPr>
-            </a:lvl1pPr>
-            <a:lvl2pPr algn="l" rtl="0" eaLnBrk="0" fontAlgn="base" hangingPunct="0">
-              <a:spcBef>
-                <a:spcPct val="0"/>
-              </a:spcBef>
-              <a:spcAft>
-                <a:spcPct val="0"/>
-              </a:spcAft>
-              <a:defRPr sz="4400">
-                <a:solidFill>
-                  <a:schemeClr val="tx1"/>
-                </a:solidFill>
-                <a:latin typeface="Arial" charset="0"/>
-                <a:cs typeface="Arial" charset="0"/>
-              </a:defRPr>
-            </a:lvl2pPr>
-            <a:lvl3pPr algn="l" rtl="0" eaLnBrk="0" fontAlgn="base" hangingPunct="0">
-              <a:spcBef>
-                <a:spcPct val="0"/>
-              </a:spcBef>
-              <a:spcAft>
-                <a:spcPct val="0"/>
-              </a:spcAft>
-              <a:defRPr sz="4400">
-                <a:solidFill>
-                  <a:schemeClr val="tx1"/>
-                </a:solidFill>
-                <a:latin typeface="Arial" charset="0"/>
-                <a:cs typeface="Arial" charset="0"/>
-              </a:defRPr>
-            </a:lvl3pPr>
-            <a:lvl4pPr algn="l" rtl="0" eaLnBrk="0" fontAlgn="base" hangingPunct="0">
-              <a:spcBef>
-                <a:spcPct val="0"/>
-              </a:spcBef>
-              <a:spcAft>
-                <a:spcPct val="0"/>
-              </a:spcAft>
-              <a:defRPr sz="4400">
-                <a:solidFill>
-                  <a:schemeClr val="tx1"/>
-                </a:solidFill>
-                <a:latin typeface="Arial" charset="0"/>
-                <a:cs typeface="Arial" charset="0"/>
-              </a:defRPr>
-            </a:lvl4pPr>
-            <a:lvl5pPr algn="l" rtl="0" eaLnBrk="0" fontAlgn="base" hangingPunct="0">
-              <a:spcBef>
-                <a:spcPct val="0"/>
-              </a:spcBef>
-              <a:spcAft>
-                <a:spcPct val="0"/>
-              </a:spcAft>
-              <a:defRPr sz="4400">
-                <a:solidFill>
-                  <a:schemeClr val="tx1"/>
-                </a:solidFill>
-                <a:latin typeface="Arial" charset="0"/>
-                <a:cs typeface="Arial" charset="0"/>
-              </a:defRPr>
-            </a:lvl5pPr>
-            <a:lvl6pPr marL="457200" algn="l" rtl="0" fontAlgn="base">
-              <a:spcBef>
-                <a:spcPct val="0"/>
-              </a:spcBef>
-              <a:spcAft>
-                <a:spcPct val="0"/>
-              </a:spcAft>
-              <a:defRPr sz="4400">
-                <a:solidFill>
-                  <a:schemeClr val="tx1"/>
-                </a:solidFill>
-                <a:latin typeface="Arial" charset="0"/>
-                <a:cs typeface="Arial" charset="0"/>
-              </a:defRPr>
-            </a:lvl6pPr>
-            <a:lvl7pPr marL="914400" algn="l" rtl="0" fontAlgn="base">
-              <a:spcBef>
-                <a:spcPct val="0"/>
-              </a:spcBef>
-              <a:spcAft>
-                <a:spcPct val="0"/>
-              </a:spcAft>
-              <a:defRPr sz="4400">
-                <a:solidFill>
-                  <a:schemeClr val="tx1"/>
-                </a:solidFill>
-                <a:latin typeface="Arial" charset="0"/>
-                <a:cs typeface="Arial" charset="0"/>
-              </a:defRPr>
-            </a:lvl7pPr>
-            <a:lvl8pPr marL="1371600" algn="l" rtl="0" fontAlgn="base">
-              <a:spcBef>
-                <a:spcPct val="0"/>
-              </a:spcBef>
-              <a:spcAft>
-                <a:spcPct val="0"/>
-              </a:spcAft>
-              <a:defRPr sz="4400">
-                <a:solidFill>
-                  <a:schemeClr val="tx1"/>
-                </a:solidFill>
-                <a:latin typeface="Arial" charset="0"/>
-                <a:cs typeface="Arial" charset="0"/>
-              </a:defRPr>
-            </a:lvl8pPr>
-            <a:lvl9pPr marL="1828800" algn="l" rtl="0" fontAlgn="base">
-              <a:spcBef>
-                <a:spcPct val="0"/>
-              </a:spcBef>
-              <a:spcAft>
-                <a:spcPct val="0"/>
-              </a:spcAft>
-              <a:defRPr sz="4400">
-                <a:solidFill>
-                  <a:schemeClr val="tx1"/>
-                </a:solidFill>
-                <a:latin typeface="Arial" charset="0"/>
-                <a:cs typeface="Arial" charset="0"/>
-              </a:defRPr>
-            </a:lvl9pPr>
-          </a:lstStyle>
-          <a:p>
-            <a:pPr algn="ctr" eaLnBrk="1" hangingPunct="1"/>
-            <a:r>
-              <a:rPr lang="es-CO" altLang="es-CO" sz="3600" b="0" dirty="0"/>
-              <a:t>16</a:t>
-            </a:r>
-          </a:p>
-        </p:txBody>
-      </p:sp>
-      <p:pic>
-        <p:nvPicPr>
-          <p:cNvPr id="14" name="Picture 4" descr="Programas - Intranet ETITC">
-            <a:extLst>
-              <a:ext uri="{FF2B5EF4-FFF2-40B4-BE49-F238E27FC236}">
-                <a16:creationId xmlns:a16="http://schemas.microsoft.com/office/drawing/2014/main" id="{EC83F540-C4A2-EE56-0418-B8CD7CA17275}"/>
-              </a:ext>
-            </a:extLst>
-          </p:cNvPr>
-          <p:cNvPicPr>
-            <a:picLocks noChangeAspect="1" noChangeArrowheads="1"/>
-          </p:cNvPicPr>
-          <p:nvPr/>
-        </p:nvPicPr>
-        <p:blipFill>
-          <a:blip r:embed="rId3">
-            <a:extLst>
-              <a:ext uri="{28A0092B-C50C-407E-A947-70E740481C1C}">
-                <a14:useLocalDpi xmlns:a14="http://schemas.microsoft.com/office/drawing/2010/main" val="0"/>
-              </a:ext>
-            </a:extLst>
-          </a:blip>
-          <a:srcRect/>
-          <a:stretch>
-            <a:fillRect/>
-          </a:stretch>
-        </p:blipFill>
-        <p:spPr bwMode="auto">
-          <a:xfrm>
-            <a:off x="795338" y="44758"/>
-            <a:ext cx="2483768" cy="794720"/>
-          </a:xfrm>
-          <a:prstGeom prst="rect">
-            <a:avLst/>
-          </a:prstGeom>
-          <a:noFill/>
-          <a:extLst>
-            <a:ext uri="{909E8E84-426E-40DD-AFC4-6F175D3DCCD1}">
-              <a14:hiddenFill xmlns:a14="http://schemas.microsoft.com/office/drawing/2010/main">
-                <a:solidFill>
-                  <a:srgbClr val="FFFFFF"/>
-                </a:solidFill>
-              </a14:hiddenFill>
-            </a:ext>
-          </a:extLst>
         </p:spPr>
       </p:pic>
-      <p:sp>
-        <p:nvSpPr>
-          <p:cNvPr id="5" name="2 Subtítulo">
-            <a:extLst>
-              <a:ext uri="{FF2B5EF4-FFF2-40B4-BE49-F238E27FC236}">
-                <a16:creationId xmlns:a16="http://schemas.microsoft.com/office/drawing/2014/main" id="{AD83FA30-4A3C-43B8-17CD-C08519129156}"/>
-              </a:ext>
-            </a:extLst>
-          </p:cNvPr>
-          <p:cNvSpPr txBox="1">
-            <a:spLocks/>
-          </p:cNvSpPr>
-          <p:nvPr/>
-        </p:nvSpPr>
-        <p:spPr bwMode="auto">
-          <a:xfrm>
-            <a:off x="2267744" y="259824"/>
-            <a:ext cx="6400800" cy="500063"/>
-          </a:xfrm>
-          <a:prstGeom prst="rect">
-            <a:avLst/>
-          </a:prstGeom>
-          <a:noFill/>
-          <a:ln>
-            <a:noFill/>
-          </a:ln>
-          <a:extLst>
-            <a:ext uri="{909E8E84-426E-40DD-AFC4-6F175D3DCCD1}">
-              <a14:hiddenFill xmlns:a14="http://schemas.microsoft.com/office/drawing/2010/main">
-                <a:solidFill>
-                  <a:srgbClr val="FFFFFF"/>
-                </a:solidFill>
-              </a14:hiddenFill>
-            </a:ext>
-            <a:ext uri="{91240B29-F687-4F45-9708-019B960494DF}">
-              <a14:hiddenLine xmlns:a14="http://schemas.microsoft.com/office/drawing/2010/main" w="9525">
-                <a:solidFill>
-                  <a:srgbClr val="000000"/>
-                </a:solidFill>
-                <a:miter lim="800000"/>
-                <a:headEnd/>
-                <a:tailEnd/>
-              </a14:hiddenLine>
-            </a:ext>
-          </a:extLst>
-        </p:spPr>
-        <p:txBody>
-          <a:bodyPr vert="horz" wrap="square" lIns="91440" tIns="45720" rIns="91440" bIns="45720" numCol="1" rtlCol="0" anchor="t" anchorCtr="0" compatLnSpc="1">
-            <a:prstTxWarp prst="textNoShape">
-              <a:avLst/>
-            </a:prstTxWarp>
-            <a:noAutofit/>
-          </a:bodyPr>
-          <a:lstStyle>
-            <a:lvl1pPr marL="342900" indent="-342900" algn="l" rtl="0" eaLnBrk="0" fontAlgn="base" hangingPunct="0">
-              <a:spcBef>
-                <a:spcPct val="20000"/>
-              </a:spcBef>
-              <a:spcAft>
-                <a:spcPct val="0"/>
-              </a:spcAft>
-              <a:buFont typeface="Arial" panose="020B0604020202020204" pitchFamily="34" charset="0"/>
-              <a:buChar char="•"/>
-              <a:defRPr sz="3200" kern="1200">
-                <a:solidFill>
-                  <a:schemeClr val="tx1"/>
-                </a:solidFill>
-                <a:latin typeface="Arial" pitchFamily="34" charset="0"/>
-                <a:ea typeface="+mn-ea"/>
-                <a:cs typeface="Arial" pitchFamily="34" charset="0"/>
-              </a:defRPr>
-            </a:lvl1pPr>
-            <a:lvl2pPr marL="742950" indent="-285750" algn="l" rtl="0" eaLnBrk="0" fontAlgn="base" hangingPunct="0">
-              <a:spcBef>
-                <a:spcPct val="20000"/>
-              </a:spcBef>
-              <a:spcAft>
-                <a:spcPct val="0"/>
-              </a:spcAft>
-              <a:buFont typeface="Arial" panose="020B0604020202020204" pitchFamily="34" charset="0"/>
-              <a:buChar char="–"/>
-              <a:defRPr sz="2800" kern="1200">
-                <a:solidFill>
-                  <a:schemeClr val="tx1"/>
-                </a:solidFill>
-                <a:latin typeface="Arial" pitchFamily="34" charset="0"/>
-                <a:ea typeface="+mn-ea"/>
-                <a:cs typeface="Arial" pitchFamily="34" charset="0"/>
-              </a:defRPr>
-            </a:lvl2pPr>
-            <a:lvl3pPr marL="1143000" indent="-228600" algn="l" rtl="0" eaLnBrk="0" fontAlgn="base" hangingPunct="0">
-              <a:spcBef>
-                <a:spcPct val="20000"/>
-              </a:spcBef>
-              <a:spcAft>
-                <a:spcPct val="0"/>
-              </a:spcAft>
-              <a:buFont typeface="Arial" panose="020B0604020202020204" pitchFamily="34" charset="0"/>
-              <a:buChar char="•"/>
-              <a:defRPr sz="2400" kern="1200">
-                <a:solidFill>
-                  <a:schemeClr val="tx1"/>
-                </a:solidFill>
-                <a:latin typeface="Arial" pitchFamily="34" charset="0"/>
-                <a:ea typeface="+mn-ea"/>
-                <a:cs typeface="Arial" pitchFamily="34" charset="0"/>
-              </a:defRPr>
-            </a:lvl3pPr>
-            <a:lvl4pPr marL="1600200" indent="-228600" algn="l" rtl="0" eaLnBrk="0" fontAlgn="base" hangingPunct="0">
-              <a:spcBef>
-                <a:spcPct val="20000"/>
-              </a:spcBef>
-              <a:spcAft>
-                <a:spcPct val="0"/>
-              </a:spcAft>
-              <a:buFont typeface="Arial" panose="020B0604020202020204" pitchFamily="34" charset="0"/>
-              <a:buChar char="–"/>
-              <a:defRPr sz="2000" kern="1200">
-                <a:solidFill>
-                  <a:schemeClr val="tx1"/>
-                </a:solidFill>
-                <a:latin typeface="Arial" pitchFamily="34" charset="0"/>
-                <a:ea typeface="+mn-ea"/>
-                <a:cs typeface="Arial" pitchFamily="34" charset="0"/>
-              </a:defRPr>
-            </a:lvl4pPr>
-            <a:lvl5pPr marL="2057400" indent="-228600" algn="l" rtl="0" eaLnBrk="0" fontAlgn="base" hangingPunct="0">
-              <a:spcBef>
-                <a:spcPct val="20000"/>
-              </a:spcBef>
-              <a:spcAft>
-                <a:spcPct val="0"/>
-              </a:spcAft>
-              <a:buFont typeface="Arial" panose="020B0604020202020204" pitchFamily="34" charset="0"/>
-              <a:buChar char="»"/>
-              <a:defRPr sz="2000" kern="1200">
-                <a:solidFill>
-                  <a:schemeClr val="tx1"/>
-                </a:solidFill>
-                <a:latin typeface="Arial" pitchFamily="34" charset="0"/>
-                <a:ea typeface="+mn-ea"/>
-                <a:cs typeface="Arial" pitchFamily="34" charset="0"/>
-              </a:defRPr>
-            </a:lvl5pPr>
-            <a:lvl6pPr marL="2514600" indent="-228600" algn="l" defTabSz="914400" rtl="0" eaLnBrk="1" latinLnBrk="0" hangingPunct="1">
-              <a:spcBef>
-                <a:spcPct val="20000"/>
-              </a:spcBef>
-              <a:buFont typeface="Arial" pitchFamily="34" charset="0"/>
-              <a:buChar char="•"/>
-              <a:defRPr sz="2000" kern="1200">
-                <a:solidFill>
-                  <a:schemeClr val="tx1"/>
-                </a:solidFill>
-                <a:latin typeface="+mn-lt"/>
-                <a:ea typeface="+mn-ea"/>
-                <a:cs typeface="+mn-cs"/>
-              </a:defRPr>
-            </a:lvl6pPr>
-            <a:lvl7pPr marL="2971800" indent="-228600" algn="l" defTabSz="914400" rtl="0" eaLnBrk="1" latinLnBrk="0" hangingPunct="1">
-              <a:spcBef>
-                <a:spcPct val="20000"/>
-              </a:spcBef>
-              <a:buFont typeface="Arial" pitchFamily="34" charset="0"/>
-              <a:buChar char="•"/>
-              <a:defRPr sz="2000" kern="1200">
-                <a:solidFill>
-                  <a:schemeClr val="tx1"/>
-                </a:solidFill>
-                <a:latin typeface="+mn-lt"/>
-                <a:ea typeface="+mn-ea"/>
-                <a:cs typeface="+mn-cs"/>
-              </a:defRPr>
-            </a:lvl7pPr>
-            <a:lvl8pPr marL="3429000" indent="-228600" algn="l" defTabSz="914400" rtl="0" eaLnBrk="1" latinLnBrk="0" hangingPunct="1">
-              <a:spcBef>
-                <a:spcPct val="20000"/>
-              </a:spcBef>
-              <a:buFont typeface="Arial" pitchFamily="34" charset="0"/>
-              <a:buChar char="•"/>
-              <a:defRPr sz="2000" kern="1200">
-                <a:solidFill>
-                  <a:schemeClr val="tx1"/>
-                </a:solidFill>
-                <a:latin typeface="+mn-lt"/>
-                <a:ea typeface="+mn-ea"/>
-                <a:cs typeface="+mn-cs"/>
-              </a:defRPr>
-            </a:lvl8pPr>
-            <a:lvl9pPr marL="3886200" indent="-228600" algn="l" defTabSz="914400" rtl="0" eaLnBrk="1" latinLnBrk="0" hangingPunct="1">
-              <a:spcBef>
-                <a:spcPct val="20000"/>
-              </a:spcBef>
-              <a:buFont typeface="Arial" pitchFamily="34" charset="0"/>
-              <a:buChar char="•"/>
-              <a:defRPr sz="2000" kern="1200">
-                <a:solidFill>
-                  <a:schemeClr val="tx1"/>
-                </a:solidFill>
-                <a:latin typeface="+mn-lt"/>
-                <a:ea typeface="+mn-ea"/>
-                <a:cs typeface="+mn-cs"/>
-              </a:defRPr>
-            </a:lvl9pPr>
-          </a:lstStyle>
-          <a:p>
-            <a:pPr marL="0" indent="0" algn="r" eaLnBrk="1" fontAlgn="auto" hangingPunct="1">
-              <a:spcAft>
-                <a:spcPts val="0"/>
-              </a:spcAft>
-              <a:buNone/>
-              <a:defRPr/>
-            </a:pPr>
-            <a:r>
-              <a:rPr lang="es-CO" sz="2000" b="1">
-                <a:solidFill>
-                  <a:schemeClr val="tx1">
-                    <a:lumMod val="75000"/>
-                    <a:lumOff val="25000"/>
-                  </a:schemeClr>
-                </a:solidFill>
-              </a:rPr>
-              <a:t>SEÑALES DISCRETAS</a:t>
-            </a:r>
-          </a:p>
-        </p:txBody>
-      </p:sp>
     </p:spTree>
     <p:extLst>
       <p:ext uri="{BB962C8B-B14F-4D97-AF65-F5344CB8AC3E}">
-        <p14:creationId xmlns:p14="http://schemas.microsoft.com/office/powerpoint/2010/main" val="197386410"/>
-      </p:ext>
-    </p:extLst>
-  </p:cSld>
-  <p:clrMapOvr>
-    <a:masterClrMapping/>
-  </p:clrMapOvr>
-</p:sld>
-</file>
-
-<file path=ppt/slides/slide17.xml><?xml version="1.0" encoding="utf-8"?>
-<p:sld xmlns:a="http://schemas.openxmlformats.org/drawingml/2006/main" xmlns:r="http://schemas.openxmlformats.org/officeDocument/2006/relationships" xmlns:p="http://schemas.openxmlformats.org/presentationml/2006/main">
-  <p:cSld>
-    <p:spTree>
-      <p:nvGrpSpPr>
-        <p:cNvPr id="1" name=""/>
-        <p:cNvGrpSpPr/>
-        <p:nvPr/>
-      </p:nvGrpSpPr>
-      <p:grpSpPr>
-        <a:xfrm>
-          <a:off x="0" y="0"/>
-          <a:ext cx="0" cy="0"/>
-          <a:chOff x="0" y="0"/>
-          <a:chExt cx="0" cy="0"/>
-        </a:xfrm>
-      </p:grpSpPr>
-      <p:sp>
-        <p:nvSpPr>
-          <p:cNvPr id="2" name="Título 1">
-            <a:extLst>
-              <a:ext uri="{FF2B5EF4-FFF2-40B4-BE49-F238E27FC236}">
-                <a16:creationId xmlns:a16="http://schemas.microsoft.com/office/drawing/2014/main" id="{FB1B6180-BCA0-4F51-9F68-9E5BAB8A4FDC}"/>
-              </a:ext>
-            </a:extLst>
-          </p:cNvPr>
-          <p:cNvSpPr>
-            <a:spLocks noGrp="1"/>
-          </p:cNvSpPr>
-          <p:nvPr>
-            <p:ph type="title"/>
-          </p:nvPr>
-        </p:nvSpPr>
-        <p:spPr>
-          <a:xfrm>
-            <a:off x="2251870" y="672742"/>
-            <a:ext cx="4392340" cy="1162050"/>
-          </a:xfrm>
-        </p:spPr>
-        <p:txBody>
-          <a:bodyPr/>
-          <a:lstStyle/>
-          <a:p>
-            <a:pPr algn="ctr"/>
-            <a:r>
-              <a:rPr lang="es-CO" b="1"/>
-              <a:t>Características Señal Discreta</a:t>
-            </a:r>
-          </a:p>
-        </p:txBody>
-      </p:sp>
-      <p:sp>
-        <p:nvSpPr>
-          <p:cNvPr id="10" name="1 Título">
-            <a:extLst>
-              <a:ext uri="{FF2B5EF4-FFF2-40B4-BE49-F238E27FC236}">
-                <a16:creationId xmlns:a16="http://schemas.microsoft.com/office/drawing/2014/main" id="{AF4E183E-A171-4923-A99E-D149888CEC37}"/>
-              </a:ext>
-            </a:extLst>
-          </p:cNvPr>
-          <p:cNvSpPr txBox="1">
-            <a:spLocks/>
-          </p:cNvSpPr>
-          <p:nvPr/>
-        </p:nvSpPr>
-        <p:spPr bwMode="auto">
-          <a:xfrm>
-            <a:off x="0" y="-28575"/>
-            <a:ext cx="779463" cy="720725"/>
-          </a:xfrm>
-          <a:prstGeom prst="rect">
-            <a:avLst/>
-          </a:prstGeom>
-          <a:noFill/>
-          <a:ln>
-            <a:noFill/>
-          </a:ln>
-          <a:extLst>
-            <a:ext uri="{909E8E84-426E-40DD-AFC4-6F175D3DCCD1}">
-              <a14:hiddenFill xmlns:a14="http://schemas.microsoft.com/office/drawing/2010/main">
-                <a:solidFill>
-                  <a:srgbClr val="FFFFFF"/>
-                </a:solidFill>
-              </a14:hiddenFill>
-            </a:ext>
-            <a:ext uri="{91240B29-F687-4F45-9708-019B960494DF}">
-              <a14:hiddenLine xmlns:a14="http://schemas.microsoft.com/office/drawing/2010/main" w="9525">
-                <a:solidFill>
-                  <a:srgbClr val="000000"/>
-                </a:solidFill>
-                <a:miter lim="800000"/>
-                <a:headEnd/>
-                <a:tailEnd/>
-              </a14:hiddenLine>
-            </a:ext>
-          </a:extLst>
-        </p:spPr>
-        <p:txBody>
-          <a:bodyPr vert="horz" wrap="square" lIns="91440" tIns="45720" rIns="91440" bIns="45720" numCol="1" anchor="b" anchorCtr="0" compatLnSpc="1">
-            <a:prstTxWarp prst="textNoShape">
-              <a:avLst/>
-            </a:prstTxWarp>
-          </a:bodyPr>
-          <a:lstStyle>
-            <a:lvl1pPr algn="l" rtl="0" eaLnBrk="0" fontAlgn="base" hangingPunct="0">
-              <a:spcBef>
-                <a:spcPct val="0"/>
-              </a:spcBef>
-              <a:spcAft>
-                <a:spcPct val="0"/>
-              </a:spcAft>
-              <a:defRPr sz="2000" b="1" kern="1200">
-                <a:solidFill>
-                  <a:schemeClr val="tx1"/>
-                </a:solidFill>
-                <a:latin typeface="Arial" pitchFamily="34" charset="0"/>
-                <a:ea typeface="+mj-ea"/>
-                <a:cs typeface="Arial" pitchFamily="34" charset="0"/>
-              </a:defRPr>
-            </a:lvl1pPr>
-            <a:lvl2pPr algn="l" rtl="0" eaLnBrk="0" fontAlgn="base" hangingPunct="0">
-              <a:spcBef>
-                <a:spcPct val="0"/>
-              </a:spcBef>
-              <a:spcAft>
-                <a:spcPct val="0"/>
-              </a:spcAft>
-              <a:defRPr sz="4400">
-                <a:solidFill>
-                  <a:schemeClr val="tx1"/>
-                </a:solidFill>
-                <a:latin typeface="Arial" charset="0"/>
-                <a:cs typeface="Arial" charset="0"/>
-              </a:defRPr>
-            </a:lvl2pPr>
-            <a:lvl3pPr algn="l" rtl="0" eaLnBrk="0" fontAlgn="base" hangingPunct="0">
-              <a:spcBef>
-                <a:spcPct val="0"/>
-              </a:spcBef>
-              <a:spcAft>
-                <a:spcPct val="0"/>
-              </a:spcAft>
-              <a:defRPr sz="4400">
-                <a:solidFill>
-                  <a:schemeClr val="tx1"/>
-                </a:solidFill>
-                <a:latin typeface="Arial" charset="0"/>
-                <a:cs typeface="Arial" charset="0"/>
-              </a:defRPr>
-            </a:lvl3pPr>
-            <a:lvl4pPr algn="l" rtl="0" eaLnBrk="0" fontAlgn="base" hangingPunct="0">
-              <a:spcBef>
-                <a:spcPct val="0"/>
-              </a:spcBef>
-              <a:spcAft>
-                <a:spcPct val="0"/>
-              </a:spcAft>
-              <a:defRPr sz="4400">
-                <a:solidFill>
-                  <a:schemeClr val="tx1"/>
-                </a:solidFill>
-                <a:latin typeface="Arial" charset="0"/>
-                <a:cs typeface="Arial" charset="0"/>
-              </a:defRPr>
-            </a:lvl4pPr>
-            <a:lvl5pPr algn="l" rtl="0" eaLnBrk="0" fontAlgn="base" hangingPunct="0">
-              <a:spcBef>
-                <a:spcPct val="0"/>
-              </a:spcBef>
-              <a:spcAft>
-                <a:spcPct val="0"/>
-              </a:spcAft>
-              <a:defRPr sz="4400">
-                <a:solidFill>
-                  <a:schemeClr val="tx1"/>
-                </a:solidFill>
-                <a:latin typeface="Arial" charset="0"/>
-                <a:cs typeface="Arial" charset="0"/>
-              </a:defRPr>
-            </a:lvl5pPr>
-            <a:lvl6pPr marL="457200" algn="l" rtl="0" fontAlgn="base">
-              <a:spcBef>
-                <a:spcPct val="0"/>
-              </a:spcBef>
-              <a:spcAft>
-                <a:spcPct val="0"/>
-              </a:spcAft>
-              <a:defRPr sz="4400">
-                <a:solidFill>
-                  <a:schemeClr val="tx1"/>
-                </a:solidFill>
-                <a:latin typeface="Arial" charset="0"/>
-                <a:cs typeface="Arial" charset="0"/>
-              </a:defRPr>
-            </a:lvl6pPr>
-            <a:lvl7pPr marL="914400" algn="l" rtl="0" fontAlgn="base">
-              <a:spcBef>
-                <a:spcPct val="0"/>
-              </a:spcBef>
-              <a:spcAft>
-                <a:spcPct val="0"/>
-              </a:spcAft>
-              <a:defRPr sz="4400">
-                <a:solidFill>
-                  <a:schemeClr val="tx1"/>
-                </a:solidFill>
-                <a:latin typeface="Arial" charset="0"/>
-                <a:cs typeface="Arial" charset="0"/>
-              </a:defRPr>
-            </a:lvl7pPr>
-            <a:lvl8pPr marL="1371600" algn="l" rtl="0" fontAlgn="base">
-              <a:spcBef>
-                <a:spcPct val="0"/>
-              </a:spcBef>
-              <a:spcAft>
-                <a:spcPct val="0"/>
-              </a:spcAft>
-              <a:defRPr sz="4400">
-                <a:solidFill>
-                  <a:schemeClr val="tx1"/>
-                </a:solidFill>
-                <a:latin typeface="Arial" charset="0"/>
-                <a:cs typeface="Arial" charset="0"/>
-              </a:defRPr>
-            </a:lvl8pPr>
-            <a:lvl9pPr marL="1828800" algn="l" rtl="0" fontAlgn="base">
-              <a:spcBef>
-                <a:spcPct val="0"/>
-              </a:spcBef>
-              <a:spcAft>
-                <a:spcPct val="0"/>
-              </a:spcAft>
-              <a:defRPr sz="4400">
-                <a:solidFill>
-                  <a:schemeClr val="tx1"/>
-                </a:solidFill>
-                <a:latin typeface="Arial" charset="0"/>
-                <a:cs typeface="Arial" charset="0"/>
-              </a:defRPr>
-            </a:lvl9pPr>
-          </a:lstStyle>
-          <a:p>
-            <a:pPr algn="ctr" eaLnBrk="1" hangingPunct="1"/>
-            <a:r>
-              <a:rPr lang="es-CO" altLang="es-CO" sz="3600" b="0" dirty="0"/>
-              <a:t>17</a:t>
-            </a:r>
-          </a:p>
-        </p:txBody>
-      </p:sp>
-      <p:pic>
-        <p:nvPicPr>
-          <p:cNvPr id="14" name="Picture 4" descr="Programas - Intranet ETITC">
-            <a:extLst>
-              <a:ext uri="{FF2B5EF4-FFF2-40B4-BE49-F238E27FC236}">
-                <a16:creationId xmlns:a16="http://schemas.microsoft.com/office/drawing/2014/main" id="{EC83F540-C4A2-EE56-0418-B8CD7CA17275}"/>
-              </a:ext>
-            </a:extLst>
-          </p:cNvPr>
-          <p:cNvPicPr>
-            <a:picLocks noChangeAspect="1" noChangeArrowheads="1"/>
-          </p:cNvPicPr>
-          <p:nvPr/>
-        </p:nvPicPr>
-        <p:blipFill>
-          <a:blip r:embed="rId3">
-            <a:extLst>
-              <a:ext uri="{28A0092B-C50C-407E-A947-70E740481C1C}">
-                <a14:useLocalDpi xmlns:a14="http://schemas.microsoft.com/office/drawing/2010/main" val="0"/>
-              </a:ext>
-            </a:extLst>
-          </a:blip>
-          <a:srcRect/>
-          <a:stretch>
-            <a:fillRect/>
-          </a:stretch>
-        </p:blipFill>
-        <p:spPr bwMode="auto">
-          <a:xfrm>
-            <a:off x="795338" y="44758"/>
-            <a:ext cx="2483768" cy="794720"/>
-          </a:xfrm>
-          <a:prstGeom prst="rect">
-            <a:avLst/>
-          </a:prstGeom>
-          <a:noFill/>
-          <a:extLst>
-            <a:ext uri="{909E8E84-426E-40DD-AFC4-6F175D3DCCD1}">
-              <a14:hiddenFill xmlns:a14="http://schemas.microsoft.com/office/drawing/2010/main">
-                <a:solidFill>
-                  <a:srgbClr val="FFFFFF"/>
-                </a:solidFill>
-              </a14:hiddenFill>
-            </a:ext>
-          </a:extLst>
-        </p:spPr>
-      </p:pic>
-      <p:sp>
-        <p:nvSpPr>
-          <p:cNvPr id="5" name="2 Subtítulo">
-            <a:extLst>
-              <a:ext uri="{FF2B5EF4-FFF2-40B4-BE49-F238E27FC236}">
-                <a16:creationId xmlns:a16="http://schemas.microsoft.com/office/drawing/2014/main" id="{AD83FA30-4A3C-43B8-17CD-C08519129156}"/>
-              </a:ext>
-            </a:extLst>
-          </p:cNvPr>
-          <p:cNvSpPr txBox="1">
-            <a:spLocks/>
-          </p:cNvSpPr>
-          <p:nvPr/>
-        </p:nvSpPr>
-        <p:spPr bwMode="auto">
-          <a:xfrm>
-            <a:off x="2267744" y="259824"/>
-            <a:ext cx="6400800" cy="500063"/>
-          </a:xfrm>
-          <a:prstGeom prst="rect">
-            <a:avLst/>
-          </a:prstGeom>
-          <a:noFill/>
-          <a:ln>
-            <a:noFill/>
-          </a:ln>
-          <a:extLst>
-            <a:ext uri="{909E8E84-426E-40DD-AFC4-6F175D3DCCD1}">
-              <a14:hiddenFill xmlns:a14="http://schemas.microsoft.com/office/drawing/2010/main">
-                <a:solidFill>
-                  <a:srgbClr val="FFFFFF"/>
-                </a:solidFill>
-              </a14:hiddenFill>
-            </a:ext>
-            <a:ext uri="{91240B29-F687-4F45-9708-019B960494DF}">
-              <a14:hiddenLine xmlns:a14="http://schemas.microsoft.com/office/drawing/2010/main" w="9525">
-                <a:solidFill>
-                  <a:srgbClr val="000000"/>
-                </a:solidFill>
-                <a:miter lim="800000"/>
-                <a:headEnd/>
-                <a:tailEnd/>
-              </a14:hiddenLine>
-            </a:ext>
-          </a:extLst>
-        </p:spPr>
-        <p:txBody>
-          <a:bodyPr vert="horz" wrap="square" lIns="91440" tIns="45720" rIns="91440" bIns="45720" numCol="1" rtlCol="0" anchor="t" anchorCtr="0" compatLnSpc="1">
-            <a:prstTxWarp prst="textNoShape">
-              <a:avLst/>
-            </a:prstTxWarp>
-            <a:noAutofit/>
-          </a:bodyPr>
-          <a:lstStyle>
-            <a:lvl1pPr marL="342900" indent="-342900" algn="l" rtl="0" eaLnBrk="0" fontAlgn="base" hangingPunct="0">
-              <a:spcBef>
-                <a:spcPct val="20000"/>
-              </a:spcBef>
-              <a:spcAft>
-                <a:spcPct val="0"/>
-              </a:spcAft>
-              <a:buFont typeface="Arial" panose="020B0604020202020204" pitchFamily="34" charset="0"/>
-              <a:buChar char="•"/>
-              <a:defRPr sz="3200" kern="1200">
-                <a:solidFill>
-                  <a:schemeClr val="tx1"/>
-                </a:solidFill>
-                <a:latin typeface="Arial" pitchFamily="34" charset="0"/>
-                <a:ea typeface="+mn-ea"/>
-                <a:cs typeface="Arial" pitchFamily="34" charset="0"/>
-              </a:defRPr>
-            </a:lvl1pPr>
-            <a:lvl2pPr marL="742950" indent="-285750" algn="l" rtl="0" eaLnBrk="0" fontAlgn="base" hangingPunct="0">
-              <a:spcBef>
-                <a:spcPct val="20000"/>
-              </a:spcBef>
-              <a:spcAft>
-                <a:spcPct val="0"/>
-              </a:spcAft>
-              <a:buFont typeface="Arial" panose="020B0604020202020204" pitchFamily="34" charset="0"/>
-              <a:buChar char="–"/>
-              <a:defRPr sz="2800" kern="1200">
-                <a:solidFill>
-                  <a:schemeClr val="tx1"/>
-                </a:solidFill>
-                <a:latin typeface="Arial" pitchFamily="34" charset="0"/>
-                <a:ea typeface="+mn-ea"/>
-                <a:cs typeface="Arial" pitchFamily="34" charset="0"/>
-              </a:defRPr>
-            </a:lvl2pPr>
-            <a:lvl3pPr marL="1143000" indent="-228600" algn="l" rtl="0" eaLnBrk="0" fontAlgn="base" hangingPunct="0">
-              <a:spcBef>
-                <a:spcPct val="20000"/>
-              </a:spcBef>
-              <a:spcAft>
-                <a:spcPct val="0"/>
-              </a:spcAft>
-              <a:buFont typeface="Arial" panose="020B0604020202020204" pitchFamily="34" charset="0"/>
-              <a:buChar char="•"/>
-              <a:defRPr sz="2400" kern="1200">
-                <a:solidFill>
-                  <a:schemeClr val="tx1"/>
-                </a:solidFill>
-                <a:latin typeface="Arial" pitchFamily="34" charset="0"/>
-                <a:ea typeface="+mn-ea"/>
-                <a:cs typeface="Arial" pitchFamily="34" charset="0"/>
-              </a:defRPr>
-            </a:lvl3pPr>
-            <a:lvl4pPr marL="1600200" indent="-228600" algn="l" rtl="0" eaLnBrk="0" fontAlgn="base" hangingPunct="0">
-              <a:spcBef>
-                <a:spcPct val="20000"/>
-              </a:spcBef>
-              <a:spcAft>
-                <a:spcPct val="0"/>
-              </a:spcAft>
-              <a:buFont typeface="Arial" panose="020B0604020202020204" pitchFamily="34" charset="0"/>
-              <a:buChar char="–"/>
-              <a:defRPr sz="2000" kern="1200">
-                <a:solidFill>
-                  <a:schemeClr val="tx1"/>
-                </a:solidFill>
-                <a:latin typeface="Arial" pitchFamily="34" charset="0"/>
-                <a:ea typeface="+mn-ea"/>
-                <a:cs typeface="Arial" pitchFamily="34" charset="0"/>
-              </a:defRPr>
-            </a:lvl4pPr>
-            <a:lvl5pPr marL="2057400" indent="-228600" algn="l" rtl="0" eaLnBrk="0" fontAlgn="base" hangingPunct="0">
-              <a:spcBef>
-                <a:spcPct val="20000"/>
-              </a:spcBef>
-              <a:spcAft>
-                <a:spcPct val="0"/>
-              </a:spcAft>
-              <a:buFont typeface="Arial" panose="020B0604020202020204" pitchFamily="34" charset="0"/>
-              <a:buChar char="»"/>
-              <a:defRPr sz="2000" kern="1200">
-                <a:solidFill>
-                  <a:schemeClr val="tx1"/>
-                </a:solidFill>
-                <a:latin typeface="Arial" pitchFamily="34" charset="0"/>
-                <a:ea typeface="+mn-ea"/>
-                <a:cs typeface="Arial" pitchFamily="34" charset="0"/>
-              </a:defRPr>
-            </a:lvl5pPr>
-            <a:lvl6pPr marL="2514600" indent="-228600" algn="l" defTabSz="914400" rtl="0" eaLnBrk="1" latinLnBrk="0" hangingPunct="1">
-              <a:spcBef>
-                <a:spcPct val="20000"/>
-              </a:spcBef>
-              <a:buFont typeface="Arial" pitchFamily="34" charset="0"/>
-              <a:buChar char="•"/>
-              <a:defRPr sz="2000" kern="1200">
-                <a:solidFill>
-                  <a:schemeClr val="tx1"/>
-                </a:solidFill>
-                <a:latin typeface="+mn-lt"/>
-                <a:ea typeface="+mn-ea"/>
-                <a:cs typeface="+mn-cs"/>
-              </a:defRPr>
-            </a:lvl6pPr>
-            <a:lvl7pPr marL="2971800" indent="-228600" algn="l" defTabSz="914400" rtl="0" eaLnBrk="1" latinLnBrk="0" hangingPunct="1">
-              <a:spcBef>
-                <a:spcPct val="20000"/>
-              </a:spcBef>
-              <a:buFont typeface="Arial" pitchFamily="34" charset="0"/>
-              <a:buChar char="•"/>
-              <a:defRPr sz="2000" kern="1200">
-                <a:solidFill>
-                  <a:schemeClr val="tx1"/>
-                </a:solidFill>
-                <a:latin typeface="+mn-lt"/>
-                <a:ea typeface="+mn-ea"/>
-                <a:cs typeface="+mn-cs"/>
-              </a:defRPr>
-            </a:lvl7pPr>
-            <a:lvl8pPr marL="3429000" indent="-228600" algn="l" defTabSz="914400" rtl="0" eaLnBrk="1" latinLnBrk="0" hangingPunct="1">
-              <a:spcBef>
-                <a:spcPct val="20000"/>
-              </a:spcBef>
-              <a:buFont typeface="Arial" pitchFamily="34" charset="0"/>
-              <a:buChar char="•"/>
-              <a:defRPr sz="2000" kern="1200">
-                <a:solidFill>
-                  <a:schemeClr val="tx1"/>
-                </a:solidFill>
-                <a:latin typeface="+mn-lt"/>
-                <a:ea typeface="+mn-ea"/>
-                <a:cs typeface="+mn-cs"/>
-              </a:defRPr>
-            </a:lvl8pPr>
-            <a:lvl9pPr marL="3886200" indent="-228600" algn="l" defTabSz="914400" rtl="0" eaLnBrk="1" latinLnBrk="0" hangingPunct="1">
-              <a:spcBef>
-                <a:spcPct val="20000"/>
-              </a:spcBef>
-              <a:buFont typeface="Arial" pitchFamily="34" charset="0"/>
-              <a:buChar char="•"/>
-              <a:defRPr sz="2000" kern="1200">
-                <a:solidFill>
-                  <a:schemeClr val="tx1"/>
-                </a:solidFill>
-                <a:latin typeface="+mn-lt"/>
-                <a:ea typeface="+mn-ea"/>
-                <a:cs typeface="+mn-cs"/>
-              </a:defRPr>
-            </a:lvl9pPr>
-          </a:lstStyle>
-          <a:p>
-            <a:pPr marL="0" indent="0" algn="r" eaLnBrk="1" fontAlgn="auto" hangingPunct="1">
-              <a:spcAft>
-                <a:spcPts val="0"/>
-              </a:spcAft>
-              <a:buNone/>
-              <a:defRPr/>
-            </a:pPr>
-            <a:r>
-              <a:rPr lang="es-CO" sz="2000" b="1">
-                <a:solidFill>
-                  <a:schemeClr val="tx1">
-                    <a:lumMod val="75000"/>
-                    <a:lumOff val="25000"/>
-                  </a:schemeClr>
-                </a:solidFill>
-              </a:rPr>
-              <a:t>SEÑALES DISCRETAS</a:t>
-            </a:r>
-          </a:p>
-        </p:txBody>
-      </p:sp>
-      <p:sp>
-        <p:nvSpPr>
-          <p:cNvPr id="4" name="CuadroTexto 3">
-            <a:extLst>
-              <a:ext uri="{FF2B5EF4-FFF2-40B4-BE49-F238E27FC236}">
-                <a16:creationId xmlns:a16="http://schemas.microsoft.com/office/drawing/2014/main" id="{A9A4A0C2-930C-0E2E-41F8-622F2BEB0F2A}"/>
-              </a:ext>
-            </a:extLst>
-          </p:cNvPr>
-          <p:cNvSpPr txBox="1"/>
-          <p:nvPr/>
-        </p:nvSpPr>
-        <p:spPr>
-          <a:xfrm>
-            <a:off x="779463" y="2281246"/>
-            <a:ext cx="7737102" cy="3139321"/>
-          </a:xfrm>
-          <a:prstGeom prst="rect">
-            <a:avLst/>
-          </a:prstGeom>
-          <a:noFill/>
-        </p:spPr>
-        <p:txBody>
-          <a:bodyPr wrap="square" rtlCol="0">
-            <a:spAutoFit/>
-          </a:bodyPr>
-          <a:lstStyle/>
-          <a:p>
-            <a:r>
-              <a:rPr lang="es-ES" dirty="0">
-                <a:highlight>
-                  <a:srgbClr val="FFFF00"/>
-                </a:highlight>
-                <a:latin typeface="Söhne"/>
-              </a:rPr>
-              <a:t>T</a:t>
-            </a:r>
-            <a:r>
-              <a:rPr lang="es-ES" b="0" i="0" dirty="0">
-                <a:effectLst/>
-                <a:highlight>
-                  <a:srgbClr val="FFFF00"/>
-                </a:highlight>
-                <a:latin typeface="Söhne"/>
-              </a:rPr>
-              <a:t>oman valores solo en momentos o ubicaciones específicas, lo que significa que están cuantificadas en intervalos discretos de tiempo o espacio.</a:t>
-            </a:r>
-          </a:p>
-          <a:p>
-            <a:endParaRPr lang="es-ES" b="0" i="0" dirty="0">
-              <a:effectLst/>
-              <a:latin typeface="Söhne"/>
-            </a:endParaRPr>
-          </a:p>
-          <a:p>
-            <a:r>
-              <a:rPr lang="es-ES" b="0" i="0" dirty="0">
-                <a:effectLst/>
-                <a:highlight>
-                  <a:srgbClr val="00FFFF"/>
-                </a:highlight>
-                <a:latin typeface="Söhne"/>
-              </a:rPr>
-              <a:t>Representan mediante secuencias finitas de valores numéricos, lo que permite su almacenamiento, procesamiento y manipulación a través de operaciones matemáticas.</a:t>
-            </a:r>
-          </a:p>
-          <a:p>
-            <a:endParaRPr lang="es-ES" dirty="0">
-              <a:latin typeface="Söhne"/>
-            </a:endParaRPr>
-          </a:p>
-          <a:p>
-            <a:pPr algn="l"/>
-            <a:r>
-              <a:rPr lang="es-ES" dirty="0">
-                <a:highlight>
-                  <a:srgbClr val="C0C0C0"/>
-                </a:highlight>
-                <a:latin typeface="Söhne"/>
-              </a:rPr>
-              <a:t>Tienen una secuencia ordenada de valores, lo que facilita su análisis y manipulación secuencial.</a:t>
-            </a:r>
-          </a:p>
-          <a:p>
-            <a:br>
-              <a:rPr lang="es-ES" dirty="0"/>
-            </a:br>
-            <a:endParaRPr lang="en-US" b="1" dirty="0"/>
-          </a:p>
-        </p:txBody>
-      </p:sp>
-    </p:spTree>
-    <p:extLst>
-      <p:ext uri="{BB962C8B-B14F-4D97-AF65-F5344CB8AC3E}">
-        <p14:creationId xmlns:p14="http://schemas.microsoft.com/office/powerpoint/2010/main" val="1800295832"/>
+        <p14:creationId xmlns:p14="http://schemas.microsoft.com/office/powerpoint/2010/main" val="3187294709"/>
       </p:ext>
     </p:extLst>
   </p:cSld>
@@ -15967,7 +15427,7 @@
         </p:nvSpPr>
         <p:spPr>
           <a:xfrm>
-            <a:off x="2375830" y="2564904"/>
+            <a:off x="2267744" y="2636912"/>
             <a:ext cx="4392340" cy="1162050"/>
           </a:xfrm>
         </p:spPr>
@@ -15980,7 +15440,7 @@
             <a:pPr algn="ctr"/>
             <a:r>
               <a:rPr lang="es-CO" sz="2800" b="1"/>
-              <a:t>¿Qué aplicaciones tienen las señales discretas?</a:t>
+              <a:t>¿Qué características posee una señal discreta?</a:t>
             </a:r>
           </a:p>
         </p:txBody>
@@ -16461,7 +15921,7 @@
     </p:spTree>
     <p:extLst>
       <p:ext uri="{BB962C8B-B14F-4D97-AF65-F5344CB8AC3E}">
-        <p14:creationId xmlns:p14="http://schemas.microsoft.com/office/powerpoint/2010/main" val="3861690608"/>
+        <p14:creationId xmlns:p14="http://schemas.microsoft.com/office/powerpoint/2010/main" val="197386410"/>
       </p:ext>
     </p:extLst>
   </p:cSld>
@@ -16516,8 +15976,8 @@
           <a:p>
             <a:pPr algn="ctr"/>
             <a:r>
-              <a:rPr lang="es-CO" b="1" dirty="0"/>
-              <a:t>¿Qué aplicaciones tienen las señales discretas?</a:t>
+              <a:rPr lang="es-CO" b="1"/>
+              <a:t>Características Señal Discreta</a:t>
             </a:r>
           </a:p>
         </p:txBody>
@@ -17009,8 +16469,8 @@
         </p:nvSpPr>
         <p:spPr>
           <a:xfrm>
-            <a:off x="795338" y="2852936"/>
-            <a:ext cx="7737102" cy="1477328"/>
+            <a:off x="779463" y="2281246"/>
+            <a:ext cx="7737102" cy="3139321"/>
           </a:xfrm>
           <a:prstGeom prst="rect">
             <a:avLst/>
@@ -17024,44 +16484,72 @@
           <a:lstStyle/>
           <a:p>
             <a:r>
-              <a:rPr lang="es-ES"/>
-              <a:t>Comunicaciones digitales</a:t>
-            </a:r>
-          </a:p>
-          <a:p>
-            <a:r>
-              <a:rPr lang="es-ES"/>
-              <a:t>Procesamiento audio y video</a:t>
-            </a:r>
-          </a:p>
-          <a:p>
-            <a:r>
-              <a:rPr lang="es-ES"/>
-              <a:t>Procesamiento de imágenes digitales</a:t>
-            </a:r>
-          </a:p>
-          <a:p>
-            <a:r>
-              <a:rPr lang="es-ES">
+              <a:rPr lang="es-ES" dirty="0">
                 <a:highlight>
                   <a:srgbClr val="FFFF00"/>
                 </a:highlight>
+                <a:latin typeface="Söhne"/>
               </a:rPr>
-              <a:t>Control y automatización</a:t>
-            </a:r>
-          </a:p>
-          <a:p>
-            <a:r>
-              <a:rPr lang="es-ES"/>
-              <a:t>Procesamiento señales biomédicas</a:t>
-            </a:r>
+              <a:t>T</a:t>
+            </a:r>
+            <a:r>
+              <a:rPr lang="es-ES" b="0" i="0" dirty="0">
+                <a:effectLst/>
+                <a:highlight>
+                  <a:srgbClr val="FFFF00"/>
+                </a:highlight>
+                <a:latin typeface="Söhne"/>
+              </a:rPr>
+              <a:t>oman valores solo en momentos o ubicaciones específicas, lo que significa que están cuantificadas en intervalos discretos de tiempo o espacio.</a:t>
+            </a:r>
+          </a:p>
+          <a:p>
+            <a:endParaRPr lang="es-ES" b="0" i="0" dirty="0">
+              <a:effectLst/>
+              <a:latin typeface="Söhne"/>
+            </a:endParaRPr>
+          </a:p>
+          <a:p>
+            <a:r>
+              <a:rPr lang="es-ES" b="0" i="0" dirty="0">
+                <a:effectLst/>
+                <a:highlight>
+                  <a:srgbClr val="00FFFF"/>
+                </a:highlight>
+                <a:latin typeface="Söhne"/>
+              </a:rPr>
+              <a:t>Representan mediante secuencias finitas de valores numéricos, lo que permite su almacenamiento, procesamiento y manipulación a través de operaciones matemáticas.</a:t>
+            </a:r>
+          </a:p>
+          <a:p>
+            <a:endParaRPr lang="es-ES" dirty="0">
+              <a:latin typeface="Söhne"/>
+            </a:endParaRPr>
+          </a:p>
+          <a:p>
+            <a:pPr algn="l"/>
+            <a:r>
+              <a:rPr lang="es-ES" dirty="0">
+                <a:highlight>
+                  <a:srgbClr val="C0C0C0"/>
+                </a:highlight>
+                <a:latin typeface="Söhne"/>
+              </a:rPr>
+              <a:t>Tienen una secuencia ordenada de valores, lo que facilita su análisis y manipulación secuencial.</a:t>
+            </a:r>
+          </a:p>
+          <a:p>
+            <a:br>
+              <a:rPr lang="es-ES" dirty="0"/>
+            </a:br>
+            <a:endParaRPr lang="en-US" b="1" dirty="0"/>
           </a:p>
         </p:txBody>
       </p:sp>
     </p:spTree>
     <p:extLst>
       <p:ext uri="{BB962C8B-B14F-4D97-AF65-F5344CB8AC3E}">
-        <p14:creationId xmlns:p14="http://schemas.microsoft.com/office/powerpoint/2010/main" val="1989227391"/>
+        <p14:creationId xmlns:p14="http://schemas.microsoft.com/office/powerpoint/2010/main" val="1800295832"/>
       </p:ext>
     </p:extLst>
   </p:cSld>
@@ -17117,7 +16605,7 @@
             <a:pPr algn="ctr" eaLnBrk="1" hangingPunct="1"/>
             <a:r>
               <a:rPr lang="es-CO" altLang="es-CO" sz="3600" dirty="0"/>
-              <a:t>3</a:t>
+              <a:t>2</a:t>
             </a:r>
           </a:p>
         </p:txBody>
@@ -21075,18 +20563,20 @@
         </p:nvSpPr>
         <p:spPr>
           <a:xfrm>
-            <a:off x="2251870" y="672742"/>
+            <a:off x="2375830" y="2564904"/>
             <a:ext cx="4392340" cy="1162050"/>
           </a:xfrm>
         </p:spPr>
         <p:txBody>
-          <a:bodyPr/>
+          <a:bodyPr>
+            <a:normAutofit/>
+          </a:bodyPr>
           <a:lstStyle/>
           <a:p>
             <a:pPr algn="ctr"/>
             <a:r>
-              <a:rPr lang="es-CO" b="1"/>
-              <a:t>Ejercicio 2 (grupos de proyecto)</a:t>
+              <a:rPr lang="es-CO" sz="2800" b="1"/>
+              <a:t>¿Qué aplicaciones tienen las señales discretas?</a:t>
             </a:r>
           </a:p>
         </p:txBody>
@@ -21564,6 +21054,543 @@
           </a:p>
         </p:txBody>
       </p:sp>
+    </p:spTree>
+    <p:extLst>
+      <p:ext uri="{BB962C8B-B14F-4D97-AF65-F5344CB8AC3E}">
+        <p14:creationId xmlns:p14="http://schemas.microsoft.com/office/powerpoint/2010/main" val="3861690608"/>
+      </p:ext>
+    </p:extLst>
+  </p:cSld>
+  <p:clrMapOvr>
+    <a:masterClrMapping/>
+  </p:clrMapOvr>
+</p:sld>
+</file>
+
+<file path=ppt/slides/slide21.xml><?xml version="1.0" encoding="utf-8"?>
+<p:sld xmlns:a="http://schemas.openxmlformats.org/drawingml/2006/main" xmlns:r="http://schemas.openxmlformats.org/officeDocument/2006/relationships" xmlns:p="http://schemas.openxmlformats.org/presentationml/2006/main">
+  <p:cSld>
+    <p:spTree>
+      <p:nvGrpSpPr>
+        <p:cNvPr id="1" name=""/>
+        <p:cNvGrpSpPr/>
+        <p:nvPr/>
+      </p:nvGrpSpPr>
+      <p:grpSpPr>
+        <a:xfrm>
+          <a:off x="0" y="0"/>
+          <a:ext cx="0" cy="0"/>
+          <a:chOff x="0" y="0"/>
+          <a:chExt cx="0" cy="0"/>
+        </a:xfrm>
+      </p:grpSpPr>
+      <p:sp>
+        <p:nvSpPr>
+          <p:cNvPr id="2" name="Título 1">
+            <a:extLst>
+              <a:ext uri="{FF2B5EF4-FFF2-40B4-BE49-F238E27FC236}">
+                <a16:creationId xmlns:a16="http://schemas.microsoft.com/office/drawing/2014/main" id="{FB1B6180-BCA0-4F51-9F68-9E5BAB8A4FDC}"/>
+              </a:ext>
+            </a:extLst>
+          </p:cNvPr>
+          <p:cNvSpPr>
+            <a:spLocks noGrp="1"/>
+          </p:cNvSpPr>
+          <p:nvPr>
+            <p:ph type="title"/>
+          </p:nvPr>
+        </p:nvSpPr>
+        <p:spPr>
+          <a:xfrm>
+            <a:off x="2251870" y="672742"/>
+            <a:ext cx="4392340" cy="1162050"/>
+          </a:xfrm>
+        </p:spPr>
+        <p:txBody>
+          <a:bodyPr/>
+          <a:lstStyle/>
+          <a:p>
+            <a:pPr algn="ctr"/>
+            <a:r>
+              <a:rPr lang="es-CO" b="1" dirty="0"/>
+              <a:t>¿Qué aplicaciones tienen las señales discretas?</a:t>
+            </a:r>
+          </a:p>
+        </p:txBody>
+      </p:sp>
+      <p:sp>
+        <p:nvSpPr>
+          <p:cNvPr id="10" name="1 Título">
+            <a:extLst>
+              <a:ext uri="{FF2B5EF4-FFF2-40B4-BE49-F238E27FC236}">
+                <a16:creationId xmlns:a16="http://schemas.microsoft.com/office/drawing/2014/main" id="{AF4E183E-A171-4923-A99E-D149888CEC37}"/>
+              </a:ext>
+            </a:extLst>
+          </p:cNvPr>
+          <p:cNvSpPr txBox="1">
+            <a:spLocks/>
+          </p:cNvSpPr>
+          <p:nvPr/>
+        </p:nvSpPr>
+        <p:spPr bwMode="auto">
+          <a:xfrm>
+            <a:off x="0" y="-28575"/>
+            <a:ext cx="779463" cy="720725"/>
+          </a:xfrm>
+          <a:prstGeom prst="rect">
+            <a:avLst/>
+          </a:prstGeom>
+          <a:noFill/>
+          <a:ln>
+            <a:noFill/>
+          </a:ln>
+          <a:extLst>
+            <a:ext uri="{909E8E84-426E-40DD-AFC4-6F175D3DCCD1}">
+              <a14:hiddenFill xmlns:a14="http://schemas.microsoft.com/office/drawing/2010/main">
+                <a:solidFill>
+                  <a:srgbClr val="FFFFFF"/>
+                </a:solidFill>
+              </a14:hiddenFill>
+            </a:ext>
+            <a:ext uri="{91240B29-F687-4F45-9708-019B960494DF}">
+              <a14:hiddenLine xmlns:a14="http://schemas.microsoft.com/office/drawing/2010/main" w="9525">
+                <a:solidFill>
+                  <a:srgbClr val="000000"/>
+                </a:solidFill>
+                <a:miter lim="800000"/>
+                <a:headEnd/>
+                <a:tailEnd/>
+              </a14:hiddenLine>
+            </a:ext>
+          </a:extLst>
+        </p:spPr>
+        <p:txBody>
+          <a:bodyPr vert="horz" wrap="square" lIns="91440" tIns="45720" rIns="91440" bIns="45720" numCol="1" anchor="b" anchorCtr="0" compatLnSpc="1">
+            <a:prstTxWarp prst="textNoShape">
+              <a:avLst/>
+            </a:prstTxWarp>
+          </a:bodyPr>
+          <a:lstStyle>
+            <a:lvl1pPr algn="l" rtl="0" eaLnBrk="0" fontAlgn="base" hangingPunct="0">
+              <a:spcBef>
+                <a:spcPct val="0"/>
+              </a:spcBef>
+              <a:spcAft>
+                <a:spcPct val="0"/>
+              </a:spcAft>
+              <a:defRPr sz="2000" b="1" kern="1200">
+                <a:solidFill>
+                  <a:schemeClr val="tx1"/>
+                </a:solidFill>
+                <a:latin typeface="Arial" pitchFamily="34" charset="0"/>
+                <a:ea typeface="+mj-ea"/>
+                <a:cs typeface="Arial" pitchFamily="34" charset="0"/>
+              </a:defRPr>
+            </a:lvl1pPr>
+            <a:lvl2pPr algn="l" rtl="0" eaLnBrk="0" fontAlgn="base" hangingPunct="0">
+              <a:spcBef>
+                <a:spcPct val="0"/>
+              </a:spcBef>
+              <a:spcAft>
+                <a:spcPct val="0"/>
+              </a:spcAft>
+              <a:defRPr sz="4400">
+                <a:solidFill>
+                  <a:schemeClr val="tx1"/>
+                </a:solidFill>
+                <a:latin typeface="Arial" charset="0"/>
+                <a:cs typeface="Arial" charset="0"/>
+              </a:defRPr>
+            </a:lvl2pPr>
+            <a:lvl3pPr algn="l" rtl="0" eaLnBrk="0" fontAlgn="base" hangingPunct="0">
+              <a:spcBef>
+                <a:spcPct val="0"/>
+              </a:spcBef>
+              <a:spcAft>
+                <a:spcPct val="0"/>
+              </a:spcAft>
+              <a:defRPr sz="4400">
+                <a:solidFill>
+                  <a:schemeClr val="tx1"/>
+                </a:solidFill>
+                <a:latin typeface="Arial" charset="0"/>
+                <a:cs typeface="Arial" charset="0"/>
+              </a:defRPr>
+            </a:lvl3pPr>
+            <a:lvl4pPr algn="l" rtl="0" eaLnBrk="0" fontAlgn="base" hangingPunct="0">
+              <a:spcBef>
+                <a:spcPct val="0"/>
+              </a:spcBef>
+              <a:spcAft>
+                <a:spcPct val="0"/>
+              </a:spcAft>
+              <a:defRPr sz="4400">
+                <a:solidFill>
+                  <a:schemeClr val="tx1"/>
+                </a:solidFill>
+                <a:latin typeface="Arial" charset="0"/>
+                <a:cs typeface="Arial" charset="0"/>
+              </a:defRPr>
+            </a:lvl4pPr>
+            <a:lvl5pPr algn="l" rtl="0" eaLnBrk="0" fontAlgn="base" hangingPunct="0">
+              <a:spcBef>
+                <a:spcPct val="0"/>
+              </a:spcBef>
+              <a:spcAft>
+                <a:spcPct val="0"/>
+              </a:spcAft>
+              <a:defRPr sz="4400">
+                <a:solidFill>
+                  <a:schemeClr val="tx1"/>
+                </a:solidFill>
+                <a:latin typeface="Arial" charset="0"/>
+                <a:cs typeface="Arial" charset="0"/>
+              </a:defRPr>
+            </a:lvl5pPr>
+            <a:lvl6pPr marL="457200" algn="l" rtl="0" fontAlgn="base">
+              <a:spcBef>
+                <a:spcPct val="0"/>
+              </a:spcBef>
+              <a:spcAft>
+                <a:spcPct val="0"/>
+              </a:spcAft>
+              <a:defRPr sz="4400">
+                <a:solidFill>
+                  <a:schemeClr val="tx1"/>
+                </a:solidFill>
+                <a:latin typeface="Arial" charset="0"/>
+                <a:cs typeface="Arial" charset="0"/>
+              </a:defRPr>
+            </a:lvl6pPr>
+            <a:lvl7pPr marL="914400" algn="l" rtl="0" fontAlgn="base">
+              <a:spcBef>
+                <a:spcPct val="0"/>
+              </a:spcBef>
+              <a:spcAft>
+                <a:spcPct val="0"/>
+              </a:spcAft>
+              <a:defRPr sz="4400">
+                <a:solidFill>
+                  <a:schemeClr val="tx1"/>
+                </a:solidFill>
+                <a:latin typeface="Arial" charset="0"/>
+                <a:cs typeface="Arial" charset="0"/>
+              </a:defRPr>
+            </a:lvl7pPr>
+            <a:lvl8pPr marL="1371600" algn="l" rtl="0" fontAlgn="base">
+              <a:spcBef>
+                <a:spcPct val="0"/>
+              </a:spcBef>
+              <a:spcAft>
+                <a:spcPct val="0"/>
+              </a:spcAft>
+              <a:defRPr sz="4400">
+                <a:solidFill>
+                  <a:schemeClr val="tx1"/>
+                </a:solidFill>
+                <a:latin typeface="Arial" charset="0"/>
+                <a:cs typeface="Arial" charset="0"/>
+              </a:defRPr>
+            </a:lvl8pPr>
+            <a:lvl9pPr marL="1828800" algn="l" rtl="0" fontAlgn="base">
+              <a:spcBef>
+                <a:spcPct val="0"/>
+              </a:spcBef>
+              <a:spcAft>
+                <a:spcPct val="0"/>
+              </a:spcAft>
+              <a:defRPr sz="4400">
+                <a:solidFill>
+                  <a:schemeClr val="tx1"/>
+                </a:solidFill>
+                <a:latin typeface="Arial" charset="0"/>
+                <a:cs typeface="Arial" charset="0"/>
+              </a:defRPr>
+            </a:lvl9pPr>
+          </a:lstStyle>
+          <a:p>
+            <a:pPr algn="ctr" eaLnBrk="1" hangingPunct="1"/>
+            <a:r>
+              <a:rPr lang="es-CO" altLang="es-CO" sz="3600" b="0" dirty="0"/>
+              <a:t>21</a:t>
+            </a:r>
+          </a:p>
+        </p:txBody>
+      </p:sp>
+      <p:pic>
+        <p:nvPicPr>
+          <p:cNvPr id="14" name="Picture 4" descr="Programas - Intranet ETITC">
+            <a:extLst>
+              <a:ext uri="{FF2B5EF4-FFF2-40B4-BE49-F238E27FC236}">
+                <a16:creationId xmlns:a16="http://schemas.microsoft.com/office/drawing/2014/main" id="{EC83F540-C4A2-EE56-0418-B8CD7CA17275}"/>
+              </a:ext>
+            </a:extLst>
+          </p:cNvPr>
+          <p:cNvPicPr>
+            <a:picLocks noChangeAspect="1" noChangeArrowheads="1"/>
+          </p:cNvPicPr>
+          <p:nvPr/>
+        </p:nvPicPr>
+        <p:blipFill>
+          <a:blip r:embed="rId3">
+            <a:extLst>
+              <a:ext uri="{28A0092B-C50C-407E-A947-70E740481C1C}">
+                <a14:useLocalDpi xmlns:a14="http://schemas.microsoft.com/office/drawing/2010/main" val="0"/>
+              </a:ext>
+            </a:extLst>
+          </a:blip>
+          <a:srcRect/>
+          <a:stretch>
+            <a:fillRect/>
+          </a:stretch>
+        </p:blipFill>
+        <p:spPr bwMode="auto">
+          <a:xfrm>
+            <a:off x="795338" y="44758"/>
+            <a:ext cx="2483768" cy="794720"/>
+          </a:xfrm>
+          <a:prstGeom prst="rect">
+            <a:avLst/>
+          </a:prstGeom>
+          <a:noFill/>
+          <a:extLst>
+            <a:ext uri="{909E8E84-426E-40DD-AFC4-6F175D3DCCD1}">
+              <a14:hiddenFill xmlns:a14="http://schemas.microsoft.com/office/drawing/2010/main">
+                <a:solidFill>
+                  <a:srgbClr val="FFFFFF"/>
+                </a:solidFill>
+              </a14:hiddenFill>
+            </a:ext>
+          </a:extLst>
+        </p:spPr>
+      </p:pic>
+      <p:sp>
+        <p:nvSpPr>
+          <p:cNvPr id="5" name="2 Subtítulo">
+            <a:extLst>
+              <a:ext uri="{FF2B5EF4-FFF2-40B4-BE49-F238E27FC236}">
+                <a16:creationId xmlns:a16="http://schemas.microsoft.com/office/drawing/2014/main" id="{AD83FA30-4A3C-43B8-17CD-C08519129156}"/>
+              </a:ext>
+            </a:extLst>
+          </p:cNvPr>
+          <p:cNvSpPr txBox="1">
+            <a:spLocks/>
+          </p:cNvSpPr>
+          <p:nvPr/>
+        </p:nvSpPr>
+        <p:spPr bwMode="auto">
+          <a:xfrm>
+            <a:off x="2267744" y="259824"/>
+            <a:ext cx="6400800" cy="500063"/>
+          </a:xfrm>
+          <a:prstGeom prst="rect">
+            <a:avLst/>
+          </a:prstGeom>
+          <a:noFill/>
+          <a:ln>
+            <a:noFill/>
+          </a:ln>
+          <a:extLst>
+            <a:ext uri="{909E8E84-426E-40DD-AFC4-6F175D3DCCD1}">
+              <a14:hiddenFill xmlns:a14="http://schemas.microsoft.com/office/drawing/2010/main">
+                <a:solidFill>
+                  <a:srgbClr val="FFFFFF"/>
+                </a:solidFill>
+              </a14:hiddenFill>
+            </a:ext>
+            <a:ext uri="{91240B29-F687-4F45-9708-019B960494DF}">
+              <a14:hiddenLine xmlns:a14="http://schemas.microsoft.com/office/drawing/2010/main" w="9525">
+                <a:solidFill>
+                  <a:srgbClr val="000000"/>
+                </a:solidFill>
+                <a:miter lim="800000"/>
+                <a:headEnd/>
+                <a:tailEnd/>
+              </a14:hiddenLine>
+            </a:ext>
+          </a:extLst>
+        </p:spPr>
+        <p:txBody>
+          <a:bodyPr vert="horz" wrap="square" lIns="91440" tIns="45720" rIns="91440" bIns="45720" numCol="1" rtlCol="0" anchor="t" anchorCtr="0" compatLnSpc="1">
+            <a:prstTxWarp prst="textNoShape">
+              <a:avLst/>
+            </a:prstTxWarp>
+            <a:noAutofit/>
+          </a:bodyPr>
+          <a:lstStyle>
+            <a:lvl1pPr marL="342900" indent="-342900" algn="l" rtl="0" eaLnBrk="0" fontAlgn="base" hangingPunct="0">
+              <a:spcBef>
+                <a:spcPct val="20000"/>
+              </a:spcBef>
+              <a:spcAft>
+                <a:spcPct val="0"/>
+              </a:spcAft>
+              <a:buFont typeface="Arial" panose="020B0604020202020204" pitchFamily="34" charset="0"/>
+              <a:buChar char="•"/>
+              <a:defRPr sz="3200" kern="1200">
+                <a:solidFill>
+                  <a:schemeClr val="tx1"/>
+                </a:solidFill>
+                <a:latin typeface="Arial" pitchFamily="34" charset="0"/>
+                <a:ea typeface="+mn-ea"/>
+                <a:cs typeface="Arial" pitchFamily="34" charset="0"/>
+              </a:defRPr>
+            </a:lvl1pPr>
+            <a:lvl2pPr marL="742950" indent="-285750" algn="l" rtl="0" eaLnBrk="0" fontAlgn="base" hangingPunct="0">
+              <a:spcBef>
+                <a:spcPct val="20000"/>
+              </a:spcBef>
+              <a:spcAft>
+                <a:spcPct val="0"/>
+              </a:spcAft>
+              <a:buFont typeface="Arial" panose="020B0604020202020204" pitchFamily="34" charset="0"/>
+              <a:buChar char="–"/>
+              <a:defRPr sz="2800" kern="1200">
+                <a:solidFill>
+                  <a:schemeClr val="tx1"/>
+                </a:solidFill>
+                <a:latin typeface="Arial" pitchFamily="34" charset="0"/>
+                <a:ea typeface="+mn-ea"/>
+                <a:cs typeface="Arial" pitchFamily="34" charset="0"/>
+              </a:defRPr>
+            </a:lvl2pPr>
+            <a:lvl3pPr marL="1143000" indent="-228600" algn="l" rtl="0" eaLnBrk="0" fontAlgn="base" hangingPunct="0">
+              <a:spcBef>
+                <a:spcPct val="20000"/>
+              </a:spcBef>
+              <a:spcAft>
+                <a:spcPct val="0"/>
+              </a:spcAft>
+              <a:buFont typeface="Arial" panose="020B0604020202020204" pitchFamily="34" charset="0"/>
+              <a:buChar char="•"/>
+              <a:defRPr sz="2400" kern="1200">
+                <a:solidFill>
+                  <a:schemeClr val="tx1"/>
+                </a:solidFill>
+                <a:latin typeface="Arial" pitchFamily="34" charset="0"/>
+                <a:ea typeface="+mn-ea"/>
+                <a:cs typeface="Arial" pitchFamily="34" charset="0"/>
+              </a:defRPr>
+            </a:lvl3pPr>
+            <a:lvl4pPr marL="1600200" indent="-228600" algn="l" rtl="0" eaLnBrk="0" fontAlgn="base" hangingPunct="0">
+              <a:spcBef>
+                <a:spcPct val="20000"/>
+              </a:spcBef>
+              <a:spcAft>
+                <a:spcPct val="0"/>
+              </a:spcAft>
+              <a:buFont typeface="Arial" panose="020B0604020202020204" pitchFamily="34" charset="0"/>
+              <a:buChar char="–"/>
+              <a:defRPr sz="2000" kern="1200">
+                <a:solidFill>
+                  <a:schemeClr val="tx1"/>
+                </a:solidFill>
+                <a:latin typeface="Arial" pitchFamily="34" charset="0"/>
+                <a:ea typeface="+mn-ea"/>
+                <a:cs typeface="Arial" pitchFamily="34" charset="0"/>
+              </a:defRPr>
+            </a:lvl4pPr>
+            <a:lvl5pPr marL="2057400" indent="-228600" algn="l" rtl="0" eaLnBrk="0" fontAlgn="base" hangingPunct="0">
+              <a:spcBef>
+                <a:spcPct val="20000"/>
+              </a:spcBef>
+              <a:spcAft>
+                <a:spcPct val="0"/>
+              </a:spcAft>
+              <a:buFont typeface="Arial" panose="020B0604020202020204" pitchFamily="34" charset="0"/>
+              <a:buChar char="»"/>
+              <a:defRPr sz="2000" kern="1200">
+                <a:solidFill>
+                  <a:schemeClr val="tx1"/>
+                </a:solidFill>
+                <a:latin typeface="Arial" pitchFamily="34" charset="0"/>
+                <a:ea typeface="+mn-ea"/>
+                <a:cs typeface="Arial" pitchFamily="34" charset="0"/>
+              </a:defRPr>
+            </a:lvl5pPr>
+            <a:lvl6pPr marL="2514600" indent="-228600" algn="l" defTabSz="914400" rtl="0" eaLnBrk="1" latinLnBrk="0" hangingPunct="1">
+              <a:spcBef>
+                <a:spcPct val="20000"/>
+              </a:spcBef>
+              <a:buFont typeface="Arial" pitchFamily="34" charset="0"/>
+              <a:buChar char="•"/>
+              <a:defRPr sz="2000" kern="1200">
+                <a:solidFill>
+                  <a:schemeClr val="tx1"/>
+                </a:solidFill>
+                <a:latin typeface="+mn-lt"/>
+                <a:ea typeface="+mn-ea"/>
+                <a:cs typeface="+mn-cs"/>
+              </a:defRPr>
+            </a:lvl6pPr>
+            <a:lvl7pPr marL="2971800" indent="-228600" algn="l" defTabSz="914400" rtl="0" eaLnBrk="1" latinLnBrk="0" hangingPunct="1">
+              <a:spcBef>
+                <a:spcPct val="20000"/>
+              </a:spcBef>
+              <a:buFont typeface="Arial" pitchFamily="34" charset="0"/>
+              <a:buChar char="•"/>
+              <a:defRPr sz="2000" kern="1200">
+                <a:solidFill>
+                  <a:schemeClr val="tx1"/>
+                </a:solidFill>
+                <a:latin typeface="+mn-lt"/>
+                <a:ea typeface="+mn-ea"/>
+                <a:cs typeface="+mn-cs"/>
+              </a:defRPr>
+            </a:lvl7pPr>
+            <a:lvl8pPr marL="3429000" indent="-228600" algn="l" defTabSz="914400" rtl="0" eaLnBrk="1" latinLnBrk="0" hangingPunct="1">
+              <a:spcBef>
+                <a:spcPct val="20000"/>
+              </a:spcBef>
+              <a:buFont typeface="Arial" pitchFamily="34" charset="0"/>
+              <a:buChar char="•"/>
+              <a:defRPr sz="2000" kern="1200">
+                <a:solidFill>
+                  <a:schemeClr val="tx1"/>
+                </a:solidFill>
+                <a:latin typeface="+mn-lt"/>
+                <a:ea typeface="+mn-ea"/>
+                <a:cs typeface="+mn-cs"/>
+              </a:defRPr>
+            </a:lvl8pPr>
+            <a:lvl9pPr marL="3886200" indent="-228600" algn="l" defTabSz="914400" rtl="0" eaLnBrk="1" latinLnBrk="0" hangingPunct="1">
+              <a:spcBef>
+                <a:spcPct val="20000"/>
+              </a:spcBef>
+              <a:buFont typeface="Arial" pitchFamily="34" charset="0"/>
+              <a:buChar char="•"/>
+              <a:defRPr sz="2000" kern="1200">
+                <a:solidFill>
+                  <a:schemeClr val="tx1"/>
+                </a:solidFill>
+                <a:latin typeface="+mn-lt"/>
+                <a:ea typeface="+mn-ea"/>
+                <a:cs typeface="+mn-cs"/>
+              </a:defRPr>
+            </a:lvl9pPr>
+          </a:lstStyle>
+          <a:p>
+            <a:pPr marL="0" indent="0" algn="r" eaLnBrk="1" fontAlgn="auto" hangingPunct="1">
+              <a:spcAft>
+                <a:spcPts val="0"/>
+              </a:spcAft>
+              <a:buNone/>
+              <a:defRPr/>
+            </a:pPr>
+            <a:r>
+              <a:rPr lang="es-CO" sz="2000" b="1">
+                <a:solidFill>
+                  <a:schemeClr val="tx1">
+                    <a:lumMod val="75000"/>
+                    <a:lumOff val="25000"/>
+                  </a:schemeClr>
+                </a:solidFill>
+              </a:rPr>
+              <a:t>SEÑALES DISCRETAS</a:t>
+            </a:r>
+          </a:p>
+        </p:txBody>
+      </p:sp>
       <p:sp>
         <p:nvSpPr>
           <p:cNvPr id="4" name="CuadroTexto 3">
@@ -21579,7 +21606,7 @@
         <p:spPr>
           <a:xfrm>
             <a:off x="795338" y="2852936"/>
-            <a:ext cx="7737102" cy="2308324"/>
+            <a:ext cx="7737102" cy="1477328"/>
           </a:xfrm>
           <a:prstGeom prst="rect">
             <a:avLst/>
@@ -21593,63 +21620,44 @@
           <a:lstStyle/>
           <a:p>
             <a:r>
-              <a:rPr lang="es-ES" dirty="0"/>
-              <a:t>Usando Arduino o el microcontrolador de su preferencia y </a:t>
-            </a:r>
-            <a:r>
-              <a:rPr lang="es-ES" dirty="0" err="1"/>
-              <a:t>matlab</a:t>
-            </a:r>
-            <a:endParaRPr lang="es-ES" dirty="0"/>
-          </a:p>
-          <a:p>
-            <a:endParaRPr lang="es-ES" dirty="0"/>
-          </a:p>
-          <a:p>
-            <a:pPr marL="342900" indent="-342900">
-              <a:buAutoNum type="arabicPeriod"/>
-            </a:pPr>
-            <a:r>
-              <a:rPr lang="es-ES" dirty="0"/>
-              <a:t>Discretice una canción de su gusto a 7 bits PC 1 128</a:t>
-            </a:r>
-          </a:p>
-          <a:p>
-            <a:pPr marL="342900" indent="-342900">
-              <a:buAutoNum type="arabicPeriod"/>
-            </a:pPr>
-            <a:r>
-              <a:rPr lang="es-ES" dirty="0"/>
-              <a:t>Transmita la canción de un microcontrolador a otro</a:t>
-            </a:r>
-          </a:p>
-          <a:p>
-            <a:pPr marL="342900" indent="-342900">
-              <a:buAutoNum type="arabicPeriod"/>
-            </a:pPr>
-            <a:r>
-              <a:rPr lang="es-ES" dirty="0"/>
-              <a:t>Reproduzca la canción en un PC 2</a:t>
-            </a:r>
-          </a:p>
-          <a:p>
-            <a:endParaRPr lang="es-ES" dirty="0"/>
-          </a:p>
-          <a:p>
-            <a:r>
-              <a:rPr lang="es-ES" b="1" u="sng" dirty="0"/>
-              <a:t>Compare las dos canciones y concluya.</a:t>
-            </a:r>
-          </a:p>
-          <a:p>
-            <a:endParaRPr lang="es-ES" dirty="0"/>
+              <a:rPr lang="es-ES"/>
+              <a:t>Comunicaciones digitales</a:t>
+            </a:r>
+          </a:p>
+          <a:p>
+            <a:r>
+              <a:rPr lang="es-ES"/>
+              <a:t>Procesamiento audio y video</a:t>
+            </a:r>
+          </a:p>
+          <a:p>
+            <a:r>
+              <a:rPr lang="es-ES"/>
+              <a:t>Procesamiento de imágenes digitales</a:t>
+            </a:r>
+          </a:p>
+          <a:p>
+            <a:r>
+              <a:rPr lang="es-ES">
+                <a:highlight>
+                  <a:srgbClr val="FFFF00"/>
+                </a:highlight>
+              </a:rPr>
+              <a:t>Control y automatización</a:t>
+            </a:r>
+          </a:p>
+          <a:p>
+            <a:r>
+              <a:rPr lang="es-ES"/>
+              <a:t>Procesamiento señales biomédicas</a:t>
+            </a:r>
           </a:p>
         </p:txBody>
       </p:sp>
     </p:spTree>
     <p:extLst>
       <p:ext uri="{BB962C8B-B14F-4D97-AF65-F5344CB8AC3E}">
-        <p14:creationId xmlns:p14="http://schemas.microsoft.com/office/powerpoint/2010/main" val="2009991203"/>
+        <p14:creationId xmlns:p14="http://schemas.microsoft.com/office/powerpoint/2010/main" val="1989227391"/>
       </p:ext>
     </p:extLst>
   </p:cSld>
@@ -22848,15 +22856,15 @@
       </p:sp>
       <p:pic>
         <p:nvPicPr>
-          <p:cNvPr id="1030" name="Picture 6" descr="Memes ¿Qué son y cuál es su origen? : Viva Nicaragua Canal 13">
+          <p:cNvPr id="8" name="Imagen 7" descr="Gráfico, Gráfico de líneas&#10;&#10;Descripción generada automáticamente">
             <a:extLst>
               <a:ext uri="{FF2B5EF4-FFF2-40B4-BE49-F238E27FC236}">
-                <a16:creationId xmlns:a16="http://schemas.microsoft.com/office/drawing/2014/main" id="{1C18D43F-2855-65EA-5BFF-1D93A1FA13DC}"/>
+                <a16:creationId xmlns:a16="http://schemas.microsoft.com/office/drawing/2014/main" id="{A84E3D7F-CFFF-33F8-DEA8-859349436BCB}"/>
               </a:ext>
             </a:extLst>
           </p:cNvPr>
           <p:cNvPicPr>
-            <a:picLocks noChangeAspect="1" noChangeArrowheads="1"/>
+            <a:picLocks noChangeAspect="1"/>
           </p:cNvPicPr>
           <p:nvPr/>
         </p:nvPicPr>
@@ -22868,37 +22876,26 @@
               </a:ext>
             </a:extLst>
           </a:blip>
-          <a:srcRect/>
           <a:stretch>
             <a:fillRect/>
           </a:stretch>
         </p:blipFill>
-        <p:spPr bwMode="auto">
+        <p:spPr>
           <a:xfrm>
-            <a:off x="6594019" y="871581"/>
-            <a:ext cx="1835696" cy="1032579"/>
+            <a:off x="389731" y="1887787"/>
+            <a:ext cx="4320000" cy="3240000"/>
           </a:xfrm>
           <a:prstGeom prst="rect">
             <a:avLst/>
           </a:prstGeom>
-          <a:noFill/>
-          <a:extLst>
-            <a:ext uri="{909E8E84-426E-40DD-AFC4-6F175D3DCCD1}">
-              <a14:hiddenFill xmlns:a14="http://schemas.microsoft.com/office/drawing/2010/main">
-                <a:solidFill>
-                  <a:srgbClr val="FFFFFF"/>
-                </a:solidFill>
-              </a14:hiddenFill>
-            </a:ext>
-          </a:extLst>
         </p:spPr>
       </p:pic>
       <p:pic>
         <p:nvPicPr>
-          <p:cNvPr id="4" name="Imagen 3">
+          <p:cNvPr id="11" name="Imagen 10" descr="Gráfico&#10;&#10;Descripción generada automáticamente">
             <a:extLst>
               <a:ext uri="{FF2B5EF4-FFF2-40B4-BE49-F238E27FC236}">
-                <a16:creationId xmlns:a16="http://schemas.microsoft.com/office/drawing/2014/main" id="{9418D3E6-A201-784F-C03B-4E5340AF2190}"/>
+                <a16:creationId xmlns:a16="http://schemas.microsoft.com/office/drawing/2014/main" id="{26CB703F-CB07-C767-581E-75ECB8C99035}"/>
               </a:ext>
             </a:extLst>
           </p:cNvPr>
@@ -22908,51 +22905,76 @@
           <p:nvPr/>
         </p:nvPicPr>
         <p:blipFill>
-          <a:blip r:embed="rId5"/>
+          <a:blip r:embed="rId5">
+            <a:extLst>
+              <a:ext uri="{28A0092B-C50C-407E-A947-70E740481C1C}">
+                <a14:useLocalDpi xmlns:a14="http://schemas.microsoft.com/office/drawing/2010/main" val="0"/>
+              </a:ext>
+            </a:extLst>
+          </a:blip>
           <a:stretch>
             <a:fillRect/>
           </a:stretch>
         </p:blipFill>
         <p:spPr>
           <a:xfrm>
-            <a:off x="4764518" y="2409425"/>
-            <a:ext cx="3904026" cy="3046359"/>
+            <a:off x="4572000" y="1887787"/>
+            <a:ext cx="4320000" cy="3240000"/>
           </a:xfrm>
           <a:prstGeom prst="rect">
             <a:avLst/>
           </a:prstGeom>
         </p:spPr>
       </p:pic>
-      <p:pic>
-        <p:nvPicPr>
-          <p:cNvPr id="7" name="Imagen 6">
+      <p:sp>
+        <p:nvSpPr>
+          <p:cNvPr id="12" name="CuadroTexto 11">
             <a:extLst>
               <a:ext uri="{FF2B5EF4-FFF2-40B4-BE49-F238E27FC236}">
-                <a16:creationId xmlns:a16="http://schemas.microsoft.com/office/drawing/2014/main" id="{0D8EDE3D-0AEB-C6FD-71ED-BE233F884870}"/>
+                <a16:creationId xmlns:a16="http://schemas.microsoft.com/office/drawing/2014/main" id="{DC06EE51-B57F-1B79-D1E1-BB4C225991CA}"/>
               </a:ext>
             </a:extLst>
           </p:cNvPr>
-          <p:cNvPicPr>
-            <a:picLocks noChangeAspect="1"/>
-          </p:cNvPicPr>
+          <p:cNvSpPr txBox="1"/>
           <p:nvPr/>
-        </p:nvPicPr>
-        <p:blipFill>
-          <a:blip r:embed="rId6"/>
-          <a:stretch>
-            <a:fillRect/>
-          </a:stretch>
-        </p:blipFill>
+        </p:nvSpPr>
         <p:spPr>
           <a:xfrm>
-            <a:off x="685124" y="2414016"/>
-            <a:ext cx="3762916" cy="3041768"/>
+            <a:off x="2409246" y="5414838"/>
+            <a:ext cx="5064980" cy="646331"/>
           </a:xfrm>
           <a:prstGeom prst="rect">
             <a:avLst/>
           </a:prstGeom>
+          <a:noFill/>
         </p:spPr>
-      </p:pic>
+        <p:txBody>
+          <a:bodyPr wrap="square" rtlCol="0">
+            <a:spAutoFit/>
+          </a:bodyPr>
+          <a:lstStyle/>
+          <a:p>
+            <a:r>
+              <a:rPr lang="es-CO" dirty="0"/>
+              <a:t>Código disponible “</a:t>
+            </a:r>
+            <a:r>
+              <a:rPr lang="es-CO" dirty="0" err="1"/>
+              <a:t>Senales_discretas.m</a:t>
+            </a:r>
+            <a:r>
+              <a:rPr lang="es-CO" dirty="0"/>
+              <a:t>”</a:t>
+            </a:r>
+          </a:p>
+          <a:p>
+            <a:r>
+              <a:rPr lang="es-CO" dirty="0"/>
+              <a:t>Fig0 y fig1</a:t>
+            </a:r>
+          </a:p>
+        </p:txBody>
+      </p:sp>
     </p:spTree>
     <p:extLst>
       <p:ext uri="{BB962C8B-B14F-4D97-AF65-F5344CB8AC3E}">
@@ -24197,7 +24219,13 @@
   <p:cSld>
     <p:spTree>
       <p:nvGrpSpPr>
-        <p:cNvPr id="1" name=""/>
+        <p:cNvPr id="1" name="">
+          <a:extLst>
+            <a:ext uri="{FF2B5EF4-FFF2-40B4-BE49-F238E27FC236}">
+              <a16:creationId xmlns:a16="http://schemas.microsoft.com/office/drawing/2014/main" id="{9321B1C3-C372-49DF-69F9-B9E26D63E393}"/>
+            </a:ext>
+          </a:extLst>
+        </p:cNvPr>
         <p:cNvGrpSpPr/>
         <p:nvPr/>
       </p:nvGrpSpPr>
@@ -24214,7 +24242,7 @@
           <p:cNvPr id="2" name="Título 1">
             <a:extLst>
               <a:ext uri="{FF2B5EF4-FFF2-40B4-BE49-F238E27FC236}">
-                <a16:creationId xmlns:a16="http://schemas.microsoft.com/office/drawing/2014/main" id="{FB1B6180-BCA0-4F51-9F68-9E5BAB8A4FDC}"/>
+                <a16:creationId xmlns:a16="http://schemas.microsoft.com/office/drawing/2014/main" id="{1C67F525-9A5D-1C2A-E304-1FD32A6A422E}"/>
               </a:ext>
             </a:extLst>
           </p:cNvPr>
@@ -24237,8 +24265,8 @@
           <a:p>
             <a:pPr algn="ctr"/>
             <a:r>
-              <a:rPr lang="es-CO" b="1"/>
-              <a:t>¿Qué diferencia encuentra en las siguientes gráficas?</a:t>
+              <a:rPr lang="es-CO" b="1" dirty="0"/>
+              <a:t>Laboratorio</a:t>
             </a:r>
           </a:p>
         </p:txBody>
@@ -24248,7 +24276,7 @@
           <p:cNvPr id="10" name="1 Título">
             <a:extLst>
               <a:ext uri="{FF2B5EF4-FFF2-40B4-BE49-F238E27FC236}">
-                <a16:creationId xmlns:a16="http://schemas.microsoft.com/office/drawing/2014/main" id="{AF4E183E-A171-4923-A99E-D149888CEC37}"/>
+                <a16:creationId xmlns:a16="http://schemas.microsoft.com/office/drawing/2014/main" id="{A58BF7A6-05C7-54C8-3742-DF1A4E895F4B}"/>
               </a:ext>
             </a:extLst>
           </p:cNvPr>
@@ -24436,7 +24464,7 @@
           <a:p>
             <a:pPr algn="ctr" eaLnBrk="1" hangingPunct="1"/>
             <a:r>
-              <a:rPr lang="es-CO" altLang="es-CO" sz="3600" b="0"/>
+              <a:rPr lang="es-CO" altLang="es-CO" sz="3600" b="0" dirty="0"/>
               <a:t>7</a:t>
             </a:r>
           </a:p>
@@ -24447,7 +24475,7 @@
           <p:cNvPr id="14" name="Picture 4" descr="Programas - Intranet ETITC">
             <a:extLst>
               <a:ext uri="{FF2B5EF4-FFF2-40B4-BE49-F238E27FC236}">
-                <a16:creationId xmlns:a16="http://schemas.microsoft.com/office/drawing/2014/main" id="{EC83F540-C4A2-EE56-0418-B8CD7CA17275}"/>
+                <a16:creationId xmlns:a16="http://schemas.microsoft.com/office/drawing/2014/main" id="{1D0B84FE-EF44-53B5-275D-B01764B4C54C}"/>
               </a:ext>
             </a:extLst>
           </p:cNvPr>
@@ -24494,7 +24522,7 @@
           <p:cNvPr id="5" name="2 Subtítulo">
             <a:extLst>
               <a:ext uri="{FF2B5EF4-FFF2-40B4-BE49-F238E27FC236}">
-                <a16:creationId xmlns:a16="http://schemas.microsoft.com/office/drawing/2014/main" id="{AD83FA30-4A3C-43B8-17CD-C08519129156}"/>
+                <a16:creationId xmlns:a16="http://schemas.microsoft.com/office/drawing/2014/main" id="{00BDC121-3BD4-A2B4-7A8C-9FB4D7996241}"/>
               </a:ext>
             </a:extLst>
           </p:cNvPr>
@@ -24716,117 +24744,308 @@
           </a:p>
         </p:txBody>
       </p:sp>
-      <p:pic>
-        <p:nvPicPr>
-          <p:cNvPr id="1030" name="Picture 6" descr="Memes ¿Qué son y cuál es su origen? : Viva Nicaragua Canal 13">
+      <p:sp>
+        <p:nvSpPr>
+          <p:cNvPr id="3" name="CuadroTexto 2">
             <a:extLst>
               <a:ext uri="{FF2B5EF4-FFF2-40B4-BE49-F238E27FC236}">
-                <a16:creationId xmlns:a16="http://schemas.microsoft.com/office/drawing/2014/main" id="{1C18D43F-2855-65EA-5BFF-1D93A1FA13DC}"/>
+                <a16:creationId xmlns:a16="http://schemas.microsoft.com/office/drawing/2014/main" id="{50CE4E0F-FF63-685B-C1B0-B35C200C74F1}"/>
               </a:ext>
             </a:extLst>
           </p:cNvPr>
-          <p:cNvPicPr>
-            <a:picLocks noChangeAspect="1" noChangeArrowheads="1"/>
-          </p:cNvPicPr>
+          <p:cNvSpPr txBox="1"/>
           <p:nvPr/>
-        </p:nvPicPr>
-        <p:blipFill>
-          <a:blip r:embed="rId4">
-            <a:extLst>
-              <a:ext uri="{28A0092B-C50C-407E-A947-70E740481C1C}">
-                <a14:useLocalDpi xmlns:a14="http://schemas.microsoft.com/office/drawing/2010/main" val="0"/>
-              </a:ext>
-            </a:extLst>
-          </a:blip>
-          <a:srcRect/>
-          <a:stretch>
-            <a:fillRect/>
-          </a:stretch>
-        </p:blipFill>
-        <p:spPr bwMode="auto">
+        </p:nvSpPr>
+        <p:spPr>
           <a:xfrm>
-            <a:off x="6594019" y="871581"/>
-            <a:ext cx="1835696" cy="1032579"/>
+            <a:off x="971600" y="2564904"/>
+            <a:ext cx="7560840" cy="2862322"/>
           </a:xfrm>
           <a:prstGeom prst="rect">
             <a:avLst/>
           </a:prstGeom>
           <a:noFill/>
-          <a:extLst>
-            <a:ext uri="{909E8E84-426E-40DD-AFC4-6F175D3DCCD1}">
-              <a14:hiddenFill xmlns:a14="http://schemas.microsoft.com/office/drawing/2010/main">
-                <a:solidFill>
-                  <a:srgbClr val="FFFFFF"/>
-                </a:solidFill>
-              </a14:hiddenFill>
-            </a:ext>
-          </a:extLst>
         </p:spPr>
-      </p:pic>
-      <p:pic>
-        <p:nvPicPr>
-          <p:cNvPr id="3" name="Imagen 2">
-            <a:extLst>
-              <a:ext uri="{FF2B5EF4-FFF2-40B4-BE49-F238E27FC236}">
-                <a16:creationId xmlns:a16="http://schemas.microsoft.com/office/drawing/2014/main" id="{0E423D7D-ED47-174C-29C9-00D4328D40B3}"/>
-              </a:ext>
-            </a:extLst>
-          </p:cNvPr>
-          <p:cNvPicPr>
-            <a:picLocks noChangeAspect="1"/>
-          </p:cNvPicPr>
-          <p:nvPr/>
-        </p:nvPicPr>
-        <p:blipFill>
-          <a:blip r:embed="rId5"/>
-          <a:stretch>
-            <a:fillRect/>
-          </a:stretch>
-        </p:blipFill>
-        <p:spPr>
-          <a:xfrm>
-            <a:off x="937288" y="2462776"/>
-            <a:ext cx="3904026" cy="3046359"/>
-          </a:xfrm>
-          <a:prstGeom prst="rect">
-            <a:avLst/>
-          </a:prstGeom>
-        </p:spPr>
-      </p:pic>
-      <p:pic>
-        <p:nvPicPr>
-          <p:cNvPr id="7" name="Imagen 6">
-            <a:extLst>
-              <a:ext uri="{FF2B5EF4-FFF2-40B4-BE49-F238E27FC236}">
-                <a16:creationId xmlns:a16="http://schemas.microsoft.com/office/drawing/2014/main" id="{7B888150-3D13-F724-3936-F6D7FB619E22}"/>
-              </a:ext>
-            </a:extLst>
-          </p:cNvPr>
-          <p:cNvPicPr>
-            <a:picLocks noChangeAspect="1"/>
-          </p:cNvPicPr>
-          <p:nvPr/>
-        </p:nvPicPr>
-        <p:blipFill>
-          <a:blip r:embed="rId6"/>
-          <a:stretch>
-            <a:fillRect/>
-          </a:stretch>
-        </p:blipFill>
-        <p:spPr>
-          <a:xfrm>
-            <a:off x="4828287" y="2462776"/>
-            <a:ext cx="3840258" cy="3046359"/>
-          </a:xfrm>
-          <a:prstGeom prst="rect">
-            <a:avLst/>
-          </a:prstGeom>
-        </p:spPr>
-      </p:pic>
+        <p:txBody>
+          <a:bodyPr wrap="square" rtlCol="0">
+            <a:spAutoFit/>
+          </a:bodyPr>
+          <a:lstStyle/>
+          <a:p>
+            <a:pPr algn="l"/>
+            <a:r>
+              <a:rPr lang="en-US" dirty="0" err="1"/>
+              <a:t>Usando</a:t>
+            </a:r>
+            <a:r>
+              <a:rPr lang="en-US" dirty="0"/>
+              <a:t> </a:t>
+            </a:r>
+            <a:r>
+              <a:rPr lang="en-US" dirty="0" err="1"/>
+              <a:t>el</a:t>
+            </a:r>
+            <a:r>
+              <a:rPr lang="en-US" dirty="0"/>
+              <a:t> script “</a:t>
+            </a:r>
+            <a:r>
+              <a:rPr lang="en-US" dirty="0" err="1"/>
+              <a:t>Señales_discretas.mlx</a:t>
+            </a:r>
+            <a:r>
+              <a:rPr lang="en-US" dirty="0"/>
+              <a:t>” para las </a:t>
+            </a:r>
+            <a:r>
+              <a:rPr lang="en-US" dirty="0" err="1"/>
+              <a:t>figuras</a:t>
+            </a:r>
+            <a:r>
+              <a:rPr lang="en-US" dirty="0"/>
+              <a:t> 1 y 2 </a:t>
+            </a:r>
+            <a:r>
+              <a:rPr lang="en-US" dirty="0" err="1"/>
+              <a:t>describa</a:t>
+            </a:r>
+            <a:r>
+              <a:rPr lang="en-US" dirty="0"/>
+              <a:t> que </a:t>
+            </a:r>
+            <a:r>
+              <a:rPr lang="en-US" dirty="0" err="1"/>
+              <a:t>pasa</a:t>
+            </a:r>
+            <a:r>
+              <a:rPr lang="en-US" dirty="0"/>
+              <a:t>:</a:t>
+            </a:r>
+          </a:p>
+          <a:p>
+            <a:pPr algn="l"/>
+            <a:r>
+              <a:rPr lang="en-US" dirty="0"/>
+              <a:t>-Si las variables </a:t>
+            </a:r>
+            <a:r>
+              <a:rPr lang="en-US" dirty="0" err="1"/>
+              <a:t>amplitud</a:t>
+            </a:r>
+            <a:r>
+              <a:rPr lang="en-US" dirty="0"/>
+              <a:t> “A” y puntos </a:t>
+            </a:r>
+            <a:r>
+              <a:rPr lang="en-US" dirty="0" err="1"/>
+              <a:t>discretos</a:t>
+            </a:r>
+            <a:r>
+              <a:rPr lang="en-US" dirty="0"/>
+              <a:t> “</a:t>
+            </a:r>
+            <a:r>
+              <a:rPr lang="en-US" dirty="0" err="1"/>
+              <a:t>cantidad_muestras</a:t>
+            </a:r>
+            <a:r>
+              <a:rPr lang="en-US" dirty="0"/>
+              <a:t>” son </a:t>
+            </a:r>
+            <a:r>
+              <a:rPr lang="en-US" dirty="0" err="1"/>
+              <a:t>igual</a:t>
+            </a:r>
+            <a:r>
+              <a:rPr lang="en-US" dirty="0"/>
+              <a:t> a 1.</a:t>
+            </a:r>
+          </a:p>
+          <a:p>
+            <a:r>
+              <a:rPr lang="en-US" dirty="0"/>
+              <a:t>-Si las variables </a:t>
+            </a:r>
+            <a:r>
+              <a:rPr lang="en-US" dirty="0" err="1"/>
+              <a:t>amplitud</a:t>
+            </a:r>
+            <a:r>
+              <a:rPr lang="en-US" dirty="0"/>
+              <a:t> “A” y puntos </a:t>
+            </a:r>
+            <a:r>
+              <a:rPr lang="en-US" dirty="0" err="1"/>
+              <a:t>discretos</a:t>
+            </a:r>
+            <a:r>
+              <a:rPr lang="en-US" dirty="0"/>
+              <a:t> “</a:t>
+            </a:r>
+            <a:r>
+              <a:rPr lang="en-US" dirty="0" err="1"/>
+              <a:t>cantidad_muestras</a:t>
+            </a:r>
+            <a:r>
+              <a:rPr lang="en-US" dirty="0"/>
+              <a:t>” son </a:t>
+            </a:r>
+            <a:r>
+              <a:rPr lang="en-US" dirty="0" err="1"/>
+              <a:t>igual</a:t>
+            </a:r>
+            <a:r>
+              <a:rPr lang="en-US" dirty="0"/>
+              <a:t> al </a:t>
+            </a:r>
+            <a:r>
+              <a:rPr lang="en-US" dirty="0" err="1"/>
+              <a:t>maximo</a:t>
+            </a:r>
+            <a:r>
+              <a:rPr lang="en-US" dirty="0"/>
+              <a:t>.</a:t>
+            </a:r>
+          </a:p>
+          <a:p>
+            <a:r>
+              <a:rPr lang="en-US" dirty="0"/>
+              <a:t>A </a:t>
+            </a:r>
+            <a:r>
+              <a:rPr lang="en-US" dirty="0" err="1"/>
+              <a:t>ojo</a:t>
+            </a:r>
+            <a:r>
+              <a:rPr lang="en-US" dirty="0"/>
+              <a:t>/mano, </a:t>
+            </a:r>
+            <a:r>
+              <a:rPr lang="en-US" dirty="0" err="1"/>
+              <a:t>identifique</a:t>
+            </a:r>
+            <a:r>
+              <a:rPr lang="en-US" dirty="0"/>
+              <a:t> la minima </a:t>
+            </a:r>
+            <a:r>
+              <a:rPr lang="en-US" dirty="0" err="1"/>
+              <a:t>cantidad</a:t>
+            </a:r>
+            <a:r>
+              <a:rPr lang="en-US" dirty="0"/>
+              <a:t> de puntos </a:t>
+            </a:r>
+            <a:r>
+              <a:rPr lang="en-US" dirty="0" err="1"/>
+              <a:t>discretos</a:t>
+            </a:r>
+            <a:r>
+              <a:rPr lang="en-US" dirty="0"/>
+              <a:t> (variable “</a:t>
+            </a:r>
+            <a:r>
+              <a:rPr lang="en-US" dirty="0" err="1"/>
+              <a:t>cantidad</a:t>
+            </a:r>
+            <a:r>
+              <a:rPr lang="en-US" dirty="0"/>
+              <a:t> de </a:t>
+            </a:r>
+            <a:r>
+              <a:rPr lang="en-US" dirty="0" err="1"/>
+              <a:t>muestras</a:t>
+            </a:r>
+            <a:r>
+              <a:rPr lang="en-US" dirty="0"/>
+              <a:t>”) que le </a:t>
+            </a:r>
+            <a:r>
+              <a:rPr lang="en-US" dirty="0" err="1"/>
+              <a:t>permita</a:t>
+            </a:r>
+            <a:r>
+              <a:rPr lang="en-US" dirty="0"/>
+              <a:t> </a:t>
+            </a:r>
+            <a:r>
+              <a:rPr lang="en-US" dirty="0" err="1"/>
+              <a:t>visualizar</a:t>
+            </a:r>
+            <a:r>
+              <a:rPr lang="en-US" dirty="0"/>
+              <a:t> e </a:t>
+            </a:r>
+            <a:r>
+              <a:rPr lang="en-US" dirty="0" err="1"/>
+              <a:t>identificar</a:t>
+            </a:r>
+            <a:r>
+              <a:rPr lang="en-US" dirty="0"/>
+              <a:t> la </a:t>
+            </a:r>
+            <a:r>
+              <a:rPr lang="en-US" dirty="0" err="1"/>
+              <a:t>señal</a:t>
+            </a:r>
+            <a:r>
+              <a:rPr lang="en-US" dirty="0"/>
+              <a:t> </a:t>
+            </a:r>
+            <a:r>
+              <a:rPr lang="en-US" dirty="0" err="1"/>
+              <a:t>seno</a:t>
+            </a:r>
+            <a:r>
+              <a:rPr lang="en-US" dirty="0"/>
+              <a:t>.</a:t>
+            </a:r>
+          </a:p>
+          <a:p>
+            <a:pPr algn="l"/>
+            <a:endParaRPr lang="en-US" dirty="0"/>
+          </a:p>
+          <a:p>
+            <a:pPr algn="l"/>
+            <a:r>
+              <a:rPr lang="en-US" dirty="0" err="1"/>
+              <a:t>Discuta</a:t>
+            </a:r>
+            <a:r>
+              <a:rPr lang="en-US" dirty="0"/>
+              <a:t> </a:t>
+            </a:r>
+            <a:r>
+              <a:rPr lang="en-US" dirty="0" err="1"/>
+              <a:t>los</a:t>
+            </a:r>
+            <a:r>
+              <a:rPr lang="en-US" dirty="0"/>
+              <a:t> </a:t>
+            </a:r>
+            <a:r>
+              <a:rPr lang="en-US" dirty="0" err="1"/>
+              <a:t>resultados</a:t>
+            </a:r>
+            <a:r>
+              <a:rPr lang="en-US" dirty="0"/>
+              <a:t> y </a:t>
+            </a:r>
+            <a:r>
+              <a:rPr lang="en-US" dirty="0" err="1"/>
+              <a:t>concluya</a:t>
+            </a:r>
+            <a:r>
+              <a:rPr lang="en-US" dirty="0"/>
+              <a:t>.</a:t>
+            </a:r>
+          </a:p>
+        </p:txBody>
+      </p:sp>
     </p:spTree>
     <p:extLst>
       <p:ext uri="{BB962C8B-B14F-4D97-AF65-F5344CB8AC3E}">
-        <p14:creationId xmlns:p14="http://schemas.microsoft.com/office/powerpoint/2010/main" val="2587530529"/>
+        <p14:creationId xmlns:p14="http://schemas.microsoft.com/office/powerpoint/2010/main" val="4064584512"/>
       </p:ext>
     </p:extLst>
   </p:cSld>
@@ -24871,20 +25090,18 @@
         </p:nvSpPr>
         <p:spPr>
           <a:xfrm>
-            <a:off x="2267744" y="2847975"/>
+            <a:off x="2251870" y="672742"/>
             <a:ext cx="4392340" cy="1162050"/>
           </a:xfrm>
         </p:spPr>
         <p:txBody>
-          <a:bodyPr>
-            <a:normAutofit/>
-          </a:bodyPr>
+          <a:bodyPr/>
           <a:lstStyle/>
           <a:p>
             <a:pPr algn="ctr"/>
             <a:r>
-              <a:rPr lang="es-CO" sz="2800" b="1" dirty="0"/>
-              <a:t>¿Qué es una señal en espacio discreto?</a:t>
+              <a:rPr lang="es-CO" b="1"/>
+              <a:t>¿Qué diferencia encuentra en las siguientes gráficas?</a:t>
             </a:r>
           </a:p>
         </p:txBody>
@@ -25082,7 +25299,7 @@
           <a:p>
             <a:pPr algn="ctr" eaLnBrk="1" hangingPunct="1"/>
             <a:r>
-              <a:rPr lang="es-CO" altLang="es-CO" sz="3600" b="0"/>
+              <a:rPr lang="es-CO" altLang="es-CO" sz="3600" b="0" dirty="0"/>
               <a:t>8</a:t>
             </a:r>
           </a:p>
@@ -25362,10 +25579,131 @@
           </a:p>
         </p:txBody>
       </p:sp>
+      <p:pic>
+        <p:nvPicPr>
+          <p:cNvPr id="6" name="Imagen 5" descr="Gráfico&#10;&#10;Descripción generada automáticamente">
+            <a:extLst>
+              <a:ext uri="{FF2B5EF4-FFF2-40B4-BE49-F238E27FC236}">
+                <a16:creationId xmlns:a16="http://schemas.microsoft.com/office/drawing/2014/main" id="{3A79F405-2DA1-B192-BEF1-FE126996BCC8}"/>
+              </a:ext>
+            </a:extLst>
+          </p:cNvPr>
+          <p:cNvPicPr>
+            <a:picLocks noChangeAspect="1"/>
+          </p:cNvPicPr>
+          <p:nvPr/>
+        </p:nvPicPr>
+        <p:blipFill>
+          <a:blip r:embed="rId4">
+            <a:extLst>
+              <a:ext uri="{28A0092B-C50C-407E-A947-70E740481C1C}">
+                <a14:useLocalDpi xmlns:a14="http://schemas.microsoft.com/office/drawing/2010/main" val="0"/>
+              </a:ext>
+            </a:extLst>
+          </a:blip>
+          <a:stretch>
+            <a:fillRect/>
+          </a:stretch>
+        </p:blipFill>
+        <p:spPr>
+          <a:xfrm>
+            <a:off x="389731" y="1783209"/>
+            <a:ext cx="4320000" cy="3240000"/>
+          </a:xfrm>
+          <a:prstGeom prst="rect">
+            <a:avLst/>
+          </a:prstGeom>
+        </p:spPr>
+      </p:pic>
+      <p:pic>
+        <p:nvPicPr>
+          <p:cNvPr id="9" name="Imagen 8" descr="Gráfico&#10;&#10;Descripción generada automáticamente">
+            <a:extLst>
+              <a:ext uri="{FF2B5EF4-FFF2-40B4-BE49-F238E27FC236}">
+                <a16:creationId xmlns:a16="http://schemas.microsoft.com/office/drawing/2014/main" id="{F79A4F5E-123D-D8CB-7DE6-1C756C60A7F1}"/>
+              </a:ext>
+            </a:extLst>
+          </p:cNvPr>
+          <p:cNvPicPr>
+            <a:picLocks noChangeAspect="1"/>
+          </p:cNvPicPr>
+          <p:nvPr/>
+        </p:nvPicPr>
+        <p:blipFill>
+          <a:blip r:embed="rId5">
+            <a:extLst>
+              <a:ext uri="{28A0092B-C50C-407E-A947-70E740481C1C}">
+                <a14:useLocalDpi xmlns:a14="http://schemas.microsoft.com/office/drawing/2010/main" val="0"/>
+              </a:ext>
+            </a:extLst>
+          </a:blip>
+          <a:stretch>
+            <a:fillRect/>
+          </a:stretch>
+        </p:blipFill>
+        <p:spPr>
+          <a:xfrm>
+            <a:off x="4484210" y="1834792"/>
+            <a:ext cx="4320000" cy="3240000"/>
+          </a:xfrm>
+          <a:prstGeom prst="rect">
+            <a:avLst/>
+          </a:prstGeom>
+        </p:spPr>
+      </p:pic>
+      <p:sp>
+        <p:nvSpPr>
+          <p:cNvPr id="11" name="CuadroTexto 10">
+            <a:extLst>
+              <a:ext uri="{FF2B5EF4-FFF2-40B4-BE49-F238E27FC236}">
+                <a16:creationId xmlns:a16="http://schemas.microsoft.com/office/drawing/2014/main" id="{1BEF294D-CA20-B8F1-F3A7-705726FD011C}"/>
+              </a:ext>
+            </a:extLst>
+          </p:cNvPr>
+          <p:cNvSpPr txBox="1"/>
+          <p:nvPr/>
+        </p:nvSpPr>
+        <p:spPr>
+          <a:xfrm>
+            <a:off x="2409246" y="5231958"/>
+            <a:ext cx="5064980" cy="646331"/>
+          </a:xfrm>
+          <a:prstGeom prst="rect">
+            <a:avLst/>
+          </a:prstGeom>
+          <a:noFill/>
+        </p:spPr>
+        <p:txBody>
+          <a:bodyPr wrap="square" rtlCol="0">
+            <a:spAutoFit/>
+          </a:bodyPr>
+          <a:lstStyle/>
+          <a:p>
+            <a:r>
+              <a:rPr lang="es-CO" dirty="0"/>
+              <a:t>Código disponible “</a:t>
+            </a:r>
+            <a:r>
+              <a:rPr lang="es-CO" dirty="0" err="1"/>
+              <a:t>Senales_discretas.m</a:t>
+            </a:r>
+            <a:r>
+              <a:rPr lang="es-CO" dirty="0"/>
+              <a:t>”</a:t>
+            </a:r>
+          </a:p>
+          <a:p>
+            <a:r>
+              <a:rPr lang="es-CO" dirty="0"/>
+              <a:t>Fig1 y Fig2</a:t>
+            </a:r>
+          </a:p>
+        </p:txBody>
+      </p:sp>
     </p:spTree>
     <p:extLst>
       <p:ext uri="{BB962C8B-B14F-4D97-AF65-F5344CB8AC3E}">
-        <p14:creationId xmlns:p14="http://schemas.microsoft.com/office/powerpoint/2010/main" val="929824070"/>
+        <p14:creationId xmlns:p14="http://schemas.microsoft.com/office/powerpoint/2010/main" val="2587530529"/>
       </p:ext>
     </p:extLst>
   </p:cSld>
@@ -25410,17 +25748,19 @@
         </p:nvSpPr>
         <p:spPr>
           <a:xfrm>
-            <a:off x="2251870" y="672742"/>
+            <a:off x="2267744" y="2847975"/>
             <a:ext cx="4392340" cy="1162050"/>
           </a:xfrm>
         </p:spPr>
         <p:txBody>
-          <a:bodyPr/>
+          <a:bodyPr>
+            <a:normAutofit/>
+          </a:bodyPr>
           <a:lstStyle/>
           <a:p>
             <a:pPr algn="ctr"/>
             <a:r>
-              <a:rPr lang="es-CO" b="1"/>
+              <a:rPr lang="es-CO" sz="2800" b="1" dirty="0"/>
               <a:t>¿Qué es una señal en espacio discreto?</a:t>
             </a:r>
           </a:p>
@@ -25619,7 +25959,7 @@
           <a:p>
             <a:pPr algn="ctr" eaLnBrk="1" hangingPunct="1"/>
             <a:r>
-              <a:rPr lang="es-CO" altLang="es-CO" sz="3600" b="0"/>
+              <a:rPr lang="es-CO" altLang="es-CO" sz="3600" b="0" dirty="0"/>
               <a:t>9</a:t>
             </a:r>
           </a:p>
@@ -25899,106 +26239,10 @@
           </a:p>
         </p:txBody>
       </p:sp>
-      <p:sp>
-        <p:nvSpPr>
-          <p:cNvPr id="3" name="CuadroTexto 2">
-            <a:extLst>
-              <a:ext uri="{FF2B5EF4-FFF2-40B4-BE49-F238E27FC236}">
-                <a16:creationId xmlns:a16="http://schemas.microsoft.com/office/drawing/2014/main" id="{D7A672F5-7168-A058-640B-C64276D595B9}"/>
-              </a:ext>
-            </a:extLst>
-          </p:cNvPr>
-          <p:cNvSpPr txBox="1"/>
-          <p:nvPr/>
-        </p:nvSpPr>
-        <p:spPr>
-          <a:xfrm>
-            <a:off x="971600" y="3140968"/>
-            <a:ext cx="7560840" cy="923330"/>
-          </a:xfrm>
-          <a:prstGeom prst="rect">
-            <a:avLst/>
-          </a:prstGeom>
-          <a:noFill/>
-        </p:spPr>
-        <p:txBody>
-          <a:bodyPr wrap="square" rtlCol="0">
-            <a:spAutoFit/>
-          </a:bodyPr>
-          <a:lstStyle/>
-          <a:p>
-            <a:pPr algn="l"/>
-            <a:r>
-              <a:rPr lang="es-ES" b="0" i="0" dirty="0">
-                <a:effectLst/>
-                <a:latin typeface="Söhne"/>
-              </a:rPr>
-              <a:t>En cuanto a señales en espacio discreto, los </a:t>
-            </a:r>
-            <a:r>
-              <a:rPr lang="es-ES" b="1" i="0" dirty="0">
-                <a:effectLst/>
-                <a:latin typeface="Söhne"/>
-              </a:rPr>
-              <a:t>valores</a:t>
-            </a:r>
-            <a:r>
-              <a:rPr lang="es-ES" b="0" i="0" dirty="0">
-                <a:effectLst/>
-                <a:latin typeface="Söhne"/>
-              </a:rPr>
-              <a:t> se definen solo </a:t>
-            </a:r>
-            <a:r>
-              <a:rPr lang="es-ES" b="1" i="0" dirty="0">
-                <a:effectLst/>
-                <a:latin typeface="Söhne"/>
-              </a:rPr>
-              <a:t>en</a:t>
-            </a:r>
-            <a:r>
-              <a:rPr lang="es-ES" b="0" i="0" dirty="0">
-                <a:effectLst/>
-                <a:latin typeface="Söhne"/>
-              </a:rPr>
-              <a:t> </a:t>
-            </a:r>
-            <a:r>
-              <a:rPr lang="es-ES" b="1" i="0" dirty="0">
-                <a:effectLst/>
-                <a:latin typeface="Söhne"/>
-              </a:rPr>
-              <a:t>ubicaciones</a:t>
-            </a:r>
-            <a:r>
-              <a:rPr lang="es-ES" b="0" i="0" dirty="0">
-                <a:effectLst/>
-                <a:latin typeface="Söhne"/>
-              </a:rPr>
-              <a:t> discretas, como puntos en una cuadrícula o en una secuencia de posiciones </a:t>
-            </a:r>
-            <a:r>
-              <a:rPr lang="es-ES" b="1" i="0" dirty="0">
-                <a:effectLst/>
-                <a:latin typeface="Söhne"/>
-              </a:rPr>
-              <a:t>específicas</a:t>
-            </a:r>
-            <a:r>
-              <a:rPr lang="es-ES" b="0" i="0" dirty="0">
-                <a:effectLst/>
-                <a:latin typeface="Söhne"/>
-              </a:rPr>
-              <a:t>. </a:t>
-            </a:r>
-            <a:endParaRPr lang="en-US" dirty="0"/>
-          </a:p>
-        </p:txBody>
-      </p:sp>
     </p:spTree>
     <p:extLst>
       <p:ext uri="{BB962C8B-B14F-4D97-AF65-F5344CB8AC3E}">
-        <p14:creationId xmlns:p14="http://schemas.microsoft.com/office/powerpoint/2010/main" val="1860376443"/>
+        <p14:creationId xmlns:p14="http://schemas.microsoft.com/office/powerpoint/2010/main" val="929824070"/>
       </p:ext>
     </p:extLst>
   </p:cSld>
@@ -26878,15 +27122,6 @@
 </file>
 
 <file path=customXml/item2.xml><?xml version="1.0" encoding="utf-8"?>
-<?mso-contentType ?>
-<FormTemplates xmlns="http://schemas.microsoft.com/sharepoint/v3/contenttype/forms">
-  <Display>DocumentLibraryForm</Display>
-  <Edit>DocumentLibraryForm</Edit>
-  <New>DocumentLibraryForm</New>
-</FormTemplates>
-</file>
-
-<file path=customXml/item3.xml><?xml version="1.0" encoding="utf-8"?>
 <ct:contentTypeSchema xmlns:ct="http://schemas.microsoft.com/office/2006/metadata/contentType" xmlns:ma="http://schemas.microsoft.com/office/2006/metadata/properties/metaAttributes" ct:_="" ma:_="" ma:contentTypeName="Documento" ma:contentTypeID="0x0101007A62137D465CE64A8C883A4664514BF8" ma:contentTypeVersion="15" ma:contentTypeDescription="Crear nuevo documento." ma:contentTypeScope="" ma:versionID="a1bd1d59f691eb9bca6952b111268275">
   <xsd:schema xmlns:xsd="http://www.w3.org/2001/XMLSchema" xmlns:xs="http://www.w3.org/2001/XMLSchema" xmlns:p="http://schemas.microsoft.com/office/2006/metadata/properties" xmlns:ns3="669280c1-d17e-4d1d-bd7f-b4f14cc6bf1d" xmlns:ns4="bdc56f61-abc0-4f7e-bfec-a93ccd1ae886" targetNamespace="http://schemas.microsoft.com/office/2006/metadata/properties" ma:root="true" ma:fieldsID="d02990a02f19f0f9fc7b999b1809cae4" ns3:_="" ns4:_="">
     <xsd:import namespace="669280c1-d17e-4d1d-bd7f-b4f14cc6bf1d"/>
@@ -27121,6 +27356,15 @@
 </ct:contentTypeSchema>
 </file>
 
+<file path=customXml/item3.xml><?xml version="1.0" encoding="utf-8"?>
+<?mso-contentType ?>
+<FormTemplates xmlns="http://schemas.microsoft.com/sharepoint/v3/contenttype/forms">
+  <Display>DocumentLibraryForm</Display>
+  <Edit>DocumentLibraryForm</Edit>
+  <New>DocumentLibraryForm</New>
+</FormTemplates>
+</file>
+
 <file path=customXml/itemProps1.xml><?xml version="1.0" encoding="utf-8"?>
 <ds:datastoreItem xmlns:ds="http://schemas.openxmlformats.org/officeDocument/2006/customXml" ds:itemID="{0825853C-1B27-4995-A583-4D39F900BB7F}">
   <ds:schemaRefs>
@@ -27139,14 +27383,6 @@
 </file>
 
 <file path=customXml/itemProps2.xml><?xml version="1.0" encoding="utf-8"?>
-<ds:datastoreItem xmlns:ds="http://schemas.openxmlformats.org/officeDocument/2006/customXml" ds:itemID="{4E8623C8-32E1-48B0-9F0A-13F2E9582B7E}">
-  <ds:schemaRefs>
-    <ds:schemaRef ds:uri="http://schemas.microsoft.com/sharepoint/v3/contenttype/forms"/>
-  </ds:schemaRefs>
-</ds:datastoreItem>
-</file>
-
-<file path=customXml/itemProps3.xml><?xml version="1.0" encoding="utf-8"?>
 <ds:datastoreItem xmlns:ds="http://schemas.openxmlformats.org/officeDocument/2006/customXml" ds:itemID="{025820C3-FD82-4EFC-BF14-EAF1F9613F52}">
   <ds:schemaRefs>
     <ds:schemaRef ds:uri="669280c1-d17e-4d1d-bd7f-b4f14cc6bf1d"/>
@@ -27163,4 +27399,12 @@
     <ds:schemaRef ds:uri="http://www.w3.org/2001/XMLSchema"/>
   </ds:schemaRefs>
 </ds:datastoreItem>
+</file>
+
+<file path=customXml/itemProps3.xml><?xml version="1.0" encoding="utf-8"?>
+<ds:datastoreItem xmlns:ds="http://schemas.openxmlformats.org/officeDocument/2006/customXml" ds:itemID="{4E8623C8-32E1-48B0-9F0A-13F2E9582B7E}">
+  <ds:schemaRefs>
+    <ds:schemaRef ds:uri="http://schemas.microsoft.com/sharepoint/v3/contenttype/forms"/>
+  </ds:schemaRefs>
+</ds:datastoreItem>
 </file>
--- a/Sesión_1/Señales Discretas - Digitales.pptx
+++ b/Sesión_1/Señales Discretas - Digitales.pptx
@@ -435,12 +435,12 @@
   <pc:docChgLst>
     <pc:chgData name="JHEYSON FABIAN VILLAVISAN BUITRAGO" userId="e5ced5c2-d787-455d-b115-4f08a699b8c8" providerId="ADAL" clId="{B0D2AAE1-3849-4962-BFD2-3A39DBE37F15}"/>
     <pc:docChg chg="undo custSel addSld delSld modSld modSection">
-      <pc:chgData name="JHEYSON FABIAN VILLAVISAN BUITRAGO" userId="e5ced5c2-d787-455d-b115-4f08a699b8c8" providerId="ADAL" clId="{B0D2AAE1-3849-4962-BFD2-3A39DBE37F15}" dt="2025-01-08T16:21:44.133" v="1222" actId="20577"/>
+      <pc:chgData name="JHEYSON FABIAN VILLAVISAN BUITRAGO" userId="e5ced5c2-d787-455d-b115-4f08a699b8c8" providerId="ADAL" clId="{B0D2AAE1-3849-4962-BFD2-3A39DBE37F15}" dt="2025-01-09T14:47:42.781" v="1223" actId="1076"/>
       <pc:docMkLst>
         <pc:docMk/>
       </pc:docMkLst>
       <pc:sldChg chg="addSp delSp modSp mod modNotes modNotesTx">
-        <pc:chgData name="JHEYSON FABIAN VILLAVISAN BUITRAGO" userId="e5ced5c2-d787-455d-b115-4f08a699b8c8" providerId="ADAL" clId="{B0D2AAE1-3849-4962-BFD2-3A39DBE37F15}" dt="2025-01-08T16:12:30.040" v="1116" actId="20577"/>
+        <pc:chgData name="JHEYSON FABIAN VILLAVISAN BUITRAGO" userId="e5ced5c2-d787-455d-b115-4f08a699b8c8" providerId="ADAL" clId="{B0D2AAE1-3849-4962-BFD2-3A39DBE37F15}" dt="2025-01-09T14:47:42.781" v="1223" actId="1076"/>
         <pc:sldMkLst>
           <pc:docMk/>
           <pc:sldMk cId="34520361" sldId="275"/>
@@ -454,7 +454,7 @@
           </ac:spMkLst>
         </pc:spChg>
         <pc:spChg chg="add mod">
-          <ac:chgData name="JHEYSON FABIAN VILLAVISAN BUITRAGO" userId="e5ced5c2-d787-455d-b115-4f08a699b8c8" providerId="ADAL" clId="{B0D2AAE1-3849-4962-BFD2-3A39DBE37F15}" dt="2025-01-08T16:12:30.040" v="1116" actId="20577"/>
+          <ac:chgData name="JHEYSON FABIAN VILLAVISAN BUITRAGO" userId="e5ced5c2-d787-455d-b115-4f08a699b8c8" providerId="ADAL" clId="{B0D2AAE1-3849-4962-BFD2-3A39DBE37F15}" dt="2025-01-09T14:47:42.781" v="1223" actId="1076"/>
           <ac:spMkLst>
             <pc:docMk/>
             <pc:sldMk cId="34520361" sldId="275"/>
@@ -1493,7 +1493,7 @@
               <a:pPr>
                 <a:defRPr/>
               </a:pPr>
-              <a:t>8/01/2025</a:t>
+              <a:t>9/01/2025</a:t>
             </a:fld>
             <a:endParaRPr lang="es-CO"/>
           </a:p>
@@ -1736,7 +1736,7 @@
               <a:pPr>
                 <a:defRPr/>
               </a:pPr>
-              <a:t>8/01/2025</a:t>
+              <a:t>9/01/2025</a:t>
             </a:fld>
             <a:endParaRPr lang="es-CO"/>
           </a:p>
@@ -4644,7 +4644,7 @@
           <a:p>
             <a:fld id="{9CF7635E-2D71-42E7-9E6C-FBB85A15A85F}" type="datetimeFigureOut">
               <a:rPr lang="es-CO" smtClean="0"/>
-              <a:t>8/01/2025</a:t>
+              <a:t>9/01/2025</a:t>
             </a:fld>
             <a:endParaRPr lang="es-CO"/>
           </a:p>
@@ -4910,7 +4910,7 @@
           <a:p>
             <a:fld id="{9CF7635E-2D71-42E7-9E6C-FBB85A15A85F}" type="datetimeFigureOut">
               <a:rPr lang="es-CO" smtClean="0"/>
-              <a:t>8/01/2025</a:t>
+              <a:t>9/01/2025</a:t>
             </a:fld>
             <a:endParaRPr lang="es-CO"/>
           </a:p>
@@ -5126,7 +5126,7 @@
           <a:p>
             <a:fld id="{9CF7635E-2D71-42E7-9E6C-FBB85A15A85F}" type="datetimeFigureOut">
               <a:rPr lang="es-CO" smtClean="0"/>
-              <a:t>8/01/2025</a:t>
+              <a:t>9/01/2025</a:t>
             </a:fld>
             <a:endParaRPr lang="es-CO"/>
           </a:p>
@@ -6755,7 +6755,7 @@
           <a:p>
             <a:fld id="{9CF7635E-2D71-42E7-9E6C-FBB85A15A85F}" type="datetimeFigureOut">
               <a:rPr lang="es-CO" smtClean="0"/>
-              <a:t>8/01/2025</a:t>
+              <a:t>9/01/2025</a:t>
             </a:fld>
             <a:endParaRPr lang="es-CO"/>
           </a:p>
@@ -7202,7 +7202,7 @@
           <a:p>
             <a:fld id="{9CF7635E-2D71-42E7-9E6C-FBB85A15A85F}" type="datetimeFigureOut">
               <a:rPr lang="es-CO" smtClean="0"/>
-              <a:t>8/01/2025</a:t>
+              <a:t>9/01/2025</a:t>
             </a:fld>
             <a:endParaRPr lang="es-CO"/>
           </a:p>
@@ -7476,7 +7476,7 @@
           <a:p>
             <a:fld id="{9CF7635E-2D71-42E7-9E6C-FBB85A15A85F}" type="datetimeFigureOut">
               <a:rPr lang="es-CO" smtClean="0"/>
-              <a:t>8/01/2025</a:t>
+              <a:t>9/01/2025</a:t>
             </a:fld>
             <a:endParaRPr lang="es-CO"/>
           </a:p>
@@ -7897,7 +7897,7 @@
           <a:p>
             <a:fld id="{9CF7635E-2D71-42E7-9E6C-FBB85A15A85F}" type="datetimeFigureOut">
               <a:rPr lang="es-CO" smtClean="0"/>
-              <a:t>8/01/2025</a:t>
+              <a:t>9/01/2025</a:t>
             </a:fld>
             <a:endParaRPr lang="es-CO"/>
           </a:p>
@@ -8045,7 +8045,7 @@
           <a:p>
             <a:fld id="{9CF7635E-2D71-42E7-9E6C-FBB85A15A85F}" type="datetimeFigureOut">
               <a:rPr lang="es-CO" smtClean="0"/>
-              <a:t>8/01/2025</a:t>
+              <a:t>9/01/2025</a:t>
             </a:fld>
             <a:endParaRPr lang="es-CO"/>
           </a:p>
@@ -8164,7 +8164,7 @@
           <a:p>
             <a:fld id="{9CF7635E-2D71-42E7-9E6C-FBB85A15A85F}" type="datetimeFigureOut">
               <a:rPr lang="es-CO" smtClean="0"/>
-              <a:t>8/01/2025</a:t>
+              <a:t>9/01/2025</a:t>
             </a:fld>
             <a:endParaRPr lang="es-CO"/>
           </a:p>
@@ -8483,7 +8483,7 @@
           <a:p>
             <a:fld id="{9CF7635E-2D71-42E7-9E6C-FBB85A15A85F}" type="datetimeFigureOut">
               <a:rPr lang="es-CO" smtClean="0"/>
-              <a:t>8/01/2025</a:t>
+              <a:t>9/01/2025</a:t>
             </a:fld>
             <a:endParaRPr lang="es-CO"/>
           </a:p>
@@ -8778,7 +8778,7 @@
           <a:p>
             <a:fld id="{9CF7635E-2D71-42E7-9E6C-FBB85A15A85F}" type="datetimeFigureOut">
               <a:rPr lang="es-CO" smtClean="0"/>
-              <a:t>8/01/2025</a:t>
+              <a:t>9/01/2025</a:t>
             </a:fld>
             <a:endParaRPr lang="es-CO"/>
           </a:p>
@@ -9027,7 +9027,7 @@
           <a:p>
             <a:fld id="{9CF7635E-2D71-42E7-9E6C-FBB85A15A85F}" type="datetimeFigureOut">
               <a:rPr lang="es-CO" smtClean="0"/>
-              <a:t>8/01/2025</a:t>
+              <a:t>9/01/2025</a:t>
             </a:fld>
             <a:endParaRPr lang="es-CO"/>
           </a:p>
@@ -22940,7 +22940,7 @@
         </p:nvSpPr>
         <p:spPr>
           <a:xfrm>
-            <a:off x="2409246" y="5414838"/>
+            <a:off x="2394615" y="5127787"/>
             <a:ext cx="5064980" cy="646331"/>
           </a:xfrm>
           <a:prstGeom prst="rect">
@@ -27114,11 +27114,12 @@
 </file>
 
 <file path=customXml/item1.xml><?xml version="1.0" encoding="utf-8"?>
-<p:properties xmlns:p="http://schemas.microsoft.com/office/2006/metadata/properties" xmlns:xsi="http://www.w3.org/2001/XMLSchema-instance" xmlns:pc="http://schemas.microsoft.com/office/infopath/2007/PartnerControls">
-  <documentManagement>
-    <_activity xmlns="bdc56f61-abc0-4f7e-bfec-a93ccd1ae886" xsi:nil="true"/>
-  </documentManagement>
-</p:properties>
+<?mso-contentType ?>
+<FormTemplates xmlns="http://schemas.microsoft.com/sharepoint/v3/contenttype/forms">
+  <Display>DocumentLibraryForm</Display>
+  <Edit>DocumentLibraryForm</Edit>
+  <New>DocumentLibraryForm</New>
+</FormTemplates>
 </file>
 
 <file path=customXml/item2.xml><?xml version="1.0" encoding="utf-8"?>
@@ -27357,27 +27358,17 @@
 </file>
 
 <file path=customXml/item3.xml><?xml version="1.0" encoding="utf-8"?>
-<?mso-contentType ?>
-<FormTemplates xmlns="http://schemas.microsoft.com/sharepoint/v3/contenttype/forms">
-  <Display>DocumentLibraryForm</Display>
-  <Edit>DocumentLibraryForm</Edit>
-  <New>DocumentLibraryForm</New>
-</FormTemplates>
+<p:properties xmlns:p="http://schemas.microsoft.com/office/2006/metadata/properties" xmlns:xsi="http://www.w3.org/2001/XMLSchema-instance" xmlns:pc="http://schemas.microsoft.com/office/infopath/2007/PartnerControls">
+  <documentManagement>
+    <_activity xmlns="bdc56f61-abc0-4f7e-bfec-a93ccd1ae886" xsi:nil="true"/>
+  </documentManagement>
+</p:properties>
 </file>
 
 <file path=customXml/itemProps1.xml><?xml version="1.0" encoding="utf-8"?>
-<ds:datastoreItem xmlns:ds="http://schemas.openxmlformats.org/officeDocument/2006/customXml" ds:itemID="{0825853C-1B27-4995-A583-4D39F900BB7F}">
+<ds:datastoreItem xmlns:ds="http://schemas.openxmlformats.org/officeDocument/2006/customXml" ds:itemID="{4E8623C8-32E1-48B0-9F0A-13F2E9582B7E}">
   <ds:schemaRefs>
-    <ds:schemaRef ds:uri="669280c1-d17e-4d1d-bd7f-b4f14cc6bf1d"/>
-    <ds:schemaRef ds:uri="bdc56f61-abc0-4f7e-bfec-a93ccd1ae886"/>
-    <ds:schemaRef ds:uri="http://purl.org/dc/dcmitype/"/>
-    <ds:schemaRef ds:uri="http://purl.org/dc/elements/1.1/"/>
-    <ds:schemaRef ds:uri="http://purl.org/dc/terms/"/>
-    <ds:schemaRef ds:uri="http://schemas.microsoft.com/office/2006/documentManagement/types"/>
-    <ds:schemaRef ds:uri="http://schemas.microsoft.com/office/2006/metadata/properties"/>
-    <ds:schemaRef ds:uri="http://schemas.microsoft.com/office/infopath/2007/PartnerControls"/>
-    <ds:schemaRef ds:uri="http://schemas.openxmlformats.org/package/2006/metadata/core-properties"/>
-    <ds:schemaRef ds:uri="http://www.w3.org/XML/1998/namespace"/>
+    <ds:schemaRef ds:uri="http://schemas.microsoft.com/sharepoint/v3/contenttype/forms"/>
   </ds:schemaRefs>
 </ds:datastoreItem>
 </file>
@@ -27402,9 +27393,18 @@
 </file>
 
 <file path=customXml/itemProps3.xml><?xml version="1.0" encoding="utf-8"?>
-<ds:datastoreItem xmlns:ds="http://schemas.openxmlformats.org/officeDocument/2006/customXml" ds:itemID="{4E8623C8-32E1-48B0-9F0A-13F2E9582B7E}">
+<ds:datastoreItem xmlns:ds="http://schemas.openxmlformats.org/officeDocument/2006/customXml" ds:itemID="{0825853C-1B27-4995-A583-4D39F900BB7F}">
   <ds:schemaRefs>
-    <ds:schemaRef ds:uri="http://schemas.microsoft.com/sharepoint/v3/contenttype/forms"/>
+    <ds:schemaRef ds:uri="669280c1-d17e-4d1d-bd7f-b4f14cc6bf1d"/>
+    <ds:schemaRef ds:uri="bdc56f61-abc0-4f7e-bfec-a93ccd1ae886"/>
+    <ds:schemaRef ds:uri="http://purl.org/dc/dcmitype/"/>
+    <ds:schemaRef ds:uri="http://purl.org/dc/elements/1.1/"/>
+    <ds:schemaRef ds:uri="http://purl.org/dc/terms/"/>
+    <ds:schemaRef ds:uri="http://schemas.microsoft.com/office/2006/documentManagement/types"/>
+    <ds:schemaRef ds:uri="http://schemas.microsoft.com/office/2006/metadata/properties"/>
+    <ds:schemaRef ds:uri="http://schemas.microsoft.com/office/infopath/2007/PartnerControls"/>
+    <ds:schemaRef ds:uri="http://schemas.openxmlformats.org/package/2006/metadata/core-properties"/>
+    <ds:schemaRef ds:uri="http://www.w3.org/XML/1998/namespace"/>
   </ds:schemaRefs>
 </ds:datastoreItem>
 </file>
--- a/Sesión_1/Señales Discretas - Digitales.pptx
+++ b/Sesión_1/Señales Discretas - Digitales.pptx
@@ -435,7 +435,7 @@
   <pc:docChgLst>
     <pc:chgData name="JHEYSON FABIAN VILLAVISAN BUITRAGO" userId="e5ced5c2-d787-455d-b115-4f08a699b8c8" providerId="ADAL" clId="{B0D2AAE1-3849-4962-BFD2-3A39DBE37F15}"/>
     <pc:docChg chg="undo custSel addSld delSld modSld modSection">
-      <pc:chgData name="JHEYSON FABIAN VILLAVISAN BUITRAGO" userId="e5ced5c2-d787-455d-b115-4f08a699b8c8" providerId="ADAL" clId="{B0D2AAE1-3849-4962-BFD2-3A39DBE37F15}" dt="2025-01-09T14:47:42.781" v="1223" actId="1076"/>
+      <pc:chgData name="JHEYSON FABIAN VILLAVISAN BUITRAGO" userId="e5ced5c2-d787-455d-b115-4f08a699b8c8" providerId="ADAL" clId="{B0D2AAE1-3849-4962-BFD2-3A39DBE37F15}" dt="2025-01-14T00:33:55.225" v="1239" actId="790"/>
       <pc:docMkLst>
         <pc:docMk/>
       </pc:docMkLst>
@@ -445,14 +445,6 @@
           <pc:docMk/>
           <pc:sldMk cId="34520361" sldId="275"/>
         </pc:sldMkLst>
-        <pc:spChg chg="add del mod">
-          <ac:chgData name="JHEYSON FABIAN VILLAVISAN BUITRAGO" userId="e5ced5c2-d787-455d-b115-4f08a699b8c8" providerId="ADAL" clId="{B0D2AAE1-3849-4962-BFD2-3A39DBE37F15}" dt="2025-01-08T15:39:27.613" v="60"/>
-          <ac:spMkLst>
-            <pc:docMk/>
-            <pc:sldMk cId="34520361" sldId="275"/>
-            <ac:spMk id="3" creationId="{1D4D4DFA-E122-A462-FD67-6A6524816C25}"/>
-          </ac:spMkLst>
-        </pc:spChg>
         <pc:spChg chg="add mod">
           <ac:chgData name="JHEYSON FABIAN VILLAVISAN BUITRAGO" userId="e5ced5c2-d787-455d-b115-4f08a699b8c8" providerId="ADAL" clId="{B0D2AAE1-3849-4962-BFD2-3A39DBE37F15}" dt="2025-01-09T14:47:42.781" v="1223" actId="1076"/>
           <ac:spMkLst>
@@ -461,22 +453,6 @@
             <ac:spMk id="12" creationId="{DC06EE51-B57F-1B79-D1E1-BB4C225991CA}"/>
           </ac:spMkLst>
         </pc:spChg>
-        <pc:picChg chg="del">
-          <ac:chgData name="JHEYSON FABIAN VILLAVISAN BUITRAGO" userId="e5ced5c2-d787-455d-b115-4f08a699b8c8" providerId="ADAL" clId="{B0D2AAE1-3849-4962-BFD2-3A39DBE37F15}" dt="2025-01-08T16:11:53.684" v="1091" actId="478"/>
-          <ac:picMkLst>
-            <pc:docMk/>
-            <pc:sldMk cId="34520361" sldId="275"/>
-            <ac:picMk id="4" creationId="{9418D3E6-A201-784F-C03B-4E5340AF2190}"/>
-          </ac:picMkLst>
-        </pc:picChg>
-        <pc:picChg chg="del">
-          <ac:chgData name="JHEYSON FABIAN VILLAVISAN BUITRAGO" userId="e5ced5c2-d787-455d-b115-4f08a699b8c8" providerId="ADAL" clId="{B0D2AAE1-3849-4962-BFD2-3A39DBE37F15}" dt="2025-01-08T16:11:46.030" v="1089" actId="478"/>
-          <ac:picMkLst>
-            <pc:docMk/>
-            <pc:sldMk cId="34520361" sldId="275"/>
-            <ac:picMk id="7" creationId="{0D8EDE3D-0AEB-C6FD-71ED-BE233F884870}"/>
-          </ac:picMkLst>
-        </pc:picChg>
         <pc:picChg chg="add mod">
           <ac:chgData name="JHEYSON FABIAN VILLAVISAN BUITRAGO" userId="e5ced5c2-d787-455d-b115-4f08a699b8c8" providerId="ADAL" clId="{B0D2AAE1-3849-4962-BFD2-3A39DBE37F15}" dt="2025-01-08T16:12:05.018" v="1100" actId="1076"/>
           <ac:picMkLst>
@@ -491,14 +467,6 @@
             <pc:docMk/>
             <pc:sldMk cId="34520361" sldId="275"/>
             <ac:picMk id="11" creationId="{26CB703F-CB07-C767-581E-75ECB8C99035}"/>
-          </ac:picMkLst>
-        </pc:picChg>
-        <pc:picChg chg="del">
-          <ac:chgData name="JHEYSON FABIAN VILLAVISAN BUITRAGO" userId="e5ced5c2-d787-455d-b115-4f08a699b8c8" providerId="ADAL" clId="{B0D2AAE1-3849-4962-BFD2-3A39DBE37F15}" dt="2025-01-08T15:52:08.784" v="690" actId="478"/>
-          <ac:picMkLst>
-            <pc:docMk/>
-            <pc:sldMk cId="34520361" sldId="275"/>
-            <ac:picMk id="1030" creationId="{1C18D43F-2855-65EA-5BFF-1D93A1FA13DC}"/>
           </ac:picMkLst>
         </pc:picChg>
       </pc:sldChg>
@@ -531,28 +499,12 @@
             <ac:spMk id="11" creationId="{1BEF294D-CA20-B8F1-F3A7-705726FD011C}"/>
           </ac:spMkLst>
         </pc:spChg>
-        <pc:picChg chg="del mod">
-          <ac:chgData name="JHEYSON FABIAN VILLAVISAN BUITRAGO" userId="e5ced5c2-d787-455d-b115-4f08a699b8c8" providerId="ADAL" clId="{B0D2AAE1-3849-4962-BFD2-3A39DBE37F15}" dt="2025-01-08T16:08:35.437" v="1016" actId="478"/>
-          <ac:picMkLst>
-            <pc:docMk/>
-            <pc:sldMk cId="2587530529" sldId="277"/>
-            <ac:picMk id="3" creationId="{0E423D7D-ED47-174C-29C9-00D4328D40B3}"/>
-          </ac:picMkLst>
-        </pc:picChg>
         <pc:picChg chg="add mod">
           <ac:chgData name="JHEYSON FABIAN VILLAVISAN BUITRAGO" userId="e5ced5c2-d787-455d-b115-4f08a699b8c8" providerId="ADAL" clId="{B0D2AAE1-3849-4962-BFD2-3A39DBE37F15}" dt="2025-01-08T16:09:46.839" v="1027" actId="1076"/>
           <ac:picMkLst>
             <pc:docMk/>
             <pc:sldMk cId="2587530529" sldId="277"/>
             <ac:picMk id="6" creationId="{3A79F405-2DA1-B192-BEF1-FE126996BCC8}"/>
-          </ac:picMkLst>
-        </pc:picChg>
-        <pc:picChg chg="del mod">
-          <ac:chgData name="JHEYSON FABIAN VILLAVISAN BUITRAGO" userId="e5ced5c2-d787-455d-b115-4f08a699b8c8" providerId="ADAL" clId="{B0D2AAE1-3849-4962-BFD2-3A39DBE37F15}" dt="2025-01-08T16:08:35.731" v="1017" actId="478"/>
-          <ac:picMkLst>
-            <pc:docMk/>
-            <pc:sldMk cId="2587530529" sldId="277"/>
-            <ac:picMk id="7" creationId="{7B888150-3D13-F724-3936-F6D7FB619E22}"/>
           </ac:picMkLst>
         </pc:picChg>
         <pc:picChg chg="add mod">
@@ -563,14 +515,6 @@
             <ac:picMk id="9" creationId="{F79A4F5E-123D-D8CB-7DE6-1C756C60A7F1}"/>
           </ac:picMkLst>
         </pc:picChg>
-        <pc:picChg chg="del">
-          <ac:chgData name="JHEYSON FABIAN VILLAVISAN BUITRAGO" userId="e5ced5c2-d787-455d-b115-4f08a699b8c8" providerId="ADAL" clId="{B0D2AAE1-3849-4962-BFD2-3A39DBE37F15}" dt="2025-01-08T16:04:31.744" v="1012" actId="478"/>
-          <ac:picMkLst>
-            <pc:docMk/>
-            <pc:sldMk cId="2587530529" sldId="277"/>
-            <ac:picMk id="1030" creationId="{1C18D43F-2855-65EA-5BFF-1D93A1FA13DC}"/>
-          </ac:picMkLst>
-        </pc:picChg>
       </pc:sldChg>
       <pc:sldChg chg="modNotesTx">
         <pc:chgData name="JHEYSON FABIAN VILLAVISAN BUITRAGO" userId="e5ced5c2-d787-455d-b115-4f08a699b8c8" providerId="ADAL" clId="{B0D2AAE1-3849-4962-BFD2-3A39DBE37F15}" dt="2025-01-08T16:07:07.837" v="1014" actId="20577"/>
@@ -579,8 +523,8 @@
           <pc:sldMk cId="2126111200" sldId="278"/>
         </pc:sldMkLst>
       </pc:sldChg>
-      <pc:sldChg chg="modSp mod">
-        <pc:chgData name="JHEYSON FABIAN VILLAVISAN BUITRAGO" userId="e5ced5c2-d787-455d-b115-4f08a699b8c8" providerId="ADAL" clId="{B0D2AAE1-3849-4962-BFD2-3A39DBE37F15}" dt="2025-01-08T16:17:52.651" v="1182" actId="20577"/>
+      <pc:sldChg chg="modSp mod modNotesTx">
+        <pc:chgData name="JHEYSON FABIAN VILLAVISAN BUITRAGO" userId="e5ced5c2-d787-455d-b115-4f08a699b8c8" providerId="ADAL" clId="{B0D2AAE1-3849-4962-BFD2-3A39DBE37F15}" dt="2025-01-14T00:33:02.284" v="1235" actId="20577"/>
         <pc:sldMkLst>
           <pc:docMk/>
           <pc:sldMk cId="929824070" sldId="279"/>
@@ -780,14 +724,6 @@
           <pc:docMk/>
           <pc:sldMk cId="3914863035" sldId="293"/>
         </pc:sldMkLst>
-        <pc:spChg chg="del mod">
-          <ac:chgData name="JHEYSON FABIAN VILLAVISAN BUITRAGO" userId="e5ced5c2-d787-455d-b115-4f08a699b8c8" providerId="ADAL" clId="{B0D2AAE1-3849-4962-BFD2-3A39DBE37F15}" dt="2025-01-08T16:19:25.987" v="1206"/>
-          <ac:spMkLst>
-            <pc:docMk/>
-            <pc:sldMk cId="3914863035" sldId="293"/>
-            <ac:spMk id="4" creationId="{288647F6-17F8-0AD9-C07D-435342577836}"/>
-          </ac:spMkLst>
-        </pc:spChg>
         <pc:spChg chg="mod">
           <ac:chgData name="JHEYSON FABIAN VILLAVISAN BUITRAGO" userId="e5ced5c2-d787-455d-b115-4f08a699b8c8" providerId="ADAL" clId="{B0D2AAE1-3849-4962-BFD2-3A39DBE37F15}" dt="2025-01-08T16:19:18.990" v="1202" actId="20577"/>
           <ac:spMkLst>
@@ -798,7 +734,7 @@
         </pc:spChg>
       </pc:sldChg>
       <pc:sldChg chg="modSp add mod modNotesTx">
-        <pc:chgData name="JHEYSON FABIAN VILLAVISAN BUITRAGO" userId="e5ced5c2-d787-455d-b115-4f08a699b8c8" providerId="ADAL" clId="{B0D2AAE1-3849-4962-BFD2-3A39DBE37F15}" dt="2025-01-08T16:07:06.221" v="1013" actId="20577"/>
+        <pc:chgData name="JHEYSON FABIAN VILLAVISAN BUITRAGO" userId="e5ced5c2-d787-455d-b115-4f08a699b8c8" providerId="ADAL" clId="{B0D2AAE1-3849-4962-BFD2-3A39DBE37F15}" dt="2025-01-14T00:32:31.269" v="1234" actId="313"/>
         <pc:sldMkLst>
           <pc:docMk/>
           <pc:sldMk cId="4064584512" sldId="294"/>
@@ -812,7 +748,7 @@
           </ac:spMkLst>
         </pc:spChg>
         <pc:spChg chg="mod">
-          <ac:chgData name="JHEYSON FABIAN VILLAVISAN BUITRAGO" userId="e5ced5c2-d787-455d-b115-4f08a699b8c8" providerId="ADAL" clId="{B0D2AAE1-3849-4962-BFD2-3A39DBE37F15}" dt="2025-01-08T16:03:01.412" v="1010" actId="20577"/>
+          <ac:chgData name="JHEYSON FABIAN VILLAVISAN BUITRAGO" userId="e5ced5c2-d787-455d-b115-4f08a699b8c8" providerId="ADAL" clId="{B0D2AAE1-3849-4962-BFD2-3A39DBE37F15}" dt="2025-01-14T00:32:31.269" v="1234" actId="313"/>
           <ac:spMkLst>
             <pc:docMk/>
             <pc:sldMk cId="4064584512" sldId="294"/>
@@ -829,7 +765,7 @@
         </pc:spChg>
       </pc:sldChg>
       <pc:sldChg chg="delSp modSp add mod modNotesTx">
-        <pc:chgData name="JHEYSON FABIAN VILLAVISAN BUITRAGO" userId="e5ced5c2-d787-455d-b115-4f08a699b8c8" providerId="ADAL" clId="{B0D2AAE1-3849-4962-BFD2-3A39DBE37F15}" dt="2025-01-08T16:19:38.347" v="1212" actId="20577"/>
+        <pc:chgData name="JHEYSON FABIAN VILLAVISAN BUITRAGO" userId="e5ced5c2-d787-455d-b115-4f08a699b8c8" providerId="ADAL" clId="{B0D2AAE1-3849-4962-BFD2-3A39DBE37F15}" dt="2025-01-14T00:33:55.225" v="1239" actId="790"/>
         <pc:sldMkLst>
           <pc:docMk/>
           <pc:sldMk cId="3187294709" sldId="295"/>
@@ -843,19 +779,11 @@
           </ac:spMkLst>
         </pc:spChg>
         <pc:spChg chg="mod">
-          <ac:chgData name="JHEYSON FABIAN VILLAVISAN BUITRAGO" userId="e5ced5c2-d787-455d-b115-4f08a699b8c8" providerId="ADAL" clId="{B0D2AAE1-3849-4962-BFD2-3A39DBE37F15}" dt="2025-01-08T16:01:05.951" v="999" actId="20577"/>
+          <ac:chgData name="JHEYSON FABIAN VILLAVISAN BUITRAGO" userId="e5ced5c2-d787-455d-b115-4f08a699b8c8" providerId="ADAL" clId="{B0D2AAE1-3849-4962-BFD2-3A39DBE37F15}" dt="2025-01-14T00:33:55.225" v="1239" actId="790"/>
           <ac:spMkLst>
             <pc:docMk/>
             <pc:sldMk cId="3187294709" sldId="295"/>
             <ac:spMk id="3" creationId="{315DC0A2-F745-7B83-5FBF-BD27D9D916C0}"/>
-          </ac:spMkLst>
-        </pc:spChg>
-        <pc:spChg chg="del mod">
-          <ac:chgData name="JHEYSON FABIAN VILLAVISAN BUITRAGO" userId="e5ced5c2-d787-455d-b115-4f08a699b8c8" providerId="ADAL" clId="{B0D2AAE1-3849-4962-BFD2-3A39DBE37F15}" dt="2025-01-08T16:19:36.242" v="1210"/>
-          <ac:spMkLst>
-            <pc:docMk/>
-            <pc:sldMk cId="3187294709" sldId="295"/>
-            <ac:spMk id="4" creationId="{4DBC0ADE-652F-F265-A81D-0B67F49E0B00}"/>
           </ac:spMkLst>
         </pc:spChg>
         <pc:spChg chg="mod">
@@ -867,8 +795,8 @@
           </ac:spMkLst>
         </pc:spChg>
       </pc:sldChg>
-      <pc:sldChg chg="modSp add mod">
-        <pc:chgData name="JHEYSON FABIAN VILLAVISAN BUITRAGO" userId="e5ced5c2-d787-455d-b115-4f08a699b8c8" providerId="ADAL" clId="{B0D2AAE1-3849-4962-BFD2-3A39DBE37F15}" dt="2025-01-08T16:17:57.953" v="1186" actId="20577"/>
+      <pc:sldChg chg="modSp add mod modNotesTx">
+        <pc:chgData name="JHEYSON FABIAN VILLAVISAN BUITRAGO" userId="e5ced5c2-d787-455d-b115-4f08a699b8c8" providerId="ADAL" clId="{B0D2AAE1-3849-4962-BFD2-3A39DBE37F15}" dt="2025-01-14T00:33:09.415" v="1236" actId="20577"/>
         <pc:sldMkLst>
           <pc:docMk/>
           <pc:sldMk cId="4159872141" sldId="296"/>
@@ -1493,7 +1421,7 @@
               <a:pPr>
                 <a:defRPr/>
               </a:pPr>
-              <a:t>9/01/2025</a:t>
+              <a:t>13/01/2025</a:t>
             </a:fld>
             <a:endParaRPr lang="es-CO"/>
           </a:p>
@@ -1736,7 +1664,7 @@
               <a:pPr>
                 <a:defRPr/>
               </a:pPr>
-              <a:t>9/01/2025</a:t>
+              <a:t>13/01/2025</a:t>
             </a:fld>
             <a:endParaRPr lang="es-CO"/>
           </a:p>
@@ -2431,13 +2359,6 @@
           <a:bodyPr/>
           <a:lstStyle/>
           <a:p>
-            <a:r>
-              <a:rPr lang="es-ES" b="0" i="0" dirty="0">
-                <a:effectLst/>
-                <a:latin typeface="Söhne"/>
-              </a:rPr>
-              <a:t>Un ejemplo de esto podría ser una secuencia de alturas en diferentes ubicaciones en una montaña.</a:t>
-            </a:r>
             <a:endParaRPr lang="en-US" dirty="0"/>
           </a:p>
         </p:txBody>
@@ -4345,14 +4266,7 @@
           <a:bodyPr/>
           <a:lstStyle/>
           <a:p>
-            <a:r>
-              <a:rPr lang="es-ES" b="0" i="0">
-                <a:effectLst/>
-                <a:latin typeface="Söhne"/>
-              </a:rPr>
-              <a:t>Por ejemplo, una secuencia de valores que represente la temperatura medida cada hora en un día es una señal discreta, ya que los datos están recopilados en momentos específicos del día.</a:t>
-            </a:r>
-            <a:endParaRPr lang="en-US"/>
+            <a:endParaRPr lang="en-US" dirty="0"/>
           </a:p>
         </p:txBody>
       </p:sp>
@@ -4644,7 +4558,7 @@
           <a:p>
             <a:fld id="{9CF7635E-2D71-42E7-9E6C-FBB85A15A85F}" type="datetimeFigureOut">
               <a:rPr lang="es-CO" smtClean="0"/>
-              <a:t>9/01/2025</a:t>
+              <a:t>13/01/2025</a:t>
             </a:fld>
             <a:endParaRPr lang="es-CO"/>
           </a:p>
@@ -4910,7 +4824,7 @@
           <a:p>
             <a:fld id="{9CF7635E-2D71-42E7-9E6C-FBB85A15A85F}" type="datetimeFigureOut">
               <a:rPr lang="es-CO" smtClean="0"/>
-              <a:t>9/01/2025</a:t>
+              <a:t>13/01/2025</a:t>
             </a:fld>
             <a:endParaRPr lang="es-CO"/>
           </a:p>
@@ -5126,7 +5040,7 @@
           <a:p>
             <a:fld id="{9CF7635E-2D71-42E7-9E6C-FBB85A15A85F}" type="datetimeFigureOut">
               <a:rPr lang="es-CO" smtClean="0"/>
-              <a:t>9/01/2025</a:t>
+              <a:t>13/01/2025</a:t>
             </a:fld>
             <a:endParaRPr lang="es-CO"/>
           </a:p>
@@ -6755,7 +6669,7 @@
           <a:p>
             <a:fld id="{9CF7635E-2D71-42E7-9E6C-FBB85A15A85F}" type="datetimeFigureOut">
               <a:rPr lang="es-CO" smtClean="0"/>
-              <a:t>9/01/2025</a:t>
+              <a:t>13/01/2025</a:t>
             </a:fld>
             <a:endParaRPr lang="es-CO"/>
           </a:p>
@@ -7202,7 +7116,7 @@
           <a:p>
             <a:fld id="{9CF7635E-2D71-42E7-9E6C-FBB85A15A85F}" type="datetimeFigureOut">
               <a:rPr lang="es-CO" smtClean="0"/>
-              <a:t>9/01/2025</a:t>
+              <a:t>13/01/2025</a:t>
             </a:fld>
             <a:endParaRPr lang="es-CO"/>
           </a:p>
@@ -7476,7 +7390,7 @@
           <a:p>
             <a:fld id="{9CF7635E-2D71-42E7-9E6C-FBB85A15A85F}" type="datetimeFigureOut">
               <a:rPr lang="es-CO" smtClean="0"/>
-              <a:t>9/01/2025</a:t>
+              <a:t>13/01/2025</a:t>
             </a:fld>
             <a:endParaRPr lang="es-CO"/>
           </a:p>
@@ -7897,7 +7811,7 @@
           <a:p>
             <a:fld id="{9CF7635E-2D71-42E7-9E6C-FBB85A15A85F}" type="datetimeFigureOut">
               <a:rPr lang="es-CO" smtClean="0"/>
-              <a:t>9/01/2025</a:t>
+              <a:t>13/01/2025</a:t>
             </a:fld>
             <a:endParaRPr lang="es-CO"/>
           </a:p>
@@ -8045,7 +7959,7 @@
           <a:p>
             <a:fld id="{9CF7635E-2D71-42E7-9E6C-FBB85A15A85F}" type="datetimeFigureOut">
               <a:rPr lang="es-CO" smtClean="0"/>
-              <a:t>9/01/2025</a:t>
+              <a:t>13/01/2025</a:t>
             </a:fld>
             <a:endParaRPr lang="es-CO"/>
           </a:p>
@@ -8164,7 +8078,7 @@
           <a:p>
             <a:fld id="{9CF7635E-2D71-42E7-9E6C-FBB85A15A85F}" type="datetimeFigureOut">
               <a:rPr lang="es-CO" smtClean="0"/>
-              <a:t>9/01/2025</a:t>
+              <a:t>13/01/2025</a:t>
             </a:fld>
             <a:endParaRPr lang="es-CO"/>
           </a:p>
@@ -8483,7 +8397,7 @@
           <a:p>
             <a:fld id="{9CF7635E-2D71-42E7-9E6C-FBB85A15A85F}" type="datetimeFigureOut">
               <a:rPr lang="es-CO" smtClean="0"/>
-              <a:t>9/01/2025</a:t>
+              <a:t>13/01/2025</a:t>
             </a:fld>
             <a:endParaRPr lang="es-CO"/>
           </a:p>
@@ -8778,7 +8692,7 @@
           <a:p>
             <a:fld id="{9CF7635E-2D71-42E7-9E6C-FBB85A15A85F}" type="datetimeFigureOut">
               <a:rPr lang="es-CO" smtClean="0"/>
-              <a:t>9/01/2025</a:t>
+              <a:t>13/01/2025</a:t>
             </a:fld>
             <a:endParaRPr lang="es-CO"/>
           </a:p>
@@ -9027,7 +8941,7 @@
           <a:p>
             <a:fld id="{9CF7635E-2D71-42E7-9E6C-FBB85A15A85F}" type="datetimeFigureOut">
               <a:rPr lang="es-CO" smtClean="0"/>
-              <a:t>9/01/2025</a:t>
+              <a:t>13/01/2025</a:t>
             </a:fld>
             <a:endParaRPr lang="es-CO"/>
           </a:p>
@@ -15234,118 +15148,17 @@
           <a:lstStyle/>
           <a:p>
             <a:r>
-              <a:rPr lang="en-US" dirty="0" err="1"/>
-              <a:t>Usando</a:t>
+              <a:rPr lang="es-CO" dirty="0"/>
+              <a:t>Usando el script “</a:t>
             </a:r>
             <a:r>
-              <a:rPr lang="en-US" dirty="0"/>
-              <a:t> </a:t>
-            </a:r>
-            <a:r>
-              <a:rPr lang="en-US" dirty="0" err="1"/>
-              <a:t>el</a:t>
-            </a:r>
-            <a:r>
-              <a:rPr lang="en-US" dirty="0"/>
-              <a:t> script “</a:t>
-            </a:r>
-            <a:r>
-              <a:rPr lang="en-US" dirty="0" err="1"/>
+              <a:rPr lang="es-CO" dirty="0" err="1"/>
               <a:t>Señales_discretas.mlx</a:t>
             </a:r>
             <a:r>
-              <a:rPr lang="en-US" dirty="0"/>
-              <a:t>” </a:t>
+              <a:rPr lang="es-CO" dirty="0"/>
+              <a:t>” diseñe un algoritmo que permita calcular y graficar el error de cuantización para las figuras 2, y 4 en comparación con la figura 2.</a:t>
             </a:r>
-            <a:r>
-              <a:rPr lang="en-US" dirty="0" err="1"/>
-              <a:t>diseñe</a:t>
-            </a:r>
-            <a:r>
-              <a:rPr lang="en-US" dirty="0"/>
-              <a:t> un </a:t>
-            </a:r>
-            <a:r>
-              <a:rPr lang="en-US" dirty="0" err="1"/>
-              <a:t>algoritmo</a:t>
-            </a:r>
-            <a:r>
-              <a:rPr lang="en-US" dirty="0"/>
-              <a:t> que </a:t>
-            </a:r>
-            <a:r>
-              <a:rPr lang="en-US" dirty="0" err="1"/>
-              <a:t>permita</a:t>
-            </a:r>
-            <a:r>
-              <a:rPr lang="en-US" dirty="0"/>
-              <a:t> </a:t>
-            </a:r>
-            <a:r>
-              <a:rPr lang="en-US" dirty="0" err="1"/>
-              <a:t>calcular</a:t>
-            </a:r>
-            <a:r>
-              <a:rPr lang="en-US" dirty="0"/>
-              <a:t> y </a:t>
-            </a:r>
-            <a:r>
-              <a:rPr lang="en-US" dirty="0" err="1"/>
-              <a:t>graficar</a:t>
-            </a:r>
-            <a:r>
-              <a:rPr lang="en-US" dirty="0"/>
-              <a:t> </a:t>
-            </a:r>
-            <a:r>
-              <a:rPr lang="en-US" dirty="0" err="1"/>
-              <a:t>el</a:t>
-            </a:r>
-            <a:r>
-              <a:rPr lang="en-US" dirty="0"/>
-              <a:t> error de </a:t>
-            </a:r>
-            <a:r>
-              <a:rPr lang="en-US" dirty="0" err="1"/>
-              <a:t>cuantización</a:t>
-            </a:r>
-            <a:r>
-              <a:rPr lang="en-US" dirty="0"/>
-              <a:t> para las </a:t>
-            </a:r>
-            <a:r>
-              <a:rPr lang="en-US" dirty="0" err="1"/>
-              <a:t>figuras</a:t>
-            </a:r>
-            <a:r>
-              <a:rPr lang="en-US" dirty="0"/>
-              <a:t> 2, y 4 </a:t>
-            </a:r>
-            <a:r>
-              <a:rPr lang="en-US" dirty="0" err="1"/>
-              <a:t>en</a:t>
-            </a:r>
-            <a:r>
-              <a:rPr lang="en-US" dirty="0"/>
-              <a:t> </a:t>
-            </a:r>
-            <a:r>
-              <a:rPr lang="en-US" dirty="0" err="1"/>
-              <a:t>comparación</a:t>
-            </a:r>
-            <a:r>
-              <a:rPr lang="en-US" dirty="0"/>
-              <a:t> con la </a:t>
-            </a:r>
-            <a:r>
-              <a:rPr lang="en-US" dirty="0" err="1"/>
-              <a:t>figura</a:t>
-            </a:r>
-            <a:r>
-              <a:rPr lang="en-US" dirty="0"/>
-              <a:t> 2.</a:t>
-            </a:r>
-            <a:endParaRPr lang="es-ES" dirty="0"/>
           </a:p>
         </p:txBody>
       </p:sp>
@@ -24774,270 +24587,62 @@
           <a:p>
             <a:pPr algn="l"/>
             <a:r>
-              <a:rPr lang="en-US" dirty="0" err="1"/>
-              <a:t>Usando</a:t>
+              <a:rPr lang="es-CO" dirty="0"/>
+              <a:t>Usando el script “</a:t>
             </a:r>
             <a:r>
-              <a:rPr lang="en-US" dirty="0"/>
-              <a:t> </a:t>
-            </a:r>
-            <a:r>
-              <a:rPr lang="en-US" dirty="0" err="1"/>
-              <a:t>el</a:t>
-            </a:r>
-            <a:r>
-              <a:rPr lang="en-US" dirty="0"/>
-              <a:t> script “</a:t>
-            </a:r>
-            <a:r>
-              <a:rPr lang="en-US" dirty="0" err="1"/>
+              <a:rPr lang="es-CO" dirty="0" err="1"/>
               <a:t>Señales_discretas.mlx</a:t>
             </a:r>
             <a:r>
-              <a:rPr lang="en-US" dirty="0"/>
-              <a:t>” para las </a:t>
+              <a:rPr lang="es-CO" dirty="0"/>
+              <a:t>” para las figuras 1 y 2 describa que pasa:</a:t>
+            </a:r>
+          </a:p>
+          <a:p>
+            <a:pPr algn="l"/>
+            <a:r>
+              <a:rPr lang="es-CO" dirty="0"/>
+              <a:t>-Si, ¿las variables amplitud “A” y puntos discretos “</a:t>
             </a:r>
             <a:r>
-              <a:rPr lang="en-US" dirty="0" err="1"/>
-              <a:t>figuras</a:t>
-            </a:r>
-            <a:r>
-              <a:rPr lang="en-US" dirty="0"/>
-              <a:t> 1 y 2 </a:t>
-            </a:r>
-            <a:r>
-              <a:rPr lang="en-US" dirty="0" err="1"/>
-              <a:t>describa</a:t>
-            </a:r>
-            <a:r>
-              <a:rPr lang="en-US" dirty="0"/>
-              <a:t> que </a:t>
-            </a:r>
-            <a:r>
-              <a:rPr lang="en-US" dirty="0" err="1"/>
-              <a:t>pasa</a:t>
-            </a:r>
-            <a:r>
-              <a:rPr lang="en-US" dirty="0"/>
-              <a:t>:</a:t>
-            </a:r>
-          </a:p>
-          <a:p>
-            <a:pPr algn="l"/>
-            <a:r>
-              <a:rPr lang="en-US" dirty="0"/>
-              <a:t>-Si las variables </a:t>
-            </a:r>
-            <a:r>
-              <a:rPr lang="en-US" dirty="0" err="1"/>
-              <a:t>amplitud</a:t>
-            </a:r>
-            <a:r>
-              <a:rPr lang="en-US" dirty="0"/>
-              <a:t> “A” y puntos </a:t>
-            </a:r>
-            <a:r>
-              <a:rPr lang="en-US" dirty="0" err="1"/>
-              <a:t>discretos</a:t>
-            </a:r>
-            <a:r>
-              <a:rPr lang="en-US" dirty="0"/>
-              <a:t> “</a:t>
-            </a:r>
-            <a:r>
-              <a:rPr lang="en-US" dirty="0" err="1"/>
+              <a:rPr lang="es-CO" dirty="0" err="1"/>
               <a:t>cantidad_muestras</a:t>
             </a:r>
             <a:r>
-              <a:rPr lang="en-US" dirty="0"/>
-              <a:t>” son </a:t>
+              <a:rPr lang="es-CO" dirty="0"/>
+              <a:t>” son igual a 1?</a:t>
+            </a:r>
+          </a:p>
+          <a:p>
+            <a:r>
+              <a:rPr lang="es-CO" dirty="0"/>
+              <a:t>-Si las variables amplitud “A” y puntos discretos “</a:t>
             </a:r>
             <a:r>
-              <a:rPr lang="en-US" dirty="0" err="1"/>
-              <a:t>igual</a:t>
-            </a:r>
-            <a:r>
-              <a:rPr lang="en-US" dirty="0"/>
-              <a:t> a 1.</a:t>
-            </a:r>
-          </a:p>
-          <a:p>
-            <a:r>
-              <a:rPr lang="en-US" dirty="0"/>
-              <a:t>-Si las variables </a:t>
-            </a:r>
-            <a:r>
-              <a:rPr lang="en-US" dirty="0" err="1"/>
-              <a:t>amplitud</a:t>
-            </a:r>
-            <a:r>
-              <a:rPr lang="en-US" dirty="0"/>
-              <a:t> “A” y puntos </a:t>
-            </a:r>
-            <a:r>
-              <a:rPr lang="en-US" dirty="0" err="1"/>
-              <a:t>discretos</a:t>
-            </a:r>
-            <a:r>
-              <a:rPr lang="en-US" dirty="0"/>
-              <a:t> “</a:t>
-            </a:r>
-            <a:r>
-              <a:rPr lang="en-US" dirty="0" err="1"/>
+              <a:rPr lang="es-CO" dirty="0" err="1"/>
               <a:t>cantidad_muestras</a:t>
             </a:r>
             <a:r>
-              <a:rPr lang="en-US" dirty="0"/>
-              <a:t>” son </a:t>
+              <a:rPr lang="es-CO" dirty="0"/>
+              <a:t>” son igual al máximo.</a:t>
             </a:r>
+          </a:p>
+          <a:p>
             <a:r>
-              <a:rPr lang="en-US" dirty="0" err="1"/>
-              <a:t>igual</a:t>
+              <a:rPr lang="es-CO" dirty="0"/>
+              <a:t>A ojo/mano, identifique la mínima cantidad de puntos discretos (variable “cantidad de muestras”) que le permita visualizar e identificar la señal seno.</a:t>
             </a:r>
-            <a:r>
-              <a:rPr lang="en-US" dirty="0"/>
-              <a:t> al </a:t>
-            </a:r>
-            <a:r>
-              <a:rPr lang="en-US" dirty="0" err="1"/>
-              <a:t>maximo</a:t>
-            </a:r>
-            <a:r>
-              <a:rPr lang="en-US" dirty="0"/>
-              <a:t>.</a:t>
-            </a:r>
-          </a:p>
-          <a:p>
-            <a:r>
-              <a:rPr lang="en-US" dirty="0"/>
-              <a:t>A </a:t>
-            </a:r>
-            <a:r>
-              <a:rPr lang="en-US" dirty="0" err="1"/>
-              <a:t>ojo</a:t>
-            </a:r>
-            <a:r>
-              <a:rPr lang="en-US" dirty="0"/>
-              <a:t>/mano, </a:t>
-            </a:r>
-            <a:r>
-              <a:rPr lang="en-US" dirty="0" err="1"/>
-              <a:t>identifique</a:t>
-            </a:r>
-            <a:r>
-              <a:rPr lang="en-US" dirty="0"/>
-              <a:t> la minima </a:t>
-            </a:r>
-            <a:r>
-              <a:rPr lang="en-US" dirty="0" err="1"/>
-              <a:t>cantidad</a:t>
-            </a:r>
-            <a:r>
-              <a:rPr lang="en-US" dirty="0"/>
-              <a:t> de puntos </a:t>
-            </a:r>
-            <a:r>
-              <a:rPr lang="en-US" dirty="0" err="1"/>
-              <a:t>discretos</a:t>
-            </a:r>
-            <a:r>
-              <a:rPr lang="en-US" dirty="0"/>
-              <a:t> (variable “</a:t>
-            </a:r>
-            <a:r>
-              <a:rPr lang="en-US" dirty="0" err="1"/>
-              <a:t>cantidad</a:t>
-            </a:r>
-            <a:r>
-              <a:rPr lang="en-US" dirty="0"/>
-              <a:t> de </a:t>
-            </a:r>
-            <a:r>
-              <a:rPr lang="en-US" dirty="0" err="1"/>
-              <a:t>muestras</a:t>
-            </a:r>
-            <a:r>
-              <a:rPr lang="en-US" dirty="0"/>
-              <a:t>”) que le </a:t>
-            </a:r>
-            <a:r>
-              <a:rPr lang="en-US" dirty="0" err="1"/>
-              <a:t>permita</a:t>
-            </a:r>
-            <a:r>
-              <a:rPr lang="en-US" dirty="0"/>
-              <a:t> </a:t>
-            </a:r>
-            <a:r>
-              <a:rPr lang="en-US" dirty="0" err="1"/>
-              <a:t>visualizar</a:t>
-            </a:r>
-            <a:r>
-              <a:rPr lang="en-US" dirty="0"/>
-              <a:t> e </a:t>
-            </a:r>
-            <a:r>
-              <a:rPr lang="en-US" dirty="0" err="1"/>
-              <a:t>identificar</a:t>
-            </a:r>
-            <a:r>
-              <a:rPr lang="en-US" dirty="0"/>
-              <a:t> la </a:t>
-            </a:r>
-            <a:r>
-              <a:rPr lang="en-US" dirty="0" err="1"/>
-              <a:t>señal</a:t>
-            </a:r>
-            <a:r>
-              <a:rPr lang="en-US" dirty="0"/>
-              <a:t> </a:t>
-            </a:r>
-            <a:r>
-              <a:rPr lang="en-US" dirty="0" err="1"/>
-              <a:t>seno</a:t>
-            </a:r>
-            <a:r>
-              <a:rPr lang="en-US" dirty="0"/>
-              <a:t>.</a:t>
-            </a:r>
           </a:p>
           <a:p>
             <a:pPr algn="l"/>
-            <a:endParaRPr lang="en-US" dirty="0"/>
+            <a:endParaRPr lang="es-CO" dirty="0"/>
           </a:p>
           <a:p>
             <a:pPr algn="l"/>
             <a:r>
-              <a:rPr lang="en-US" dirty="0" err="1"/>
-              <a:t>Discuta</a:t>
-            </a:r>
-            <a:r>
-              <a:rPr lang="en-US" dirty="0"/>
-              <a:t> </a:t>
-            </a:r>
-            <a:r>
-              <a:rPr lang="en-US" dirty="0" err="1"/>
-              <a:t>los</a:t>
-            </a:r>
-            <a:r>
-              <a:rPr lang="en-US" dirty="0"/>
-              <a:t> </a:t>
-            </a:r>
-            <a:r>
-              <a:rPr lang="en-US" dirty="0" err="1"/>
-              <a:t>resultados</a:t>
-            </a:r>
-            <a:r>
-              <a:rPr lang="en-US" dirty="0"/>
-              <a:t> y </a:t>
-            </a:r>
-            <a:r>
-              <a:rPr lang="en-US" dirty="0" err="1"/>
-              <a:t>concluya</a:t>
-            </a:r>
-            <a:r>
-              <a:rPr lang="en-US" dirty="0"/>
-              <a:t>.</a:t>
+              <a:rPr lang="es-CO" dirty="0"/>
+              <a:t>Discuta los resultados y concluya.</a:t>
             </a:r>
           </a:p>
         </p:txBody>
@@ -25100,7 +24705,7 @@
           <a:p>
             <a:pPr algn="ctr"/>
             <a:r>
-              <a:rPr lang="es-CO" b="1"/>
+              <a:rPr lang="es-CO" b="1" dirty="0"/>
               <a:t>¿Qué diferencia encuentra en las siguientes gráficas?</a:t>
             </a:r>
           </a:p>
@@ -27114,15 +26719,6 @@
 </file>
 
 <file path=customXml/item1.xml><?xml version="1.0" encoding="utf-8"?>
-<?mso-contentType ?>
-<FormTemplates xmlns="http://schemas.microsoft.com/sharepoint/v3/contenttype/forms">
-  <Display>DocumentLibraryForm</Display>
-  <Edit>DocumentLibraryForm</Edit>
-  <New>DocumentLibraryForm</New>
-</FormTemplates>
-</file>
-
-<file path=customXml/item2.xml><?xml version="1.0" encoding="utf-8"?>
 <ct:contentTypeSchema xmlns:ct="http://schemas.microsoft.com/office/2006/metadata/contentType" xmlns:ma="http://schemas.microsoft.com/office/2006/metadata/properties/metaAttributes" ct:_="" ma:_="" ma:contentTypeName="Documento" ma:contentTypeID="0x0101007A62137D465CE64A8C883A4664514BF8" ma:contentTypeVersion="15" ma:contentTypeDescription="Crear nuevo documento." ma:contentTypeScope="" ma:versionID="a1bd1d59f691eb9bca6952b111268275">
   <xsd:schema xmlns:xsd="http://www.w3.org/2001/XMLSchema" xmlns:xs="http://www.w3.org/2001/XMLSchema" xmlns:p="http://schemas.microsoft.com/office/2006/metadata/properties" xmlns:ns3="669280c1-d17e-4d1d-bd7f-b4f14cc6bf1d" xmlns:ns4="bdc56f61-abc0-4f7e-bfec-a93ccd1ae886" targetNamespace="http://schemas.microsoft.com/office/2006/metadata/properties" ma:root="true" ma:fieldsID="d02990a02f19f0f9fc7b999b1809cae4" ns3:_="" ns4:_="">
     <xsd:import namespace="669280c1-d17e-4d1d-bd7f-b4f14cc6bf1d"/>
@@ -27357,6 +26953,15 @@
 </ct:contentTypeSchema>
 </file>
 
+<file path=customXml/item2.xml><?xml version="1.0" encoding="utf-8"?>
+<?mso-contentType ?>
+<FormTemplates xmlns="http://schemas.microsoft.com/sharepoint/v3/contenttype/forms">
+  <Display>DocumentLibraryForm</Display>
+  <Edit>DocumentLibraryForm</Edit>
+  <New>DocumentLibraryForm</New>
+</FormTemplates>
+</file>
+
 <file path=customXml/item3.xml><?xml version="1.0" encoding="utf-8"?>
 <p:properties xmlns:p="http://schemas.microsoft.com/office/2006/metadata/properties" xmlns:xsi="http://www.w3.org/2001/XMLSchema-instance" xmlns:pc="http://schemas.microsoft.com/office/infopath/2007/PartnerControls">
   <documentManagement>
@@ -27366,14 +26971,6 @@
 </file>
 
 <file path=customXml/itemProps1.xml><?xml version="1.0" encoding="utf-8"?>
-<ds:datastoreItem xmlns:ds="http://schemas.openxmlformats.org/officeDocument/2006/customXml" ds:itemID="{4E8623C8-32E1-48B0-9F0A-13F2E9582B7E}">
-  <ds:schemaRefs>
-    <ds:schemaRef ds:uri="http://schemas.microsoft.com/sharepoint/v3/contenttype/forms"/>
-  </ds:schemaRefs>
-</ds:datastoreItem>
-</file>
-
-<file path=customXml/itemProps2.xml><?xml version="1.0" encoding="utf-8"?>
 <ds:datastoreItem xmlns:ds="http://schemas.openxmlformats.org/officeDocument/2006/customXml" ds:itemID="{025820C3-FD82-4EFC-BF14-EAF1F9613F52}">
   <ds:schemaRefs>
     <ds:schemaRef ds:uri="669280c1-d17e-4d1d-bd7f-b4f14cc6bf1d"/>
@@ -27388,6 +26985,14 @@
     <ds:schemaRef ds:uri="http://schemas.microsoft.com/office/infopath/2007/PartnerControls"/>
     <ds:schemaRef ds:uri="http://schemas.openxmlformats.org/package/2006/metadata/core-properties"/>
     <ds:schemaRef ds:uri="http://www.w3.org/2001/XMLSchema"/>
+  </ds:schemaRefs>
+</ds:datastoreItem>
+</file>
+
+<file path=customXml/itemProps2.xml><?xml version="1.0" encoding="utf-8"?>
+<ds:datastoreItem xmlns:ds="http://schemas.openxmlformats.org/officeDocument/2006/customXml" ds:itemID="{4E8623C8-32E1-48B0-9F0A-13F2E9582B7E}">
+  <ds:schemaRefs>
+    <ds:schemaRef ds:uri="http://schemas.microsoft.com/sharepoint/v3/contenttype/forms"/>
   </ds:schemaRefs>
 </ds:datastoreItem>
 </file>
